--- a/instructions/SeleSt_instruction_slides.pptx
+++ b/instructions/SeleSt_instruction_slides.pptx
@@ -2,18 +2,20 @@
 <file path=ppt/presentation.xml><?xml version="1.0" encoding="utf-8"?>
 <p:presentation xmlns:a="http://schemas.openxmlformats.org/drawingml/2006/main" xmlns:r="http://schemas.openxmlformats.org/officeDocument/2006/relationships" xmlns:p="http://schemas.openxmlformats.org/presentationml/2006/main" saveSubsetFonts="1">
   <p:sldMasterIdLst>
-    <p:sldMasterId id="2147483648" r:id="rId1"/>
+    <p:sldMasterId id="2147483648" r:id="rId4"/>
   </p:sldMasterIdLst>
+  <p:notesMasterIdLst>
+    <p:notesMasterId r:id="rId13"/>
+  </p:notesMasterIdLst>
   <p:sldIdLst>
-    <p:sldId id="260" r:id="rId2"/>
-    <p:sldId id="261" r:id="rId3"/>
-    <p:sldId id="262" r:id="rId4"/>
-    <p:sldId id="263" r:id="rId5"/>
-    <p:sldId id="264" r:id="rId6"/>
-    <p:sldId id="265" r:id="rId7"/>
-    <p:sldId id="266" r:id="rId8"/>
-    <p:sldId id="267" r:id="rId9"/>
-    <p:sldId id="268" r:id="rId10"/>
+    <p:sldId id="260" r:id="rId5"/>
+    <p:sldId id="261" r:id="rId6"/>
+    <p:sldId id="262" r:id="rId7"/>
+    <p:sldId id="264" r:id="rId8"/>
+    <p:sldId id="265" r:id="rId9"/>
+    <p:sldId id="266" r:id="rId10"/>
+    <p:sldId id="263" r:id="rId11"/>
+    <p:sldId id="268" r:id="rId12"/>
   </p:sldIdLst>
   <p:sldSz cx="12192000" cy="6858000"/>
   <p:notesSz cx="6858000" cy="9144000"/>
@@ -120,6 +122,540 @@
 </p:presentation>
 </file>
 
+<file path=ppt/authors.xml><?xml version="1.0" encoding="utf-8"?>
+<p188:authorLst xmlns:a="http://schemas.openxmlformats.org/drawingml/2006/main" xmlns:r="http://schemas.openxmlformats.org/officeDocument/2006/relationships" xmlns:p188="http://schemas.microsoft.com/office/powerpoint/2018/8/main">
+  <p188:author id="{1094894C-BD8C-5247-FEFE-DF344A8A5A6E}" name="Arne Nieuwenhuys" initials="AN" userId="S::anie170@uoa.auckland.ac.nz::0706d4dd-f5a5-4aa5-ba3f-ce9da5f4319b" providerId="AD"/>
+</p188:authorLst>
+</file>
+
+<file path=ppt/revisionInfo.xml><?xml version="1.0" encoding="utf-8"?>
+<p1510:revInfo xmlns:a="http://schemas.openxmlformats.org/drawingml/2006/main" xmlns:r="http://schemas.openxmlformats.org/officeDocument/2006/relationships" xmlns:p1510="http://schemas.microsoft.com/office/powerpoint/2015/10/main">
+  <p1510:revLst>
+    <p1510:client id="{9DD0CD1C-FED9-4696-AE8F-68B3214AE3B4}" v="42" dt="2022-02-27T20:43:32.069"/>
+    <p1510:client id="{CF1D4A3B-B082-4174-8002-64B5BFB5182C}" v="260" dt="2022-02-27T21:19:13.509"/>
+    <p1510:client id="{FF07BFDC-7835-4183-9081-DC0312D55F07}" v="3" dt="2022-02-20T23:44:41.598"/>
+  </p1510:revLst>
+</p1510:revInfo>
+</file>
+
+<file path=ppt/notesMasters/notesMaster1.xml><?xml version="1.0" encoding="utf-8"?>
+<p:notesMaster xmlns:a="http://schemas.openxmlformats.org/drawingml/2006/main" xmlns:r="http://schemas.openxmlformats.org/officeDocument/2006/relationships" xmlns:p="http://schemas.openxmlformats.org/presentationml/2006/main">
+  <p:cSld>
+    <p:bg>
+      <p:bgRef idx="1001">
+        <a:schemeClr val="bg1"/>
+      </p:bgRef>
+    </p:bg>
+    <p:spTree>
+      <p:nvGrpSpPr>
+        <p:cNvPr id="1" name=""/>
+        <p:cNvGrpSpPr/>
+        <p:nvPr/>
+      </p:nvGrpSpPr>
+      <p:grpSpPr>
+        <a:xfrm>
+          <a:off x="0" y="0"/>
+          <a:ext cx="0" cy="0"/>
+          <a:chOff x="0" y="0"/>
+          <a:chExt cx="0" cy="0"/>
+        </a:xfrm>
+      </p:grpSpPr>
+      <p:sp>
+        <p:nvSpPr>
+          <p:cNvPr id="2" name="Header Placeholder 1"/>
+          <p:cNvSpPr>
+            <a:spLocks noGrp="1"/>
+          </p:cNvSpPr>
+          <p:nvPr>
+            <p:ph type="hdr" sz="quarter"/>
+          </p:nvPr>
+        </p:nvSpPr>
+        <p:spPr>
+          <a:xfrm>
+            <a:off x="0" y="0"/>
+            <a:ext cx="2971800" cy="458788"/>
+          </a:xfrm>
+          <a:prstGeom prst="rect">
+            <a:avLst/>
+          </a:prstGeom>
+        </p:spPr>
+        <p:txBody>
+          <a:bodyPr vert="horz" lIns="91440" tIns="45720" rIns="91440" bIns="45720" rtlCol="0"/>
+          <a:lstStyle>
+            <a:lvl1pPr algn="l">
+              <a:defRPr sz="1200"/>
+            </a:lvl1pPr>
+          </a:lstStyle>
+          <a:p>
+            <a:endParaRPr lang="en-NZ"/>
+          </a:p>
+        </p:txBody>
+      </p:sp>
+      <p:sp>
+        <p:nvSpPr>
+          <p:cNvPr id="3" name="Date Placeholder 2"/>
+          <p:cNvSpPr>
+            <a:spLocks noGrp="1"/>
+          </p:cNvSpPr>
+          <p:nvPr>
+            <p:ph type="dt" idx="1"/>
+          </p:nvPr>
+        </p:nvSpPr>
+        <p:spPr>
+          <a:xfrm>
+            <a:off x="3884613" y="0"/>
+            <a:ext cx="2971800" cy="458788"/>
+          </a:xfrm>
+          <a:prstGeom prst="rect">
+            <a:avLst/>
+          </a:prstGeom>
+        </p:spPr>
+        <p:txBody>
+          <a:bodyPr vert="horz" lIns="91440" tIns="45720" rIns="91440" bIns="45720" rtlCol="0"/>
+          <a:lstStyle>
+            <a:lvl1pPr algn="r">
+              <a:defRPr sz="1200"/>
+            </a:lvl1pPr>
+          </a:lstStyle>
+          <a:p>
+            <a:fld id="{4AB65331-AC02-461C-88FD-2947DFD7C619}" type="datetimeFigureOut">
+              <a:rPr lang="en-NZ" smtClean="0"/>
+              <a:t>28/02/2022</a:t>
+            </a:fld>
+            <a:endParaRPr lang="en-NZ"/>
+          </a:p>
+        </p:txBody>
+      </p:sp>
+      <p:sp>
+        <p:nvSpPr>
+          <p:cNvPr id="4" name="Slide Image Placeholder 3"/>
+          <p:cNvSpPr>
+            <a:spLocks noGrp="1" noRot="1" noChangeAspect="1"/>
+          </p:cNvSpPr>
+          <p:nvPr>
+            <p:ph type="sldImg" idx="2"/>
+          </p:nvPr>
+        </p:nvSpPr>
+        <p:spPr>
+          <a:xfrm>
+            <a:off x="685800" y="1143000"/>
+            <a:ext cx="5486400" cy="3086100"/>
+          </a:xfrm>
+          <a:prstGeom prst="rect">
+            <a:avLst/>
+          </a:prstGeom>
+          <a:noFill/>
+          <a:ln w="12700">
+            <a:solidFill>
+              <a:prstClr val="black"/>
+            </a:solidFill>
+          </a:ln>
+        </p:spPr>
+        <p:txBody>
+          <a:bodyPr vert="horz" lIns="91440" tIns="45720" rIns="91440" bIns="45720" rtlCol="0" anchor="ctr"/>
+          <a:lstStyle/>
+          <a:p>
+            <a:endParaRPr lang="en-NZ"/>
+          </a:p>
+        </p:txBody>
+      </p:sp>
+      <p:sp>
+        <p:nvSpPr>
+          <p:cNvPr id="5" name="Notes Placeholder 4"/>
+          <p:cNvSpPr>
+            <a:spLocks noGrp="1"/>
+          </p:cNvSpPr>
+          <p:nvPr>
+            <p:ph type="body" sz="quarter" idx="3"/>
+          </p:nvPr>
+        </p:nvSpPr>
+        <p:spPr>
+          <a:xfrm>
+            <a:off x="685800" y="4400550"/>
+            <a:ext cx="5486400" cy="3600450"/>
+          </a:xfrm>
+          <a:prstGeom prst="rect">
+            <a:avLst/>
+          </a:prstGeom>
+        </p:spPr>
+        <p:txBody>
+          <a:bodyPr vert="horz" lIns="91440" tIns="45720" rIns="91440" bIns="45720" rtlCol="0"/>
+          <a:lstStyle/>
+          <a:p>
+            <a:pPr lvl="0"/>
+            <a:r>
+              <a:rPr lang="en-US"/>
+              <a:t>Click to edit Master text styles</a:t>
+            </a:r>
+          </a:p>
+          <a:p>
+            <a:pPr lvl="1"/>
+            <a:r>
+              <a:rPr lang="en-US"/>
+              <a:t>Second level</a:t>
+            </a:r>
+          </a:p>
+          <a:p>
+            <a:pPr lvl="2"/>
+            <a:r>
+              <a:rPr lang="en-US"/>
+              <a:t>Third level</a:t>
+            </a:r>
+          </a:p>
+          <a:p>
+            <a:pPr lvl="3"/>
+            <a:r>
+              <a:rPr lang="en-US"/>
+              <a:t>Fourth level</a:t>
+            </a:r>
+          </a:p>
+          <a:p>
+            <a:pPr lvl="4"/>
+            <a:r>
+              <a:rPr lang="en-US"/>
+              <a:t>Fifth level</a:t>
+            </a:r>
+            <a:endParaRPr lang="en-NZ"/>
+          </a:p>
+        </p:txBody>
+      </p:sp>
+      <p:sp>
+        <p:nvSpPr>
+          <p:cNvPr id="6" name="Footer Placeholder 5"/>
+          <p:cNvSpPr>
+            <a:spLocks noGrp="1"/>
+          </p:cNvSpPr>
+          <p:nvPr>
+            <p:ph type="ftr" sz="quarter" idx="4"/>
+          </p:nvPr>
+        </p:nvSpPr>
+        <p:spPr>
+          <a:xfrm>
+            <a:off x="0" y="8685213"/>
+            <a:ext cx="2971800" cy="458787"/>
+          </a:xfrm>
+          <a:prstGeom prst="rect">
+            <a:avLst/>
+          </a:prstGeom>
+        </p:spPr>
+        <p:txBody>
+          <a:bodyPr vert="horz" lIns="91440" tIns="45720" rIns="91440" bIns="45720" rtlCol="0" anchor="b"/>
+          <a:lstStyle>
+            <a:lvl1pPr algn="l">
+              <a:defRPr sz="1200"/>
+            </a:lvl1pPr>
+          </a:lstStyle>
+          <a:p>
+            <a:endParaRPr lang="en-NZ"/>
+          </a:p>
+        </p:txBody>
+      </p:sp>
+      <p:sp>
+        <p:nvSpPr>
+          <p:cNvPr id="7" name="Slide Number Placeholder 6"/>
+          <p:cNvSpPr>
+            <a:spLocks noGrp="1"/>
+          </p:cNvSpPr>
+          <p:nvPr>
+            <p:ph type="sldNum" sz="quarter" idx="5"/>
+          </p:nvPr>
+        </p:nvSpPr>
+        <p:spPr>
+          <a:xfrm>
+            <a:off x="3884613" y="8685213"/>
+            <a:ext cx="2971800" cy="458787"/>
+          </a:xfrm>
+          <a:prstGeom prst="rect">
+            <a:avLst/>
+          </a:prstGeom>
+        </p:spPr>
+        <p:txBody>
+          <a:bodyPr vert="horz" lIns="91440" tIns="45720" rIns="91440" bIns="45720" rtlCol="0" anchor="b"/>
+          <a:lstStyle>
+            <a:lvl1pPr algn="r">
+              <a:defRPr sz="1200"/>
+            </a:lvl1pPr>
+          </a:lstStyle>
+          <a:p>
+            <a:fld id="{AD4EF87A-E65F-41B5-A83E-1D53F630119A}" type="slidenum">
+              <a:rPr lang="en-NZ" smtClean="0"/>
+              <a:t>‹#›</a:t>
+            </a:fld>
+            <a:endParaRPr lang="en-NZ"/>
+          </a:p>
+        </p:txBody>
+      </p:sp>
+    </p:spTree>
+    <p:extLst>
+      <p:ext uri="{BB962C8B-B14F-4D97-AF65-F5344CB8AC3E}">
+        <p14:creationId xmlns:p14="http://schemas.microsoft.com/office/powerpoint/2010/main" val="1961974295"/>
+      </p:ext>
+    </p:extLst>
+  </p:cSld>
+  <p:clrMap bg1="lt1" tx1="dk1" bg2="lt2" tx2="dk2" accent1="accent1" accent2="accent2" accent3="accent3" accent4="accent4" accent5="accent5" accent6="accent6" hlink="hlink" folHlink="folHlink"/>
+  <p:notesStyle>
+    <a:lvl1pPr marL="0" algn="l" defTabSz="914400" rtl="0" eaLnBrk="1" latinLnBrk="0" hangingPunct="1">
+      <a:defRPr sz="1200" kern="1200">
+        <a:solidFill>
+          <a:schemeClr val="tx1"/>
+        </a:solidFill>
+        <a:latin typeface="+mn-lt"/>
+        <a:ea typeface="+mn-ea"/>
+        <a:cs typeface="+mn-cs"/>
+      </a:defRPr>
+    </a:lvl1pPr>
+    <a:lvl2pPr marL="457200" algn="l" defTabSz="914400" rtl="0" eaLnBrk="1" latinLnBrk="0" hangingPunct="1">
+      <a:defRPr sz="1200" kern="1200">
+        <a:solidFill>
+          <a:schemeClr val="tx1"/>
+        </a:solidFill>
+        <a:latin typeface="+mn-lt"/>
+        <a:ea typeface="+mn-ea"/>
+        <a:cs typeface="+mn-cs"/>
+      </a:defRPr>
+    </a:lvl2pPr>
+    <a:lvl3pPr marL="914400" algn="l" defTabSz="914400" rtl="0" eaLnBrk="1" latinLnBrk="0" hangingPunct="1">
+      <a:defRPr sz="1200" kern="1200">
+        <a:solidFill>
+          <a:schemeClr val="tx1"/>
+        </a:solidFill>
+        <a:latin typeface="+mn-lt"/>
+        <a:ea typeface="+mn-ea"/>
+        <a:cs typeface="+mn-cs"/>
+      </a:defRPr>
+    </a:lvl3pPr>
+    <a:lvl4pPr marL="1371600" algn="l" defTabSz="914400" rtl="0" eaLnBrk="1" latinLnBrk="0" hangingPunct="1">
+      <a:defRPr sz="1200" kern="1200">
+        <a:solidFill>
+          <a:schemeClr val="tx1"/>
+        </a:solidFill>
+        <a:latin typeface="+mn-lt"/>
+        <a:ea typeface="+mn-ea"/>
+        <a:cs typeface="+mn-cs"/>
+      </a:defRPr>
+    </a:lvl4pPr>
+    <a:lvl5pPr marL="1828800" algn="l" defTabSz="914400" rtl="0" eaLnBrk="1" latinLnBrk="0" hangingPunct="1">
+      <a:defRPr sz="1200" kern="1200">
+        <a:solidFill>
+          <a:schemeClr val="tx1"/>
+        </a:solidFill>
+        <a:latin typeface="+mn-lt"/>
+        <a:ea typeface="+mn-ea"/>
+        <a:cs typeface="+mn-cs"/>
+      </a:defRPr>
+    </a:lvl5pPr>
+    <a:lvl6pPr marL="2286000" algn="l" defTabSz="914400" rtl="0" eaLnBrk="1" latinLnBrk="0" hangingPunct="1">
+      <a:defRPr sz="1200" kern="1200">
+        <a:solidFill>
+          <a:schemeClr val="tx1"/>
+        </a:solidFill>
+        <a:latin typeface="+mn-lt"/>
+        <a:ea typeface="+mn-ea"/>
+        <a:cs typeface="+mn-cs"/>
+      </a:defRPr>
+    </a:lvl6pPr>
+    <a:lvl7pPr marL="2743200" algn="l" defTabSz="914400" rtl="0" eaLnBrk="1" latinLnBrk="0" hangingPunct="1">
+      <a:defRPr sz="1200" kern="1200">
+        <a:solidFill>
+          <a:schemeClr val="tx1"/>
+        </a:solidFill>
+        <a:latin typeface="+mn-lt"/>
+        <a:ea typeface="+mn-ea"/>
+        <a:cs typeface="+mn-cs"/>
+      </a:defRPr>
+    </a:lvl7pPr>
+    <a:lvl8pPr marL="3200400" algn="l" defTabSz="914400" rtl="0" eaLnBrk="1" latinLnBrk="0" hangingPunct="1">
+      <a:defRPr sz="1200" kern="1200">
+        <a:solidFill>
+          <a:schemeClr val="tx1"/>
+        </a:solidFill>
+        <a:latin typeface="+mn-lt"/>
+        <a:ea typeface="+mn-ea"/>
+        <a:cs typeface="+mn-cs"/>
+      </a:defRPr>
+    </a:lvl8pPr>
+    <a:lvl9pPr marL="3657600" algn="l" defTabSz="914400" rtl="0" eaLnBrk="1" latinLnBrk="0" hangingPunct="1">
+      <a:defRPr sz="1200" kern="1200">
+        <a:solidFill>
+          <a:schemeClr val="tx1"/>
+        </a:solidFill>
+        <a:latin typeface="+mn-lt"/>
+        <a:ea typeface="+mn-ea"/>
+        <a:cs typeface="+mn-cs"/>
+      </a:defRPr>
+    </a:lvl9pPr>
+  </p:notesStyle>
+</p:notesMaster>
+</file>
+
+<file path=ppt/notesSlides/notesSlide1.xml><?xml version="1.0" encoding="utf-8"?>
+<p:notes xmlns:a="http://schemas.openxmlformats.org/drawingml/2006/main" xmlns:r="http://schemas.openxmlformats.org/officeDocument/2006/relationships" xmlns:p="http://schemas.openxmlformats.org/presentationml/2006/main">
+  <p:cSld>
+    <p:spTree>
+      <p:nvGrpSpPr>
+        <p:cNvPr id="1" name=""/>
+        <p:cNvGrpSpPr/>
+        <p:nvPr/>
+      </p:nvGrpSpPr>
+      <p:grpSpPr>
+        <a:xfrm>
+          <a:off x="0" y="0"/>
+          <a:ext cx="0" cy="0"/>
+          <a:chOff x="0" y="0"/>
+          <a:chExt cx="0" cy="0"/>
+        </a:xfrm>
+      </p:grpSpPr>
+      <p:sp>
+        <p:nvSpPr>
+          <p:cNvPr id="2" name="Slide Image Placeholder 1"/>
+          <p:cNvSpPr>
+            <a:spLocks noGrp="1" noRot="1" noChangeAspect="1"/>
+          </p:cNvSpPr>
+          <p:nvPr>
+            <p:ph type="sldImg"/>
+          </p:nvPr>
+        </p:nvSpPr>
+        <p:spPr/>
+      </p:sp>
+      <p:sp>
+        <p:nvSpPr>
+          <p:cNvPr id="3" name="Notes Placeholder 2"/>
+          <p:cNvSpPr>
+            <a:spLocks noGrp="1"/>
+          </p:cNvSpPr>
+          <p:nvPr>
+            <p:ph type="body" idx="1"/>
+          </p:nvPr>
+        </p:nvSpPr>
+        <p:spPr/>
+        <p:txBody>
+          <a:bodyPr/>
+          <a:lstStyle/>
+          <a:p>
+            <a:endParaRPr lang="en-NZ" dirty="0"/>
+          </a:p>
+        </p:txBody>
+      </p:sp>
+      <p:sp>
+        <p:nvSpPr>
+          <p:cNvPr id="4" name="Slide Number Placeholder 3"/>
+          <p:cNvSpPr>
+            <a:spLocks noGrp="1"/>
+          </p:cNvSpPr>
+          <p:nvPr>
+            <p:ph type="sldNum" sz="quarter" idx="5"/>
+          </p:nvPr>
+        </p:nvSpPr>
+        <p:spPr/>
+        <p:txBody>
+          <a:bodyPr/>
+          <a:lstStyle/>
+          <a:p>
+            <a:fld id="{AD4EF87A-E65F-41B5-A83E-1D53F630119A}" type="slidenum">
+              <a:rPr lang="en-NZ" smtClean="0"/>
+              <a:t>1</a:t>
+            </a:fld>
+            <a:endParaRPr lang="en-NZ"/>
+          </a:p>
+        </p:txBody>
+      </p:sp>
+    </p:spTree>
+    <p:extLst>
+      <p:ext uri="{BB962C8B-B14F-4D97-AF65-F5344CB8AC3E}">
+        <p14:creationId xmlns:p14="http://schemas.microsoft.com/office/powerpoint/2010/main" val="4220473092"/>
+      </p:ext>
+    </p:extLst>
+  </p:cSld>
+  <p:clrMapOvr>
+    <a:masterClrMapping/>
+  </p:clrMapOvr>
+</p:notes>
+</file>
+
+<file path=ppt/notesSlides/notesSlide2.xml><?xml version="1.0" encoding="utf-8"?>
+<p:notes xmlns:a="http://schemas.openxmlformats.org/drawingml/2006/main" xmlns:r="http://schemas.openxmlformats.org/officeDocument/2006/relationships" xmlns:p="http://schemas.openxmlformats.org/presentationml/2006/main">
+  <p:cSld>
+    <p:spTree>
+      <p:nvGrpSpPr>
+        <p:cNvPr id="1" name=""/>
+        <p:cNvGrpSpPr/>
+        <p:nvPr/>
+      </p:nvGrpSpPr>
+      <p:grpSpPr>
+        <a:xfrm>
+          <a:off x="0" y="0"/>
+          <a:ext cx="0" cy="0"/>
+          <a:chOff x="0" y="0"/>
+          <a:chExt cx="0" cy="0"/>
+        </a:xfrm>
+      </p:grpSpPr>
+      <p:sp>
+        <p:nvSpPr>
+          <p:cNvPr id="2" name="Slide Image Placeholder 1"/>
+          <p:cNvSpPr>
+            <a:spLocks noGrp="1" noRot="1" noChangeAspect="1"/>
+          </p:cNvSpPr>
+          <p:nvPr>
+            <p:ph type="sldImg"/>
+          </p:nvPr>
+        </p:nvSpPr>
+        <p:spPr/>
+      </p:sp>
+      <p:sp>
+        <p:nvSpPr>
+          <p:cNvPr id="3" name="Notes Placeholder 2"/>
+          <p:cNvSpPr>
+            <a:spLocks noGrp="1"/>
+          </p:cNvSpPr>
+          <p:nvPr>
+            <p:ph type="body" idx="1"/>
+          </p:nvPr>
+        </p:nvSpPr>
+        <p:spPr/>
+        <p:txBody>
+          <a:bodyPr/>
+          <a:lstStyle/>
+          <a:p>
+            <a:endParaRPr lang="en-NZ" dirty="0"/>
+          </a:p>
+        </p:txBody>
+      </p:sp>
+      <p:sp>
+        <p:nvSpPr>
+          <p:cNvPr id="4" name="Slide Number Placeholder 3"/>
+          <p:cNvSpPr>
+            <a:spLocks noGrp="1"/>
+          </p:cNvSpPr>
+          <p:nvPr>
+            <p:ph type="sldNum" sz="quarter" idx="5"/>
+          </p:nvPr>
+        </p:nvSpPr>
+        <p:spPr/>
+        <p:txBody>
+          <a:bodyPr/>
+          <a:lstStyle/>
+          <a:p>
+            <a:fld id="{AD4EF87A-E65F-41B5-A83E-1D53F630119A}" type="slidenum">
+              <a:rPr lang="en-NZ" smtClean="0"/>
+              <a:t>8</a:t>
+            </a:fld>
+            <a:endParaRPr lang="en-NZ"/>
+          </a:p>
+        </p:txBody>
+      </p:sp>
+    </p:spTree>
+    <p:extLst>
+      <p:ext uri="{BB962C8B-B14F-4D97-AF65-F5344CB8AC3E}">
+        <p14:creationId xmlns:p14="http://schemas.microsoft.com/office/powerpoint/2010/main" val="1194092438"/>
+      </p:ext>
+    </p:extLst>
+  </p:cSld>
+  <p:clrMapOvr>
+    <a:masterClrMapping/>
+  </p:clrMapOvr>
+</p:notes>
+</file>
+
 <file path=ppt/slideLayouts/slideLayout1.xml><?xml version="1.0" encoding="utf-8"?>
 <p:sldLayout xmlns:a="http://schemas.openxmlformats.org/drawingml/2006/main" xmlns:r="http://schemas.openxmlformats.org/officeDocument/2006/relationships" xmlns:p="http://schemas.openxmlformats.org/presentationml/2006/main" type="title" preserve="1">
   <p:cSld name="Title Slide">
@@ -269,7 +805,7 @@
           <a:p>
             <a:fld id="{1096FF7B-F30C-49C2-86FF-D16071A75BA4}" type="datetimeFigureOut">
               <a:rPr lang="en-NZ" smtClean="0"/>
-              <a:t>22/02/2022</a:t>
+              <a:t>28/02/2022</a:t>
             </a:fld>
             <a:endParaRPr lang="en-NZ"/>
           </a:p>
@@ -469,7 +1005,7 @@
           <a:p>
             <a:fld id="{1096FF7B-F30C-49C2-86FF-D16071A75BA4}" type="datetimeFigureOut">
               <a:rPr lang="en-NZ" smtClean="0"/>
-              <a:t>22/02/2022</a:t>
+              <a:t>28/02/2022</a:t>
             </a:fld>
             <a:endParaRPr lang="en-NZ"/>
           </a:p>
@@ -679,7 +1215,7 @@
           <a:p>
             <a:fld id="{1096FF7B-F30C-49C2-86FF-D16071A75BA4}" type="datetimeFigureOut">
               <a:rPr lang="en-NZ" smtClean="0"/>
-              <a:t>22/02/2022</a:t>
+              <a:t>28/02/2022</a:t>
             </a:fld>
             <a:endParaRPr lang="en-NZ"/>
           </a:p>
@@ -879,7 +1415,7 @@
           <a:p>
             <a:fld id="{1096FF7B-F30C-49C2-86FF-D16071A75BA4}" type="datetimeFigureOut">
               <a:rPr lang="en-NZ" smtClean="0"/>
-              <a:t>22/02/2022</a:t>
+              <a:t>28/02/2022</a:t>
             </a:fld>
             <a:endParaRPr lang="en-NZ"/>
           </a:p>
@@ -1155,7 +1691,7 @@
           <a:p>
             <a:fld id="{1096FF7B-F30C-49C2-86FF-D16071A75BA4}" type="datetimeFigureOut">
               <a:rPr lang="en-NZ" smtClean="0"/>
-              <a:t>22/02/2022</a:t>
+              <a:t>28/02/2022</a:t>
             </a:fld>
             <a:endParaRPr lang="en-NZ"/>
           </a:p>
@@ -1423,7 +1959,7 @@
           <a:p>
             <a:fld id="{1096FF7B-F30C-49C2-86FF-D16071A75BA4}" type="datetimeFigureOut">
               <a:rPr lang="en-NZ" smtClean="0"/>
-              <a:t>22/02/2022</a:t>
+              <a:t>28/02/2022</a:t>
             </a:fld>
             <a:endParaRPr lang="en-NZ"/>
           </a:p>
@@ -1838,7 +2374,7 @@
           <a:p>
             <a:fld id="{1096FF7B-F30C-49C2-86FF-D16071A75BA4}" type="datetimeFigureOut">
               <a:rPr lang="en-NZ" smtClean="0"/>
-              <a:t>22/02/2022</a:t>
+              <a:t>28/02/2022</a:t>
             </a:fld>
             <a:endParaRPr lang="en-NZ"/>
           </a:p>
@@ -1980,7 +2516,7 @@
           <a:p>
             <a:fld id="{1096FF7B-F30C-49C2-86FF-D16071A75BA4}" type="datetimeFigureOut">
               <a:rPr lang="en-NZ" smtClean="0"/>
-              <a:t>22/02/2022</a:t>
+              <a:t>28/02/2022</a:t>
             </a:fld>
             <a:endParaRPr lang="en-NZ"/>
           </a:p>
@@ -2093,7 +2629,7 @@
           <a:p>
             <a:fld id="{1096FF7B-F30C-49C2-86FF-D16071A75BA4}" type="datetimeFigureOut">
               <a:rPr lang="en-NZ" smtClean="0"/>
-              <a:t>22/02/2022</a:t>
+              <a:t>28/02/2022</a:t>
             </a:fld>
             <a:endParaRPr lang="en-NZ"/>
           </a:p>
@@ -2406,7 +2942,7 @@
           <a:p>
             <a:fld id="{1096FF7B-F30C-49C2-86FF-D16071A75BA4}" type="datetimeFigureOut">
               <a:rPr lang="en-NZ" smtClean="0"/>
-              <a:t>22/02/2022</a:t>
+              <a:t>28/02/2022</a:t>
             </a:fld>
             <a:endParaRPr lang="en-NZ"/>
           </a:p>
@@ -2695,7 +3231,7 @@
           <a:p>
             <a:fld id="{1096FF7B-F30C-49C2-86FF-D16071A75BA4}" type="datetimeFigureOut">
               <a:rPr lang="en-NZ" smtClean="0"/>
-              <a:t>22/02/2022</a:t>
+              <a:t>28/02/2022</a:t>
             </a:fld>
             <a:endParaRPr lang="en-NZ"/>
           </a:p>
@@ -2938,7 +3474,7 @@
           <a:p>
             <a:fld id="{1096FF7B-F30C-49C2-86FF-D16071A75BA4}" type="datetimeFigureOut">
               <a:rPr lang="en-NZ" smtClean="0"/>
-              <a:t>22/02/2022</a:t>
+              <a:t>28/02/2022</a:t>
             </a:fld>
             <a:endParaRPr lang="en-NZ"/>
           </a:p>
@@ -3370,10 +3906,10 @@
           <p:nvPr/>
         </p:nvPicPr>
         <p:blipFill>
-          <a:blip r:embed="rId2">
+          <a:blip r:embed="rId3">
             <a:extLst>
               <a:ext uri="{96DAC541-7B7A-43D3-8B79-37D633B846F1}">
-                <asvg:svgBlip xmlns:asvg="http://schemas.microsoft.com/office/drawing/2016/SVG/main" r:embed="rId3"/>
+                <asvg:svgBlip xmlns:asvg="http://schemas.microsoft.com/office/drawing/2016/SVG/main" r:embed="rId4"/>
               </a:ext>
             </a:extLst>
           </a:blip>
@@ -3383,7 +3919,7 @@
         </p:blipFill>
         <p:spPr>
           <a:xfrm>
-            <a:off x="1814696" y="3596132"/>
+            <a:off x="2187946" y="3289246"/>
             <a:ext cx="7816108" cy="2601119"/>
           </a:xfrm>
           <a:prstGeom prst="rect">
@@ -3442,7 +3978,7 @@
         </p:nvSpPr>
         <p:spPr>
           <a:xfrm>
-            <a:off x="1395620" y="842259"/>
+            <a:off x="1395620" y="889732"/>
             <a:ext cx="9400761" cy="400110"/>
           </a:xfrm>
           <a:prstGeom prst="rect">
@@ -3486,7 +4022,7 @@
         </p:nvSpPr>
         <p:spPr>
           <a:xfrm>
-            <a:off x="1814696" y="6264778"/>
+            <a:off x="1814695" y="6084909"/>
             <a:ext cx="8562609" cy="400110"/>
           </a:xfrm>
           <a:prstGeom prst="rect">
@@ -3522,8 +4058,8 @@
         </p:nvSpPr>
         <p:spPr>
           <a:xfrm>
-            <a:off x="1929326" y="2098629"/>
-            <a:ext cx="8333350" cy="707886"/>
+            <a:off x="3084408" y="2386816"/>
+            <a:ext cx="6023184" cy="707886"/>
           </a:xfrm>
           <a:prstGeom prst="rect">
             <a:avLst/>
@@ -3531,7 +4067,7 @@
           <a:noFill/>
         </p:spPr>
         <p:txBody>
-          <a:bodyPr wrap="square" rtlCol="0">
+          <a:bodyPr wrap="square" lIns="91440" tIns="45720" rIns="91440" bIns="45720" rtlCol="0" anchor="t">
             <a:spAutoFit/>
           </a:bodyPr>
           <a:lstStyle/>
@@ -3539,8 +4075,16 @@
             <a:pPr algn="ctr"/>
             <a:r>
               <a:rPr lang="en-NZ" sz="2000" dirty="0"/>
-              <a:t>Your objective during go trials is to stop the bars from rising as close as you can to the target lines.</a:t>
-            </a:r>
+              <a:t>Your objective is to stop the bars as close as you can to the target </a:t>
+            </a:r>
+            <a:r>
+              <a:rPr lang="en-NZ" sz="2000" dirty="0">
+                <a:ea typeface="+mn-lt"/>
+                <a:cs typeface="+mn-lt"/>
+              </a:rPr>
+              <a:t>by pressing the response keys.</a:t>
+            </a:r>
+            <a:endParaRPr lang="en-NZ" sz="2000" dirty="0"/>
           </a:p>
         </p:txBody>
       </p:sp>
@@ -3558,8 +4102,8 @@
         </p:nvSpPr>
         <p:spPr>
           <a:xfrm>
-            <a:off x="1929325" y="1316556"/>
-            <a:ext cx="8333351" cy="707886"/>
+            <a:off x="2363972" y="1484386"/>
+            <a:ext cx="7464056" cy="707886"/>
           </a:xfrm>
           <a:prstGeom prst="rect">
             <a:avLst/>
@@ -3567,7 +4111,7 @@
           <a:noFill/>
         </p:spPr>
         <p:txBody>
-          <a:bodyPr wrap="square" rtlCol="0">
+          <a:bodyPr wrap="square" lIns="91440" tIns="45720" rIns="91440" bIns="45720" rtlCol="0" anchor="t">
             <a:spAutoFit/>
           </a:bodyPr>
           <a:lstStyle/>
@@ -3575,43 +4119,7 @@
             <a:pPr algn="ctr"/>
             <a:r>
               <a:rPr lang="en-NZ" sz="2000" dirty="0"/>
-              <a:t>Each trial will start with two empty bars that fill from bottom to top. The majority of trials will be ‘go’ trials during which the bars will completely fill.</a:t>
-            </a:r>
-          </a:p>
-        </p:txBody>
-      </p:sp>
-      <p:sp>
-        <p:nvSpPr>
-          <p:cNvPr id="17" name="TextBox 16">
-            <a:extLst>
-              <a:ext uri="{FF2B5EF4-FFF2-40B4-BE49-F238E27FC236}">
-                <a16:creationId xmlns:a16="http://schemas.microsoft.com/office/drawing/2014/main" id="{85FB5D6E-6F72-4DA2-9143-570A7B1664B0}"/>
-              </a:ext>
-            </a:extLst>
-          </p:cNvPr>
-          <p:cNvSpPr txBox="1"/>
-          <p:nvPr/>
-        </p:nvSpPr>
-        <p:spPr>
-          <a:xfrm>
-            <a:off x="1929323" y="2748570"/>
-            <a:ext cx="8333349" cy="707886"/>
-          </a:xfrm>
-          <a:prstGeom prst="rect">
-            <a:avLst/>
-          </a:prstGeom>
-          <a:noFill/>
-        </p:spPr>
-        <p:txBody>
-          <a:bodyPr wrap="square" rtlCol="0">
-            <a:spAutoFit/>
-          </a:bodyPr>
-          <a:lstStyle/>
-          <a:p>
-            <a:pPr algn="ctr"/>
-            <a:r>
-              <a:rPr lang="en-NZ" sz="2000" dirty="0"/>
-              <a:t>You can stop the bars from rising by pressing the ‘N’ (left bar) or ‘M’ (right bar) keys with the index and middle finger of your dominant hand.</a:t>
+              <a:t>Each trial starts with two empty bars that fill from bottom to top. Most trials are ‘go’ trials during which the bars completely fill.</a:t>
             </a:r>
           </a:p>
         </p:txBody>
@@ -3648,6 +4156,42 @@
       </p:grpSpPr>
       <p:sp>
         <p:nvSpPr>
+          <p:cNvPr id="20" name="TextBox 19">
+            <a:extLst>
+              <a:ext uri="{FF2B5EF4-FFF2-40B4-BE49-F238E27FC236}">
+                <a16:creationId xmlns:a16="http://schemas.microsoft.com/office/drawing/2014/main" id="{4EB43124-D391-42D9-A910-D5D63FB6D99C}"/>
+              </a:ext>
+            </a:extLst>
+          </p:cNvPr>
+          <p:cNvSpPr txBox="1"/>
+          <p:nvPr/>
+        </p:nvSpPr>
+        <p:spPr>
+          <a:xfrm>
+            <a:off x="1285042" y="896035"/>
+            <a:ext cx="9621914" cy="400110"/>
+          </a:xfrm>
+          <a:prstGeom prst="rect">
+            <a:avLst/>
+          </a:prstGeom>
+          <a:noFill/>
+        </p:spPr>
+        <p:txBody>
+          <a:bodyPr wrap="square" lIns="91440" tIns="45720" rIns="91440" bIns="45720" rtlCol="0" anchor="t">
+            <a:spAutoFit/>
+          </a:bodyPr>
+          <a:lstStyle/>
+          <a:p>
+            <a:pPr algn="ctr"/>
+            <a:r>
+              <a:rPr lang="en-NZ" sz="2000" dirty="0"/>
+              <a:t>You earn points by stopping the bars close to the target.</a:t>
+            </a:r>
+          </a:p>
+        </p:txBody>
+      </p:sp>
+      <p:sp>
+        <p:nvSpPr>
           <p:cNvPr id="8" name="TextBox 7">
             <a:extLst>
               <a:ext uri="{FF2B5EF4-FFF2-40B4-BE49-F238E27FC236}">
@@ -3676,19 +4220,19 @@
           <a:p>
             <a:pPr algn="ctr"/>
             <a:r>
-              <a:rPr lang="en-NZ" sz="2800" dirty="0" err="1"/>
+              <a:rPr lang="en-NZ" sz="2800" err="1"/>
               <a:t>SeleSt</a:t>
             </a:r>
-            <a:endParaRPr lang="en-NZ" sz="2800" dirty="0"/>
-          </a:p>
-        </p:txBody>
-      </p:sp>
-      <p:sp>
-        <p:nvSpPr>
-          <p:cNvPr id="9" name="TextBox 8">
-            <a:extLst>
-              <a:ext uri="{FF2B5EF4-FFF2-40B4-BE49-F238E27FC236}">
-                <a16:creationId xmlns:a16="http://schemas.microsoft.com/office/drawing/2014/main" id="{6CEAF05C-99F3-4B5F-B61A-D1849E28D68F}"/>
+            <a:endParaRPr lang="en-NZ" sz="2800"/>
+          </a:p>
+        </p:txBody>
+      </p:sp>
+      <p:sp>
+        <p:nvSpPr>
+          <p:cNvPr id="11" name="TextBox 10">
+            <a:extLst>
+              <a:ext uri="{FF2B5EF4-FFF2-40B4-BE49-F238E27FC236}">
+                <a16:creationId xmlns:a16="http://schemas.microsoft.com/office/drawing/2014/main" id="{35BE92BA-CCCB-4343-AF53-B1D55CAF2CFF}"/>
               </a:ext>
             </a:extLst>
           </p:cNvPr>
@@ -3697,43 +4241,7 @@
         </p:nvSpPr>
         <p:spPr>
           <a:xfrm>
-            <a:off x="1088646" y="936947"/>
-            <a:ext cx="10014708" cy="400110"/>
-          </a:xfrm>
-          <a:prstGeom prst="rect">
-            <a:avLst/>
-          </a:prstGeom>
-          <a:noFill/>
-        </p:spPr>
-        <p:txBody>
-          <a:bodyPr wrap="square" rtlCol="0">
-            <a:spAutoFit/>
-          </a:bodyPr>
-          <a:lstStyle/>
-          <a:p>
-            <a:pPr algn="ctr"/>
-            <a:r>
-              <a:rPr lang="en-NZ" sz="2000" dirty="0"/>
-              <a:t>You will earn points throughout the task that will be displayed to you at the end of each block.</a:t>
-            </a:r>
-          </a:p>
-        </p:txBody>
-      </p:sp>
-      <p:sp>
-        <p:nvSpPr>
-          <p:cNvPr id="11" name="TextBox 10">
-            <a:extLst>
-              <a:ext uri="{FF2B5EF4-FFF2-40B4-BE49-F238E27FC236}">
-                <a16:creationId xmlns:a16="http://schemas.microsoft.com/office/drawing/2014/main" id="{35BE92BA-CCCB-4343-AF53-B1D55CAF2CFF}"/>
-              </a:ext>
-            </a:extLst>
-          </p:cNvPr>
-          <p:cNvSpPr txBox="1"/>
-          <p:nvPr/>
-        </p:nvSpPr>
-        <p:spPr>
-          <a:xfrm>
-            <a:off x="854649" y="5399926"/>
+            <a:off x="854648" y="4791613"/>
             <a:ext cx="10482702" cy="400110"/>
           </a:xfrm>
           <a:prstGeom prst="rect">
@@ -3750,17 +4258,17 @@
             <a:pPr algn="ctr"/>
             <a:r>
               <a:rPr lang="en-NZ" sz="2000" dirty="0"/>
-              <a:t>Let’s practice with a block of go trials</a:t>
+              <a:t>Let’s practice with a block of go trials.</a:t>
             </a:r>
           </a:p>
         </p:txBody>
       </p:sp>
       <p:grpSp>
         <p:nvGrpSpPr>
-          <p:cNvPr id="7" name="Group 6">
-            <a:extLst>
-              <a:ext uri="{FF2B5EF4-FFF2-40B4-BE49-F238E27FC236}">
-                <a16:creationId xmlns:a16="http://schemas.microsoft.com/office/drawing/2014/main" id="{776C0409-1B1D-4A95-89A9-955181983165}"/>
+          <p:cNvPr id="12" name="Group 11">
+            <a:extLst>
+              <a:ext uri="{FF2B5EF4-FFF2-40B4-BE49-F238E27FC236}">
+                <a16:creationId xmlns:a16="http://schemas.microsoft.com/office/drawing/2014/main" id="{B0F2BC14-2481-4D64-A948-399A8651F613}"/>
               </a:ext>
             </a:extLst>
           </p:cNvPr>
@@ -3769,7 +4277,7 @@
         </p:nvGrpSpPr>
         <p:grpSpPr>
           <a:xfrm>
-            <a:off x="3644376" y="2192733"/>
+            <a:off x="3635985" y="1477014"/>
             <a:ext cx="4920027" cy="3133729"/>
             <a:chOff x="3812762" y="2365787"/>
             <a:chExt cx="4920027" cy="3133729"/>
@@ -3777,10 +4285,10 @@
         </p:grpSpPr>
         <p:pic>
           <p:nvPicPr>
-            <p:cNvPr id="6" name="Graphic 5">
+            <p:cNvPr id="13" name="Graphic 12">
               <a:extLst>
                 <a:ext uri="{FF2B5EF4-FFF2-40B4-BE49-F238E27FC236}">
-                  <a16:creationId xmlns:a16="http://schemas.microsoft.com/office/drawing/2014/main" id="{71EB6FC7-A3F4-44BF-A14C-8351EBB5EAB3}"/>
+                  <a16:creationId xmlns:a16="http://schemas.microsoft.com/office/drawing/2014/main" id="{D4A0F36A-3334-43E5-9A3A-6CBDFE0D811B}"/>
                 </a:ext>
               </a:extLst>
             </p:cNvPr>
@@ -3813,10 +4321,10 @@
         </p:pic>
         <p:sp>
           <p:nvSpPr>
-            <p:cNvPr id="14" name="TextBox 13">
+            <p:cNvPr id="19" name="TextBox 18">
               <a:extLst>
                 <a:ext uri="{FF2B5EF4-FFF2-40B4-BE49-F238E27FC236}">
-                  <a16:creationId xmlns:a16="http://schemas.microsoft.com/office/drawing/2014/main" id="{80BA4C13-B717-4B26-8D4B-22C6AC47E248}"/>
+                  <a16:creationId xmlns:a16="http://schemas.microsoft.com/office/drawing/2014/main" id="{DEC594A3-77DE-45F5-BF18-7516AB7C3290}"/>
                 </a:ext>
               </a:extLst>
             </p:cNvPr>
@@ -3849,10 +4357,10 @@
         </p:sp>
         <p:sp>
           <p:nvSpPr>
-            <p:cNvPr id="15" name="TextBox 14">
+            <p:cNvPr id="21" name="TextBox 20">
               <a:extLst>
                 <a:ext uri="{FF2B5EF4-FFF2-40B4-BE49-F238E27FC236}">
-                  <a16:creationId xmlns:a16="http://schemas.microsoft.com/office/drawing/2014/main" id="{11AAD1A8-6B03-4EDB-AD7F-56A3574392CD}"/>
+                  <a16:creationId xmlns:a16="http://schemas.microsoft.com/office/drawing/2014/main" id="{9652B4F6-F667-41DD-86EC-CEAF203A9FD1}"/>
                 </a:ext>
               </a:extLst>
             </p:cNvPr>
@@ -3885,10 +4393,10 @@
         </p:sp>
         <p:sp>
           <p:nvSpPr>
-            <p:cNvPr id="16" name="TextBox 15">
+            <p:cNvPr id="22" name="TextBox 21">
               <a:extLst>
                 <a:ext uri="{FF2B5EF4-FFF2-40B4-BE49-F238E27FC236}">
-                  <a16:creationId xmlns:a16="http://schemas.microsoft.com/office/drawing/2014/main" id="{EBA2DBC8-48C4-46FA-8CC5-65495E8C68BF}"/>
+                  <a16:creationId xmlns:a16="http://schemas.microsoft.com/office/drawing/2014/main" id="{E11019A9-CC7E-45C5-93A9-7229532EF9FF}"/>
                 </a:ext>
               </a:extLst>
             </p:cNvPr>
@@ -3921,10 +4429,10 @@
         </p:sp>
         <p:sp>
           <p:nvSpPr>
-            <p:cNvPr id="17" name="TextBox 16">
+            <p:cNvPr id="23" name="TextBox 22">
               <a:extLst>
                 <a:ext uri="{FF2B5EF4-FFF2-40B4-BE49-F238E27FC236}">
-                  <a16:creationId xmlns:a16="http://schemas.microsoft.com/office/drawing/2014/main" id="{5A52A65E-F8FF-470C-9E7C-56074CE9E9A1}"/>
+                  <a16:creationId xmlns:a16="http://schemas.microsoft.com/office/drawing/2014/main" id="{89BD011B-3C5C-4C28-B610-70DF430BDFB0}"/>
                 </a:ext>
               </a:extLst>
             </p:cNvPr>
@@ -3958,10 +4466,10 @@
       </p:grpSp>
       <p:sp>
         <p:nvSpPr>
-          <p:cNvPr id="18" name="TextBox 17">
-            <a:extLst>
-              <a:ext uri="{FF2B5EF4-FFF2-40B4-BE49-F238E27FC236}">
-                <a16:creationId xmlns:a16="http://schemas.microsoft.com/office/drawing/2014/main" id="{48129274-9CF3-449E-B6CD-61FC6A73562B}"/>
+          <p:cNvPr id="25" name="TextBox 24">
+            <a:extLst>
+              <a:ext uri="{FF2B5EF4-FFF2-40B4-BE49-F238E27FC236}">
+                <a16:creationId xmlns:a16="http://schemas.microsoft.com/office/drawing/2014/main" id="{7D7870B9-2E49-4192-92D9-E9E55B3C568D}"/>
               </a:ext>
             </a:extLst>
           </p:cNvPr>
@@ -3970,7 +4478,7 @@
         </p:nvSpPr>
         <p:spPr>
           <a:xfrm>
-            <a:off x="1814696" y="6264778"/>
+            <a:off x="1814695" y="6084909"/>
             <a:ext cx="8562609" cy="400110"/>
           </a:xfrm>
           <a:prstGeom prst="rect">
@@ -3988,42 +4496,6 @@
             <a:r>
               <a:rPr lang="en-NZ" sz="2000" dirty="0"/>
               <a:t>Press SPACE to start practice block</a:t>
-            </a:r>
-          </a:p>
-        </p:txBody>
-      </p:sp>
-      <p:sp>
-        <p:nvSpPr>
-          <p:cNvPr id="20" name="TextBox 19">
-            <a:extLst>
-              <a:ext uri="{FF2B5EF4-FFF2-40B4-BE49-F238E27FC236}">
-                <a16:creationId xmlns:a16="http://schemas.microsoft.com/office/drawing/2014/main" id="{4EB43124-D391-42D9-A910-D5D63FB6D99C}"/>
-              </a:ext>
-            </a:extLst>
-          </p:cNvPr>
-          <p:cNvSpPr txBox="1"/>
-          <p:nvPr/>
-        </p:nvSpPr>
-        <p:spPr>
-          <a:xfrm>
-            <a:off x="1285043" y="1410952"/>
-            <a:ext cx="9621914" cy="707886"/>
-          </a:xfrm>
-          <a:prstGeom prst="rect">
-            <a:avLst/>
-          </a:prstGeom>
-          <a:noFill/>
-        </p:spPr>
-        <p:txBody>
-          <a:bodyPr wrap="square" rtlCol="0">
-            <a:spAutoFit/>
-          </a:bodyPr>
-          <a:lstStyle/>
-          <a:p>
-            <a:pPr algn="ctr"/>
-            <a:r>
-              <a:rPr lang="en-NZ" sz="2000" dirty="0"/>
-              <a:t>Points are awarded based on the accuracy of your response. Responses closer to the target will earn more points as signalled by the colour of the target lines at the end of a trial.</a:t>
             </a:r>
           </a:p>
         </p:txBody>
@@ -4088,82 +4560,10 @@
           <a:p>
             <a:pPr algn="ctr"/>
             <a:r>
-              <a:rPr lang="en-NZ" sz="2800" dirty="0" err="1"/>
+              <a:rPr lang="en-NZ" sz="2800" err="1"/>
               <a:t>SeleSt</a:t>
             </a:r>
-            <a:endParaRPr lang="en-NZ" sz="2800" dirty="0"/>
-          </a:p>
-        </p:txBody>
-      </p:sp>
-      <p:sp>
-        <p:nvSpPr>
-          <p:cNvPr id="10" name="TextBox 9">
-            <a:extLst>
-              <a:ext uri="{FF2B5EF4-FFF2-40B4-BE49-F238E27FC236}">
-                <a16:creationId xmlns:a16="http://schemas.microsoft.com/office/drawing/2014/main" id="{6A205875-CBDA-4AA7-9452-D68F893C5232}"/>
-              </a:ext>
-            </a:extLst>
-          </p:cNvPr>
-          <p:cNvSpPr txBox="1"/>
-          <p:nvPr/>
-        </p:nvSpPr>
-        <p:spPr>
-          <a:xfrm>
-            <a:off x="1814696" y="6264778"/>
-            <a:ext cx="8562609" cy="400110"/>
-          </a:xfrm>
-          <a:prstGeom prst="rect">
-            <a:avLst/>
-          </a:prstGeom>
-          <a:noFill/>
-        </p:spPr>
-        <p:txBody>
-          <a:bodyPr wrap="square" rtlCol="0">
-            <a:spAutoFit/>
-          </a:bodyPr>
-          <a:lstStyle/>
-          <a:p>
-            <a:pPr algn="ctr"/>
-            <a:r>
-              <a:rPr lang="en-NZ" sz="2000" dirty="0"/>
-              <a:t>Press SPACE for a practice block of both go and stop trials</a:t>
-            </a:r>
-          </a:p>
-        </p:txBody>
-      </p:sp>
-      <p:sp>
-        <p:nvSpPr>
-          <p:cNvPr id="12" name="TextBox 11">
-            <a:extLst>
-              <a:ext uri="{FF2B5EF4-FFF2-40B4-BE49-F238E27FC236}">
-                <a16:creationId xmlns:a16="http://schemas.microsoft.com/office/drawing/2014/main" id="{6D832201-72E0-43A3-B0CF-5BDFD925C8F5}"/>
-              </a:ext>
-            </a:extLst>
-          </p:cNvPr>
-          <p:cNvSpPr txBox="1"/>
-          <p:nvPr/>
-        </p:nvSpPr>
-        <p:spPr>
-          <a:xfrm>
-            <a:off x="2798901" y="5293587"/>
-            <a:ext cx="6594199" cy="707886"/>
-          </a:xfrm>
-          <a:prstGeom prst="rect">
-            <a:avLst/>
-          </a:prstGeom>
-          <a:noFill/>
-        </p:spPr>
-        <p:txBody>
-          <a:bodyPr wrap="square" rtlCol="0">
-            <a:spAutoFit/>
-          </a:bodyPr>
-          <a:lstStyle/>
-          <a:p>
-            <a:pPr algn="ctr"/>
-            <a:r>
-              <a:rPr lang="en-NZ" sz="2000" dirty="0"/>
-              <a:t>Stopping should be done reactively, meaning you should try your best to avoid predicting a bar changing colour</a:t>
-            </a:r>
+            <a:endParaRPr lang="en-NZ" sz="2800"/>
           </a:p>
         </p:txBody>
       </p:sp>
@@ -4181,7 +4581,7 @@
         </p:nvGrpSpPr>
         <p:grpSpPr>
           <a:xfrm>
-            <a:off x="3011916" y="2283156"/>
+            <a:off x="3008014" y="1596171"/>
             <a:ext cx="6168168" cy="2989874"/>
             <a:chOff x="3168216" y="1727699"/>
             <a:chExt cx="6168168" cy="2989874"/>
@@ -4253,7 +4653,7 @@
             <a:p>
               <a:pPr algn="ctr"/>
               <a:r>
-                <a:rPr lang="en-NZ" sz="2000" dirty="0"/>
+                <a:rPr lang="en-NZ" sz="2000"/>
                 <a:t>stop-both</a:t>
               </a:r>
             </a:p>
@@ -4325,7 +4725,7 @@
             <a:p>
               <a:pPr algn="ctr"/>
               <a:r>
-                <a:rPr lang="en-NZ" sz="2000" dirty="0"/>
+                <a:rPr lang="en-NZ" sz="2000"/>
                 <a:t>stop-right</a:t>
               </a:r>
             </a:p>
@@ -4334,10 +4734,10 @@
       </p:grpSp>
       <p:sp>
         <p:nvSpPr>
-          <p:cNvPr id="13" name="TextBox 12">
-            <a:extLst>
-              <a:ext uri="{FF2B5EF4-FFF2-40B4-BE49-F238E27FC236}">
-                <a16:creationId xmlns:a16="http://schemas.microsoft.com/office/drawing/2014/main" id="{D3DC2494-4F95-46C2-8D42-A1CBBEAD4C32}"/>
+          <p:cNvPr id="19" name="TextBox 18">
+            <a:extLst>
+              <a:ext uri="{FF2B5EF4-FFF2-40B4-BE49-F238E27FC236}">
+                <a16:creationId xmlns:a16="http://schemas.microsoft.com/office/drawing/2014/main" id="{55DAF869-C2E1-4609-948C-45805F50C3FB}"/>
               </a:ext>
             </a:extLst>
           </p:cNvPr>
@@ -4346,8 +4746,8 @@
         </p:nvSpPr>
         <p:spPr>
           <a:xfrm>
-            <a:off x="2150093" y="831515"/>
-            <a:ext cx="7891815" cy="707886"/>
+            <a:off x="3015816" y="888285"/>
+            <a:ext cx="6160368" cy="707886"/>
           </a:xfrm>
           <a:prstGeom prst="rect">
             <a:avLst/>
@@ -4363,17 +4763,17 @@
             <a:pPr algn="ctr"/>
             <a:r>
               <a:rPr lang="en-NZ" sz="2000" dirty="0"/>
-              <a:t>On a smaller number of trials either the left, right, or both bars may change colour while they are filling and before reaching the target lines.</a:t>
-            </a:r>
-          </a:p>
-        </p:txBody>
-      </p:sp>
-      <p:sp>
-        <p:nvSpPr>
-          <p:cNvPr id="17" name="TextBox 16">
-            <a:extLst>
-              <a:ext uri="{FF2B5EF4-FFF2-40B4-BE49-F238E27FC236}">
-                <a16:creationId xmlns:a16="http://schemas.microsoft.com/office/drawing/2014/main" id="{1B4B550C-2D61-406D-A5D7-4B36DF76F368}"/>
+              <a:t>One or more bars may change colour before the target on a small number of ‘stop’ trials.</a:t>
+            </a:r>
+          </a:p>
+        </p:txBody>
+      </p:sp>
+      <p:sp>
+        <p:nvSpPr>
+          <p:cNvPr id="20" name="TextBox 19">
+            <a:extLst>
+              <a:ext uri="{FF2B5EF4-FFF2-40B4-BE49-F238E27FC236}">
+                <a16:creationId xmlns:a16="http://schemas.microsoft.com/office/drawing/2014/main" id="{FC231BE1-222C-4B63-9B68-81C57B42FF52}"/>
               </a:ext>
             </a:extLst>
           </p:cNvPr>
@@ -4382,8 +4782,8 @@
         </p:nvSpPr>
         <p:spPr>
           <a:xfrm>
-            <a:off x="2203768" y="1566126"/>
-            <a:ext cx="7784465" cy="707886"/>
+            <a:off x="1906979" y="4808038"/>
+            <a:ext cx="8370239" cy="400110"/>
           </a:xfrm>
           <a:prstGeom prst="rect">
             <a:avLst/>
@@ -4391,6 +4791,50 @@
           <a:noFill/>
         </p:spPr>
         <p:txBody>
+          <a:bodyPr wrap="square" lIns="91440" tIns="45720" rIns="91440" bIns="45720" rtlCol="0" anchor="t">
+            <a:spAutoFit/>
+          </a:bodyPr>
+          <a:lstStyle/>
+          <a:p>
+            <a:pPr algn="ctr"/>
+            <a:r>
+              <a:rPr lang="en-NZ" sz="2000" dirty="0"/>
+              <a:t>You earn points by </a:t>
+            </a:r>
+            <a:r>
+              <a:rPr lang="en-NZ" sz="2000" b="1" dirty="0"/>
+              <a:t>not</a:t>
+            </a:r>
+            <a:r>
+              <a:rPr lang="en-NZ" sz="2000" dirty="0"/>
+              <a:t> making a response to any bar that has changed colour.</a:t>
+            </a:r>
+          </a:p>
+        </p:txBody>
+      </p:sp>
+      <p:sp>
+        <p:nvSpPr>
+          <p:cNvPr id="21" name="TextBox 20">
+            <a:extLst>
+              <a:ext uri="{FF2B5EF4-FFF2-40B4-BE49-F238E27FC236}">
+                <a16:creationId xmlns:a16="http://schemas.microsoft.com/office/drawing/2014/main" id="{7A77CF2D-3D33-4B0E-B3BD-12B67492A8FB}"/>
+              </a:ext>
+            </a:extLst>
+          </p:cNvPr>
+          <p:cNvSpPr txBox="1"/>
+          <p:nvPr/>
+        </p:nvSpPr>
+        <p:spPr>
+          <a:xfrm>
+            <a:off x="2255121" y="5343793"/>
+            <a:ext cx="7681757" cy="400110"/>
+          </a:xfrm>
+          <a:prstGeom prst="rect">
+            <a:avLst/>
+          </a:prstGeom>
+          <a:noFill/>
+        </p:spPr>
+        <p:txBody>
           <a:bodyPr wrap="square" rtlCol="0">
             <a:spAutoFit/>
           </a:bodyPr>
@@ -4399,7 +4843,43 @@
             <a:pPr algn="ctr"/>
             <a:r>
               <a:rPr lang="en-NZ" sz="2000" dirty="0"/>
-              <a:t>Your objective during these ‘stop’ trials is to prevent yourself from making a response to any bar that has changed colour while filling.</a:t>
+              <a:t>You should avoid slowing your responses to prepare for a stop trial.</a:t>
+            </a:r>
+          </a:p>
+        </p:txBody>
+      </p:sp>
+      <p:sp>
+        <p:nvSpPr>
+          <p:cNvPr id="23" name="TextBox 22">
+            <a:extLst>
+              <a:ext uri="{FF2B5EF4-FFF2-40B4-BE49-F238E27FC236}">
+                <a16:creationId xmlns:a16="http://schemas.microsoft.com/office/drawing/2014/main" id="{6FEC5E06-E55E-4041-B87C-D88A2721DAE7}"/>
+              </a:ext>
+            </a:extLst>
+          </p:cNvPr>
+          <p:cNvSpPr txBox="1"/>
+          <p:nvPr/>
+        </p:nvSpPr>
+        <p:spPr>
+          <a:xfrm>
+            <a:off x="1814696" y="6084909"/>
+            <a:ext cx="8562609" cy="400110"/>
+          </a:xfrm>
+          <a:prstGeom prst="rect">
+            <a:avLst/>
+          </a:prstGeom>
+          <a:noFill/>
+        </p:spPr>
+        <p:txBody>
+          <a:bodyPr wrap="square" rtlCol="0">
+            <a:spAutoFit/>
+          </a:bodyPr>
+          <a:lstStyle/>
+          <a:p>
+            <a:pPr algn="ctr"/>
+            <a:r>
+              <a:rPr lang="en-NZ" sz="2000" dirty="0"/>
+              <a:t>Press SPACE to start practice block of go and stop trials</a:t>
             </a:r>
           </a:p>
         </p:txBody>
@@ -4464,163 +4944,19 @@
           <a:p>
             <a:pPr algn="ctr"/>
             <a:r>
-              <a:rPr lang="en-NZ" sz="2800" dirty="0" err="1"/>
+              <a:rPr lang="en-NZ" sz="2800" err="1"/>
               <a:t>SeleSt</a:t>
             </a:r>
-            <a:endParaRPr lang="en-NZ" sz="2800" dirty="0"/>
-          </a:p>
-        </p:txBody>
-      </p:sp>
-      <p:sp>
-        <p:nvSpPr>
-          <p:cNvPr id="9" name="TextBox 8">
-            <a:extLst>
-              <a:ext uri="{FF2B5EF4-FFF2-40B4-BE49-F238E27FC236}">
-                <a16:creationId xmlns:a16="http://schemas.microsoft.com/office/drawing/2014/main" id="{6CEAF05C-99F3-4B5F-B61A-D1849E28D68F}"/>
-              </a:ext>
-            </a:extLst>
-          </p:cNvPr>
-          <p:cNvSpPr txBox="1"/>
-          <p:nvPr/>
-        </p:nvSpPr>
-        <p:spPr>
-          <a:xfrm>
-            <a:off x="1395620" y="950316"/>
-            <a:ext cx="9400761" cy="400110"/>
-          </a:xfrm>
-          <a:prstGeom prst="rect">
-            <a:avLst/>
-          </a:prstGeom>
-          <a:noFill/>
-        </p:spPr>
-        <p:txBody>
-          <a:bodyPr wrap="square" rtlCol="0">
-            <a:spAutoFit/>
-          </a:bodyPr>
-          <a:lstStyle/>
-          <a:p>
-            <a:pPr algn="ctr"/>
-            <a:r>
-              <a:rPr lang="en-NZ" sz="2000" dirty="0"/>
-              <a:t>Nice work! We are now ready to start the experimental blocks.</a:t>
-            </a:r>
-          </a:p>
-        </p:txBody>
-      </p:sp>
-      <p:sp>
-        <p:nvSpPr>
-          <p:cNvPr id="11" name="TextBox 10">
-            <a:extLst>
-              <a:ext uri="{FF2B5EF4-FFF2-40B4-BE49-F238E27FC236}">
-                <a16:creationId xmlns:a16="http://schemas.microsoft.com/office/drawing/2014/main" id="{35BE92BA-CCCB-4343-AF53-B1D55CAF2CFF}"/>
-              </a:ext>
-            </a:extLst>
-          </p:cNvPr>
-          <p:cNvSpPr txBox="1"/>
-          <p:nvPr/>
-        </p:nvSpPr>
-        <p:spPr>
-          <a:xfrm>
-            <a:off x="2586078" y="1500516"/>
-            <a:ext cx="7019844" cy="707886"/>
-          </a:xfrm>
-          <a:prstGeom prst="rect">
-            <a:avLst/>
-          </a:prstGeom>
-          <a:noFill/>
-        </p:spPr>
-        <p:txBody>
-          <a:bodyPr wrap="square" rtlCol="0">
-            <a:spAutoFit/>
-          </a:bodyPr>
-          <a:lstStyle/>
-          <a:p>
-            <a:pPr algn="ctr"/>
-            <a:r>
-              <a:rPr lang="en-NZ" sz="2000" dirty="0"/>
-              <a:t>The task is split into 12 blocks of 36 trials each (24 go + 12 stop). Feel free to take breaks between blocks if you need them.</a:t>
-            </a:r>
-          </a:p>
-        </p:txBody>
-      </p:sp>
-      <p:sp>
-        <p:nvSpPr>
-          <p:cNvPr id="12" name="TextBox 11">
-            <a:extLst>
-              <a:ext uri="{FF2B5EF4-FFF2-40B4-BE49-F238E27FC236}">
-                <a16:creationId xmlns:a16="http://schemas.microsoft.com/office/drawing/2014/main" id="{6D832201-72E0-43A3-B0CF-5BDFD925C8F5}"/>
-              </a:ext>
-            </a:extLst>
-          </p:cNvPr>
-          <p:cNvSpPr txBox="1"/>
-          <p:nvPr/>
-        </p:nvSpPr>
-        <p:spPr>
-          <a:xfrm>
-            <a:off x="2333065" y="2358492"/>
-            <a:ext cx="7525871" cy="400110"/>
-          </a:xfrm>
-          <a:prstGeom prst="rect">
-            <a:avLst/>
-          </a:prstGeom>
-          <a:noFill/>
-        </p:spPr>
-        <p:txBody>
-          <a:bodyPr wrap="square" rtlCol="0">
-            <a:spAutoFit/>
-          </a:bodyPr>
-          <a:lstStyle/>
-          <a:p>
-            <a:pPr algn="ctr"/>
-            <a:r>
-              <a:rPr lang="en-NZ" sz="2000" dirty="0"/>
-              <a:t>Your primary goal is to earn as many points as possible during the task.</a:t>
-            </a:r>
-          </a:p>
-        </p:txBody>
-      </p:sp>
-      <p:sp>
-        <p:nvSpPr>
-          <p:cNvPr id="14" name="TextBox 13">
-            <a:extLst>
-              <a:ext uri="{FF2B5EF4-FFF2-40B4-BE49-F238E27FC236}">
-                <a16:creationId xmlns:a16="http://schemas.microsoft.com/office/drawing/2014/main" id="{3F385D15-851B-455B-943F-50F7EE76F27F}"/>
-              </a:ext>
-            </a:extLst>
-          </p:cNvPr>
-          <p:cNvSpPr txBox="1"/>
-          <p:nvPr/>
-        </p:nvSpPr>
-        <p:spPr>
-          <a:xfrm>
-            <a:off x="2012476" y="2908692"/>
-            <a:ext cx="8167049" cy="400110"/>
-          </a:xfrm>
-          <a:prstGeom prst="rect">
-            <a:avLst/>
-          </a:prstGeom>
-          <a:noFill/>
-        </p:spPr>
-        <p:txBody>
-          <a:bodyPr wrap="square" rtlCol="0">
-            <a:spAutoFit/>
-          </a:bodyPr>
-          <a:lstStyle/>
-          <a:p>
-            <a:pPr algn="ctr"/>
-            <a:r>
-              <a:rPr lang="en-NZ" sz="2000" dirty="0"/>
-              <a:t>You can press the ‘Esc’ or ‘Q’ key if you need to stop the task for any reason.</a:t>
-            </a:r>
+            <a:endParaRPr lang="en-NZ" sz="2800"/>
           </a:p>
         </p:txBody>
       </p:sp>
       <p:grpSp>
         <p:nvGrpSpPr>
-          <p:cNvPr id="4" name="Group 3">
-            <a:extLst>
-              <a:ext uri="{FF2B5EF4-FFF2-40B4-BE49-F238E27FC236}">
-                <a16:creationId xmlns:a16="http://schemas.microsoft.com/office/drawing/2014/main" id="{F9E2CB9D-9F63-42C5-9699-0E60650D510B}"/>
+          <p:cNvPr id="16" name="Group 15">
+            <a:extLst>
+              <a:ext uri="{FF2B5EF4-FFF2-40B4-BE49-F238E27FC236}">
+                <a16:creationId xmlns:a16="http://schemas.microsoft.com/office/drawing/2014/main" id="{9CB5BBB7-9698-4E67-B7E8-8A728FFB1D54}"/>
               </a:ext>
             </a:extLst>
           </p:cNvPr>
@@ -4629,311 +4965,7 @@
         </p:nvGrpSpPr>
         <p:grpSpPr>
           <a:xfrm>
-            <a:off x="3297102" y="3429000"/>
-            <a:ext cx="5597796" cy="3245141"/>
-            <a:chOff x="3368650" y="3429000"/>
-            <a:chExt cx="5597796" cy="3245141"/>
-          </a:xfrm>
-        </p:grpSpPr>
-        <p:sp>
-          <p:nvSpPr>
-            <p:cNvPr id="10" name="TextBox 9">
-              <a:extLst>
-                <a:ext uri="{FF2B5EF4-FFF2-40B4-BE49-F238E27FC236}">
-                  <a16:creationId xmlns:a16="http://schemas.microsoft.com/office/drawing/2014/main" id="{6A205875-CBDA-4AA7-9452-D68F893C5232}"/>
-                </a:ext>
-              </a:extLst>
-            </p:cNvPr>
-            <p:cNvSpPr txBox="1"/>
-            <p:nvPr/>
-          </p:nvSpPr>
-          <p:spPr>
-            <a:xfrm>
-              <a:off x="4989249" y="4851515"/>
-              <a:ext cx="3977197" cy="400110"/>
-            </a:xfrm>
-            <a:prstGeom prst="rect">
-              <a:avLst/>
-            </a:prstGeom>
-            <a:noFill/>
-          </p:spPr>
-          <p:txBody>
-            <a:bodyPr wrap="square" rtlCol="0">
-              <a:spAutoFit/>
-            </a:bodyPr>
-            <a:lstStyle/>
-            <a:p>
-              <a:pPr algn="ctr"/>
-              <a:r>
-                <a:rPr lang="en-NZ" sz="2000" dirty="0"/>
-                <a:t>Press SPACE to start the experiment</a:t>
-              </a:r>
-            </a:p>
-          </p:txBody>
-        </p:sp>
-        <p:pic>
-          <p:nvPicPr>
-            <p:cNvPr id="3" name="Picture 2" descr="A picture containing diagram&#10;&#10;Description automatically generated">
-              <a:extLst>
-                <a:ext uri="{FF2B5EF4-FFF2-40B4-BE49-F238E27FC236}">
-                  <a16:creationId xmlns:a16="http://schemas.microsoft.com/office/drawing/2014/main" id="{F2F81DE1-1960-4424-8EEF-92D02F6ECCF6}"/>
-                </a:ext>
-              </a:extLst>
-            </p:cNvPr>
-            <p:cNvPicPr>
-              <a:picLocks noChangeAspect="1"/>
-            </p:cNvPicPr>
-            <p:nvPr/>
-          </p:nvPicPr>
-          <p:blipFill>
-            <a:blip r:embed="rId2">
-              <a:extLst>
-                <a:ext uri="{28A0092B-C50C-407E-A947-70E740481C1C}">
-                  <a14:useLocalDpi xmlns:a14="http://schemas.microsoft.com/office/drawing/2010/main" val="0"/>
-                </a:ext>
-              </a:extLst>
-            </a:blip>
-            <a:stretch>
-              <a:fillRect/>
-            </a:stretch>
-          </p:blipFill>
-          <p:spPr>
-            <a:xfrm>
-              <a:off x="3368650" y="3429000"/>
-              <a:ext cx="1620599" cy="3245141"/>
-            </a:xfrm>
-            <a:prstGeom prst="rect">
-              <a:avLst/>
-            </a:prstGeom>
-          </p:spPr>
-        </p:pic>
-      </p:grpSp>
-    </p:spTree>
-    <p:extLst>
-      <p:ext uri="{BB962C8B-B14F-4D97-AF65-F5344CB8AC3E}">
-        <p14:creationId xmlns:p14="http://schemas.microsoft.com/office/powerpoint/2010/main" val="2938656598"/>
-      </p:ext>
-    </p:extLst>
-  </p:cSld>
-  <p:clrMapOvr>
-    <a:masterClrMapping/>
-  </p:clrMapOvr>
-</p:sld>
-</file>
-
-<file path=ppt/slides/slide5.xml><?xml version="1.0" encoding="utf-8"?>
-<p:sld xmlns:a="http://schemas.openxmlformats.org/drawingml/2006/main" xmlns:r="http://schemas.openxmlformats.org/officeDocument/2006/relationships" xmlns:p="http://schemas.openxmlformats.org/presentationml/2006/main">
-  <p:cSld>
-    <p:spTree>
-      <p:nvGrpSpPr>
-        <p:cNvPr id="1" name=""/>
-        <p:cNvGrpSpPr/>
-        <p:nvPr/>
-      </p:nvGrpSpPr>
-      <p:grpSpPr>
-        <a:xfrm>
-          <a:off x="0" y="0"/>
-          <a:ext cx="0" cy="0"/>
-          <a:chOff x="0" y="0"/>
-          <a:chExt cx="0" cy="0"/>
-        </a:xfrm>
-      </p:grpSpPr>
-      <p:sp>
-        <p:nvSpPr>
-          <p:cNvPr id="8" name="TextBox 7">
-            <a:extLst>
-              <a:ext uri="{FF2B5EF4-FFF2-40B4-BE49-F238E27FC236}">
-                <a16:creationId xmlns:a16="http://schemas.microsoft.com/office/drawing/2014/main" id="{3541E32D-326E-4733-A431-D71F793B8205}"/>
-              </a:ext>
-            </a:extLst>
-          </p:cNvPr>
-          <p:cNvSpPr txBox="1"/>
-          <p:nvPr/>
-        </p:nvSpPr>
-        <p:spPr>
-          <a:xfrm>
-            <a:off x="3561796" y="277006"/>
-            <a:ext cx="5068409" cy="523220"/>
-          </a:xfrm>
-          <a:prstGeom prst="rect">
-            <a:avLst/>
-          </a:prstGeom>
-          <a:noFill/>
-        </p:spPr>
-        <p:txBody>
-          <a:bodyPr wrap="square" rtlCol="0">
-            <a:spAutoFit/>
-          </a:bodyPr>
-          <a:lstStyle/>
-          <a:p>
-            <a:pPr algn="ctr"/>
-            <a:r>
-              <a:rPr lang="en-NZ" sz="2800" dirty="0" err="1"/>
-              <a:t>SeleSt</a:t>
-            </a:r>
-            <a:endParaRPr lang="en-NZ" sz="2800" dirty="0"/>
-          </a:p>
-        </p:txBody>
-      </p:sp>
-      <p:sp>
-        <p:nvSpPr>
-          <p:cNvPr id="10" name="TextBox 9">
-            <a:extLst>
-              <a:ext uri="{FF2B5EF4-FFF2-40B4-BE49-F238E27FC236}">
-                <a16:creationId xmlns:a16="http://schemas.microsoft.com/office/drawing/2014/main" id="{6A205875-CBDA-4AA7-9452-D68F893C5232}"/>
-              </a:ext>
-            </a:extLst>
-          </p:cNvPr>
-          <p:cNvSpPr txBox="1"/>
-          <p:nvPr/>
-        </p:nvSpPr>
-        <p:spPr>
-          <a:xfrm>
-            <a:off x="1814696" y="6264778"/>
-            <a:ext cx="8562609" cy="400110"/>
-          </a:xfrm>
-          <a:prstGeom prst="rect">
-            <a:avLst/>
-          </a:prstGeom>
-          <a:noFill/>
-        </p:spPr>
-        <p:txBody>
-          <a:bodyPr wrap="square" rtlCol="0">
-            <a:spAutoFit/>
-          </a:bodyPr>
-          <a:lstStyle/>
-          <a:p>
-            <a:pPr algn="ctr"/>
-            <a:r>
-              <a:rPr lang="en-NZ" sz="2000" dirty="0"/>
-              <a:t>Press SPACE to continue</a:t>
-            </a:r>
-          </a:p>
-        </p:txBody>
-      </p:sp>
-      <p:sp>
-        <p:nvSpPr>
-          <p:cNvPr id="12" name="TextBox 11">
-            <a:extLst>
-              <a:ext uri="{FF2B5EF4-FFF2-40B4-BE49-F238E27FC236}">
-                <a16:creationId xmlns:a16="http://schemas.microsoft.com/office/drawing/2014/main" id="{6D832201-72E0-43A3-B0CF-5BDFD925C8F5}"/>
-              </a:ext>
-            </a:extLst>
-          </p:cNvPr>
-          <p:cNvSpPr txBox="1"/>
-          <p:nvPr/>
-        </p:nvSpPr>
-        <p:spPr>
-          <a:xfrm>
-            <a:off x="2830138" y="2098629"/>
-            <a:ext cx="6531724" cy="707886"/>
-          </a:xfrm>
-          <a:prstGeom prst="rect">
-            <a:avLst/>
-          </a:prstGeom>
-          <a:noFill/>
-        </p:spPr>
-        <p:txBody>
-          <a:bodyPr wrap="square" rtlCol="0">
-            <a:spAutoFit/>
-          </a:bodyPr>
-          <a:lstStyle/>
-          <a:p>
-            <a:pPr algn="ctr"/>
-            <a:r>
-              <a:rPr lang="en-NZ" sz="2000" dirty="0"/>
-              <a:t>Your objective during go trials is to respond as quickly as possible when the triangles turn black.</a:t>
-            </a:r>
-          </a:p>
-        </p:txBody>
-      </p:sp>
-      <p:sp>
-        <p:nvSpPr>
-          <p:cNvPr id="13" name="TextBox 12">
-            <a:extLst>
-              <a:ext uri="{FF2B5EF4-FFF2-40B4-BE49-F238E27FC236}">
-                <a16:creationId xmlns:a16="http://schemas.microsoft.com/office/drawing/2014/main" id="{77B78BC3-319A-4E4B-A08A-B6C09F79F881}"/>
-              </a:ext>
-            </a:extLst>
-          </p:cNvPr>
-          <p:cNvSpPr txBox="1"/>
-          <p:nvPr/>
-        </p:nvSpPr>
-        <p:spPr>
-          <a:xfrm>
-            <a:off x="2703746" y="1316556"/>
-            <a:ext cx="6784509" cy="707886"/>
-          </a:xfrm>
-          <a:prstGeom prst="rect">
-            <a:avLst/>
-          </a:prstGeom>
-          <a:noFill/>
-        </p:spPr>
-        <p:txBody>
-          <a:bodyPr wrap="square" rtlCol="0">
-            <a:spAutoFit/>
-          </a:bodyPr>
-          <a:lstStyle/>
-          <a:p>
-            <a:pPr algn="ctr"/>
-            <a:r>
-              <a:rPr lang="en-NZ" sz="2000" dirty="0"/>
-              <a:t>Each trial will start with two empty triangles that turn black after a brief delay. The majority of trials will be ‘go’ trials.</a:t>
-            </a:r>
-          </a:p>
-        </p:txBody>
-      </p:sp>
-      <p:sp>
-        <p:nvSpPr>
-          <p:cNvPr id="17" name="TextBox 16">
-            <a:extLst>
-              <a:ext uri="{FF2B5EF4-FFF2-40B4-BE49-F238E27FC236}">
-                <a16:creationId xmlns:a16="http://schemas.microsoft.com/office/drawing/2014/main" id="{85FB5D6E-6F72-4DA2-9143-570A7B1664B0}"/>
-              </a:ext>
-            </a:extLst>
-          </p:cNvPr>
-          <p:cNvSpPr txBox="1"/>
-          <p:nvPr/>
-        </p:nvSpPr>
-        <p:spPr>
-          <a:xfrm>
-            <a:off x="2052919" y="2880702"/>
-            <a:ext cx="8086163" cy="707886"/>
-          </a:xfrm>
-          <a:prstGeom prst="rect">
-            <a:avLst/>
-          </a:prstGeom>
-          <a:noFill/>
-        </p:spPr>
-        <p:txBody>
-          <a:bodyPr wrap="square" rtlCol="0">
-            <a:spAutoFit/>
-          </a:bodyPr>
-          <a:lstStyle/>
-          <a:p>
-            <a:pPr algn="ctr"/>
-            <a:r>
-              <a:rPr lang="en-NZ" sz="2000" dirty="0"/>
-              <a:t>Responses are made using the ‘N’ (left triangle) and ‘M’ (right triangle) keys with the index and middle finger of your dominant hand.</a:t>
-            </a:r>
-          </a:p>
-        </p:txBody>
-      </p:sp>
-      <p:grpSp>
-        <p:nvGrpSpPr>
-          <p:cNvPr id="16" name="Group 15">
-            <a:extLst>
-              <a:ext uri="{FF2B5EF4-FFF2-40B4-BE49-F238E27FC236}">
-                <a16:creationId xmlns:a16="http://schemas.microsoft.com/office/drawing/2014/main" id="{9CB5BBB7-9698-4E67-B7E8-8A728FFB1D54}"/>
-              </a:ext>
-            </a:extLst>
-          </p:cNvPr>
-          <p:cNvGrpSpPr/>
-          <p:nvPr/>
-        </p:nvGrpSpPr>
-        <p:grpSpPr>
-          <a:xfrm>
-            <a:off x="3677020" y="3631069"/>
+            <a:off x="3677021" y="3289246"/>
             <a:ext cx="4837959" cy="2591227"/>
             <a:chOff x="2757505" y="3045953"/>
             <a:chExt cx="5564470" cy="2980349"/>
@@ -5056,10 +5088,10 @@
       </p:grpSp>
       <p:sp>
         <p:nvSpPr>
-          <p:cNvPr id="14" name="TextBox 13">
-            <a:extLst>
-              <a:ext uri="{FF2B5EF4-FFF2-40B4-BE49-F238E27FC236}">
-                <a16:creationId xmlns:a16="http://schemas.microsoft.com/office/drawing/2014/main" id="{8CC2A5AA-367A-4C6D-BC30-8A70D86D186C}"/>
+          <p:cNvPr id="20" name="TextBox 19">
+            <a:extLst>
+              <a:ext uri="{FF2B5EF4-FFF2-40B4-BE49-F238E27FC236}">
+                <a16:creationId xmlns:a16="http://schemas.microsoft.com/office/drawing/2014/main" id="{FE449046-5C53-4297-912F-D461D98E2FE8}"/>
               </a:ext>
             </a:extLst>
           </p:cNvPr>
@@ -5068,7 +5100,79 @@
         </p:nvSpPr>
         <p:spPr>
           <a:xfrm>
-            <a:off x="1395620" y="842259"/>
+            <a:off x="2363972" y="1484386"/>
+            <a:ext cx="7464056" cy="707886"/>
+          </a:xfrm>
+          <a:prstGeom prst="rect">
+            <a:avLst/>
+          </a:prstGeom>
+          <a:noFill/>
+        </p:spPr>
+        <p:txBody>
+          <a:bodyPr wrap="square" lIns="91440" tIns="45720" rIns="91440" bIns="45720" rtlCol="0" anchor="t">
+            <a:spAutoFit/>
+          </a:bodyPr>
+          <a:lstStyle/>
+          <a:p>
+            <a:pPr algn="ctr"/>
+            <a:r>
+              <a:rPr lang="en-NZ" sz="2000" dirty="0"/>
+              <a:t>Each trial starts with two empty triangles that fill after a brief delay. Most trials are ‘go’ trials during which the triangles will turn black.</a:t>
+            </a:r>
+          </a:p>
+        </p:txBody>
+      </p:sp>
+      <p:sp>
+        <p:nvSpPr>
+          <p:cNvPr id="21" name="TextBox 20">
+            <a:extLst>
+              <a:ext uri="{FF2B5EF4-FFF2-40B4-BE49-F238E27FC236}">
+                <a16:creationId xmlns:a16="http://schemas.microsoft.com/office/drawing/2014/main" id="{5B9114B7-D4EF-442B-BE43-6C29B64F5531}"/>
+              </a:ext>
+            </a:extLst>
+          </p:cNvPr>
+          <p:cNvSpPr txBox="1"/>
+          <p:nvPr/>
+        </p:nvSpPr>
+        <p:spPr>
+          <a:xfrm>
+            <a:off x="3084408" y="2386816"/>
+            <a:ext cx="6023184" cy="707886"/>
+          </a:xfrm>
+          <a:prstGeom prst="rect">
+            <a:avLst/>
+          </a:prstGeom>
+          <a:noFill/>
+        </p:spPr>
+        <p:txBody>
+          <a:bodyPr wrap="square" lIns="91440" tIns="45720" rIns="91440" bIns="45720" rtlCol="0" anchor="t">
+            <a:spAutoFit/>
+          </a:bodyPr>
+          <a:lstStyle/>
+          <a:p>
+            <a:pPr algn="ctr"/>
+            <a:r>
+              <a:rPr lang="en-NZ" sz="2000" dirty="0"/>
+              <a:t>Your objective is to respond as fast as you can when the triangles turn black by pressing the response keys.</a:t>
+            </a:r>
+          </a:p>
+        </p:txBody>
+      </p:sp>
+      <p:sp>
+        <p:nvSpPr>
+          <p:cNvPr id="23" name="TextBox 22">
+            <a:extLst>
+              <a:ext uri="{FF2B5EF4-FFF2-40B4-BE49-F238E27FC236}">
+                <a16:creationId xmlns:a16="http://schemas.microsoft.com/office/drawing/2014/main" id="{B65584AA-895C-4C14-A538-6240C6905740}"/>
+              </a:ext>
+            </a:extLst>
+          </p:cNvPr>
+          <p:cNvSpPr txBox="1"/>
+          <p:nvPr/>
+        </p:nvSpPr>
+        <p:spPr>
+          <a:xfrm>
+            <a:off x="1395620" y="889732"/>
             <a:ext cx="9400761" cy="400110"/>
           </a:xfrm>
           <a:prstGeom prst="rect">
@@ -5094,6 +5198,42 @@
             <a:r>
               <a:rPr lang="en-NZ" sz="2000" dirty="0"/>
               <a:t> is designed to test your ability to respond and stop selectively.</a:t>
+            </a:r>
+          </a:p>
+        </p:txBody>
+      </p:sp>
+      <p:sp>
+        <p:nvSpPr>
+          <p:cNvPr id="26" name="TextBox 25">
+            <a:extLst>
+              <a:ext uri="{FF2B5EF4-FFF2-40B4-BE49-F238E27FC236}">
+                <a16:creationId xmlns:a16="http://schemas.microsoft.com/office/drawing/2014/main" id="{339D49EC-E68D-4D8C-B6F0-FD34D6A20F78}"/>
+              </a:ext>
+            </a:extLst>
+          </p:cNvPr>
+          <p:cNvSpPr txBox="1"/>
+          <p:nvPr/>
+        </p:nvSpPr>
+        <p:spPr>
+          <a:xfrm>
+            <a:off x="1814696" y="6084909"/>
+            <a:ext cx="8562609" cy="400110"/>
+          </a:xfrm>
+          <a:prstGeom prst="rect">
+            <a:avLst/>
+          </a:prstGeom>
+          <a:noFill/>
+        </p:spPr>
+        <p:txBody>
+          <a:bodyPr wrap="square" rtlCol="0">
+            <a:spAutoFit/>
+          </a:bodyPr>
+          <a:lstStyle/>
+          <a:p>
+            <a:pPr algn="ctr"/>
+            <a:r>
+              <a:rPr lang="en-NZ" sz="2000" dirty="0"/>
+              <a:t>Press SPACE to continue</a:t>
             </a:r>
           </a:p>
         </p:txBody>
@@ -5111,7 +5251,7 @@
 </p:sld>
 </file>
 
-<file path=ppt/slides/slide6.xml><?xml version="1.0" encoding="utf-8"?>
+<file path=ppt/slides/slide5.xml><?xml version="1.0" encoding="utf-8"?>
 <p:sld xmlns:a="http://schemas.openxmlformats.org/drawingml/2006/main" xmlns:r="http://schemas.openxmlformats.org/officeDocument/2006/relationships" xmlns:p="http://schemas.openxmlformats.org/presentationml/2006/main">
   <p:cSld>
     <p:spTree>
@@ -5158,19 +5298,19 @@
           <a:p>
             <a:pPr algn="ctr"/>
             <a:r>
-              <a:rPr lang="en-NZ" sz="2800" dirty="0" err="1"/>
+              <a:rPr lang="en-NZ" sz="2800" err="1"/>
               <a:t>SeleSt</a:t>
             </a:r>
-            <a:endParaRPr lang="en-NZ" sz="2800" dirty="0"/>
-          </a:p>
-        </p:txBody>
-      </p:sp>
-      <p:sp>
-        <p:nvSpPr>
-          <p:cNvPr id="9" name="TextBox 8">
-            <a:extLst>
-              <a:ext uri="{FF2B5EF4-FFF2-40B4-BE49-F238E27FC236}">
-                <a16:creationId xmlns:a16="http://schemas.microsoft.com/office/drawing/2014/main" id="{6CEAF05C-99F3-4B5F-B61A-D1849E28D68F}"/>
+            <a:endParaRPr lang="en-NZ" sz="2800"/>
+          </a:p>
+        </p:txBody>
+      </p:sp>
+      <p:sp>
+        <p:nvSpPr>
+          <p:cNvPr id="22" name="TextBox 21">
+            <a:extLst>
+              <a:ext uri="{FF2B5EF4-FFF2-40B4-BE49-F238E27FC236}">
+                <a16:creationId xmlns:a16="http://schemas.microsoft.com/office/drawing/2014/main" id="{DC90ACA4-551D-42D7-B1D0-BF18EB479BE0}"/>
               </a:ext>
             </a:extLst>
           </p:cNvPr>
@@ -5179,8 +5319,8 @@
         </p:nvSpPr>
         <p:spPr>
           <a:xfrm>
-            <a:off x="1102093" y="936947"/>
-            <a:ext cx="9987814" cy="400110"/>
+            <a:off x="1285043" y="896035"/>
+            <a:ext cx="9621914" cy="400110"/>
           </a:xfrm>
           <a:prstGeom prst="rect">
             <a:avLst/>
@@ -5188,7 +5328,7 @@
           <a:noFill/>
         </p:spPr>
         <p:txBody>
-          <a:bodyPr wrap="square" rtlCol="0">
+          <a:bodyPr wrap="square" lIns="91440" tIns="45720" rIns="91440" bIns="45720" rtlCol="0" anchor="t">
             <a:spAutoFit/>
           </a:bodyPr>
           <a:lstStyle/>
@@ -5196,125 +5336,17 @@
             <a:pPr algn="ctr"/>
             <a:r>
               <a:rPr lang="en-NZ" sz="2000" dirty="0"/>
-              <a:t>You will earn points throughout the task that will be displayed to you at the end of each block.</a:t>
-            </a:r>
-          </a:p>
-        </p:txBody>
-      </p:sp>
-      <p:sp>
-        <p:nvSpPr>
-          <p:cNvPr id="11" name="TextBox 10">
-            <a:extLst>
-              <a:ext uri="{FF2B5EF4-FFF2-40B4-BE49-F238E27FC236}">
-                <a16:creationId xmlns:a16="http://schemas.microsoft.com/office/drawing/2014/main" id="{35BE92BA-CCCB-4343-AF53-B1D55CAF2CFF}"/>
-              </a:ext>
-            </a:extLst>
-          </p:cNvPr>
-          <p:cNvSpPr txBox="1"/>
-          <p:nvPr/>
-        </p:nvSpPr>
-        <p:spPr>
-          <a:xfrm>
-            <a:off x="932649" y="5754764"/>
-            <a:ext cx="10482702" cy="400110"/>
-          </a:xfrm>
-          <a:prstGeom prst="rect">
-            <a:avLst/>
-          </a:prstGeom>
-          <a:noFill/>
-        </p:spPr>
-        <p:txBody>
-          <a:bodyPr wrap="square" rtlCol="0">
-            <a:spAutoFit/>
-          </a:bodyPr>
-          <a:lstStyle/>
-          <a:p>
-            <a:pPr algn="ctr"/>
-            <a:r>
-              <a:rPr lang="en-NZ" sz="2000" dirty="0"/>
-              <a:t>Let’s practice with a block of go trials.</a:t>
-            </a:r>
-          </a:p>
-        </p:txBody>
-      </p:sp>
-      <p:sp>
-        <p:nvSpPr>
-          <p:cNvPr id="18" name="TextBox 17">
-            <a:extLst>
-              <a:ext uri="{FF2B5EF4-FFF2-40B4-BE49-F238E27FC236}">
-                <a16:creationId xmlns:a16="http://schemas.microsoft.com/office/drawing/2014/main" id="{48129274-9CF3-449E-B6CD-61FC6A73562B}"/>
-              </a:ext>
-            </a:extLst>
-          </p:cNvPr>
-          <p:cNvSpPr txBox="1"/>
-          <p:nvPr/>
-        </p:nvSpPr>
-        <p:spPr>
-          <a:xfrm>
-            <a:off x="1814696" y="6264778"/>
-            <a:ext cx="8562609" cy="400110"/>
-          </a:xfrm>
-          <a:prstGeom prst="rect">
-            <a:avLst/>
-          </a:prstGeom>
-          <a:noFill/>
-        </p:spPr>
-        <p:txBody>
-          <a:bodyPr wrap="square" rtlCol="0">
-            <a:spAutoFit/>
-          </a:bodyPr>
-          <a:lstStyle/>
-          <a:p>
-            <a:pPr algn="ctr"/>
-            <a:r>
-              <a:rPr lang="en-NZ" sz="2000" dirty="0"/>
-              <a:t>Press SPACE to start practice block</a:t>
-            </a:r>
-          </a:p>
-        </p:txBody>
-      </p:sp>
-      <p:sp>
-        <p:nvSpPr>
-          <p:cNvPr id="20" name="TextBox 19">
-            <a:extLst>
-              <a:ext uri="{FF2B5EF4-FFF2-40B4-BE49-F238E27FC236}">
-                <a16:creationId xmlns:a16="http://schemas.microsoft.com/office/drawing/2014/main" id="{4EB43124-D391-42D9-A910-D5D63FB6D99C}"/>
-              </a:ext>
-            </a:extLst>
-          </p:cNvPr>
-          <p:cNvSpPr txBox="1"/>
-          <p:nvPr/>
-        </p:nvSpPr>
-        <p:spPr>
-          <a:xfrm>
-            <a:off x="1449345" y="1410952"/>
-            <a:ext cx="9293310" cy="707886"/>
-          </a:xfrm>
-          <a:prstGeom prst="rect">
-            <a:avLst/>
-          </a:prstGeom>
-          <a:noFill/>
-        </p:spPr>
-        <p:txBody>
-          <a:bodyPr wrap="square" rtlCol="0">
-            <a:spAutoFit/>
-          </a:bodyPr>
-          <a:lstStyle/>
-          <a:p>
-            <a:pPr algn="ctr"/>
-            <a:r>
-              <a:rPr lang="en-NZ" sz="2000" dirty="0"/>
-              <a:t>Points are awarded based on the speed of your response. Faster responses will earn more points as signalled by the colour of the target lines at the end of a trial.</a:t>
+              <a:t>You earn points by responding fast.</a:t>
             </a:r>
           </a:p>
         </p:txBody>
       </p:sp>
       <p:grpSp>
         <p:nvGrpSpPr>
-          <p:cNvPr id="5" name="Group 4">
-            <a:extLst>
-              <a:ext uri="{FF2B5EF4-FFF2-40B4-BE49-F238E27FC236}">
-                <a16:creationId xmlns:a16="http://schemas.microsoft.com/office/drawing/2014/main" id="{AFAA831E-425B-4FCC-8D89-9F517DCD0899}"/>
+          <p:cNvPr id="23" name="Group 22">
+            <a:extLst>
+              <a:ext uri="{FF2B5EF4-FFF2-40B4-BE49-F238E27FC236}">
+                <a16:creationId xmlns:a16="http://schemas.microsoft.com/office/drawing/2014/main" id="{F980D12D-4A8A-49D1-B048-E7316DE0F55B}"/>
               </a:ext>
             </a:extLst>
           </p:cNvPr>
@@ -5323,7 +5355,7 @@
         </p:nvGrpSpPr>
         <p:grpSpPr>
           <a:xfrm>
-            <a:off x="3687841" y="2229919"/>
+            <a:off x="3542623" y="1351639"/>
             <a:ext cx="5106754" cy="3409461"/>
             <a:chOff x="3593342" y="2269339"/>
             <a:chExt cx="5106754" cy="3409461"/>
@@ -5331,10 +5363,10 @@
         </p:grpSpPr>
         <p:sp>
           <p:nvSpPr>
-            <p:cNvPr id="14" name="TextBox 13">
+            <p:cNvPr id="24" name="TextBox 23">
               <a:extLst>
                 <a:ext uri="{FF2B5EF4-FFF2-40B4-BE49-F238E27FC236}">
-                  <a16:creationId xmlns:a16="http://schemas.microsoft.com/office/drawing/2014/main" id="{80BA4C13-B717-4B26-8D4B-22C6AC47E248}"/>
+                  <a16:creationId xmlns:a16="http://schemas.microsoft.com/office/drawing/2014/main" id="{8E828B16-C426-4256-AB75-675F6EF45315}"/>
                 </a:ext>
               </a:extLst>
             </p:cNvPr>
@@ -5367,10 +5399,10 @@
         </p:sp>
         <p:sp>
           <p:nvSpPr>
-            <p:cNvPr id="15" name="TextBox 14">
+            <p:cNvPr id="25" name="TextBox 24">
               <a:extLst>
                 <a:ext uri="{FF2B5EF4-FFF2-40B4-BE49-F238E27FC236}">
-                  <a16:creationId xmlns:a16="http://schemas.microsoft.com/office/drawing/2014/main" id="{11AAD1A8-6B03-4EDB-AD7F-56A3574392CD}"/>
+                  <a16:creationId xmlns:a16="http://schemas.microsoft.com/office/drawing/2014/main" id="{257C885A-2837-46ED-AEF5-4691005B7898}"/>
                 </a:ext>
               </a:extLst>
             </p:cNvPr>
@@ -5403,10 +5435,10 @@
         </p:sp>
         <p:sp>
           <p:nvSpPr>
-            <p:cNvPr id="16" name="TextBox 15">
+            <p:cNvPr id="26" name="TextBox 25">
               <a:extLst>
                 <a:ext uri="{FF2B5EF4-FFF2-40B4-BE49-F238E27FC236}">
-                  <a16:creationId xmlns:a16="http://schemas.microsoft.com/office/drawing/2014/main" id="{EBA2DBC8-48C4-46FA-8CC5-65495E8C68BF}"/>
+                  <a16:creationId xmlns:a16="http://schemas.microsoft.com/office/drawing/2014/main" id="{683F0BE3-ECFB-4203-BC21-14CE6ADA6E54}"/>
                 </a:ext>
               </a:extLst>
             </p:cNvPr>
@@ -5439,10 +5471,10 @@
         </p:sp>
         <p:sp>
           <p:nvSpPr>
-            <p:cNvPr id="17" name="TextBox 16">
+            <p:cNvPr id="27" name="TextBox 26">
               <a:extLst>
                 <a:ext uri="{FF2B5EF4-FFF2-40B4-BE49-F238E27FC236}">
-                  <a16:creationId xmlns:a16="http://schemas.microsoft.com/office/drawing/2014/main" id="{5A52A65E-F8FF-470C-9E7C-56074CE9E9A1}"/>
+                  <a16:creationId xmlns:a16="http://schemas.microsoft.com/office/drawing/2014/main" id="{BE66D362-3FF7-4947-AABE-B8132CCF3EBA}"/>
                 </a:ext>
               </a:extLst>
             </p:cNvPr>
@@ -5475,10 +5507,10 @@
         </p:sp>
         <p:pic>
           <p:nvPicPr>
-            <p:cNvPr id="3" name="Graphic 2">
+            <p:cNvPr id="28" name="Graphic 27">
               <a:extLst>
                 <a:ext uri="{FF2B5EF4-FFF2-40B4-BE49-F238E27FC236}">
-                  <a16:creationId xmlns:a16="http://schemas.microsoft.com/office/drawing/2014/main" id="{ECAB2689-8810-4148-B123-453732EA0E42}"/>
+                  <a16:creationId xmlns:a16="http://schemas.microsoft.com/office/drawing/2014/main" id="{0001488F-96FA-4A10-B52C-90B37D4D1DB8}"/>
                 </a:ext>
               </a:extLst>
             </p:cNvPr>
@@ -5510,6 +5542,78 @@
           </p:spPr>
         </p:pic>
       </p:grpSp>
+      <p:sp>
+        <p:nvSpPr>
+          <p:cNvPr id="29" name="TextBox 28">
+            <a:extLst>
+              <a:ext uri="{FF2B5EF4-FFF2-40B4-BE49-F238E27FC236}">
+                <a16:creationId xmlns:a16="http://schemas.microsoft.com/office/drawing/2014/main" id="{CD41342E-12B7-4928-92EB-1C83C7E167A2}"/>
+              </a:ext>
+            </a:extLst>
+          </p:cNvPr>
+          <p:cNvSpPr txBox="1"/>
+          <p:nvPr/>
+        </p:nvSpPr>
+        <p:spPr>
+          <a:xfrm>
+            <a:off x="854649" y="4816594"/>
+            <a:ext cx="10482702" cy="400110"/>
+          </a:xfrm>
+          <a:prstGeom prst="rect">
+            <a:avLst/>
+          </a:prstGeom>
+          <a:noFill/>
+        </p:spPr>
+        <p:txBody>
+          <a:bodyPr wrap="square" rtlCol="0">
+            <a:spAutoFit/>
+          </a:bodyPr>
+          <a:lstStyle/>
+          <a:p>
+            <a:pPr algn="ctr"/>
+            <a:r>
+              <a:rPr lang="en-NZ" sz="2000" dirty="0"/>
+              <a:t>Let’s practice with a block of go trials.</a:t>
+            </a:r>
+          </a:p>
+        </p:txBody>
+      </p:sp>
+      <p:sp>
+        <p:nvSpPr>
+          <p:cNvPr id="30" name="TextBox 29">
+            <a:extLst>
+              <a:ext uri="{FF2B5EF4-FFF2-40B4-BE49-F238E27FC236}">
+                <a16:creationId xmlns:a16="http://schemas.microsoft.com/office/drawing/2014/main" id="{12BEF24B-F269-4DC4-8D56-84D5152AA627}"/>
+              </a:ext>
+            </a:extLst>
+          </p:cNvPr>
+          <p:cNvSpPr txBox="1"/>
+          <p:nvPr/>
+        </p:nvSpPr>
+        <p:spPr>
+          <a:xfrm>
+            <a:off x="1814696" y="6084909"/>
+            <a:ext cx="8562609" cy="400110"/>
+          </a:xfrm>
+          <a:prstGeom prst="rect">
+            <a:avLst/>
+          </a:prstGeom>
+          <a:noFill/>
+        </p:spPr>
+        <p:txBody>
+          <a:bodyPr wrap="square" rtlCol="0">
+            <a:spAutoFit/>
+          </a:bodyPr>
+          <a:lstStyle/>
+          <a:p>
+            <a:pPr algn="ctr"/>
+            <a:r>
+              <a:rPr lang="en-NZ" sz="2000" dirty="0"/>
+              <a:t>Press SPACE to start practice block</a:t>
+            </a:r>
+          </a:p>
+        </p:txBody>
+      </p:sp>
     </p:spTree>
     <p:extLst>
       <p:ext uri="{BB962C8B-B14F-4D97-AF65-F5344CB8AC3E}">
@@ -5523,7 +5627,7 @@
 </p:sld>
 </file>
 
-<file path=ppt/slides/slide7.xml><?xml version="1.0" encoding="utf-8"?>
+<file path=ppt/slides/slide6.xml><?xml version="1.0" encoding="utf-8"?>
 <p:sld xmlns:a="http://schemas.openxmlformats.org/drawingml/2006/main" xmlns:r="http://schemas.openxmlformats.org/officeDocument/2006/relationships" xmlns:p="http://schemas.openxmlformats.org/presentationml/2006/main">
   <p:cSld>
     <p:spTree>
@@ -5542,6 +5646,42 @@
       </p:grpSpPr>
       <p:sp>
         <p:nvSpPr>
+          <p:cNvPr id="18" name="TextBox 17">
+            <a:extLst>
+              <a:ext uri="{FF2B5EF4-FFF2-40B4-BE49-F238E27FC236}">
+                <a16:creationId xmlns:a16="http://schemas.microsoft.com/office/drawing/2014/main" id="{54DC1D0D-D16A-436C-8B4F-E4CAB9F422B8}"/>
+              </a:ext>
+            </a:extLst>
+          </p:cNvPr>
+          <p:cNvSpPr txBox="1"/>
+          <p:nvPr/>
+        </p:nvSpPr>
+        <p:spPr>
+          <a:xfrm>
+            <a:off x="3124788" y="888285"/>
+            <a:ext cx="5942424" cy="707886"/>
+          </a:xfrm>
+          <a:prstGeom prst="rect">
+            <a:avLst/>
+          </a:prstGeom>
+          <a:noFill/>
+        </p:spPr>
+        <p:txBody>
+          <a:bodyPr wrap="square" rtlCol="0">
+            <a:spAutoFit/>
+          </a:bodyPr>
+          <a:lstStyle/>
+          <a:p>
+            <a:pPr algn="ctr"/>
+            <a:r>
+              <a:rPr lang="en-NZ" sz="2000" dirty="0"/>
+              <a:t>One or more triangles may change colour after turning black on a small number of ‘stop’ trials.</a:t>
+            </a:r>
+          </a:p>
+        </p:txBody>
+      </p:sp>
+      <p:sp>
+        <p:nvSpPr>
           <p:cNvPr id="8" name="TextBox 7">
             <a:extLst>
               <a:ext uri="{FF2B5EF4-FFF2-40B4-BE49-F238E27FC236}">
@@ -5570,154 +5710,10 @@
           <a:p>
             <a:pPr algn="ctr"/>
             <a:r>
-              <a:rPr lang="en-NZ" sz="2800" dirty="0" err="1"/>
+              <a:rPr lang="en-NZ" sz="2800" err="1"/>
               <a:t>SeleSt</a:t>
             </a:r>
-            <a:endParaRPr lang="en-NZ" sz="2800" dirty="0"/>
-          </a:p>
-        </p:txBody>
-      </p:sp>
-      <p:sp>
-        <p:nvSpPr>
-          <p:cNvPr id="10" name="TextBox 9">
-            <a:extLst>
-              <a:ext uri="{FF2B5EF4-FFF2-40B4-BE49-F238E27FC236}">
-                <a16:creationId xmlns:a16="http://schemas.microsoft.com/office/drawing/2014/main" id="{6A205875-CBDA-4AA7-9452-D68F893C5232}"/>
-              </a:ext>
-            </a:extLst>
-          </p:cNvPr>
-          <p:cNvSpPr txBox="1"/>
-          <p:nvPr/>
-        </p:nvSpPr>
-        <p:spPr>
-          <a:xfrm>
-            <a:off x="1814696" y="6264778"/>
-            <a:ext cx="8562609" cy="400110"/>
-          </a:xfrm>
-          <a:prstGeom prst="rect">
-            <a:avLst/>
-          </a:prstGeom>
-          <a:noFill/>
-        </p:spPr>
-        <p:txBody>
-          <a:bodyPr wrap="square" rtlCol="0">
-            <a:spAutoFit/>
-          </a:bodyPr>
-          <a:lstStyle/>
-          <a:p>
-            <a:pPr algn="ctr"/>
-            <a:r>
-              <a:rPr lang="en-NZ" sz="2000" dirty="0"/>
-              <a:t>Press SPACE for a practice block of both go and stop trials</a:t>
-            </a:r>
-          </a:p>
-        </p:txBody>
-      </p:sp>
-      <p:sp>
-        <p:nvSpPr>
-          <p:cNvPr id="12" name="TextBox 11">
-            <a:extLst>
-              <a:ext uri="{FF2B5EF4-FFF2-40B4-BE49-F238E27FC236}">
-                <a16:creationId xmlns:a16="http://schemas.microsoft.com/office/drawing/2014/main" id="{6D832201-72E0-43A3-B0CF-5BDFD925C8F5}"/>
-              </a:ext>
-            </a:extLst>
-          </p:cNvPr>
-          <p:cNvSpPr txBox="1"/>
-          <p:nvPr/>
-        </p:nvSpPr>
-        <p:spPr>
-          <a:xfrm>
-            <a:off x="2417901" y="5293587"/>
-            <a:ext cx="7356199" cy="707886"/>
-          </a:xfrm>
-          <a:prstGeom prst="rect">
-            <a:avLst/>
-          </a:prstGeom>
-          <a:noFill/>
-        </p:spPr>
-        <p:txBody>
-          <a:bodyPr wrap="square" rtlCol="0">
-            <a:spAutoFit/>
-          </a:bodyPr>
-          <a:lstStyle/>
-          <a:p>
-            <a:pPr algn="ctr"/>
-            <a:r>
-              <a:rPr lang="en-NZ" sz="2000" dirty="0"/>
-              <a:t>Stopping should be done reactively, meaning you should try your best to avoid waiting for a triangle to change to the stop colour.</a:t>
-            </a:r>
-          </a:p>
-        </p:txBody>
-      </p:sp>
-      <p:sp>
-        <p:nvSpPr>
-          <p:cNvPr id="13" name="TextBox 12">
-            <a:extLst>
-              <a:ext uri="{FF2B5EF4-FFF2-40B4-BE49-F238E27FC236}">
-                <a16:creationId xmlns:a16="http://schemas.microsoft.com/office/drawing/2014/main" id="{D3DC2494-4F95-46C2-8D42-A1CBBEAD4C32}"/>
-              </a:ext>
-            </a:extLst>
-          </p:cNvPr>
-          <p:cNvSpPr txBox="1"/>
-          <p:nvPr/>
-        </p:nvSpPr>
-        <p:spPr>
-          <a:xfrm>
-            <a:off x="2849340" y="831515"/>
-            <a:ext cx="6493321" cy="707886"/>
-          </a:xfrm>
-          <a:prstGeom prst="rect">
-            <a:avLst/>
-          </a:prstGeom>
-          <a:noFill/>
-        </p:spPr>
-        <p:txBody>
-          <a:bodyPr wrap="square" rtlCol="0">
-            <a:spAutoFit/>
-          </a:bodyPr>
-          <a:lstStyle/>
-          <a:p>
-            <a:pPr algn="ctr"/>
-            <a:r>
-              <a:rPr lang="en-NZ" sz="2000" dirty="0"/>
-              <a:t>On a smaller number of trials either the left, right, or both triangles may change colour after they have filled</a:t>
-            </a:r>
-          </a:p>
-        </p:txBody>
-      </p:sp>
-      <p:sp>
-        <p:nvSpPr>
-          <p:cNvPr id="17" name="TextBox 16">
-            <a:extLst>
-              <a:ext uri="{FF2B5EF4-FFF2-40B4-BE49-F238E27FC236}">
-                <a16:creationId xmlns:a16="http://schemas.microsoft.com/office/drawing/2014/main" id="{1B4B550C-2D61-406D-A5D7-4B36DF76F368}"/>
-              </a:ext>
-            </a:extLst>
-          </p:cNvPr>
-          <p:cNvSpPr txBox="1"/>
-          <p:nvPr/>
-        </p:nvSpPr>
-        <p:spPr>
-          <a:xfrm>
-            <a:off x="2203880" y="1566126"/>
-            <a:ext cx="7784240" cy="707886"/>
-          </a:xfrm>
-          <a:prstGeom prst="rect">
-            <a:avLst/>
-          </a:prstGeom>
-          <a:noFill/>
-        </p:spPr>
-        <p:txBody>
-          <a:bodyPr wrap="square" rtlCol="0">
-            <a:spAutoFit/>
-          </a:bodyPr>
-          <a:lstStyle/>
-          <a:p>
-            <a:pPr algn="ctr"/>
-            <a:r>
-              <a:rPr lang="en-NZ" sz="2000" dirty="0"/>
-              <a:t>Your objective during these ‘stop’ trials is to prevent yourself from making a response to any triangle that has changed colour.</a:t>
-            </a:r>
+            <a:endParaRPr lang="en-NZ" sz="2800"/>
           </a:p>
         </p:txBody>
       </p:sp>
@@ -5735,7 +5731,7 @@
         </p:nvGrpSpPr>
         <p:grpSpPr>
           <a:xfrm>
-            <a:off x="3196137" y="2300737"/>
+            <a:off x="3196139" y="1596171"/>
             <a:ext cx="5799723" cy="2823313"/>
             <a:chOff x="3196138" y="2283156"/>
             <a:chExt cx="5799723" cy="2823313"/>
@@ -5791,7 +5787,7 @@
               <a:p>
                 <a:pPr algn="ctr"/>
                 <a:r>
-                  <a:rPr lang="en-NZ" sz="2000" dirty="0"/>
+                  <a:rPr lang="en-NZ" sz="2000"/>
                   <a:t>stop-both</a:t>
                 </a:r>
               </a:p>
@@ -5884,7 +5880,7 @@
               <a:p>
                 <a:pPr algn="ctr"/>
                 <a:r>
-                  <a:rPr lang="en-NZ" sz="2000" dirty="0"/>
+                  <a:rPr lang="en-NZ" sz="2000"/>
                   <a:t>stop-left</a:t>
                 </a:r>
               </a:p>
@@ -5977,7 +5973,7 @@
               <a:p>
                 <a:pPr algn="ctr"/>
                 <a:r>
-                  <a:rPr lang="en-NZ" sz="2000" dirty="0"/>
+                  <a:rPr lang="en-NZ" sz="2000"/>
                   <a:t>stop-right</a:t>
                 </a:r>
               </a:p>
@@ -6021,6 +6017,122 @@
           </p:pic>
         </p:grpSp>
       </p:grpSp>
+      <p:sp>
+        <p:nvSpPr>
+          <p:cNvPr id="20" name="TextBox 19">
+            <a:extLst>
+              <a:ext uri="{FF2B5EF4-FFF2-40B4-BE49-F238E27FC236}">
+                <a16:creationId xmlns:a16="http://schemas.microsoft.com/office/drawing/2014/main" id="{21C3EE6F-F6F5-49E5-964F-7116D0D59677}"/>
+              </a:ext>
+            </a:extLst>
+          </p:cNvPr>
+          <p:cNvSpPr txBox="1"/>
+          <p:nvPr/>
+        </p:nvSpPr>
+        <p:spPr>
+          <a:xfrm>
+            <a:off x="2975033" y="4548636"/>
+            <a:ext cx="6241931" cy="707886"/>
+          </a:xfrm>
+          <a:prstGeom prst="rect">
+            <a:avLst/>
+          </a:prstGeom>
+          <a:noFill/>
+        </p:spPr>
+        <p:txBody>
+          <a:bodyPr wrap="square" lIns="91440" tIns="45720" rIns="91440" bIns="45720" rtlCol="0" anchor="t">
+            <a:spAutoFit/>
+          </a:bodyPr>
+          <a:lstStyle/>
+          <a:p>
+            <a:pPr algn="ctr"/>
+            <a:r>
+              <a:rPr lang="en-NZ" sz="2000" dirty="0"/>
+              <a:t>You earn points by </a:t>
+            </a:r>
+            <a:r>
+              <a:rPr lang="en-NZ" sz="2000" b="1" dirty="0"/>
+              <a:t>not</a:t>
+            </a:r>
+            <a:r>
+              <a:rPr lang="en-NZ" sz="2000" dirty="0"/>
+              <a:t> making a response to any triangle that has changed to the stop colour.</a:t>
+            </a:r>
+          </a:p>
+        </p:txBody>
+      </p:sp>
+      <p:sp>
+        <p:nvSpPr>
+          <p:cNvPr id="26" name="TextBox 25">
+            <a:extLst>
+              <a:ext uri="{FF2B5EF4-FFF2-40B4-BE49-F238E27FC236}">
+                <a16:creationId xmlns:a16="http://schemas.microsoft.com/office/drawing/2014/main" id="{95E4F9F2-9631-4D43-A493-459E2C28CE8F}"/>
+              </a:ext>
+            </a:extLst>
+          </p:cNvPr>
+          <p:cNvSpPr txBox="1"/>
+          <p:nvPr/>
+        </p:nvSpPr>
+        <p:spPr>
+          <a:xfrm>
+            <a:off x="2255119" y="5385674"/>
+            <a:ext cx="7681757" cy="400110"/>
+          </a:xfrm>
+          <a:prstGeom prst="rect">
+            <a:avLst/>
+          </a:prstGeom>
+          <a:noFill/>
+        </p:spPr>
+        <p:txBody>
+          <a:bodyPr wrap="square" rtlCol="0">
+            <a:spAutoFit/>
+          </a:bodyPr>
+          <a:lstStyle/>
+          <a:p>
+            <a:pPr algn="ctr"/>
+            <a:r>
+              <a:rPr lang="en-NZ" sz="2000" dirty="0"/>
+              <a:t>You should avoid slowing your responses to prepare for a stop trial.</a:t>
+            </a:r>
+          </a:p>
+        </p:txBody>
+      </p:sp>
+      <p:sp>
+        <p:nvSpPr>
+          <p:cNvPr id="27" name="TextBox 26">
+            <a:extLst>
+              <a:ext uri="{FF2B5EF4-FFF2-40B4-BE49-F238E27FC236}">
+                <a16:creationId xmlns:a16="http://schemas.microsoft.com/office/drawing/2014/main" id="{E36A450E-570B-45C2-85E5-707AEC6F1E5D}"/>
+              </a:ext>
+            </a:extLst>
+          </p:cNvPr>
+          <p:cNvSpPr txBox="1"/>
+          <p:nvPr/>
+        </p:nvSpPr>
+        <p:spPr>
+          <a:xfrm>
+            <a:off x="1814696" y="6084909"/>
+            <a:ext cx="8562609" cy="400110"/>
+          </a:xfrm>
+          <a:prstGeom prst="rect">
+            <a:avLst/>
+          </a:prstGeom>
+          <a:noFill/>
+        </p:spPr>
+        <p:txBody>
+          <a:bodyPr wrap="square" rtlCol="0">
+            <a:spAutoFit/>
+          </a:bodyPr>
+          <a:lstStyle/>
+          <a:p>
+            <a:pPr algn="ctr"/>
+            <a:r>
+              <a:rPr lang="en-NZ" sz="2000" dirty="0"/>
+              <a:t>Press SPACE to start practice block of go and stop trials</a:t>
+            </a:r>
+          </a:p>
+        </p:txBody>
+      </p:sp>
     </p:spTree>
     <p:extLst>
       <p:ext uri="{BB962C8B-B14F-4D97-AF65-F5344CB8AC3E}">
@@ -6034,7 +6146,7 @@
 </p:sld>
 </file>
 
-<file path=ppt/slides/slide8.xml><?xml version="1.0" encoding="utf-8"?>
+<file path=ppt/slides/slide7.xml><?xml version="1.0" encoding="utf-8"?>
 <p:sld xmlns:a="http://schemas.openxmlformats.org/drawingml/2006/main" xmlns:r="http://schemas.openxmlformats.org/officeDocument/2006/relationships" xmlns:p="http://schemas.openxmlformats.org/presentationml/2006/main">
   <p:cSld>
     <p:spTree>
@@ -6081,10 +6193,10 @@
           <a:p>
             <a:pPr algn="ctr"/>
             <a:r>
-              <a:rPr lang="en-NZ" sz="2800" dirty="0" err="1"/>
+              <a:rPr lang="en-NZ" sz="2800" err="1"/>
               <a:t>SeleSt</a:t>
             </a:r>
-            <a:endParaRPr lang="en-NZ" sz="2800" dirty="0"/>
+            <a:endParaRPr lang="en-NZ" sz="2800"/>
           </a:p>
         </p:txBody>
       </p:sp>
@@ -6102,7 +6214,7 @@
         </p:nvSpPr>
         <p:spPr>
           <a:xfrm>
-            <a:off x="1395620" y="950316"/>
+            <a:off x="1395620" y="889304"/>
             <a:ext cx="9400761" cy="400110"/>
           </a:xfrm>
           <a:prstGeom prst="rect">
@@ -6138,8 +6250,8 @@
         </p:nvSpPr>
         <p:spPr>
           <a:xfrm>
-            <a:off x="2586078" y="1500516"/>
-            <a:ext cx="7019844" cy="707886"/>
+            <a:off x="2299277" y="2194420"/>
+            <a:ext cx="7593447" cy="707886"/>
           </a:xfrm>
           <a:prstGeom prst="rect">
             <a:avLst/>
@@ -6155,7 +6267,7 @@
             <a:pPr algn="ctr"/>
             <a:r>
               <a:rPr lang="en-NZ" sz="2000" dirty="0"/>
-              <a:t>The task is split into 12 blocks of 36 trials each (24 go + 12 stop). Feel free to take breaks between blocks if you need them.</a:t>
+              <a:t>Feel free to take breaks between blocks if you need them. You can press the ‘Esc’ or ‘Q’ key if you need to stop the task for any reason.</a:t>
             </a:r>
           </a:p>
         </p:txBody>
@@ -6174,7 +6286,7 @@
         </p:nvSpPr>
         <p:spPr>
           <a:xfrm>
-            <a:off x="2333065" y="2358492"/>
+            <a:off x="2333065" y="1541862"/>
             <a:ext cx="7525871" cy="400110"/>
           </a:xfrm>
           <a:prstGeom prst="rect">
@@ -6191,43 +6303,7 @@
             <a:pPr algn="ctr"/>
             <a:r>
               <a:rPr lang="en-NZ" sz="2000" dirty="0"/>
-              <a:t>Your primary goal is to earn as many points as possible during the task.</a:t>
-            </a:r>
-          </a:p>
-        </p:txBody>
-      </p:sp>
-      <p:sp>
-        <p:nvSpPr>
-          <p:cNvPr id="14" name="TextBox 13">
-            <a:extLst>
-              <a:ext uri="{FF2B5EF4-FFF2-40B4-BE49-F238E27FC236}">
-                <a16:creationId xmlns:a16="http://schemas.microsoft.com/office/drawing/2014/main" id="{3F385D15-851B-455B-943F-50F7EE76F27F}"/>
-              </a:ext>
-            </a:extLst>
-          </p:cNvPr>
-          <p:cNvSpPr txBox="1"/>
-          <p:nvPr/>
-        </p:nvSpPr>
-        <p:spPr>
-          <a:xfrm>
-            <a:off x="2012476" y="2908692"/>
-            <a:ext cx="8167049" cy="400110"/>
-          </a:xfrm>
-          <a:prstGeom prst="rect">
-            <a:avLst/>
-          </a:prstGeom>
-          <a:noFill/>
-        </p:spPr>
-        <p:txBody>
-          <a:bodyPr wrap="square" rtlCol="0">
-            <a:spAutoFit/>
-          </a:bodyPr>
-          <a:lstStyle/>
-          <a:p>
-            <a:pPr algn="ctr"/>
-            <a:r>
-              <a:rPr lang="en-NZ" sz="2000" dirty="0"/>
-              <a:t>You can press the ‘Esc’ or ‘Q’ key if you need to stop the task for any reason.</a:t>
+              <a:t>Your goal is to earn as many points as possible.</a:t>
             </a:r>
           </a:p>
         </p:txBody>
@@ -6246,7 +6322,7 @@
         </p:nvGrpSpPr>
         <p:grpSpPr>
           <a:xfrm>
-            <a:off x="3297102" y="3429000"/>
+            <a:off x="3297102" y="3154754"/>
             <a:ext cx="5597796" cy="3245141"/>
             <a:chOff x="3368650" y="3429000"/>
             <a:chExt cx="5597796" cy="3245141"/>
@@ -6282,7 +6358,7 @@
             <a:p>
               <a:pPr algn="ctr"/>
               <a:r>
-                <a:rPr lang="en-NZ" sz="2000" dirty="0"/>
+                <a:rPr lang="en-NZ" sz="2000"/>
                 <a:t>Press SPACE to start the experiment</a:t>
               </a:r>
             </a:p>
@@ -6328,7 +6404,7 @@
     </p:spTree>
     <p:extLst>
       <p:ext uri="{BB962C8B-B14F-4D97-AF65-F5344CB8AC3E}">
-        <p14:creationId xmlns:p14="http://schemas.microsoft.com/office/powerpoint/2010/main" val="3436487901"/>
+        <p14:creationId xmlns:p14="http://schemas.microsoft.com/office/powerpoint/2010/main" val="2938656598"/>
       </p:ext>
     </p:extLst>
   </p:cSld>
@@ -6338,7 +6414,7 @@
 </p:sld>
 </file>
 
-<file path=ppt/slides/slide9.xml><?xml version="1.0" encoding="utf-8"?>
+<file path=ppt/slides/slide8.xml><?xml version="1.0" encoding="utf-8"?>
 <p:sld xmlns:a="http://schemas.openxmlformats.org/drawingml/2006/main" xmlns:r="http://schemas.openxmlformats.org/officeDocument/2006/relationships" xmlns:p="http://schemas.openxmlformats.org/presentationml/2006/main">
   <p:cSld>
     <p:spTree>
@@ -6406,8 +6482,8 @@
         </p:nvSpPr>
         <p:spPr>
           <a:xfrm>
-            <a:off x="1395620" y="950316"/>
-            <a:ext cx="9400761" cy="461665"/>
+            <a:off x="1395620" y="927712"/>
+            <a:ext cx="9400761" cy="400110"/>
           </a:xfrm>
           <a:prstGeom prst="rect">
             <a:avLst/>
@@ -6422,52 +6498,12 @@
           <a:p>
             <a:pPr algn="ctr"/>
             <a:r>
-              <a:rPr lang="en-NZ" sz="2400" dirty="0"/>
-              <a:t>You have finished the </a:t>
-            </a:r>
-            <a:r>
-              <a:rPr lang="en-NZ" sz="2400" dirty="0" err="1"/>
+              <a:rPr lang="en-NZ" sz="2000" dirty="0" err="1"/>
               <a:t>SeleSt</a:t>
             </a:r>
             <a:r>
-              <a:rPr lang="en-NZ" sz="2400" dirty="0"/>
-              <a:t> task – nice work!</a:t>
-            </a:r>
-          </a:p>
-        </p:txBody>
-      </p:sp>
-      <p:sp>
-        <p:nvSpPr>
-          <p:cNvPr id="11" name="TextBox 10">
-            <a:extLst>
-              <a:ext uri="{FF2B5EF4-FFF2-40B4-BE49-F238E27FC236}">
-                <a16:creationId xmlns:a16="http://schemas.microsoft.com/office/drawing/2014/main" id="{35BE92BA-CCCB-4343-AF53-B1D55CAF2CFF}"/>
-              </a:ext>
-            </a:extLst>
-          </p:cNvPr>
-          <p:cNvSpPr txBox="1"/>
-          <p:nvPr/>
-        </p:nvSpPr>
-        <p:spPr>
-          <a:xfrm>
-            <a:off x="2586078" y="1560361"/>
-            <a:ext cx="7019844" cy="461665"/>
-          </a:xfrm>
-          <a:prstGeom prst="rect">
-            <a:avLst/>
-          </a:prstGeom>
-          <a:noFill/>
-        </p:spPr>
-        <p:txBody>
-          <a:bodyPr wrap="square" rtlCol="0">
-            <a:spAutoFit/>
-          </a:bodyPr>
-          <a:lstStyle/>
-          <a:p>
-            <a:pPr algn="ctr"/>
-            <a:r>
-              <a:rPr lang="en-NZ" sz="2400" dirty="0"/>
-              <a:t>Thank you for your time.</a:t>
+              <a:rPr lang="en-NZ" sz="2000" dirty="0"/>
+              <a:t> task complete. Thank you for your time.</a:t>
             </a:r>
           </a:p>
         </p:txBody>
@@ -6486,7 +6522,7 @@
         </p:nvGrpSpPr>
         <p:grpSpPr>
           <a:xfrm>
-            <a:off x="2466165" y="2372435"/>
+            <a:off x="2466165" y="1721729"/>
             <a:ext cx="7259671" cy="4208559"/>
             <a:chOff x="3368650" y="3429000"/>
             <a:chExt cx="5597796" cy="3245141"/>
@@ -6522,7 +6558,7 @@
             <a:p>
               <a:pPr algn="ctr"/>
               <a:r>
-                <a:rPr lang="en-NZ" sz="2000" dirty="0"/>
+                <a:rPr lang="en-NZ" sz="2000"/>
                 <a:t>Press SPACE to end the experiment</a:t>
               </a:r>
             </a:p>
@@ -6543,7 +6579,7 @@
             <p:nvPr/>
           </p:nvPicPr>
           <p:blipFill>
-            <a:blip r:embed="rId2">
+            <a:blip r:embed="rId3">
               <a:extLst>
                 <a:ext uri="{28A0092B-C50C-407E-A947-70E740481C1C}">
                   <a14:useLocalDpi xmlns:a14="http://schemas.microsoft.com/office/drawing/2010/main" val="0"/>
@@ -6871,4 +6907,521 @@
     </a:ext>
   </a:extLst>
 </a:theme>
+</file>
+
+<file path=ppt/theme/theme2.xml><?xml version="1.0" encoding="utf-8"?>
+<a:theme xmlns:a="http://schemas.openxmlformats.org/drawingml/2006/main" name="Office Theme">
+  <a:themeElements>
+    <a:clrScheme name="Office">
+      <a:dk1>
+        <a:sysClr val="windowText" lastClr="000000"/>
+      </a:dk1>
+      <a:lt1>
+        <a:sysClr val="window" lastClr="FFFFFF"/>
+      </a:lt1>
+      <a:dk2>
+        <a:srgbClr val="44546A"/>
+      </a:dk2>
+      <a:lt2>
+        <a:srgbClr val="E7E6E6"/>
+      </a:lt2>
+      <a:accent1>
+        <a:srgbClr val="4472C4"/>
+      </a:accent1>
+      <a:accent2>
+        <a:srgbClr val="ED7D31"/>
+      </a:accent2>
+      <a:accent3>
+        <a:srgbClr val="A5A5A5"/>
+      </a:accent3>
+      <a:accent4>
+        <a:srgbClr val="FFC000"/>
+      </a:accent4>
+      <a:accent5>
+        <a:srgbClr val="5B9BD5"/>
+      </a:accent5>
+      <a:accent6>
+        <a:srgbClr val="70AD47"/>
+      </a:accent6>
+      <a:hlink>
+        <a:srgbClr val="0563C1"/>
+      </a:hlink>
+      <a:folHlink>
+        <a:srgbClr val="954F72"/>
+      </a:folHlink>
+    </a:clrScheme>
+    <a:fontScheme name="Office">
+      <a:majorFont>
+        <a:latin typeface="Calibri Light" panose="020F0302020204030204"/>
+        <a:ea typeface=""/>
+        <a:cs typeface=""/>
+        <a:font script="Jpan" typeface="游ゴシック Light"/>
+        <a:font script="Hang" typeface="맑은 고딕"/>
+        <a:font script="Hans" typeface="等线 Light"/>
+        <a:font script="Hant" typeface="新細明體"/>
+        <a:font script="Arab" typeface="Times New Roman"/>
+        <a:font script="Hebr" typeface="Times New Roman"/>
+        <a:font script="Thai" typeface="Angsana New"/>
+        <a:font script="Ethi" typeface="Nyala"/>
+        <a:font script="Beng" typeface="Vrinda"/>
+        <a:font script="Gujr" typeface="Shruti"/>
+        <a:font script="Khmr" typeface="MoolBoran"/>
+        <a:font script="Knda" typeface="Tunga"/>
+        <a:font script="Guru" typeface="Raavi"/>
+        <a:font script="Cans" typeface="Euphemia"/>
+        <a:font script="Cher" typeface="Plantagenet Cherokee"/>
+        <a:font script="Yiii" typeface="Microsoft Yi Baiti"/>
+        <a:font script="Tibt" typeface="Microsoft Himalaya"/>
+        <a:font script="Thaa" typeface="MV Boli"/>
+        <a:font script="Deva" typeface="Mangal"/>
+        <a:font script="Telu" typeface="Gautami"/>
+        <a:font script="Taml" typeface="Latha"/>
+        <a:font script="Syrc" typeface="Estrangelo Edessa"/>
+        <a:font script="Orya" typeface="Kalinga"/>
+        <a:font script="Mlym" typeface="Kartika"/>
+        <a:font script="Laoo" typeface="DokChampa"/>
+        <a:font script="Sinh" typeface="Iskoola Pota"/>
+        <a:font script="Mong" typeface="Mongolian Baiti"/>
+        <a:font script="Viet" typeface="Times New Roman"/>
+        <a:font script="Uigh" typeface="Microsoft Uighur"/>
+        <a:font script="Geor" typeface="Sylfaen"/>
+        <a:font script="Armn" typeface="Arial"/>
+        <a:font script="Bugi" typeface="Leelawadee UI"/>
+        <a:font script="Bopo" typeface="Microsoft JhengHei"/>
+        <a:font script="Java" typeface="Javanese Text"/>
+        <a:font script="Lisu" typeface="Segoe UI"/>
+        <a:font script="Mymr" typeface="Myanmar Text"/>
+        <a:font script="Nkoo" typeface="Ebrima"/>
+        <a:font script="Olck" typeface="Nirmala UI"/>
+        <a:font script="Osma" typeface="Ebrima"/>
+        <a:font script="Phag" typeface="Phagspa"/>
+        <a:font script="Syrn" typeface="Estrangelo Edessa"/>
+        <a:font script="Syrj" typeface="Estrangelo Edessa"/>
+        <a:font script="Syre" typeface="Estrangelo Edessa"/>
+        <a:font script="Sora" typeface="Nirmala UI"/>
+        <a:font script="Tale" typeface="Microsoft Tai Le"/>
+        <a:font script="Talu" typeface="Microsoft New Tai Lue"/>
+        <a:font script="Tfng" typeface="Ebrima"/>
+      </a:majorFont>
+      <a:minorFont>
+        <a:latin typeface="Calibri" panose="020F0502020204030204"/>
+        <a:ea typeface=""/>
+        <a:cs typeface=""/>
+        <a:font script="Jpan" typeface="游ゴシック"/>
+        <a:font script="Hang" typeface="맑은 고딕"/>
+        <a:font script="Hans" typeface="等线"/>
+        <a:font script="Hant" typeface="新細明體"/>
+        <a:font script="Arab" typeface="Arial"/>
+        <a:font script="Hebr" typeface="Arial"/>
+        <a:font script="Thai" typeface="Cordia New"/>
+        <a:font script="Ethi" typeface="Nyala"/>
+        <a:font script="Beng" typeface="Vrinda"/>
+        <a:font script="Gujr" typeface="Shruti"/>
+        <a:font script="Khmr" typeface="DaunPenh"/>
+        <a:font script="Knda" typeface="Tunga"/>
+        <a:font script="Guru" typeface="Raavi"/>
+        <a:font script="Cans" typeface="Euphemia"/>
+        <a:font script="Cher" typeface="Plantagenet Cherokee"/>
+        <a:font script="Yiii" typeface="Microsoft Yi Baiti"/>
+        <a:font script="Tibt" typeface="Microsoft Himalaya"/>
+        <a:font script="Thaa" typeface="MV Boli"/>
+        <a:font script="Deva" typeface="Mangal"/>
+        <a:font script="Telu" typeface="Gautami"/>
+        <a:font script="Taml" typeface="Latha"/>
+        <a:font script="Syrc" typeface="Estrangelo Edessa"/>
+        <a:font script="Orya" typeface="Kalinga"/>
+        <a:font script="Mlym" typeface="Kartika"/>
+        <a:font script="Laoo" typeface="DokChampa"/>
+        <a:font script="Sinh" typeface="Iskoola Pota"/>
+        <a:font script="Mong" typeface="Mongolian Baiti"/>
+        <a:font script="Viet" typeface="Arial"/>
+        <a:font script="Uigh" typeface="Microsoft Uighur"/>
+        <a:font script="Geor" typeface="Sylfaen"/>
+        <a:font script="Armn" typeface="Arial"/>
+        <a:font script="Bugi" typeface="Leelawadee UI"/>
+        <a:font script="Bopo" typeface="Microsoft JhengHei"/>
+        <a:font script="Java" typeface="Javanese Text"/>
+        <a:font script="Lisu" typeface="Segoe UI"/>
+        <a:font script="Mymr" typeface="Myanmar Text"/>
+        <a:font script="Nkoo" typeface="Ebrima"/>
+        <a:font script="Olck" typeface="Nirmala UI"/>
+        <a:font script="Osma" typeface="Ebrima"/>
+        <a:font script="Phag" typeface="Phagspa"/>
+        <a:font script="Syrn" typeface="Estrangelo Edessa"/>
+        <a:font script="Syrj" typeface="Estrangelo Edessa"/>
+        <a:font script="Syre" typeface="Estrangelo Edessa"/>
+        <a:font script="Sora" typeface="Nirmala UI"/>
+        <a:font script="Tale" typeface="Microsoft Tai Le"/>
+        <a:font script="Talu" typeface="Microsoft New Tai Lue"/>
+        <a:font script="Tfng" typeface="Ebrima"/>
+      </a:minorFont>
+    </a:fontScheme>
+    <a:fmtScheme name="Office">
+      <a:fillStyleLst>
+        <a:solidFill>
+          <a:schemeClr val="phClr"/>
+        </a:solidFill>
+        <a:gradFill rotWithShape="1">
+          <a:gsLst>
+            <a:gs pos="0">
+              <a:schemeClr val="phClr">
+                <a:lumMod val="110000"/>
+                <a:satMod val="105000"/>
+                <a:tint val="67000"/>
+              </a:schemeClr>
+            </a:gs>
+            <a:gs pos="50000">
+              <a:schemeClr val="phClr">
+                <a:lumMod val="105000"/>
+                <a:satMod val="103000"/>
+                <a:tint val="73000"/>
+              </a:schemeClr>
+            </a:gs>
+            <a:gs pos="100000">
+              <a:schemeClr val="phClr">
+                <a:lumMod val="105000"/>
+                <a:satMod val="109000"/>
+                <a:tint val="81000"/>
+              </a:schemeClr>
+            </a:gs>
+          </a:gsLst>
+          <a:lin ang="5400000" scaled="0"/>
+        </a:gradFill>
+        <a:gradFill rotWithShape="1">
+          <a:gsLst>
+            <a:gs pos="0">
+              <a:schemeClr val="phClr">
+                <a:satMod val="103000"/>
+                <a:lumMod val="102000"/>
+                <a:tint val="94000"/>
+              </a:schemeClr>
+            </a:gs>
+            <a:gs pos="50000">
+              <a:schemeClr val="phClr">
+                <a:satMod val="110000"/>
+                <a:lumMod val="100000"/>
+                <a:shade val="100000"/>
+              </a:schemeClr>
+            </a:gs>
+            <a:gs pos="100000">
+              <a:schemeClr val="phClr">
+                <a:lumMod val="99000"/>
+                <a:satMod val="120000"/>
+                <a:shade val="78000"/>
+              </a:schemeClr>
+            </a:gs>
+          </a:gsLst>
+          <a:lin ang="5400000" scaled="0"/>
+        </a:gradFill>
+      </a:fillStyleLst>
+      <a:lnStyleLst>
+        <a:ln w="6350" cap="flat" cmpd="sng" algn="ctr">
+          <a:solidFill>
+            <a:schemeClr val="phClr"/>
+          </a:solidFill>
+          <a:prstDash val="solid"/>
+          <a:miter lim="800000"/>
+        </a:ln>
+        <a:ln w="12700" cap="flat" cmpd="sng" algn="ctr">
+          <a:solidFill>
+            <a:schemeClr val="phClr"/>
+          </a:solidFill>
+          <a:prstDash val="solid"/>
+          <a:miter lim="800000"/>
+        </a:ln>
+        <a:ln w="19050" cap="flat" cmpd="sng" algn="ctr">
+          <a:solidFill>
+            <a:schemeClr val="phClr"/>
+          </a:solidFill>
+          <a:prstDash val="solid"/>
+          <a:miter lim="800000"/>
+        </a:ln>
+      </a:lnStyleLst>
+      <a:effectStyleLst>
+        <a:effectStyle>
+          <a:effectLst/>
+        </a:effectStyle>
+        <a:effectStyle>
+          <a:effectLst/>
+        </a:effectStyle>
+        <a:effectStyle>
+          <a:effectLst>
+            <a:outerShdw blurRad="57150" dist="19050" dir="5400000" algn="ctr" rotWithShape="0">
+              <a:srgbClr val="000000">
+                <a:alpha val="63000"/>
+              </a:srgbClr>
+            </a:outerShdw>
+          </a:effectLst>
+        </a:effectStyle>
+      </a:effectStyleLst>
+      <a:bgFillStyleLst>
+        <a:solidFill>
+          <a:schemeClr val="phClr"/>
+        </a:solidFill>
+        <a:solidFill>
+          <a:schemeClr val="phClr">
+            <a:tint val="95000"/>
+            <a:satMod val="170000"/>
+          </a:schemeClr>
+        </a:solidFill>
+        <a:gradFill rotWithShape="1">
+          <a:gsLst>
+            <a:gs pos="0">
+              <a:schemeClr val="phClr">
+                <a:tint val="93000"/>
+                <a:satMod val="150000"/>
+                <a:shade val="98000"/>
+                <a:lumMod val="102000"/>
+              </a:schemeClr>
+            </a:gs>
+            <a:gs pos="50000">
+              <a:schemeClr val="phClr">
+                <a:tint val="98000"/>
+                <a:satMod val="130000"/>
+                <a:shade val="90000"/>
+                <a:lumMod val="103000"/>
+              </a:schemeClr>
+            </a:gs>
+            <a:gs pos="100000">
+              <a:schemeClr val="phClr">
+                <a:shade val="63000"/>
+                <a:satMod val="120000"/>
+              </a:schemeClr>
+            </a:gs>
+          </a:gsLst>
+          <a:lin ang="5400000" scaled="0"/>
+        </a:gradFill>
+      </a:bgFillStyleLst>
+    </a:fmtScheme>
+  </a:themeElements>
+  <a:objectDefaults/>
+  <a:extraClrSchemeLst/>
+  <a:extLst>
+    <a:ext uri="{05A4C25C-085E-4340-85A3-A5531E510DB2}">
+      <thm15:themeFamily xmlns:thm15="http://schemas.microsoft.com/office/thememl/2012/main" name="Office Theme" id="{62F939B6-93AF-4DB8-9C6B-D6C7DFDC589F}" vid="{4A3C46E8-61CC-4603-A589-7422A47A8E4A}"/>
+    </a:ext>
+  </a:extLst>
+</a:theme>
+</file>
+
+<file path=customXml/item1.xml><?xml version="1.0" encoding="utf-8"?>
+<?mso-contentType ?>
+<FormTemplates xmlns="http://schemas.microsoft.com/sharepoint/v3/contenttype/forms">
+  <Display>DocumentLibraryForm</Display>
+  <Edit>DocumentLibraryForm</Edit>
+  <New>DocumentLibraryForm</New>
+</FormTemplates>
+</file>
+
+<file path=customXml/item2.xml><?xml version="1.0" encoding="utf-8"?>
+<ct:contentTypeSchema xmlns:ct="http://schemas.microsoft.com/office/2006/metadata/contentType" xmlns:ma="http://schemas.microsoft.com/office/2006/metadata/properties/metaAttributes" ct:_="" ma:_="" ma:contentTypeName="Document" ma:contentTypeID="0x0101003E2C75533B6AD84CA95FE73CBECF5133" ma:contentTypeVersion="8" ma:contentTypeDescription="Create a new document." ma:contentTypeScope="" ma:versionID="f4141e418d32460d38583c74441a824f">
+  <xsd:schema xmlns:xsd="http://www.w3.org/2001/XMLSchema" xmlns:xs="http://www.w3.org/2001/XMLSchema" xmlns:p="http://schemas.microsoft.com/office/2006/metadata/properties" xmlns:ns2="e260d761-cfdf-4ae6-a78f-4e15927c6c50" targetNamespace="http://schemas.microsoft.com/office/2006/metadata/properties" ma:root="true" ma:fieldsID="854ed961aaf0a275227ac68141c5a6da" ns2:_="">
+    <xsd:import namespace="e260d761-cfdf-4ae6-a78f-4e15927c6c50"/>
+    <xsd:element name="properties">
+      <xsd:complexType>
+        <xsd:sequence>
+          <xsd:element name="documentManagement">
+            <xsd:complexType>
+              <xsd:all>
+                <xsd:element ref="ns2:MediaServiceMetadata" minOccurs="0"/>
+                <xsd:element ref="ns2:MediaServiceFastMetadata" minOccurs="0"/>
+                <xsd:element ref="ns2:MediaServiceAutoKeyPoints" minOccurs="0"/>
+                <xsd:element ref="ns2:MediaServiceKeyPoints" minOccurs="0"/>
+                <xsd:element ref="ns2:MediaServiceAutoTags" minOccurs="0"/>
+                <xsd:element ref="ns2:MediaServiceOCR" minOccurs="0"/>
+                <xsd:element ref="ns2:MediaServiceGenerationTime" minOccurs="0"/>
+                <xsd:element ref="ns2:MediaServiceEventHashCode" minOccurs="0"/>
+              </xsd:all>
+            </xsd:complexType>
+          </xsd:element>
+        </xsd:sequence>
+      </xsd:complexType>
+    </xsd:element>
+  </xsd:schema>
+  <xsd:schema xmlns:xsd="http://www.w3.org/2001/XMLSchema" xmlns:xs="http://www.w3.org/2001/XMLSchema" xmlns:dms="http://schemas.microsoft.com/office/2006/documentManagement/types" xmlns:pc="http://schemas.microsoft.com/office/infopath/2007/PartnerControls" targetNamespace="e260d761-cfdf-4ae6-a78f-4e15927c6c50" elementFormDefault="qualified">
+    <xsd:import namespace="http://schemas.microsoft.com/office/2006/documentManagement/types"/>
+    <xsd:import namespace="http://schemas.microsoft.com/office/infopath/2007/PartnerControls"/>
+    <xsd:element name="MediaServiceMetadata" ma:index="8" nillable="true" ma:displayName="MediaServiceMetadata" ma:hidden="true" ma:internalName="MediaServiceMetadata" ma:readOnly="true">
+      <xsd:simpleType>
+        <xsd:restriction base="dms:Note"/>
+      </xsd:simpleType>
+    </xsd:element>
+    <xsd:element name="MediaServiceFastMetadata" ma:index="9" nillable="true" ma:displayName="MediaServiceFastMetadata" ma:hidden="true" ma:internalName="MediaServiceFastMetadata" ma:readOnly="true">
+      <xsd:simpleType>
+        <xsd:restriction base="dms:Note"/>
+      </xsd:simpleType>
+    </xsd:element>
+    <xsd:element name="MediaServiceAutoKeyPoints" ma:index="10" nillable="true" ma:displayName="MediaServiceAutoKeyPoints" ma:hidden="true" ma:internalName="MediaServiceAutoKeyPoints" ma:readOnly="true">
+      <xsd:simpleType>
+        <xsd:restriction base="dms:Note"/>
+      </xsd:simpleType>
+    </xsd:element>
+    <xsd:element name="MediaServiceKeyPoints" ma:index="11" nillable="true" ma:displayName="KeyPoints" ma:internalName="MediaServiceKeyPoints" ma:readOnly="true">
+      <xsd:simpleType>
+        <xsd:restriction base="dms:Note">
+          <xsd:maxLength value="255"/>
+        </xsd:restriction>
+      </xsd:simpleType>
+    </xsd:element>
+    <xsd:element name="MediaServiceAutoTags" ma:index="12" nillable="true" ma:displayName="Tags" ma:internalName="MediaServiceAutoTags" ma:readOnly="true">
+      <xsd:simpleType>
+        <xsd:restriction base="dms:Text"/>
+      </xsd:simpleType>
+    </xsd:element>
+    <xsd:element name="MediaServiceOCR" ma:index="13" nillable="true" ma:displayName="Extracted Text" ma:internalName="MediaServiceOCR" ma:readOnly="true">
+      <xsd:simpleType>
+        <xsd:restriction base="dms:Note">
+          <xsd:maxLength value="255"/>
+        </xsd:restriction>
+      </xsd:simpleType>
+    </xsd:element>
+    <xsd:element name="MediaServiceGenerationTime" ma:index="14" nillable="true" ma:displayName="MediaServiceGenerationTime" ma:hidden="true" ma:internalName="MediaServiceGenerationTime" ma:readOnly="true">
+      <xsd:simpleType>
+        <xsd:restriction base="dms:Text"/>
+      </xsd:simpleType>
+    </xsd:element>
+    <xsd:element name="MediaServiceEventHashCode" ma:index="15" nillable="true" ma:displayName="MediaServiceEventHashCode" ma:hidden="true" ma:internalName="MediaServiceEventHashCode" ma:readOnly="true">
+      <xsd:simpleType>
+        <xsd:restriction base="dms:Text"/>
+      </xsd:simpleType>
+    </xsd:element>
+  </xsd:schema>
+  <xsd:schema xmlns="http://schemas.openxmlformats.org/package/2006/metadata/core-properties" xmlns:xsd="http://www.w3.org/2001/XMLSchema" xmlns:xsi="http://www.w3.org/2001/XMLSchema-instance" xmlns:dc="http://purl.org/dc/elements/1.1/" xmlns:dcterms="http://purl.org/dc/terms/" xmlns:odoc="http://schemas.microsoft.com/internal/obd" targetNamespace="http://schemas.openxmlformats.org/package/2006/metadata/core-properties" elementFormDefault="qualified" attributeFormDefault="unqualified" blockDefault="#all">
+    <xsd:import namespace="http://purl.org/dc/elements/1.1/" schemaLocation="http://dublincore.org/schemas/xmls/qdc/2003/04/02/dc.xsd"/>
+    <xsd:import namespace="http://purl.org/dc/terms/" schemaLocation="http://dublincore.org/schemas/xmls/qdc/2003/04/02/dcterms.xsd"/>
+    <xsd:element name="coreProperties" type="CT_coreProperties"/>
+    <xsd:complexType name="CT_coreProperties">
+      <xsd:all>
+        <xsd:element ref="dc:creator" minOccurs="0" maxOccurs="1"/>
+        <xsd:element ref="dcterms:created" minOccurs="0" maxOccurs="1"/>
+        <xsd:element ref="dc:identifier" minOccurs="0" maxOccurs="1"/>
+        <xsd:element name="contentType" minOccurs="0" maxOccurs="1" type="xsd:string" ma:index="0" ma:displayName="Content Type"/>
+        <xsd:element ref="dc:title" minOccurs="0" maxOccurs="1" ma:index="4" ma:displayName="Title"/>
+        <xsd:element ref="dc:subject" minOccurs="0" maxOccurs="1"/>
+        <xsd:element ref="dc:description" minOccurs="0" maxOccurs="1"/>
+        <xsd:element name="keywords" minOccurs="0" maxOccurs="1" type="xsd:string"/>
+        <xsd:element ref="dc:language" minOccurs="0" maxOccurs="1"/>
+        <xsd:element name="category" minOccurs="0" maxOccurs="1" type="xsd:string"/>
+        <xsd:element name="version" minOccurs="0" maxOccurs="1" type="xsd:string"/>
+        <xsd:element name="revision" minOccurs="0" maxOccurs="1" type="xsd:string">
+          <xsd:annotation>
+            <xsd:documentation>
+                        This value indicates the number of saves or revisions. The application is responsible for updating this value after each revision.
+                    </xsd:documentation>
+          </xsd:annotation>
+        </xsd:element>
+        <xsd:element name="lastModifiedBy" minOccurs="0" maxOccurs="1" type="xsd:string"/>
+        <xsd:element ref="dcterms:modified" minOccurs="0" maxOccurs="1"/>
+        <xsd:element name="contentStatus" minOccurs="0" maxOccurs="1" type="xsd:string"/>
+      </xsd:all>
+    </xsd:complexType>
+  </xsd:schema>
+  <xs:schema xmlns:pc="http://schemas.microsoft.com/office/infopath/2007/PartnerControls" xmlns:xs="http://www.w3.org/2001/XMLSchema" targetNamespace="http://schemas.microsoft.com/office/infopath/2007/PartnerControls" elementFormDefault="qualified" attributeFormDefault="unqualified">
+    <xs:element name="Person">
+      <xs:complexType>
+        <xs:sequence>
+          <xs:element ref="pc:DisplayName" minOccurs="0"/>
+          <xs:element ref="pc:AccountId" minOccurs="0"/>
+          <xs:element ref="pc:AccountType" minOccurs="0"/>
+        </xs:sequence>
+      </xs:complexType>
+    </xs:element>
+    <xs:element name="DisplayName" type="xs:string"/>
+    <xs:element name="AccountId" type="xs:string"/>
+    <xs:element name="AccountType" type="xs:string"/>
+    <xs:element name="BDCAssociatedEntity">
+      <xs:complexType>
+        <xs:sequence>
+          <xs:element ref="pc:BDCEntity" minOccurs="0" maxOccurs="unbounded"/>
+        </xs:sequence>
+        <xs:attribute ref="pc:EntityNamespace"/>
+        <xs:attribute ref="pc:EntityName"/>
+        <xs:attribute ref="pc:SystemInstanceName"/>
+        <xs:attribute ref="pc:AssociationName"/>
+      </xs:complexType>
+    </xs:element>
+    <xs:attribute name="EntityNamespace" type="xs:string"/>
+    <xs:attribute name="EntityName" type="xs:string"/>
+    <xs:attribute name="SystemInstanceName" type="xs:string"/>
+    <xs:attribute name="AssociationName" type="xs:string"/>
+    <xs:element name="BDCEntity">
+      <xs:complexType>
+        <xs:sequence>
+          <xs:element ref="pc:EntityDisplayName" minOccurs="0"/>
+          <xs:element ref="pc:EntityInstanceReference" minOccurs="0"/>
+          <xs:element ref="pc:EntityId1" minOccurs="0"/>
+          <xs:element ref="pc:EntityId2" minOccurs="0"/>
+          <xs:element ref="pc:EntityId3" minOccurs="0"/>
+          <xs:element ref="pc:EntityId4" minOccurs="0"/>
+          <xs:element ref="pc:EntityId5" minOccurs="0"/>
+        </xs:sequence>
+      </xs:complexType>
+    </xs:element>
+    <xs:element name="EntityDisplayName" type="xs:string"/>
+    <xs:element name="EntityInstanceReference" type="xs:string"/>
+    <xs:element name="EntityId1" type="xs:string"/>
+    <xs:element name="EntityId2" type="xs:string"/>
+    <xs:element name="EntityId3" type="xs:string"/>
+    <xs:element name="EntityId4" type="xs:string"/>
+    <xs:element name="EntityId5" type="xs:string"/>
+    <xs:element name="Terms">
+      <xs:complexType>
+        <xs:sequence>
+          <xs:element ref="pc:TermInfo" minOccurs="0" maxOccurs="unbounded"/>
+        </xs:sequence>
+      </xs:complexType>
+    </xs:element>
+    <xs:element name="TermInfo">
+      <xs:complexType>
+        <xs:sequence>
+          <xs:element ref="pc:TermName" minOccurs="0"/>
+          <xs:element ref="pc:TermId" minOccurs="0"/>
+        </xs:sequence>
+      </xs:complexType>
+    </xs:element>
+    <xs:element name="TermName" type="xs:string"/>
+    <xs:element name="TermId" type="xs:string"/>
+  </xs:schema>
+</ct:contentTypeSchema>
+</file>
+
+<file path=customXml/item3.xml><?xml version="1.0" encoding="utf-8"?>
+<p:properties xmlns:p="http://schemas.microsoft.com/office/2006/metadata/properties" xmlns:xsi="http://www.w3.org/2001/XMLSchema-instance" xmlns:pc="http://schemas.microsoft.com/office/infopath/2007/PartnerControls">
+  <documentManagement/>
+</p:properties>
+</file>
+
+<file path=customXml/itemProps1.xml><?xml version="1.0" encoding="utf-8"?>
+<ds:datastoreItem xmlns:ds="http://schemas.openxmlformats.org/officeDocument/2006/customXml" ds:itemID="{71BD1DDF-5E83-45C4-9BD2-A77E01F9C203}">
+  <ds:schemaRefs>
+    <ds:schemaRef ds:uri="http://schemas.microsoft.com/sharepoint/v3/contenttype/forms"/>
+  </ds:schemaRefs>
+</ds:datastoreItem>
+</file>
+
+<file path=customXml/itemProps2.xml><?xml version="1.0" encoding="utf-8"?>
+<ds:datastoreItem xmlns:ds="http://schemas.openxmlformats.org/officeDocument/2006/customXml" ds:itemID="{DD167B1E-A71F-4CC2-AD8E-4443303265BA}">
+  <ds:schemaRefs>
+    <ds:schemaRef ds:uri="e260d761-cfdf-4ae6-a78f-4e15927c6c50"/>
+    <ds:schemaRef ds:uri="http://purl.org/dc/elements/1.1/"/>
+    <ds:schemaRef ds:uri="http://purl.org/dc/terms/"/>
+    <ds:schemaRef ds:uri="http://schemas.microsoft.com/internal/obd"/>
+    <ds:schemaRef ds:uri="http://schemas.microsoft.com/office/2006/documentManagement/types"/>
+    <ds:schemaRef ds:uri="http://schemas.microsoft.com/office/2006/metadata/contentType"/>
+    <ds:schemaRef ds:uri="http://schemas.microsoft.com/office/2006/metadata/properties"/>
+    <ds:schemaRef ds:uri="http://schemas.microsoft.com/office/2006/metadata/properties/metaAttributes"/>
+    <ds:schemaRef ds:uri="http://schemas.microsoft.com/office/infopath/2007/PartnerControls"/>
+    <ds:schemaRef ds:uri="http://schemas.openxmlformats.org/package/2006/metadata/core-properties"/>
+    <ds:schemaRef ds:uri="http://www.w3.org/2001/XMLSchema"/>
+  </ds:schemaRefs>
+</ds:datastoreItem>
+</file>
+
+<file path=customXml/itemProps3.xml><?xml version="1.0" encoding="utf-8"?>
+<ds:datastoreItem xmlns:ds="http://schemas.openxmlformats.org/officeDocument/2006/customXml" ds:itemID="{6DB91C29-CAB0-48D7-B4E7-3267FF6F6AA5}">
+  <ds:schemaRefs>
+    <ds:schemaRef ds:uri="http://schemas.microsoft.com/office/2006/metadata/properties"/>
+    <ds:schemaRef ds:uri="http://schemas.microsoft.com/office/infopath/2007/PartnerControls"/>
+  </ds:schemaRefs>
+</ds:datastoreItem>
 </file>
--- a/instructions/SeleSt_instruction_slides.pptx
+++ b/instructions/SeleSt_instruction_slides.pptx
@@ -5,17 +5,29 @@
     <p:sldMasterId id="2147483648" r:id="rId4"/>
   </p:sldMasterIdLst>
   <p:notesMasterIdLst>
-    <p:notesMasterId r:id="rId13"/>
+    <p:notesMasterId r:id="rId25"/>
   </p:notesMasterIdLst>
   <p:sldIdLst>
-    <p:sldId id="260" r:id="rId5"/>
-    <p:sldId id="261" r:id="rId6"/>
-    <p:sldId id="262" r:id="rId7"/>
-    <p:sldId id="264" r:id="rId8"/>
-    <p:sldId id="265" r:id="rId9"/>
-    <p:sldId id="266" r:id="rId10"/>
-    <p:sldId id="263" r:id="rId11"/>
-    <p:sldId id="268" r:id="rId12"/>
+    <p:sldId id="279" r:id="rId5"/>
+    <p:sldId id="260" r:id="rId6"/>
+    <p:sldId id="276" r:id="rId7"/>
+    <p:sldId id="277" r:id="rId8"/>
+    <p:sldId id="278" r:id="rId9"/>
+    <p:sldId id="280" r:id="rId10"/>
+    <p:sldId id="282" r:id="rId11"/>
+    <p:sldId id="281" r:id="rId12"/>
+    <p:sldId id="272" r:id="rId13"/>
+    <p:sldId id="270" r:id="rId14"/>
+    <p:sldId id="261" r:id="rId15"/>
+    <p:sldId id="262" r:id="rId16"/>
+    <p:sldId id="275" r:id="rId17"/>
+    <p:sldId id="269" r:id="rId18"/>
+    <p:sldId id="265" r:id="rId19"/>
+    <p:sldId id="271" r:id="rId20"/>
+    <p:sldId id="273" r:id="rId21"/>
+    <p:sldId id="263" r:id="rId22"/>
+    <p:sldId id="274" r:id="rId23"/>
+    <p:sldId id="268" r:id="rId24"/>
   </p:sldIdLst>
   <p:sldSz cx="12192000" cy="6858000"/>
   <p:notesSz cx="6858000" cy="9144000"/>
@@ -131,11 +143,738 @@
 <file path=ppt/revisionInfo.xml><?xml version="1.0" encoding="utf-8"?>
 <p1510:revInfo xmlns:a="http://schemas.openxmlformats.org/drawingml/2006/main" xmlns:r="http://schemas.openxmlformats.org/officeDocument/2006/relationships" xmlns:p1510="http://schemas.microsoft.com/office/powerpoint/2015/10/main">
   <p1510:revLst>
-    <p1510:client id="{9DD0CD1C-FED9-4696-AE8F-68B3214AE3B4}" v="42" dt="2022-02-27T20:43:32.069"/>
-    <p1510:client id="{CF1D4A3B-B082-4174-8002-64B5BFB5182C}" v="260" dt="2022-02-27T21:19:13.509"/>
-    <p1510:client id="{FF07BFDC-7835-4183-9081-DC0312D55F07}" v="3" dt="2022-02-20T23:44:41.598"/>
+    <p1510:client id="{E6D2B8B0-75E3-4FC3-B273-71B3CD66F15B}" v="18" dt="2022-03-17T01:01:44.033"/>
   </p1510:revLst>
 </p1510:revInfo>
+</file>
+
+<file path=ppt/changesInfos/changesInfo1.xml><?xml version="1.0" encoding="utf-8"?>
+<pc:chgInfo xmlns:a="http://schemas.openxmlformats.org/drawingml/2006/main" xmlns:r="http://schemas.openxmlformats.org/officeDocument/2006/relationships" xmlns:ac="http://schemas.microsoft.com/office/drawing/2013/main/command" xmlns:pc="http://schemas.microsoft.com/office/powerpoint/2013/main/command">
+  <pc:docChgLst>
+    <pc:chgData name="Corey Wadsley" userId="b9a37571d3f632f8" providerId="LiveId" clId="{E6D2B8B0-75E3-4FC3-B273-71B3CD66F15B}"/>
+    <pc:docChg chg="undo redo custSel addSld delSld modSld sldOrd">
+      <pc:chgData name="Corey Wadsley" userId="b9a37571d3f632f8" providerId="LiveId" clId="{E6D2B8B0-75E3-4FC3-B273-71B3CD66F15B}" dt="2022-03-17T01:01:58.445" v="762" actId="478"/>
+      <pc:docMkLst>
+        <pc:docMk/>
+      </pc:docMkLst>
+      <pc:sldChg chg="addSp delSp modSp add del mod ord">
+        <pc:chgData name="Corey Wadsley" userId="b9a37571d3f632f8" providerId="LiveId" clId="{E6D2B8B0-75E3-4FC3-B273-71B3CD66F15B}" dt="2022-03-17T01:01:56.317" v="761" actId="478"/>
+        <pc:sldMkLst>
+          <pc:docMk/>
+          <pc:sldMk cId="1773414443" sldId="260"/>
+        </pc:sldMkLst>
+        <pc:spChg chg="mod">
+          <ac:chgData name="Corey Wadsley" userId="b9a37571d3f632f8" providerId="LiveId" clId="{E6D2B8B0-75E3-4FC3-B273-71B3CD66F15B}" dt="2022-03-17T00:52:03.611" v="540" actId="1076"/>
+          <ac:spMkLst>
+            <pc:docMk/>
+            <pc:sldMk cId="1773414443" sldId="260"/>
+            <ac:spMk id="9" creationId="{6CEAF05C-99F3-4B5F-B61A-D1849E28D68F}"/>
+          </ac:spMkLst>
+        </pc:spChg>
+        <pc:spChg chg="add del mod ord">
+          <ac:chgData name="Corey Wadsley" userId="b9a37571d3f632f8" providerId="LiveId" clId="{E6D2B8B0-75E3-4FC3-B273-71B3CD66F15B}" dt="2022-03-17T01:01:56.317" v="761" actId="478"/>
+          <ac:spMkLst>
+            <pc:docMk/>
+            <pc:sldMk cId="1773414443" sldId="260"/>
+            <ac:spMk id="11" creationId="{1E542AA0-FF0A-4D1C-8057-3641BFFC5215}"/>
+          </ac:spMkLst>
+        </pc:spChg>
+        <pc:spChg chg="mod">
+          <ac:chgData name="Corey Wadsley" userId="b9a37571d3f632f8" providerId="LiveId" clId="{E6D2B8B0-75E3-4FC3-B273-71B3CD66F15B}" dt="2022-03-17T00:52:12.993" v="542" actId="1076"/>
+          <ac:spMkLst>
+            <pc:docMk/>
+            <pc:sldMk cId="1773414443" sldId="260"/>
+            <ac:spMk id="12" creationId="{6D832201-72E0-43A3-B0CF-5BDFD925C8F5}"/>
+          </ac:spMkLst>
+        </pc:spChg>
+        <pc:spChg chg="mod">
+          <ac:chgData name="Corey Wadsley" userId="b9a37571d3f632f8" providerId="LiveId" clId="{E6D2B8B0-75E3-4FC3-B273-71B3CD66F15B}" dt="2022-03-17T00:52:05.972" v="541" actId="1076"/>
+          <ac:spMkLst>
+            <pc:docMk/>
+            <pc:sldMk cId="1773414443" sldId="260"/>
+            <ac:spMk id="13" creationId="{77B78BC3-319A-4E4B-A08A-B6C09F79F881}"/>
+          </ac:spMkLst>
+        </pc:spChg>
+        <pc:picChg chg="add mod">
+          <ac:chgData name="Corey Wadsley" userId="b9a37571d3f632f8" providerId="LiveId" clId="{E6D2B8B0-75E3-4FC3-B273-71B3CD66F15B}" dt="2022-03-17T00:52:15.257" v="543" actId="1076"/>
+          <ac:picMkLst>
+            <pc:docMk/>
+            <pc:sldMk cId="1773414443" sldId="260"/>
+            <ac:picMk id="3" creationId="{56919A40-D132-4900-B8A9-6EE52B1D151A}"/>
+          </ac:picMkLst>
+        </pc:picChg>
+        <pc:picChg chg="del">
+          <ac:chgData name="Corey Wadsley" userId="b9a37571d3f632f8" providerId="LiveId" clId="{E6D2B8B0-75E3-4FC3-B273-71B3CD66F15B}" dt="2022-03-17T00:51:53.122" v="536" actId="478"/>
+          <ac:picMkLst>
+            <pc:docMk/>
+            <pc:sldMk cId="1773414443" sldId="260"/>
+            <ac:picMk id="5" creationId="{62ED6478-B683-45AE-905C-EFDA0F616832}"/>
+          </ac:picMkLst>
+        </pc:picChg>
+      </pc:sldChg>
+      <pc:sldChg chg="modSp mod ord">
+        <pc:chgData name="Corey Wadsley" userId="b9a37571d3f632f8" providerId="LiveId" clId="{E6D2B8B0-75E3-4FC3-B273-71B3CD66F15B}" dt="2022-03-16T19:40:50.427" v="100" actId="1076"/>
+        <pc:sldMkLst>
+          <pc:docMk/>
+          <pc:sldMk cId="1629808856" sldId="261"/>
+        </pc:sldMkLst>
+        <pc:grpChg chg="mod">
+          <ac:chgData name="Corey Wadsley" userId="b9a37571d3f632f8" providerId="LiveId" clId="{E6D2B8B0-75E3-4FC3-B273-71B3CD66F15B}" dt="2022-03-16T19:40:50.427" v="100" actId="1076"/>
+          <ac:grpSpMkLst>
+            <pc:docMk/>
+            <pc:sldMk cId="1629808856" sldId="261"/>
+            <ac:grpSpMk id="12" creationId="{B0F2BC14-2481-4D64-A948-399A8651F613}"/>
+          </ac:grpSpMkLst>
+        </pc:grpChg>
+      </pc:sldChg>
+      <pc:sldChg chg="addSp delSp modSp mod ord">
+        <pc:chgData name="Corey Wadsley" userId="b9a37571d3f632f8" providerId="LiveId" clId="{E6D2B8B0-75E3-4FC3-B273-71B3CD66F15B}" dt="2022-03-17T00:34:33.837" v="434" actId="20577"/>
+        <pc:sldMkLst>
+          <pc:docMk/>
+          <pc:sldMk cId="1603467138" sldId="262"/>
+        </pc:sldMkLst>
+        <pc:spChg chg="add mod">
+          <ac:chgData name="Corey Wadsley" userId="b9a37571d3f632f8" providerId="LiveId" clId="{E6D2B8B0-75E3-4FC3-B273-71B3CD66F15B}" dt="2022-03-16T19:53:40.800" v="172" actId="1037"/>
+          <ac:spMkLst>
+            <pc:docMk/>
+            <pc:sldMk cId="1603467138" sldId="262"/>
+            <ac:spMk id="17" creationId="{75C4FCAF-2970-4FE4-A731-7556187B52EF}"/>
+          </ac:spMkLst>
+        </pc:spChg>
+        <pc:spChg chg="add mod">
+          <ac:chgData name="Corey Wadsley" userId="b9a37571d3f632f8" providerId="LiveId" clId="{E6D2B8B0-75E3-4FC3-B273-71B3CD66F15B}" dt="2022-03-17T00:34:33.837" v="434" actId="20577"/>
+          <ac:spMkLst>
+            <pc:docMk/>
+            <pc:sldMk cId="1603467138" sldId="262"/>
+            <ac:spMk id="18" creationId="{5CA03B8C-6C34-4583-A45D-C283644B6037}"/>
+          </ac:spMkLst>
+        </pc:spChg>
+        <pc:spChg chg="mod">
+          <ac:chgData name="Corey Wadsley" userId="b9a37571d3f632f8" providerId="LiveId" clId="{E6D2B8B0-75E3-4FC3-B273-71B3CD66F15B}" dt="2022-03-16T19:55:04.432" v="203" actId="164"/>
+          <ac:spMkLst>
+            <pc:docMk/>
+            <pc:sldMk cId="1603467138" sldId="262"/>
+            <ac:spMk id="19" creationId="{55DAF869-C2E1-4609-948C-45805F50C3FB}"/>
+          </ac:spMkLst>
+        </pc:spChg>
+        <pc:spChg chg="mod">
+          <ac:chgData name="Corey Wadsley" userId="b9a37571d3f632f8" providerId="LiveId" clId="{E6D2B8B0-75E3-4FC3-B273-71B3CD66F15B}" dt="2022-03-16T19:55:04.432" v="203" actId="164"/>
+          <ac:spMkLst>
+            <pc:docMk/>
+            <pc:sldMk cId="1603467138" sldId="262"/>
+            <ac:spMk id="20" creationId="{FC231BE1-222C-4B63-9B68-81C57B42FF52}"/>
+          </ac:spMkLst>
+        </pc:spChg>
+        <pc:spChg chg="mod">
+          <ac:chgData name="Corey Wadsley" userId="b9a37571d3f632f8" providerId="LiveId" clId="{E6D2B8B0-75E3-4FC3-B273-71B3CD66F15B}" dt="2022-03-16T19:55:04.432" v="203" actId="164"/>
+          <ac:spMkLst>
+            <pc:docMk/>
+            <pc:sldMk cId="1603467138" sldId="262"/>
+            <ac:spMk id="21" creationId="{7A77CF2D-3D33-4B0E-B3BD-12B67492A8FB}"/>
+          </ac:spMkLst>
+        </pc:spChg>
+        <pc:spChg chg="add mod">
+          <ac:chgData name="Corey Wadsley" userId="b9a37571d3f632f8" providerId="LiveId" clId="{E6D2B8B0-75E3-4FC3-B273-71B3CD66F15B}" dt="2022-03-16T19:54:08.799" v="193" actId="1038"/>
+          <ac:spMkLst>
+            <pc:docMk/>
+            <pc:sldMk cId="1603467138" sldId="262"/>
+            <ac:spMk id="22" creationId="{8386867C-660E-4338-8063-86EC5F29A85F}"/>
+          </ac:spMkLst>
+        </pc:spChg>
+        <pc:spChg chg="mod">
+          <ac:chgData name="Corey Wadsley" userId="b9a37571d3f632f8" providerId="LiveId" clId="{E6D2B8B0-75E3-4FC3-B273-71B3CD66F15B}" dt="2022-03-17T00:33:33.372" v="423" actId="20577"/>
+          <ac:spMkLst>
+            <pc:docMk/>
+            <pc:sldMk cId="1603467138" sldId="262"/>
+            <ac:spMk id="23" creationId="{6FEC5E06-E55E-4041-B87C-D88A2721DAE7}"/>
+          </ac:spMkLst>
+        </pc:spChg>
+        <pc:grpChg chg="del">
+          <ac:chgData name="Corey Wadsley" userId="b9a37571d3f632f8" providerId="LiveId" clId="{E6D2B8B0-75E3-4FC3-B273-71B3CD66F15B}" dt="2022-03-16T19:50:20.673" v="109" actId="478"/>
+          <ac:grpSpMkLst>
+            <pc:docMk/>
+            <pc:sldMk cId="1603467138" sldId="262"/>
+            <ac:grpSpMk id="4" creationId="{79132AD6-E80F-4729-B0B7-64C3869B62AD}"/>
+          </ac:grpSpMkLst>
+        </pc:grpChg>
+        <pc:grpChg chg="add mod">
+          <ac:chgData name="Corey Wadsley" userId="b9a37571d3f632f8" providerId="LiveId" clId="{E6D2B8B0-75E3-4FC3-B273-71B3CD66F15B}" dt="2022-03-16T19:55:12.448" v="204" actId="1076"/>
+          <ac:grpSpMkLst>
+            <pc:docMk/>
+            <pc:sldMk cId="1603467138" sldId="262"/>
+            <ac:grpSpMk id="6" creationId="{85ACCAD7-02D9-4B1D-98B7-B7A31E9EA50C}"/>
+          </ac:grpSpMkLst>
+        </pc:grpChg>
+        <pc:picChg chg="add mod">
+          <ac:chgData name="Corey Wadsley" userId="b9a37571d3f632f8" providerId="LiveId" clId="{E6D2B8B0-75E3-4FC3-B273-71B3CD66F15B}" dt="2022-03-16T19:50:57.391" v="123" actId="1076"/>
+          <ac:picMkLst>
+            <pc:docMk/>
+            <pc:sldMk cId="1603467138" sldId="262"/>
+            <ac:picMk id="5" creationId="{2721A6C8-380C-4157-B3CF-68B1959F3AC7}"/>
+          </ac:picMkLst>
+        </pc:picChg>
+      </pc:sldChg>
+      <pc:sldChg chg="del">
+        <pc:chgData name="Corey Wadsley" userId="b9a37571d3f632f8" providerId="LiveId" clId="{E6D2B8B0-75E3-4FC3-B273-71B3CD66F15B}" dt="2022-03-16T20:10:02.653" v="300" actId="2696"/>
+        <pc:sldMkLst>
+          <pc:docMk/>
+          <pc:sldMk cId="3783900015" sldId="264"/>
+        </pc:sldMkLst>
+      </pc:sldChg>
+      <pc:sldChg chg="addSp delSp modSp mod ord">
+        <pc:chgData name="Corey Wadsley" userId="b9a37571d3f632f8" providerId="LiveId" clId="{E6D2B8B0-75E3-4FC3-B273-71B3CD66F15B}" dt="2022-03-16T20:21:33.758" v="418" actId="1076"/>
+        <pc:sldMkLst>
+          <pc:docMk/>
+          <pc:sldMk cId="2875377894" sldId="265"/>
+        </pc:sldMkLst>
+        <pc:spChg chg="mod topLvl">
+          <ac:chgData name="Corey Wadsley" userId="b9a37571d3f632f8" providerId="LiveId" clId="{E6D2B8B0-75E3-4FC3-B273-71B3CD66F15B}" dt="2022-03-16T20:21:16.138" v="397" actId="1037"/>
+          <ac:spMkLst>
+            <pc:docMk/>
+            <pc:sldMk cId="2875377894" sldId="265"/>
+            <ac:spMk id="24" creationId="{8E828B16-C426-4256-AB75-675F6EF45315}"/>
+          </ac:spMkLst>
+        </pc:spChg>
+        <pc:spChg chg="mod topLvl">
+          <ac:chgData name="Corey Wadsley" userId="b9a37571d3f632f8" providerId="LiveId" clId="{E6D2B8B0-75E3-4FC3-B273-71B3CD66F15B}" dt="2022-03-16T20:21:33.758" v="418" actId="1076"/>
+          <ac:spMkLst>
+            <pc:docMk/>
+            <pc:sldMk cId="2875377894" sldId="265"/>
+            <ac:spMk id="25" creationId="{257C885A-2837-46ED-AEF5-4691005B7898}"/>
+          </ac:spMkLst>
+        </pc:spChg>
+        <pc:spChg chg="mod topLvl">
+          <ac:chgData name="Corey Wadsley" userId="b9a37571d3f632f8" providerId="LiveId" clId="{E6D2B8B0-75E3-4FC3-B273-71B3CD66F15B}" dt="2022-03-16T20:21:27.497" v="413" actId="1038"/>
+          <ac:spMkLst>
+            <pc:docMk/>
+            <pc:sldMk cId="2875377894" sldId="265"/>
+            <ac:spMk id="26" creationId="{683F0BE3-ECFB-4203-BC21-14CE6ADA6E54}"/>
+          </ac:spMkLst>
+        </pc:spChg>
+        <pc:spChg chg="mod topLvl">
+          <ac:chgData name="Corey Wadsley" userId="b9a37571d3f632f8" providerId="LiveId" clId="{E6D2B8B0-75E3-4FC3-B273-71B3CD66F15B}" dt="2022-03-16T20:21:22.937" v="408" actId="1037"/>
+          <ac:spMkLst>
+            <pc:docMk/>
+            <pc:sldMk cId="2875377894" sldId="265"/>
+            <ac:spMk id="27" creationId="{BE66D362-3FF7-4947-AABE-B8132CCF3EBA}"/>
+          </ac:spMkLst>
+        </pc:spChg>
+        <pc:grpChg chg="del">
+          <ac:chgData name="Corey Wadsley" userId="b9a37571d3f632f8" providerId="LiveId" clId="{E6D2B8B0-75E3-4FC3-B273-71B3CD66F15B}" dt="2022-03-16T20:20:52.315" v="386" actId="165"/>
+          <ac:grpSpMkLst>
+            <pc:docMk/>
+            <pc:sldMk cId="2875377894" sldId="265"/>
+            <ac:grpSpMk id="23" creationId="{F980D12D-4A8A-49D1-B048-E7316DE0F55B}"/>
+          </ac:grpSpMkLst>
+        </pc:grpChg>
+        <pc:picChg chg="add mod">
+          <ac:chgData name="Corey Wadsley" userId="b9a37571d3f632f8" providerId="LiveId" clId="{E6D2B8B0-75E3-4FC3-B273-71B3CD66F15B}" dt="2022-03-16T20:21:11.396" v="392" actId="1076"/>
+          <ac:picMkLst>
+            <pc:docMk/>
+            <pc:sldMk cId="2875377894" sldId="265"/>
+            <ac:picMk id="3" creationId="{30675240-A0A5-432E-9412-B52B3A822493}"/>
+          </ac:picMkLst>
+        </pc:picChg>
+        <pc:picChg chg="del mod topLvl">
+          <ac:chgData name="Corey Wadsley" userId="b9a37571d3f632f8" providerId="LiveId" clId="{E6D2B8B0-75E3-4FC3-B273-71B3CD66F15B}" dt="2022-03-16T20:21:03.529" v="391" actId="478"/>
+          <ac:picMkLst>
+            <pc:docMk/>
+            <pc:sldMk cId="2875377894" sldId="265"/>
+            <ac:picMk id="28" creationId="{0001488F-96FA-4A10-B52C-90B37D4D1DB8}"/>
+          </ac:picMkLst>
+        </pc:picChg>
+      </pc:sldChg>
+      <pc:sldChg chg="del">
+        <pc:chgData name="Corey Wadsley" userId="b9a37571d3f632f8" providerId="LiveId" clId="{E6D2B8B0-75E3-4FC3-B273-71B3CD66F15B}" dt="2022-03-17T00:34:04.203" v="424" actId="2696"/>
+        <pc:sldMkLst>
+          <pc:docMk/>
+          <pc:sldMk cId="885961732" sldId="266"/>
+        </pc:sldMkLst>
+      </pc:sldChg>
+      <pc:sldChg chg="addSp delSp modSp add mod ord">
+        <pc:chgData name="Corey Wadsley" userId="b9a37571d3f632f8" providerId="LiveId" clId="{E6D2B8B0-75E3-4FC3-B273-71B3CD66F15B}" dt="2022-03-16T20:18:25.755" v="375" actId="20577"/>
+        <pc:sldMkLst>
+          <pc:docMk/>
+          <pc:sldMk cId="802346570" sldId="269"/>
+        </pc:sldMkLst>
+        <pc:spChg chg="del">
+          <ac:chgData name="Corey Wadsley" userId="b9a37571d3f632f8" providerId="LiveId" clId="{E6D2B8B0-75E3-4FC3-B273-71B3CD66F15B}" dt="2022-03-16T19:23:20.016" v="17" actId="478"/>
+          <ac:spMkLst>
+            <pc:docMk/>
+            <pc:sldMk cId="802346570" sldId="269"/>
+            <ac:spMk id="11" creationId="{35BE92BA-CCCB-4343-AF53-B1D55CAF2CFF}"/>
+          </ac:spMkLst>
+        </pc:spChg>
+        <pc:spChg chg="add mod">
+          <ac:chgData name="Corey Wadsley" userId="b9a37571d3f632f8" providerId="LiveId" clId="{E6D2B8B0-75E3-4FC3-B273-71B3CD66F15B}" dt="2022-03-16T19:35:45.165" v="88" actId="164"/>
+          <ac:spMkLst>
+            <pc:docMk/>
+            <pc:sldMk cId="802346570" sldId="269"/>
+            <ac:spMk id="18" creationId="{31CCBDC7-C873-439D-8CFE-58D09DA3AAF1}"/>
+          </ac:spMkLst>
+        </pc:spChg>
+        <pc:spChg chg="del">
+          <ac:chgData name="Corey Wadsley" userId="b9a37571d3f632f8" providerId="LiveId" clId="{E6D2B8B0-75E3-4FC3-B273-71B3CD66F15B}" dt="2022-03-16T19:23:14.912" v="14" actId="478"/>
+          <ac:spMkLst>
+            <pc:docMk/>
+            <pc:sldMk cId="802346570" sldId="269"/>
+            <ac:spMk id="20" creationId="{4EB43124-D391-42D9-A910-D5D63FB6D99C}"/>
+          </ac:spMkLst>
+        </pc:spChg>
+        <pc:spChg chg="add mod">
+          <ac:chgData name="Corey Wadsley" userId="b9a37571d3f632f8" providerId="LiveId" clId="{E6D2B8B0-75E3-4FC3-B273-71B3CD66F15B}" dt="2022-03-16T20:09:20.321" v="288" actId="20577"/>
+          <ac:spMkLst>
+            <pc:docMk/>
+            <pc:sldMk cId="802346570" sldId="269"/>
+            <ac:spMk id="24" creationId="{BAF2090E-6E3B-49D6-A9C5-85F17F2CBB10}"/>
+          </ac:spMkLst>
+        </pc:spChg>
+        <pc:spChg chg="del">
+          <ac:chgData name="Corey Wadsley" userId="b9a37571d3f632f8" providerId="LiveId" clId="{E6D2B8B0-75E3-4FC3-B273-71B3CD66F15B}" dt="2022-03-16T19:23:20.959" v="18" actId="478"/>
+          <ac:spMkLst>
+            <pc:docMk/>
+            <pc:sldMk cId="802346570" sldId="269"/>
+            <ac:spMk id="25" creationId="{7D7870B9-2E49-4192-92D9-E9E55B3C568D}"/>
+          </ac:spMkLst>
+        </pc:spChg>
+        <pc:spChg chg="add mod">
+          <ac:chgData name="Corey Wadsley" userId="b9a37571d3f632f8" providerId="LiveId" clId="{E6D2B8B0-75E3-4FC3-B273-71B3CD66F15B}" dt="2022-03-16T20:18:25.755" v="375" actId="20577"/>
+          <ac:spMkLst>
+            <pc:docMk/>
+            <pc:sldMk cId="802346570" sldId="269"/>
+            <ac:spMk id="26" creationId="{0AD10012-02A6-4D39-A305-509C0E27E044}"/>
+          </ac:spMkLst>
+        </pc:spChg>
+        <pc:spChg chg="add mod">
+          <ac:chgData name="Corey Wadsley" userId="b9a37571d3f632f8" providerId="LiveId" clId="{E6D2B8B0-75E3-4FC3-B273-71B3CD66F15B}" dt="2022-03-16T19:35:45.165" v="88" actId="164"/>
+          <ac:spMkLst>
+            <pc:docMk/>
+            <pc:sldMk cId="802346570" sldId="269"/>
+            <ac:spMk id="27" creationId="{CF659DA9-3CE6-4025-92E9-8E8291D57620}"/>
+          </ac:spMkLst>
+        </pc:spChg>
+        <pc:grpChg chg="add mod">
+          <ac:chgData name="Corey Wadsley" userId="b9a37571d3f632f8" providerId="LiveId" clId="{E6D2B8B0-75E3-4FC3-B273-71B3CD66F15B}" dt="2022-03-16T19:36:01.723" v="91" actId="1076"/>
+          <ac:grpSpMkLst>
+            <pc:docMk/>
+            <pc:sldMk cId="802346570" sldId="269"/>
+            <ac:grpSpMk id="9" creationId="{246EEAE8-C645-4A7B-B029-1CD225173BCC}"/>
+          </ac:grpSpMkLst>
+        </pc:grpChg>
+        <pc:grpChg chg="del">
+          <ac:chgData name="Corey Wadsley" userId="b9a37571d3f632f8" providerId="LiveId" clId="{E6D2B8B0-75E3-4FC3-B273-71B3CD66F15B}" dt="2022-03-16T19:23:15.905" v="15" actId="478"/>
+          <ac:grpSpMkLst>
+            <pc:docMk/>
+            <pc:sldMk cId="802346570" sldId="269"/>
+            <ac:grpSpMk id="12" creationId="{B0F2BC14-2481-4D64-A948-399A8651F613}"/>
+          </ac:grpSpMkLst>
+        </pc:grpChg>
+        <pc:picChg chg="add del mod">
+          <ac:chgData name="Corey Wadsley" userId="b9a37571d3f632f8" providerId="LiveId" clId="{E6D2B8B0-75E3-4FC3-B273-71B3CD66F15B}" dt="2022-03-16T19:22:52.866" v="6" actId="478"/>
+          <ac:picMkLst>
+            <pc:docMk/>
+            <pc:sldMk cId="802346570" sldId="269"/>
+            <ac:picMk id="3" creationId="{E073C388-FC5B-4392-91D8-EC29ADBBF8E0}"/>
+          </ac:picMkLst>
+        </pc:picChg>
+        <pc:picChg chg="add del mod">
+          <ac:chgData name="Corey Wadsley" userId="b9a37571d3f632f8" providerId="LiveId" clId="{E6D2B8B0-75E3-4FC3-B273-71B3CD66F15B}" dt="2022-03-16T19:22:58.465" v="9" actId="478"/>
+          <ac:picMkLst>
+            <pc:docMk/>
+            <pc:sldMk cId="802346570" sldId="269"/>
+            <ac:picMk id="5" creationId="{8EF0FAA8-07B9-46B3-8050-B78D2395C05B}"/>
+          </ac:picMkLst>
+        </pc:picChg>
+        <pc:picChg chg="add del mod">
+          <ac:chgData name="Corey Wadsley" userId="b9a37571d3f632f8" providerId="LiveId" clId="{E6D2B8B0-75E3-4FC3-B273-71B3CD66F15B}" dt="2022-03-16T20:08:46.273" v="222" actId="478"/>
+          <ac:picMkLst>
+            <pc:docMk/>
+            <pc:sldMk cId="802346570" sldId="269"/>
+            <ac:picMk id="7" creationId="{A9F297DE-1D04-4A99-8278-1795C5823C87}"/>
+          </ac:picMkLst>
+        </pc:picChg>
+        <pc:picChg chg="add mod ord">
+          <ac:chgData name="Corey Wadsley" userId="b9a37571d3f632f8" providerId="LiveId" clId="{E6D2B8B0-75E3-4FC3-B273-71B3CD66F15B}" dt="2022-03-16T20:08:44.736" v="221" actId="167"/>
+          <ac:picMkLst>
+            <pc:docMk/>
+            <pc:sldMk cId="802346570" sldId="269"/>
+            <ac:picMk id="14" creationId="{03B98288-BDB9-450A-8249-AEC3917824AF}"/>
+          </ac:picMkLst>
+        </pc:picChg>
+      </pc:sldChg>
+      <pc:sldChg chg="addSp delSp modSp add del mod ord">
+        <pc:chgData name="Corey Wadsley" userId="b9a37571d3f632f8" providerId="LiveId" clId="{E6D2B8B0-75E3-4FC3-B273-71B3CD66F15B}" dt="2022-03-16T19:57:27.503" v="205" actId="2696"/>
+        <pc:sldMkLst>
+          <pc:docMk/>
+          <pc:sldMk cId="872740542" sldId="270"/>
+        </pc:sldMkLst>
+        <pc:picChg chg="add del mod">
+          <ac:chgData name="Corey Wadsley" userId="b9a37571d3f632f8" providerId="LiveId" clId="{E6D2B8B0-75E3-4FC3-B273-71B3CD66F15B}" dt="2022-03-16T19:50:14.594" v="108" actId="478"/>
+          <ac:picMkLst>
+            <pc:docMk/>
+            <pc:sldMk cId="872740542" sldId="270"/>
+            <ac:picMk id="5" creationId="{C8D559CF-E13D-4EB4-BFBC-F80E5B590F4B}"/>
+          </ac:picMkLst>
+        </pc:picChg>
+      </pc:sldChg>
+      <pc:sldChg chg="addSp delSp modSp add mod">
+        <pc:chgData name="Corey Wadsley" userId="b9a37571d3f632f8" providerId="LiveId" clId="{E6D2B8B0-75E3-4FC3-B273-71B3CD66F15B}" dt="2022-03-17T00:31:18.667" v="421" actId="1076"/>
+        <pc:sldMkLst>
+          <pc:docMk/>
+          <pc:sldMk cId="1519334784" sldId="270"/>
+        </pc:sldMkLst>
+        <pc:spChg chg="mod">
+          <ac:chgData name="Corey Wadsley" userId="b9a37571d3f632f8" providerId="LiveId" clId="{E6D2B8B0-75E3-4FC3-B273-71B3CD66F15B}" dt="2022-03-16T20:16:30.018" v="361" actId="1076"/>
+          <ac:spMkLst>
+            <pc:docMk/>
+            <pc:sldMk cId="1519334784" sldId="270"/>
+            <ac:spMk id="24" creationId="{BAF2090E-6E3B-49D6-A9C5-85F17F2CBB10}"/>
+          </ac:spMkLst>
+        </pc:spChg>
+        <pc:spChg chg="mod">
+          <ac:chgData name="Corey Wadsley" userId="b9a37571d3f632f8" providerId="LiveId" clId="{E6D2B8B0-75E3-4FC3-B273-71B3CD66F15B}" dt="2022-03-17T00:31:18.667" v="421" actId="1076"/>
+          <ac:spMkLst>
+            <pc:docMk/>
+            <pc:sldMk cId="1519334784" sldId="270"/>
+            <ac:spMk id="26" creationId="{0AD10012-02A6-4D39-A305-509C0E27E044}"/>
+          </ac:spMkLst>
+        </pc:spChg>
+        <pc:picChg chg="add mod ord">
+          <ac:chgData name="Corey Wadsley" userId="b9a37571d3f632f8" providerId="LiveId" clId="{E6D2B8B0-75E3-4FC3-B273-71B3CD66F15B}" dt="2022-03-16T20:17:31.034" v="365" actId="167"/>
+          <ac:picMkLst>
+            <pc:docMk/>
+            <pc:sldMk cId="1519334784" sldId="270"/>
+            <ac:picMk id="3" creationId="{F369A192-94E4-45F7-94BF-5E332A05CB77}"/>
+          </ac:picMkLst>
+        </pc:picChg>
+        <pc:picChg chg="del mod">
+          <ac:chgData name="Corey Wadsley" userId="b9a37571d3f632f8" providerId="LiveId" clId="{E6D2B8B0-75E3-4FC3-B273-71B3CD66F15B}" dt="2022-03-16T20:17:33.212" v="367" actId="478"/>
+          <ac:picMkLst>
+            <pc:docMk/>
+            <pc:sldMk cId="1519334784" sldId="270"/>
+            <ac:picMk id="7" creationId="{A9F297DE-1D04-4A99-8278-1795C5823C87}"/>
+          </ac:picMkLst>
+        </pc:picChg>
+      </pc:sldChg>
+      <pc:sldChg chg="addSp delSp modSp add mod ord">
+        <pc:chgData name="Corey Wadsley" userId="b9a37571d3f632f8" providerId="LiveId" clId="{E6D2B8B0-75E3-4FC3-B273-71B3CD66F15B}" dt="2022-03-17T00:34:29.610" v="432" actId="20577"/>
+        <pc:sldMkLst>
+          <pc:docMk/>
+          <pc:sldMk cId="4200521295" sldId="271"/>
+        </pc:sldMkLst>
+        <pc:spChg chg="mod">
+          <ac:chgData name="Corey Wadsley" userId="b9a37571d3f632f8" providerId="LiveId" clId="{E6D2B8B0-75E3-4FC3-B273-71B3CD66F15B}" dt="2022-03-17T00:34:29.610" v="432" actId="20577"/>
+          <ac:spMkLst>
+            <pc:docMk/>
+            <pc:sldMk cId="4200521295" sldId="271"/>
+            <ac:spMk id="18" creationId="{5CA03B8C-6C34-4583-A45D-C283644B6037}"/>
+          </ac:spMkLst>
+        </pc:spChg>
+        <pc:spChg chg="mod">
+          <ac:chgData name="Corey Wadsley" userId="b9a37571d3f632f8" providerId="LiveId" clId="{E6D2B8B0-75E3-4FC3-B273-71B3CD66F15B}" dt="2022-03-16T20:13:29.392" v="355" actId="20577"/>
+          <ac:spMkLst>
+            <pc:docMk/>
+            <pc:sldMk cId="4200521295" sldId="271"/>
+            <ac:spMk id="19" creationId="{55DAF869-C2E1-4609-948C-45805F50C3FB}"/>
+          </ac:spMkLst>
+        </pc:spChg>
+        <pc:spChg chg="mod">
+          <ac:chgData name="Corey Wadsley" userId="b9a37571d3f632f8" providerId="LiveId" clId="{E6D2B8B0-75E3-4FC3-B273-71B3CD66F15B}" dt="2022-03-16T20:13:53.827" v="356" actId="1076"/>
+          <ac:spMkLst>
+            <pc:docMk/>
+            <pc:sldMk cId="4200521295" sldId="271"/>
+            <ac:spMk id="20" creationId="{FC231BE1-222C-4B63-9B68-81C57B42FF52}"/>
+          </ac:spMkLst>
+        </pc:spChg>
+        <pc:picChg chg="add mod ord">
+          <ac:chgData name="Corey Wadsley" userId="b9a37571d3f632f8" providerId="LiveId" clId="{E6D2B8B0-75E3-4FC3-B273-71B3CD66F15B}" dt="2022-03-16T20:12:08.379" v="310" actId="167"/>
+          <ac:picMkLst>
+            <pc:docMk/>
+            <pc:sldMk cId="4200521295" sldId="271"/>
+            <ac:picMk id="3" creationId="{EA36F7D0-538D-4DD3-BB68-5388454B3D62}"/>
+          </ac:picMkLst>
+        </pc:picChg>
+        <pc:picChg chg="del">
+          <ac:chgData name="Corey Wadsley" userId="b9a37571d3f632f8" providerId="LiveId" clId="{E6D2B8B0-75E3-4FC3-B273-71B3CD66F15B}" dt="2022-03-16T20:12:10.495" v="311" actId="478"/>
+          <ac:picMkLst>
+            <pc:docMk/>
+            <pc:sldMk cId="4200521295" sldId="271"/>
+            <ac:picMk id="5" creationId="{2721A6C8-380C-4157-B3CF-68B1959F3AC7}"/>
+          </ac:picMkLst>
+        </pc:picChg>
+        <pc:picChg chg="add mod">
+          <ac:chgData name="Corey Wadsley" userId="b9a37571d3f632f8" providerId="LiveId" clId="{E6D2B8B0-75E3-4FC3-B273-71B3CD66F15B}" dt="2022-03-16T20:12:05.183" v="309" actId="571"/>
+          <ac:picMkLst>
+            <pc:docMk/>
+            <pc:sldMk cId="4200521295" sldId="271"/>
+            <ac:picMk id="14" creationId="{B2BA6D18-44D9-4BB8-86E5-2020C338A19D}"/>
+          </ac:picMkLst>
+        </pc:picChg>
+      </pc:sldChg>
+      <pc:sldChg chg="delSp modSp new mod ord">
+        <pc:chgData name="Corey Wadsley" userId="b9a37571d3f632f8" providerId="LiveId" clId="{E6D2B8B0-75E3-4FC3-B273-71B3CD66F15B}" dt="2022-03-17T00:38:30.568" v="520" actId="20577"/>
+        <pc:sldMkLst>
+          <pc:docMk/>
+          <pc:sldMk cId="4029311329" sldId="272"/>
+        </pc:sldMkLst>
+        <pc:spChg chg="mod">
+          <ac:chgData name="Corey Wadsley" userId="b9a37571d3f632f8" providerId="LiveId" clId="{E6D2B8B0-75E3-4FC3-B273-71B3CD66F15B}" dt="2022-03-17T00:38:30.568" v="520" actId="20577"/>
+          <ac:spMkLst>
+            <pc:docMk/>
+            <pc:sldMk cId="4029311329" sldId="272"/>
+            <ac:spMk id="2" creationId="{1E727CD3-0A38-4054-80DD-C537FDA35BF9}"/>
+          </ac:spMkLst>
+        </pc:spChg>
+        <pc:spChg chg="del mod">
+          <ac:chgData name="Corey Wadsley" userId="b9a37571d3f632f8" providerId="LiveId" clId="{E6D2B8B0-75E3-4FC3-B273-71B3CD66F15B}" dt="2022-03-17T00:37:24.349" v="454" actId="478"/>
+          <ac:spMkLst>
+            <pc:docMk/>
+            <pc:sldMk cId="4029311329" sldId="272"/>
+            <ac:spMk id="3" creationId="{0B6602CD-7B39-45A3-9236-C2078CE3D04E}"/>
+          </ac:spMkLst>
+        </pc:spChg>
+      </pc:sldChg>
+      <pc:sldChg chg="modSp add mod ord">
+        <pc:chgData name="Corey Wadsley" userId="b9a37571d3f632f8" providerId="LiveId" clId="{E6D2B8B0-75E3-4FC3-B273-71B3CD66F15B}" dt="2022-03-17T00:38:09.354" v="492" actId="20577"/>
+        <pc:sldMkLst>
+          <pc:docMk/>
+          <pc:sldMk cId="301191386" sldId="273"/>
+        </pc:sldMkLst>
+        <pc:spChg chg="mod">
+          <ac:chgData name="Corey Wadsley" userId="b9a37571d3f632f8" providerId="LiveId" clId="{E6D2B8B0-75E3-4FC3-B273-71B3CD66F15B}" dt="2022-03-17T00:38:09.354" v="492" actId="20577"/>
+          <ac:spMkLst>
+            <pc:docMk/>
+            <pc:sldMk cId="301191386" sldId="273"/>
+            <ac:spMk id="2" creationId="{1E727CD3-0A38-4054-80DD-C537FDA35BF9}"/>
+          </ac:spMkLst>
+        </pc:spChg>
+      </pc:sldChg>
+      <pc:sldChg chg="modSp add mod ord">
+        <pc:chgData name="Corey Wadsley" userId="b9a37571d3f632f8" providerId="LiveId" clId="{E6D2B8B0-75E3-4FC3-B273-71B3CD66F15B}" dt="2022-03-17T00:38:16.968" v="506" actId="20577"/>
+        <pc:sldMkLst>
+          <pc:docMk/>
+          <pc:sldMk cId="3873880777" sldId="274"/>
+        </pc:sldMkLst>
+        <pc:spChg chg="mod">
+          <ac:chgData name="Corey Wadsley" userId="b9a37571d3f632f8" providerId="LiveId" clId="{E6D2B8B0-75E3-4FC3-B273-71B3CD66F15B}" dt="2022-03-17T00:38:16.968" v="506" actId="20577"/>
+          <ac:spMkLst>
+            <pc:docMk/>
+            <pc:sldMk cId="3873880777" sldId="274"/>
+            <ac:spMk id="2" creationId="{1E727CD3-0A38-4054-80DD-C537FDA35BF9}"/>
+          </ac:spMkLst>
+        </pc:spChg>
+      </pc:sldChg>
+      <pc:sldChg chg="modSp add mod ord">
+        <pc:chgData name="Corey Wadsley" userId="b9a37571d3f632f8" providerId="LiveId" clId="{E6D2B8B0-75E3-4FC3-B273-71B3CD66F15B}" dt="2022-03-17T00:38:39.114" v="526" actId="20577"/>
+        <pc:sldMkLst>
+          <pc:docMk/>
+          <pc:sldMk cId="1517799686" sldId="275"/>
+        </pc:sldMkLst>
+        <pc:spChg chg="mod">
+          <ac:chgData name="Corey Wadsley" userId="b9a37571d3f632f8" providerId="LiveId" clId="{E6D2B8B0-75E3-4FC3-B273-71B3CD66F15B}" dt="2022-03-17T00:38:39.114" v="526" actId="20577"/>
+          <ac:spMkLst>
+            <pc:docMk/>
+            <pc:sldMk cId="1517799686" sldId="275"/>
+            <ac:spMk id="2" creationId="{1E727CD3-0A38-4054-80DD-C537FDA35BF9}"/>
+          </ac:spMkLst>
+        </pc:spChg>
+      </pc:sldChg>
+      <pc:sldChg chg="add">
+        <pc:chgData name="Corey Wadsley" userId="b9a37571d3f632f8" providerId="LiveId" clId="{E6D2B8B0-75E3-4FC3-B273-71B3CD66F15B}" dt="2022-03-17T00:47:24.819" v="530"/>
+        <pc:sldMkLst>
+          <pc:docMk/>
+          <pc:sldMk cId="892448041" sldId="276"/>
+        </pc:sldMkLst>
+      </pc:sldChg>
+      <pc:sldChg chg="add">
+        <pc:chgData name="Corey Wadsley" userId="b9a37571d3f632f8" providerId="LiveId" clId="{E6D2B8B0-75E3-4FC3-B273-71B3CD66F15B}" dt="2022-03-17T00:47:45.080" v="531"/>
+        <pc:sldMkLst>
+          <pc:docMk/>
+          <pc:sldMk cId="3917273510" sldId="277"/>
+        </pc:sldMkLst>
+      </pc:sldChg>
+      <pc:sldChg chg="modSp add mod ord">
+        <pc:chgData name="Corey Wadsley" userId="b9a37571d3f632f8" providerId="LiveId" clId="{E6D2B8B0-75E3-4FC3-B273-71B3CD66F15B}" dt="2022-03-17T00:54:19.697" v="564" actId="20577"/>
+        <pc:sldMkLst>
+          <pc:docMk/>
+          <pc:sldMk cId="2885016121" sldId="278"/>
+        </pc:sldMkLst>
+        <pc:spChg chg="mod">
+          <ac:chgData name="Corey Wadsley" userId="b9a37571d3f632f8" providerId="LiveId" clId="{E6D2B8B0-75E3-4FC3-B273-71B3CD66F15B}" dt="2022-03-17T00:54:19.697" v="564" actId="20577"/>
+          <ac:spMkLst>
+            <pc:docMk/>
+            <pc:sldMk cId="2885016121" sldId="278"/>
+            <ac:spMk id="2" creationId="{1E727CD3-0A38-4054-80DD-C537FDA35BF9}"/>
+          </ac:spMkLst>
+        </pc:spChg>
+      </pc:sldChg>
+      <pc:sldChg chg="addSp delSp modSp add mod">
+        <pc:chgData name="Corey Wadsley" userId="b9a37571d3f632f8" providerId="LiveId" clId="{E6D2B8B0-75E3-4FC3-B273-71B3CD66F15B}" dt="2022-03-17T01:01:58.445" v="762" actId="478"/>
+        <pc:sldMkLst>
+          <pc:docMk/>
+          <pc:sldMk cId="1568265189" sldId="279"/>
+        </pc:sldMkLst>
+        <pc:spChg chg="add del mod ord">
+          <ac:chgData name="Corey Wadsley" userId="b9a37571d3f632f8" providerId="LiveId" clId="{E6D2B8B0-75E3-4FC3-B273-71B3CD66F15B}" dt="2022-03-17T01:01:58.445" v="762" actId="478"/>
+          <ac:spMkLst>
+            <pc:docMk/>
+            <pc:sldMk cId="1568265189" sldId="279"/>
+            <ac:spMk id="3" creationId="{560878C8-535E-40D8-AC6B-1FF8BAA21B5D}"/>
+          </ac:spMkLst>
+        </pc:spChg>
+      </pc:sldChg>
+      <pc:sldChg chg="addSp delSp modSp add mod ord">
+        <pc:chgData name="Corey Wadsley" userId="b9a37571d3f632f8" providerId="LiveId" clId="{E6D2B8B0-75E3-4FC3-B273-71B3CD66F15B}" dt="2022-03-17T00:55:48.721" v="704" actId="478"/>
+        <pc:sldMkLst>
+          <pc:docMk/>
+          <pc:sldMk cId="3449439919" sldId="280"/>
+        </pc:sldMkLst>
+        <pc:spChg chg="mod">
+          <ac:chgData name="Corey Wadsley" userId="b9a37571d3f632f8" providerId="LiveId" clId="{E6D2B8B0-75E3-4FC3-B273-71B3CD66F15B}" dt="2022-03-17T00:55:45.248" v="703" actId="20577"/>
+          <ac:spMkLst>
+            <pc:docMk/>
+            <pc:sldMk cId="3449439919" sldId="280"/>
+            <ac:spMk id="12" creationId="{6D832201-72E0-43A3-B0CF-5BDFD925C8F5}"/>
+          </ac:spMkLst>
+        </pc:spChg>
+        <pc:spChg chg="mod">
+          <ac:chgData name="Corey Wadsley" userId="b9a37571d3f632f8" providerId="LiveId" clId="{E6D2B8B0-75E3-4FC3-B273-71B3CD66F15B}" dt="2022-03-17T00:55:28.896" v="614" actId="20577"/>
+          <ac:spMkLst>
+            <pc:docMk/>
+            <pc:sldMk cId="3449439919" sldId="280"/>
+            <ac:spMk id="13" creationId="{77B78BC3-319A-4E4B-A08A-B6C09F79F881}"/>
+          </ac:spMkLst>
+        </pc:spChg>
+        <pc:spChg chg="mod">
+          <ac:chgData name="Corey Wadsley" userId="b9a37571d3f632f8" providerId="LiveId" clId="{E6D2B8B0-75E3-4FC3-B273-71B3CD66F15B}" dt="2022-03-17T00:55:01.910" v="574"/>
+          <ac:spMkLst>
+            <pc:docMk/>
+            <pc:sldMk cId="3449439919" sldId="280"/>
+            <ac:spMk id="14" creationId="{B3BBAAB3-F7B4-4BF2-B7C7-3DEEFD9E72B9}"/>
+          </ac:spMkLst>
+        </pc:spChg>
+        <pc:spChg chg="mod">
+          <ac:chgData name="Corey Wadsley" userId="b9a37571d3f632f8" providerId="LiveId" clId="{E6D2B8B0-75E3-4FC3-B273-71B3CD66F15B}" dt="2022-03-17T00:55:01.910" v="574"/>
+          <ac:spMkLst>
+            <pc:docMk/>
+            <pc:sldMk cId="3449439919" sldId="280"/>
+            <ac:spMk id="15" creationId="{CDB41676-9FFD-4B78-8ABD-82F18A562E1B}"/>
+          </ac:spMkLst>
+        </pc:spChg>
+        <pc:spChg chg="mod">
+          <ac:chgData name="Corey Wadsley" userId="b9a37571d3f632f8" providerId="LiveId" clId="{E6D2B8B0-75E3-4FC3-B273-71B3CD66F15B}" dt="2022-03-17T00:55:01.910" v="574"/>
+          <ac:spMkLst>
+            <pc:docMk/>
+            <pc:sldMk cId="3449439919" sldId="280"/>
+            <ac:spMk id="16" creationId="{597D3984-88BD-43AC-89A1-93F7C63CAEEF}"/>
+          </ac:spMkLst>
+        </pc:spChg>
+        <pc:spChg chg="mod">
+          <ac:chgData name="Corey Wadsley" userId="b9a37571d3f632f8" providerId="LiveId" clId="{E6D2B8B0-75E3-4FC3-B273-71B3CD66F15B}" dt="2022-03-17T00:55:01.910" v="574"/>
+          <ac:spMkLst>
+            <pc:docMk/>
+            <pc:sldMk cId="3449439919" sldId="280"/>
+            <ac:spMk id="17" creationId="{4B8E9973-EEF0-4E3A-8E16-E5D72AE55F8E}"/>
+          </ac:spMkLst>
+        </pc:spChg>
+        <pc:grpChg chg="add del mod">
+          <ac:chgData name="Corey Wadsley" userId="b9a37571d3f632f8" providerId="LiveId" clId="{E6D2B8B0-75E3-4FC3-B273-71B3CD66F15B}" dt="2022-03-17T00:55:48.721" v="704" actId="478"/>
+          <ac:grpSpMkLst>
+            <pc:docMk/>
+            <pc:sldMk cId="3449439919" sldId="280"/>
+            <ac:grpSpMk id="11" creationId="{A7D177B1-E829-4AF4-9691-F15CD35DDFA4}"/>
+          </ac:grpSpMkLst>
+        </pc:grpChg>
+        <pc:picChg chg="del">
+          <ac:chgData name="Corey Wadsley" userId="b9a37571d3f632f8" providerId="LiveId" clId="{E6D2B8B0-75E3-4FC3-B273-71B3CD66F15B}" dt="2022-03-17T00:54:46.625" v="573" actId="478"/>
+          <ac:picMkLst>
+            <pc:docMk/>
+            <pc:sldMk cId="3449439919" sldId="280"/>
+            <ac:picMk id="3" creationId="{56919A40-D132-4900-B8A9-6EE52B1D151A}"/>
+          </ac:picMkLst>
+        </pc:picChg>
+        <pc:picChg chg="add mod ord">
+          <ac:chgData name="Corey Wadsley" userId="b9a37571d3f632f8" providerId="LiveId" clId="{E6D2B8B0-75E3-4FC3-B273-71B3CD66F15B}" dt="2022-03-17T00:54:45.196" v="572" actId="167"/>
+          <ac:picMkLst>
+            <pc:docMk/>
+            <pc:sldMk cId="3449439919" sldId="280"/>
+            <ac:picMk id="4" creationId="{64CBEDB8-A547-42F8-A6D7-38AE27500031}"/>
+          </ac:picMkLst>
+        </pc:picChg>
+      </pc:sldChg>
+      <pc:sldChg chg="addSp delSp modSp add mod ord">
+        <pc:chgData name="Corey Wadsley" userId="b9a37571d3f632f8" providerId="LiveId" clId="{E6D2B8B0-75E3-4FC3-B273-71B3CD66F15B}" dt="2022-03-17T00:59:00.124" v="751" actId="1076"/>
+        <pc:sldMkLst>
+          <pc:docMk/>
+          <pc:sldMk cId="2380964875" sldId="281"/>
+        </pc:sldMkLst>
+        <pc:spChg chg="mod">
+          <ac:chgData name="Corey Wadsley" userId="b9a37571d3f632f8" providerId="LiveId" clId="{E6D2B8B0-75E3-4FC3-B273-71B3CD66F15B}" dt="2022-03-17T00:58:53.137" v="749" actId="164"/>
+          <ac:spMkLst>
+            <pc:docMk/>
+            <pc:sldMk cId="2380964875" sldId="281"/>
+            <ac:spMk id="17" creationId="{75C4FCAF-2970-4FE4-A731-7556187B52EF}"/>
+          </ac:spMkLst>
+        </pc:spChg>
+        <pc:spChg chg="mod">
+          <ac:chgData name="Corey Wadsley" userId="b9a37571d3f632f8" providerId="LiveId" clId="{E6D2B8B0-75E3-4FC3-B273-71B3CD66F15B}" dt="2022-03-17T00:58:53.137" v="749" actId="164"/>
+          <ac:spMkLst>
+            <pc:docMk/>
+            <pc:sldMk cId="2380964875" sldId="281"/>
+            <ac:spMk id="18" creationId="{5CA03B8C-6C34-4583-A45D-C283644B6037}"/>
+          </ac:spMkLst>
+        </pc:spChg>
+        <pc:spChg chg="mod">
+          <ac:chgData name="Corey Wadsley" userId="b9a37571d3f632f8" providerId="LiveId" clId="{E6D2B8B0-75E3-4FC3-B273-71B3CD66F15B}" dt="2022-03-17T00:58:53.137" v="749" actId="164"/>
+          <ac:spMkLst>
+            <pc:docMk/>
+            <pc:sldMk cId="2380964875" sldId="281"/>
+            <ac:spMk id="22" creationId="{8386867C-660E-4338-8063-86EC5F29A85F}"/>
+          </ac:spMkLst>
+        </pc:spChg>
+        <pc:grpChg chg="add mod">
+          <ac:chgData name="Corey Wadsley" userId="b9a37571d3f632f8" providerId="LiveId" clId="{E6D2B8B0-75E3-4FC3-B273-71B3CD66F15B}" dt="2022-03-17T00:58:55.994" v="750" actId="1076"/>
+          <ac:grpSpMkLst>
+            <pc:docMk/>
+            <pc:sldMk cId="2380964875" sldId="281"/>
+            <ac:grpSpMk id="5" creationId="{14F6E1DA-BE7F-4433-BE1F-E87869B4C442}"/>
+          </ac:grpSpMkLst>
+        </pc:grpChg>
+        <pc:grpChg chg="mod">
+          <ac:chgData name="Corey Wadsley" userId="b9a37571d3f632f8" providerId="LiveId" clId="{E6D2B8B0-75E3-4FC3-B273-71B3CD66F15B}" dt="2022-03-17T00:59:00.124" v="751" actId="1076"/>
+          <ac:grpSpMkLst>
+            <pc:docMk/>
+            <pc:sldMk cId="2380964875" sldId="281"/>
+            <ac:grpSpMk id="6" creationId="{85ACCAD7-02D9-4B1D-98B7-B7A31E9EA50C}"/>
+          </ac:grpSpMkLst>
+        </pc:grpChg>
+        <pc:picChg chg="del">
+          <ac:chgData name="Corey Wadsley" userId="b9a37571d3f632f8" providerId="LiveId" clId="{E6D2B8B0-75E3-4FC3-B273-71B3CD66F15B}" dt="2022-03-17T00:58:18.702" v="719" actId="478"/>
+          <ac:picMkLst>
+            <pc:docMk/>
+            <pc:sldMk cId="2380964875" sldId="281"/>
+            <ac:picMk id="3" creationId="{EA36F7D0-538D-4DD3-BB68-5388454B3D62}"/>
+          </ac:picMkLst>
+        </pc:picChg>
+        <pc:picChg chg="add mod">
+          <ac:chgData name="Corey Wadsley" userId="b9a37571d3f632f8" providerId="LiveId" clId="{E6D2B8B0-75E3-4FC3-B273-71B3CD66F15B}" dt="2022-03-17T00:58:53.137" v="749" actId="164"/>
+          <ac:picMkLst>
+            <pc:docMk/>
+            <pc:sldMk cId="2380964875" sldId="281"/>
+            <ac:picMk id="4" creationId="{C762C8F2-B6B9-4C9A-8820-7CAD0DD46FF4}"/>
+          </ac:picMkLst>
+        </pc:picChg>
+      </pc:sldChg>
+      <pc:sldChg chg="add ord">
+        <pc:chgData name="Corey Wadsley" userId="b9a37571d3f632f8" providerId="LiveId" clId="{E6D2B8B0-75E3-4FC3-B273-71B3CD66F15B}" dt="2022-03-17T00:57:58.771" v="710"/>
+        <pc:sldMkLst>
+          <pc:docMk/>
+          <pc:sldMk cId="3749477223" sldId="282"/>
+        </pc:sldMkLst>
+      </pc:sldChg>
+    </pc:docChg>
+  </pc:docChgLst>
+</pc:chgInfo>
 </file>
 
 <file path=ppt/notesMasters/notesMaster1.xml><?xml version="1.0" encoding="utf-8"?>
@@ -220,7 +959,7 @@
           <a:p>
             <a:fld id="{4AB65331-AC02-461C-88FD-2947DFD7C619}" type="datetimeFigureOut">
               <a:rPr lang="en-NZ" smtClean="0"/>
-              <a:t>28/02/2022</a:t>
+              <a:t>17/03/2022</a:t>
             </a:fld>
             <a:endParaRPr lang="en-NZ"/>
           </a:p>
@@ -553,7 +1292,7 @@
           <a:p>
             <a:fld id="{AD4EF87A-E65F-41B5-A83E-1D53F630119A}" type="slidenum">
               <a:rPr lang="en-NZ" smtClean="0"/>
-              <a:t>1</a:t>
+              <a:t>2</a:t>
             </a:fld>
             <a:endParaRPr lang="en-NZ"/>
           </a:p>
@@ -637,7 +1376,91 @@
           <a:p>
             <a:fld id="{AD4EF87A-E65F-41B5-A83E-1D53F630119A}" type="slidenum">
               <a:rPr lang="en-NZ" smtClean="0"/>
-              <a:t>8</a:t>
+              <a:t>6</a:t>
+            </a:fld>
+            <a:endParaRPr lang="en-NZ"/>
+          </a:p>
+        </p:txBody>
+      </p:sp>
+    </p:spTree>
+    <p:extLst>
+      <p:ext uri="{BB962C8B-B14F-4D97-AF65-F5344CB8AC3E}">
+        <p14:creationId xmlns:p14="http://schemas.microsoft.com/office/powerpoint/2010/main" val="3347637719"/>
+      </p:ext>
+    </p:extLst>
+  </p:cSld>
+  <p:clrMapOvr>
+    <a:masterClrMapping/>
+  </p:clrMapOvr>
+</p:notes>
+</file>
+
+<file path=ppt/notesSlides/notesSlide3.xml><?xml version="1.0" encoding="utf-8"?>
+<p:notes xmlns:a="http://schemas.openxmlformats.org/drawingml/2006/main" xmlns:r="http://schemas.openxmlformats.org/officeDocument/2006/relationships" xmlns:p="http://schemas.openxmlformats.org/presentationml/2006/main">
+  <p:cSld>
+    <p:spTree>
+      <p:nvGrpSpPr>
+        <p:cNvPr id="1" name=""/>
+        <p:cNvGrpSpPr/>
+        <p:nvPr/>
+      </p:nvGrpSpPr>
+      <p:grpSpPr>
+        <a:xfrm>
+          <a:off x="0" y="0"/>
+          <a:ext cx="0" cy="0"/>
+          <a:chOff x="0" y="0"/>
+          <a:chExt cx="0" cy="0"/>
+        </a:xfrm>
+      </p:grpSpPr>
+      <p:sp>
+        <p:nvSpPr>
+          <p:cNvPr id="2" name="Slide Image Placeholder 1"/>
+          <p:cNvSpPr>
+            <a:spLocks noGrp="1" noRot="1" noChangeAspect="1"/>
+          </p:cNvSpPr>
+          <p:nvPr>
+            <p:ph type="sldImg"/>
+          </p:nvPr>
+        </p:nvSpPr>
+        <p:spPr/>
+      </p:sp>
+      <p:sp>
+        <p:nvSpPr>
+          <p:cNvPr id="3" name="Notes Placeholder 2"/>
+          <p:cNvSpPr>
+            <a:spLocks noGrp="1"/>
+          </p:cNvSpPr>
+          <p:nvPr>
+            <p:ph type="body" idx="1"/>
+          </p:nvPr>
+        </p:nvSpPr>
+        <p:spPr/>
+        <p:txBody>
+          <a:bodyPr/>
+          <a:lstStyle/>
+          <a:p>
+            <a:endParaRPr lang="en-NZ" dirty="0"/>
+          </a:p>
+        </p:txBody>
+      </p:sp>
+      <p:sp>
+        <p:nvSpPr>
+          <p:cNvPr id="4" name="Slide Number Placeholder 3"/>
+          <p:cNvSpPr>
+            <a:spLocks noGrp="1"/>
+          </p:cNvSpPr>
+          <p:nvPr>
+            <p:ph type="sldNum" sz="quarter" idx="5"/>
+          </p:nvPr>
+        </p:nvSpPr>
+        <p:spPr/>
+        <p:txBody>
+          <a:bodyPr/>
+          <a:lstStyle/>
+          <a:p>
+            <a:fld id="{AD4EF87A-E65F-41B5-A83E-1D53F630119A}" type="slidenum">
+              <a:rPr lang="en-NZ" smtClean="0"/>
+              <a:t>20</a:t>
             </a:fld>
             <a:endParaRPr lang="en-NZ"/>
           </a:p>
@@ -805,7 +1628,7 @@
           <a:p>
             <a:fld id="{1096FF7B-F30C-49C2-86FF-D16071A75BA4}" type="datetimeFigureOut">
               <a:rPr lang="en-NZ" smtClean="0"/>
-              <a:t>28/02/2022</a:t>
+              <a:t>17/03/2022</a:t>
             </a:fld>
             <a:endParaRPr lang="en-NZ"/>
           </a:p>
@@ -1005,7 +1828,7 @@
           <a:p>
             <a:fld id="{1096FF7B-F30C-49C2-86FF-D16071A75BA4}" type="datetimeFigureOut">
               <a:rPr lang="en-NZ" smtClean="0"/>
-              <a:t>28/02/2022</a:t>
+              <a:t>17/03/2022</a:t>
             </a:fld>
             <a:endParaRPr lang="en-NZ"/>
           </a:p>
@@ -1215,7 +2038,7 @@
           <a:p>
             <a:fld id="{1096FF7B-F30C-49C2-86FF-D16071A75BA4}" type="datetimeFigureOut">
               <a:rPr lang="en-NZ" smtClean="0"/>
-              <a:t>28/02/2022</a:t>
+              <a:t>17/03/2022</a:t>
             </a:fld>
             <a:endParaRPr lang="en-NZ"/>
           </a:p>
@@ -1415,7 +2238,7 @@
           <a:p>
             <a:fld id="{1096FF7B-F30C-49C2-86FF-D16071A75BA4}" type="datetimeFigureOut">
               <a:rPr lang="en-NZ" smtClean="0"/>
-              <a:t>28/02/2022</a:t>
+              <a:t>17/03/2022</a:t>
             </a:fld>
             <a:endParaRPr lang="en-NZ"/>
           </a:p>
@@ -1691,7 +2514,7 @@
           <a:p>
             <a:fld id="{1096FF7B-F30C-49C2-86FF-D16071A75BA4}" type="datetimeFigureOut">
               <a:rPr lang="en-NZ" smtClean="0"/>
-              <a:t>28/02/2022</a:t>
+              <a:t>17/03/2022</a:t>
             </a:fld>
             <a:endParaRPr lang="en-NZ"/>
           </a:p>
@@ -1959,7 +2782,7 @@
           <a:p>
             <a:fld id="{1096FF7B-F30C-49C2-86FF-D16071A75BA4}" type="datetimeFigureOut">
               <a:rPr lang="en-NZ" smtClean="0"/>
-              <a:t>28/02/2022</a:t>
+              <a:t>17/03/2022</a:t>
             </a:fld>
             <a:endParaRPr lang="en-NZ"/>
           </a:p>
@@ -2374,7 +3197,7 @@
           <a:p>
             <a:fld id="{1096FF7B-F30C-49C2-86FF-D16071A75BA4}" type="datetimeFigureOut">
               <a:rPr lang="en-NZ" smtClean="0"/>
-              <a:t>28/02/2022</a:t>
+              <a:t>17/03/2022</a:t>
             </a:fld>
             <a:endParaRPr lang="en-NZ"/>
           </a:p>
@@ -2516,7 +3339,7 @@
           <a:p>
             <a:fld id="{1096FF7B-F30C-49C2-86FF-D16071A75BA4}" type="datetimeFigureOut">
               <a:rPr lang="en-NZ" smtClean="0"/>
-              <a:t>28/02/2022</a:t>
+              <a:t>17/03/2022</a:t>
             </a:fld>
             <a:endParaRPr lang="en-NZ"/>
           </a:p>
@@ -2629,7 +3452,7 @@
           <a:p>
             <a:fld id="{1096FF7B-F30C-49C2-86FF-D16071A75BA4}" type="datetimeFigureOut">
               <a:rPr lang="en-NZ" smtClean="0"/>
-              <a:t>28/02/2022</a:t>
+              <a:t>17/03/2022</a:t>
             </a:fld>
             <a:endParaRPr lang="en-NZ"/>
           </a:p>
@@ -2942,7 +3765,7 @@
           <a:p>
             <a:fld id="{1096FF7B-F30C-49C2-86FF-D16071A75BA4}" type="datetimeFigureOut">
               <a:rPr lang="en-NZ" smtClean="0"/>
-              <a:t>28/02/2022</a:t>
+              <a:t>17/03/2022</a:t>
             </a:fld>
             <a:endParaRPr lang="en-NZ"/>
           </a:p>
@@ -3231,7 +4054,7 @@
           <a:p>
             <a:fld id="{1096FF7B-F30C-49C2-86FF-D16071A75BA4}" type="datetimeFigureOut">
               <a:rPr lang="en-NZ" smtClean="0"/>
-              <a:t>28/02/2022</a:t>
+              <a:t>17/03/2022</a:t>
             </a:fld>
             <a:endParaRPr lang="en-NZ"/>
           </a:p>
@@ -3474,7 +4297,7 @@
           <a:p>
             <a:fld id="{1096FF7B-F30C-49C2-86FF-D16071A75BA4}" type="datetimeFigureOut">
               <a:rPr lang="en-NZ" smtClean="0"/>
-              <a:t>28/02/2022</a:t>
+              <a:t>17/03/2022</a:t>
             </a:fld>
             <a:endParaRPr lang="en-NZ"/>
           </a:p>
@@ -3891,235 +4714,38 @@
           <a:chExt cx="0" cy="0"/>
         </a:xfrm>
       </p:grpSpPr>
-      <p:pic>
-        <p:nvPicPr>
-          <p:cNvPr id="5" name="Graphic 4">
-            <a:extLst>
-              <a:ext uri="{FF2B5EF4-FFF2-40B4-BE49-F238E27FC236}">
-                <a16:creationId xmlns:a16="http://schemas.microsoft.com/office/drawing/2014/main" id="{62ED6478-B683-45AE-905C-EFDA0F616832}"/>
-              </a:ext>
-            </a:extLst>
-          </p:cNvPr>
-          <p:cNvPicPr>
-            <a:picLocks noChangeAspect="1"/>
-          </p:cNvPicPr>
-          <p:nvPr/>
-        </p:nvPicPr>
-        <p:blipFill>
-          <a:blip r:embed="rId3">
-            <a:extLst>
-              <a:ext uri="{96DAC541-7B7A-43D3-8B79-37D633B846F1}">
-                <asvg:svgBlip xmlns:asvg="http://schemas.microsoft.com/office/drawing/2016/SVG/main" r:embed="rId4"/>
-              </a:ext>
-            </a:extLst>
-          </a:blip>
-          <a:stretch>
-            <a:fillRect/>
-          </a:stretch>
-        </p:blipFill>
+      <p:sp>
+        <p:nvSpPr>
+          <p:cNvPr id="2" name="Title 1">
+            <a:extLst>
+              <a:ext uri="{FF2B5EF4-FFF2-40B4-BE49-F238E27FC236}">
+                <a16:creationId xmlns:a16="http://schemas.microsoft.com/office/drawing/2014/main" id="{1E727CD3-0A38-4054-80DD-C537FDA35BF9}"/>
+              </a:ext>
+            </a:extLst>
+          </p:cNvPr>
+          <p:cNvSpPr>
+            <a:spLocks noGrp="1"/>
+          </p:cNvSpPr>
+          <p:nvPr>
+            <p:ph type="title"/>
+          </p:nvPr>
+        </p:nvSpPr>
         <p:spPr>
           <a:xfrm>
-            <a:off x="2187946" y="3289246"/>
-            <a:ext cx="7816108" cy="2601119"/>
-          </a:xfrm>
-          <a:prstGeom prst="rect">
-            <a:avLst/>
-          </a:prstGeom>
+            <a:off x="838200" y="2766219"/>
+            <a:ext cx="10515600" cy="1325563"/>
+          </a:xfrm>
         </p:spPr>
-      </p:pic>
-      <p:sp>
-        <p:nvSpPr>
-          <p:cNvPr id="8" name="TextBox 7">
-            <a:extLst>
-              <a:ext uri="{FF2B5EF4-FFF2-40B4-BE49-F238E27FC236}">
-                <a16:creationId xmlns:a16="http://schemas.microsoft.com/office/drawing/2014/main" id="{3541E32D-326E-4733-A431-D71F793B8205}"/>
-              </a:ext>
-            </a:extLst>
-          </p:cNvPr>
-          <p:cNvSpPr txBox="1"/>
-          <p:nvPr/>
-        </p:nvSpPr>
-        <p:spPr>
-          <a:xfrm>
-            <a:off x="3561796" y="277006"/>
-            <a:ext cx="5068409" cy="523220"/>
-          </a:xfrm>
-          <a:prstGeom prst="rect">
-            <a:avLst/>
-          </a:prstGeom>
-          <a:noFill/>
-        </p:spPr>
-        <p:txBody>
-          <a:bodyPr wrap="square" rtlCol="0">
-            <a:spAutoFit/>
+        <p:txBody>
+          <a:bodyPr>
+            <a:normAutofit/>
           </a:bodyPr>
           <a:lstStyle/>
           <a:p>
             <a:pPr algn="ctr"/>
             <a:r>
-              <a:rPr lang="en-NZ" sz="2800" dirty="0" err="1"/>
-              <a:t>SeleSt</a:t>
-            </a:r>
-            <a:endParaRPr lang="en-NZ" sz="2800" dirty="0"/>
-          </a:p>
-        </p:txBody>
-      </p:sp>
-      <p:sp>
-        <p:nvSpPr>
-          <p:cNvPr id="9" name="TextBox 8">
-            <a:extLst>
-              <a:ext uri="{FF2B5EF4-FFF2-40B4-BE49-F238E27FC236}">
-                <a16:creationId xmlns:a16="http://schemas.microsoft.com/office/drawing/2014/main" id="{6CEAF05C-99F3-4B5F-B61A-D1849E28D68F}"/>
-              </a:ext>
-            </a:extLst>
-          </p:cNvPr>
-          <p:cNvSpPr txBox="1"/>
-          <p:nvPr/>
-        </p:nvSpPr>
-        <p:spPr>
-          <a:xfrm>
-            <a:off x="1395620" y="889732"/>
-            <a:ext cx="9400761" cy="400110"/>
-          </a:xfrm>
-          <a:prstGeom prst="rect">
-            <a:avLst/>
-          </a:prstGeom>
-          <a:noFill/>
-        </p:spPr>
-        <p:txBody>
-          <a:bodyPr wrap="square" rtlCol="0">
-            <a:spAutoFit/>
-          </a:bodyPr>
-          <a:lstStyle/>
-          <a:p>
-            <a:pPr algn="ctr"/>
-            <a:r>
-              <a:rPr lang="en-NZ" sz="2000" dirty="0"/>
-              <a:t>Welcome! </a:t>
-            </a:r>
-            <a:r>
-              <a:rPr lang="en-NZ" sz="2000" dirty="0" err="1"/>
-              <a:t>SeleSt</a:t>
-            </a:r>
-            <a:r>
-              <a:rPr lang="en-NZ" sz="2000" dirty="0"/>
-              <a:t> is designed to test your ability to respond and stop selectively.</a:t>
-            </a:r>
-          </a:p>
-        </p:txBody>
-      </p:sp>
-      <p:sp>
-        <p:nvSpPr>
-          <p:cNvPr id="10" name="TextBox 9">
-            <a:extLst>
-              <a:ext uri="{FF2B5EF4-FFF2-40B4-BE49-F238E27FC236}">
-                <a16:creationId xmlns:a16="http://schemas.microsoft.com/office/drawing/2014/main" id="{6A205875-CBDA-4AA7-9452-D68F893C5232}"/>
-              </a:ext>
-            </a:extLst>
-          </p:cNvPr>
-          <p:cNvSpPr txBox="1"/>
-          <p:nvPr/>
-        </p:nvSpPr>
-        <p:spPr>
-          <a:xfrm>
-            <a:off x="1814695" y="6084909"/>
-            <a:ext cx="8562609" cy="400110"/>
-          </a:xfrm>
-          <a:prstGeom prst="rect">
-            <a:avLst/>
-          </a:prstGeom>
-          <a:noFill/>
-        </p:spPr>
-        <p:txBody>
-          <a:bodyPr wrap="square" rtlCol="0">
-            <a:spAutoFit/>
-          </a:bodyPr>
-          <a:lstStyle/>
-          <a:p>
-            <a:pPr algn="ctr"/>
-            <a:r>
-              <a:rPr lang="en-NZ" sz="2000" dirty="0"/>
-              <a:t>Press SPACE to continue</a:t>
-            </a:r>
-          </a:p>
-        </p:txBody>
-      </p:sp>
-      <p:sp>
-        <p:nvSpPr>
-          <p:cNvPr id="12" name="TextBox 11">
-            <a:extLst>
-              <a:ext uri="{FF2B5EF4-FFF2-40B4-BE49-F238E27FC236}">
-                <a16:creationId xmlns:a16="http://schemas.microsoft.com/office/drawing/2014/main" id="{6D832201-72E0-43A3-B0CF-5BDFD925C8F5}"/>
-              </a:ext>
-            </a:extLst>
-          </p:cNvPr>
-          <p:cNvSpPr txBox="1"/>
-          <p:nvPr/>
-        </p:nvSpPr>
-        <p:spPr>
-          <a:xfrm>
-            <a:off x="3084408" y="2386816"/>
-            <a:ext cx="6023184" cy="707886"/>
-          </a:xfrm>
-          <a:prstGeom prst="rect">
-            <a:avLst/>
-          </a:prstGeom>
-          <a:noFill/>
-        </p:spPr>
-        <p:txBody>
-          <a:bodyPr wrap="square" lIns="91440" tIns="45720" rIns="91440" bIns="45720" rtlCol="0" anchor="t">
-            <a:spAutoFit/>
-          </a:bodyPr>
-          <a:lstStyle/>
-          <a:p>
-            <a:pPr algn="ctr"/>
-            <a:r>
-              <a:rPr lang="en-NZ" sz="2000" dirty="0"/>
-              <a:t>Your objective is to stop the bars as close as you can to the target </a:t>
-            </a:r>
-            <a:r>
-              <a:rPr lang="en-NZ" sz="2000" dirty="0">
-                <a:ea typeface="+mn-lt"/>
-                <a:cs typeface="+mn-lt"/>
-              </a:rPr>
-              <a:t>by pressing the response keys.</a:t>
-            </a:r>
-            <a:endParaRPr lang="en-NZ" sz="2000" dirty="0"/>
-          </a:p>
-        </p:txBody>
-      </p:sp>
-      <p:sp>
-        <p:nvSpPr>
-          <p:cNvPr id="13" name="TextBox 12">
-            <a:extLst>
-              <a:ext uri="{FF2B5EF4-FFF2-40B4-BE49-F238E27FC236}">
-                <a16:creationId xmlns:a16="http://schemas.microsoft.com/office/drawing/2014/main" id="{77B78BC3-319A-4E4B-A08A-B6C09F79F881}"/>
-              </a:ext>
-            </a:extLst>
-          </p:cNvPr>
-          <p:cNvSpPr txBox="1"/>
-          <p:nvPr/>
-        </p:nvSpPr>
-        <p:spPr>
-          <a:xfrm>
-            <a:off x="2363972" y="1484386"/>
-            <a:ext cx="7464056" cy="707886"/>
-          </a:xfrm>
-          <a:prstGeom prst="rect">
-            <a:avLst/>
-          </a:prstGeom>
-          <a:noFill/>
-        </p:spPr>
-        <p:txBody>
-          <a:bodyPr wrap="square" lIns="91440" tIns="45720" rIns="91440" bIns="45720" rtlCol="0" anchor="t">
-            <a:spAutoFit/>
-          </a:bodyPr>
-          <a:lstStyle/>
-          <a:p>
-            <a:pPr algn="ctr"/>
-            <a:r>
-              <a:rPr lang="en-NZ" sz="2000" dirty="0"/>
-              <a:t>Each trial starts with two empty bars that fill from bottom to top. Most trials are ‘go’ trials during which the bars completely fill.</a:t>
+              <a:rPr lang="en-NZ" sz="8800" dirty="0"/>
+              <a:t>SIMPLE VARIANT (ARI)</a:t>
             </a:r>
           </a:p>
         </p:txBody>
@@ -4127,7 +4753,7 @@
     </p:spTree>
     <p:extLst>
       <p:ext uri="{BB962C8B-B14F-4D97-AF65-F5344CB8AC3E}">
-        <p14:creationId xmlns:p14="http://schemas.microsoft.com/office/powerpoint/2010/main" val="1773414443"/>
+        <p14:creationId xmlns:p14="http://schemas.microsoft.com/office/powerpoint/2010/main" val="1568265189"/>
       </p:ext>
     </p:extLst>
   </p:cSld>
@@ -4137,7 +4763,291 @@
 </p:sld>
 </file>
 
-<file path=ppt/slides/slide2.xml><?xml version="1.0" encoding="utf-8"?>
+<file path=ppt/slides/slide10.xml><?xml version="1.0" encoding="utf-8"?>
+<p:sld xmlns:a="http://schemas.openxmlformats.org/drawingml/2006/main" xmlns:r="http://schemas.openxmlformats.org/officeDocument/2006/relationships" xmlns:p="http://schemas.openxmlformats.org/presentationml/2006/main">
+  <p:cSld>
+    <p:spTree>
+      <p:nvGrpSpPr>
+        <p:cNvPr id="1" name=""/>
+        <p:cNvGrpSpPr/>
+        <p:nvPr/>
+      </p:nvGrpSpPr>
+      <p:grpSpPr>
+        <a:xfrm>
+          <a:off x="0" y="0"/>
+          <a:ext cx="0" cy="0"/>
+          <a:chOff x="0" y="0"/>
+          <a:chExt cx="0" cy="0"/>
+        </a:xfrm>
+      </p:grpSpPr>
+      <p:pic>
+        <p:nvPicPr>
+          <p:cNvPr id="3" name="Graphic 2">
+            <a:extLst>
+              <a:ext uri="{FF2B5EF4-FFF2-40B4-BE49-F238E27FC236}">
+                <a16:creationId xmlns:a16="http://schemas.microsoft.com/office/drawing/2014/main" id="{F369A192-94E4-45F7-94BF-5E332A05CB77}"/>
+              </a:ext>
+            </a:extLst>
+          </p:cNvPr>
+          <p:cNvPicPr>
+            <a:picLocks noChangeAspect="1"/>
+          </p:cNvPicPr>
+          <p:nvPr/>
+        </p:nvPicPr>
+        <p:blipFill>
+          <a:blip r:embed="rId2">
+            <a:extLst>
+              <a:ext uri="{96DAC541-7B7A-43D3-8B79-37D633B846F1}">
+                <asvg:svgBlip xmlns:asvg="http://schemas.microsoft.com/office/drawing/2016/SVG/main" r:embed="rId3"/>
+              </a:ext>
+            </a:extLst>
+          </a:blip>
+          <a:stretch>
+            <a:fillRect/>
+          </a:stretch>
+        </p:blipFill>
+        <p:spPr>
+          <a:xfrm>
+            <a:off x="711369" y="1014805"/>
+            <a:ext cx="5337410" cy="5565600"/>
+          </a:xfrm>
+          <a:prstGeom prst="rect">
+            <a:avLst/>
+          </a:prstGeom>
+        </p:spPr>
+      </p:pic>
+      <p:sp>
+        <p:nvSpPr>
+          <p:cNvPr id="8" name="TextBox 7">
+            <a:extLst>
+              <a:ext uri="{FF2B5EF4-FFF2-40B4-BE49-F238E27FC236}">
+                <a16:creationId xmlns:a16="http://schemas.microsoft.com/office/drawing/2014/main" id="{3541E32D-326E-4733-A431-D71F793B8205}"/>
+              </a:ext>
+            </a:extLst>
+          </p:cNvPr>
+          <p:cNvSpPr txBox="1"/>
+          <p:nvPr/>
+        </p:nvSpPr>
+        <p:spPr>
+          <a:xfrm>
+            <a:off x="3561796" y="277006"/>
+            <a:ext cx="5068409" cy="523220"/>
+          </a:xfrm>
+          <a:prstGeom prst="rect">
+            <a:avLst/>
+          </a:prstGeom>
+          <a:noFill/>
+        </p:spPr>
+        <p:txBody>
+          <a:bodyPr wrap="square" rtlCol="0">
+            <a:spAutoFit/>
+          </a:bodyPr>
+          <a:lstStyle/>
+          <a:p>
+            <a:pPr algn="ctr"/>
+            <a:r>
+              <a:rPr lang="en-NZ" sz="2800" err="1"/>
+              <a:t>SeleSt</a:t>
+            </a:r>
+            <a:endParaRPr lang="en-NZ" sz="2800"/>
+          </a:p>
+        </p:txBody>
+      </p:sp>
+      <p:grpSp>
+        <p:nvGrpSpPr>
+          <p:cNvPr id="9" name="Group 8">
+            <a:extLst>
+              <a:ext uri="{FF2B5EF4-FFF2-40B4-BE49-F238E27FC236}">
+                <a16:creationId xmlns:a16="http://schemas.microsoft.com/office/drawing/2014/main" id="{246EEAE8-C645-4A7B-B029-1CD225173BCC}"/>
+              </a:ext>
+            </a:extLst>
+          </p:cNvPr>
+          <p:cNvGrpSpPr/>
+          <p:nvPr/>
+        </p:nvGrpSpPr>
+        <p:grpSpPr>
+          <a:xfrm>
+            <a:off x="6286805" y="1606287"/>
+            <a:ext cx="5147170" cy="4383224"/>
+            <a:chOff x="6275085" y="1917226"/>
+            <a:chExt cx="5147170" cy="4383224"/>
+          </a:xfrm>
+        </p:grpSpPr>
+        <p:sp>
+          <p:nvSpPr>
+            <p:cNvPr id="18" name="TextBox 17">
+              <a:extLst>
+                <a:ext uri="{FF2B5EF4-FFF2-40B4-BE49-F238E27FC236}">
+                  <a16:creationId xmlns:a16="http://schemas.microsoft.com/office/drawing/2014/main" id="{31CCBDC7-C873-439D-8CFE-58D09DA3AAF1}"/>
+                </a:ext>
+              </a:extLst>
+            </p:cNvPr>
+            <p:cNvSpPr txBox="1"/>
+            <p:nvPr/>
+          </p:nvSpPr>
+          <p:spPr>
+            <a:xfrm>
+              <a:off x="6453382" y="1917226"/>
+              <a:ext cx="4790576" cy="707886"/>
+            </a:xfrm>
+            <a:prstGeom prst="rect">
+              <a:avLst/>
+            </a:prstGeom>
+            <a:noFill/>
+          </p:spPr>
+          <p:txBody>
+            <a:bodyPr wrap="square" rtlCol="0">
+              <a:spAutoFit/>
+            </a:bodyPr>
+            <a:lstStyle/>
+            <a:p>
+              <a:pPr algn="ctr"/>
+              <a:r>
+                <a:rPr lang="en-NZ" sz="2000" dirty="0"/>
+                <a:t>Welcome! </a:t>
+              </a:r>
+              <a:r>
+                <a:rPr lang="en-NZ" sz="2000" dirty="0" err="1"/>
+                <a:t>SeleSt</a:t>
+              </a:r>
+              <a:r>
+                <a:rPr lang="en-NZ" sz="2000" dirty="0"/>
+                <a:t> is designed to test your ability to respond and stop selectively.</a:t>
+              </a:r>
+            </a:p>
+          </p:txBody>
+        </p:sp>
+        <p:sp>
+          <p:nvSpPr>
+            <p:cNvPr id="24" name="TextBox 23">
+              <a:extLst>
+                <a:ext uri="{FF2B5EF4-FFF2-40B4-BE49-F238E27FC236}">
+                  <a16:creationId xmlns:a16="http://schemas.microsoft.com/office/drawing/2014/main" id="{BAF2090E-6E3B-49D6-A9C5-85F17F2CBB10}"/>
+                </a:ext>
+              </a:extLst>
+            </p:cNvPr>
+            <p:cNvSpPr txBox="1"/>
+            <p:nvPr/>
+          </p:nvSpPr>
+          <p:spPr>
+            <a:xfrm>
+              <a:off x="6275085" y="3116690"/>
+              <a:ext cx="5147170" cy="1015663"/>
+            </a:xfrm>
+            <a:prstGeom prst="rect">
+              <a:avLst/>
+            </a:prstGeom>
+            <a:noFill/>
+          </p:spPr>
+          <p:txBody>
+            <a:bodyPr wrap="square" lIns="91440" tIns="45720" rIns="91440" bIns="45720" rtlCol="0" anchor="t">
+              <a:spAutoFit/>
+            </a:bodyPr>
+            <a:lstStyle/>
+            <a:p>
+              <a:pPr algn="ctr"/>
+              <a:r>
+                <a:rPr lang="en-NZ" sz="2000" dirty="0"/>
+                <a:t>Each trial starts with four empty bars that can fill from bottom to top. Most trials are ‘go’ trials during which two bars completely fill.</a:t>
+              </a:r>
+            </a:p>
+          </p:txBody>
+        </p:sp>
+        <p:sp>
+          <p:nvSpPr>
+            <p:cNvPr id="26" name="TextBox 25">
+              <a:extLst>
+                <a:ext uri="{FF2B5EF4-FFF2-40B4-BE49-F238E27FC236}">
+                  <a16:creationId xmlns:a16="http://schemas.microsoft.com/office/drawing/2014/main" id="{0AD10012-02A6-4D39-A305-509C0E27E044}"/>
+                </a:ext>
+              </a:extLst>
+            </p:cNvPr>
+            <p:cNvSpPr txBox="1"/>
+            <p:nvPr/>
+          </p:nvSpPr>
+          <p:spPr>
+            <a:xfrm>
+              <a:off x="6560682" y="4508515"/>
+              <a:ext cx="4575975" cy="1015663"/>
+            </a:xfrm>
+            <a:prstGeom prst="rect">
+              <a:avLst/>
+            </a:prstGeom>
+            <a:noFill/>
+          </p:spPr>
+          <p:txBody>
+            <a:bodyPr wrap="square" lIns="91440" tIns="45720" rIns="91440" bIns="45720" rtlCol="0" anchor="t">
+              <a:spAutoFit/>
+            </a:bodyPr>
+            <a:lstStyle/>
+            <a:p>
+              <a:pPr algn="ctr"/>
+              <a:r>
+                <a:rPr lang="en-NZ" sz="2000" dirty="0"/>
+                <a:t>Your objective is to stop the bars as close as you can to the target </a:t>
+              </a:r>
+              <a:r>
+                <a:rPr lang="en-NZ" sz="2000" dirty="0">
+                  <a:ea typeface="+mn-lt"/>
+                  <a:cs typeface="+mn-lt"/>
+                </a:rPr>
+                <a:t>by pressing the correct response keys.</a:t>
+              </a:r>
+              <a:endParaRPr lang="en-NZ" sz="2000" dirty="0"/>
+            </a:p>
+          </p:txBody>
+        </p:sp>
+        <p:sp>
+          <p:nvSpPr>
+            <p:cNvPr id="27" name="TextBox 26">
+              <a:extLst>
+                <a:ext uri="{FF2B5EF4-FFF2-40B4-BE49-F238E27FC236}">
+                  <a16:creationId xmlns:a16="http://schemas.microsoft.com/office/drawing/2014/main" id="{CF659DA9-3CE6-4025-92E9-8E8291D57620}"/>
+                </a:ext>
+              </a:extLst>
+            </p:cNvPr>
+            <p:cNvSpPr txBox="1"/>
+            <p:nvPr/>
+          </p:nvSpPr>
+          <p:spPr>
+            <a:xfrm>
+              <a:off x="6633369" y="5900340"/>
+              <a:ext cx="4430603" cy="400110"/>
+            </a:xfrm>
+            <a:prstGeom prst="rect">
+              <a:avLst/>
+            </a:prstGeom>
+            <a:noFill/>
+          </p:spPr>
+          <p:txBody>
+            <a:bodyPr wrap="square" rtlCol="0">
+              <a:spAutoFit/>
+            </a:bodyPr>
+            <a:lstStyle/>
+            <a:p>
+              <a:pPr algn="ctr"/>
+              <a:r>
+                <a:rPr lang="en-NZ" sz="2000" dirty="0"/>
+                <a:t>Press SPACE to continue</a:t>
+              </a:r>
+            </a:p>
+          </p:txBody>
+        </p:sp>
+      </p:grpSp>
+    </p:spTree>
+    <p:extLst>
+      <p:ext uri="{BB962C8B-B14F-4D97-AF65-F5344CB8AC3E}">
+        <p14:creationId xmlns:p14="http://schemas.microsoft.com/office/powerpoint/2010/main" val="1519334784"/>
+      </p:ext>
+    </p:extLst>
+  </p:cSld>
+  <p:clrMapOvr>
+    <a:masterClrMapping/>
+  </p:clrMapOvr>
+</p:sld>
+</file>
+
+<file path=ppt/slides/slide11.xml><?xml version="1.0" encoding="utf-8"?>
 <p:sld xmlns:a="http://schemas.openxmlformats.org/drawingml/2006/main" xmlns:r="http://schemas.openxmlformats.org/officeDocument/2006/relationships" xmlns:p="http://schemas.openxmlformats.org/presentationml/2006/main">
   <p:cSld>
     <p:spTree>
@@ -4513,7 +5423,2711 @@
 </p:sld>
 </file>
 
+<file path=ppt/slides/slide12.xml><?xml version="1.0" encoding="utf-8"?>
+<p:sld xmlns:a="http://schemas.openxmlformats.org/drawingml/2006/main" xmlns:r="http://schemas.openxmlformats.org/officeDocument/2006/relationships" xmlns:p="http://schemas.openxmlformats.org/presentationml/2006/main">
+  <p:cSld>
+    <p:spTree>
+      <p:nvGrpSpPr>
+        <p:cNvPr id="1" name=""/>
+        <p:cNvGrpSpPr/>
+        <p:nvPr/>
+      </p:nvGrpSpPr>
+      <p:grpSpPr>
+        <a:xfrm>
+          <a:off x="0" y="0"/>
+          <a:ext cx="0" cy="0"/>
+          <a:chOff x="0" y="0"/>
+          <a:chExt cx="0" cy="0"/>
+        </a:xfrm>
+      </p:grpSpPr>
+      <p:sp>
+        <p:nvSpPr>
+          <p:cNvPr id="8" name="TextBox 7">
+            <a:extLst>
+              <a:ext uri="{FF2B5EF4-FFF2-40B4-BE49-F238E27FC236}">
+                <a16:creationId xmlns:a16="http://schemas.microsoft.com/office/drawing/2014/main" id="{3541E32D-326E-4733-A431-D71F793B8205}"/>
+              </a:ext>
+            </a:extLst>
+          </p:cNvPr>
+          <p:cNvSpPr txBox="1"/>
+          <p:nvPr/>
+        </p:nvSpPr>
+        <p:spPr>
+          <a:xfrm>
+            <a:off x="3561796" y="277006"/>
+            <a:ext cx="5068409" cy="523220"/>
+          </a:xfrm>
+          <a:prstGeom prst="rect">
+            <a:avLst/>
+          </a:prstGeom>
+          <a:noFill/>
+        </p:spPr>
+        <p:txBody>
+          <a:bodyPr wrap="square" rtlCol="0">
+            <a:spAutoFit/>
+          </a:bodyPr>
+          <a:lstStyle/>
+          <a:p>
+            <a:pPr algn="ctr"/>
+            <a:r>
+              <a:rPr lang="en-NZ" sz="2800" err="1"/>
+              <a:t>SeleSt</a:t>
+            </a:r>
+            <a:endParaRPr lang="en-NZ" sz="2800"/>
+          </a:p>
+        </p:txBody>
+      </p:sp>
+      <p:grpSp>
+        <p:nvGrpSpPr>
+          <p:cNvPr id="6" name="Group 5">
+            <a:extLst>
+              <a:ext uri="{FF2B5EF4-FFF2-40B4-BE49-F238E27FC236}">
+                <a16:creationId xmlns:a16="http://schemas.microsoft.com/office/drawing/2014/main" id="{85ACCAD7-02D9-4B1D-98B7-B7A31E9EA50C}"/>
+              </a:ext>
+            </a:extLst>
+          </p:cNvPr>
+          <p:cNvGrpSpPr/>
+          <p:nvPr/>
+        </p:nvGrpSpPr>
+        <p:grpSpPr>
+          <a:xfrm>
+            <a:off x="6867012" y="1714104"/>
+            <a:ext cx="4775144" cy="4282172"/>
+            <a:chOff x="6960851" y="1356651"/>
+            <a:chExt cx="4775144" cy="4282172"/>
+          </a:xfrm>
+        </p:grpSpPr>
+        <p:sp>
+          <p:nvSpPr>
+            <p:cNvPr id="19" name="TextBox 18">
+              <a:extLst>
+                <a:ext uri="{FF2B5EF4-FFF2-40B4-BE49-F238E27FC236}">
+                  <a16:creationId xmlns:a16="http://schemas.microsoft.com/office/drawing/2014/main" id="{55DAF869-C2E1-4609-948C-45805F50C3FB}"/>
+                </a:ext>
+              </a:extLst>
+            </p:cNvPr>
+            <p:cNvSpPr txBox="1"/>
+            <p:nvPr/>
+          </p:nvSpPr>
+          <p:spPr>
+            <a:xfrm>
+              <a:off x="6960851" y="1356651"/>
+              <a:ext cx="4758193" cy="707886"/>
+            </a:xfrm>
+            <a:prstGeom prst="rect">
+              <a:avLst/>
+            </a:prstGeom>
+            <a:noFill/>
+          </p:spPr>
+          <p:txBody>
+            <a:bodyPr wrap="square" rtlCol="0">
+              <a:spAutoFit/>
+            </a:bodyPr>
+            <a:lstStyle/>
+            <a:p>
+              <a:pPr algn="ctr"/>
+              <a:r>
+                <a:rPr lang="en-NZ" sz="2000" dirty="0"/>
+                <a:t>One or more bars may change colour before the target on a small number of ‘stop’ trials.</a:t>
+              </a:r>
+            </a:p>
+          </p:txBody>
+        </p:sp>
+        <p:sp>
+          <p:nvSpPr>
+            <p:cNvPr id="20" name="TextBox 19">
+              <a:extLst>
+                <a:ext uri="{FF2B5EF4-FFF2-40B4-BE49-F238E27FC236}">
+                  <a16:creationId xmlns:a16="http://schemas.microsoft.com/office/drawing/2014/main" id="{FC231BE1-222C-4B63-9B68-81C57B42FF52}"/>
+                </a:ext>
+              </a:extLst>
+            </p:cNvPr>
+            <p:cNvSpPr txBox="1"/>
+            <p:nvPr/>
+          </p:nvSpPr>
+          <p:spPr>
+            <a:xfrm>
+              <a:off x="6960851" y="2548080"/>
+              <a:ext cx="4681305" cy="707886"/>
+            </a:xfrm>
+            <a:prstGeom prst="rect">
+              <a:avLst/>
+            </a:prstGeom>
+            <a:noFill/>
+          </p:spPr>
+          <p:txBody>
+            <a:bodyPr wrap="square" lIns="91440" tIns="45720" rIns="91440" bIns="45720" rtlCol="0" anchor="t">
+              <a:spAutoFit/>
+            </a:bodyPr>
+            <a:lstStyle/>
+            <a:p>
+              <a:pPr algn="ctr"/>
+              <a:r>
+                <a:rPr lang="en-NZ" sz="2000" dirty="0"/>
+                <a:t>You earn points by </a:t>
+              </a:r>
+              <a:r>
+                <a:rPr lang="en-NZ" sz="2000" b="1" dirty="0"/>
+                <a:t>not</a:t>
+              </a:r>
+              <a:r>
+                <a:rPr lang="en-NZ" sz="2000" dirty="0"/>
+                <a:t> making a response to any bar that has changed colour.</a:t>
+              </a:r>
+            </a:p>
+          </p:txBody>
+        </p:sp>
+        <p:sp>
+          <p:nvSpPr>
+            <p:cNvPr id="21" name="TextBox 20">
+              <a:extLst>
+                <a:ext uri="{FF2B5EF4-FFF2-40B4-BE49-F238E27FC236}">
+                  <a16:creationId xmlns:a16="http://schemas.microsoft.com/office/drawing/2014/main" id="{7A77CF2D-3D33-4B0E-B3BD-12B67492A8FB}"/>
+                </a:ext>
+              </a:extLst>
+            </p:cNvPr>
+            <p:cNvSpPr txBox="1"/>
+            <p:nvPr/>
+          </p:nvSpPr>
+          <p:spPr>
+            <a:xfrm>
+              <a:off x="7120475" y="3739509"/>
+              <a:ext cx="4615520" cy="707885"/>
+            </a:xfrm>
+            <a:prstGeom prst="rect">
+              <a:avLst/>
+            </a:prstGeom>
+            <a:noFill/>
+          </p:spPr>
+          <p:txBody>
+            <a:bodyPr wrap="square" rtlCol="0">
+              <a:spAutoFit/>
+            </a:bodyPr>
+            <a:lstStyle/>
+            <a:p>
+              <a:pPr algn="ctr"/>
+              <a:r>
+                <a:rPr lang="en-NZ" sz="2000" dirty="0"/>
+                <a:t>You should avoid slowing your responses to prepare for a stop trial.</a:t>
+              </a:r>
+            </a:p>
+          </p:txBody>
+        </p:sp>
+        <p:sp>
+          <p:nvSpPr>
+            <p:cNvPr id="23" name="TextBox 22">
+              <a:extLst>
+                <a:ext uri="{FF2B5EF4-FFF2-40B4-BE49-F238E27FC236}">
+                  <a16:creationId xmlns:a16="http://schemas.microsoft.com/office/drawing/2014/main" id="{6FEC5E06-E55E-4041-B87C-D88A2721DAE7}"/>
+                </a:ext>
+              </a:extLst>
+            </p:cNvPr>
+            <p:cNvSpPr txBox="1"/>
+            <p:nvPr/>
+          </p:nvSpPr>
+          <p:spPr>
+            <a:xfrm>
+              <a:off x="7538438" y="4930937"/>
+              <a:ext cx="3779594" cy="707886"/>
+            </a:xfrm>
+            <a:prstGeom prst="rect">
+              <a:avLst/>
+            </a:prstGeom>
+            <a:noFill/>
+          </p:spPr>
+          <p:txBody>
+            <a:bodyPr wrap="square" rtlCol="0">
+              <a:spAutoFit/>
+            </a:bodyPr>
+            <a:lstStyle/>
+            <a:p>
+              <a:pPr algn="ctr"/>
+              <a:r>
+                <a:rPr lang="en-NZ" sz="2000" dirty="0"/>
+                <a:t>Press SPACE to start a practice block of go and stop trials</a:t>
+              </a:r>
+            </a:p>
+          </p:txBody>
+        </p:sp>
+      </p:grpSp>
+      <p:pic>
+        <p:nvPicPr>
+          <p:cNvPr id="5" name="Graphic 4">
+            <a:extLst>
+              <a:ext uri="{FF2B5EF4-FFF2-40B4-BE49-F238E27FC236}">
+                <a16:creationId xmlns:a16="http://schemas.microsoft.com/office/drawing/2014/main" id="{2721A6C8-380C-4157-B3CF-68B1959F3AC7}"/>
+              </a:ext>
+            </a:extLst>
+          </p:cNvPr>
+          <p:cNvPicPr>
+            <a:picLocks noChangeAspect="1"/>
+          </p:cNvPicPr>
+          <p:nvPr/>
+        </p:nvPicPr>
+        <p:blipFill>
+          <a:blip r:embed="rId2">
+            <a:extLst>
+              <a:ext uri="{96DAC541-7B7A-43D3-8B79-37D633B846F1}">
+                <asvg:svgBlip xmlns:asvg="http://schemas.microsoft.com/office/drawing/2016/SVG/main" r:embed="rId3"/>
+              </a:ext>
+            </a:extLst>
+          </a:blip>
+          <a:stretch>
+            <a:fillRect/>
+          </a:stretch>
+        </p:blipFill>
+        <p:spPr>
+          <a:xfrm>
+            <a:off x="549844" y="1319327"/>
+            <a:ext cx="6160368" cy="5071727"/>
+          </a:xfrm>
+          <a:prstGeom prst="rect">
+            <a:avLst/>
+          </a:prstGeom>
+        </p:spPr>
+      </p:pic>
+      <p:sp>
+        <p:nvSpPr>
+          <p:cNvPr id="17" name="TextBox 16">
+            <a:extLst>
+              <a:ext uri="{FF2B5EF4-FFF2-40B4-BE49-F238E27FC236}">
+                <a16:creationId xmlns:a16="http://schemas.microsoft.com/office/drawing/2014/main" id="{75C4FCAF-2970-4FE4-A731-7556187B52EF}"/>
+              </a:ext>
+            </a:extLst>
+          </p:cNvPr>
+          <p:cNvSpPr txBox="1"/>
+          <p:nvPr/>
+        </p:nvSpPr>
+        <p:spPr>
+          <a:xfrm>
+            <a:off x="627540" y="956541"/>
+            <a:ext cx="1836600" cy="400110"/>
+          </a:xfrm>
+          <a:prstGeom prst="rect">
+            <a:avLst/>
+          </a:prstGeom>
+          <a:noFill/>
+        </p:spPr>
+        <p:txBody>
+          <a:bodyPr wrap="square" rtlCol="0">
+            <a:spAutoFit/>
+          </a:bodyPr>
+          <a:lstStyle/>
+          <a:p>
+            <a:pPr algn="ctr"/>
+            <a:r>
+              <a:rPr lang="en-NZ" sz="2000" dirty="0"/>
+              <a:t>stop-both</a:t>
+            </a:r>
+          </a:p>
+        </p:txBody>
+      </p:sp>
+      <p:sp>
+        <p:nvSpPr>
+          <p:cNvPr id="18" name="TextBox 17">
+            <a:extLst>
+              <a:ext uri="{FF2B5EF4-FFF2-40B4-BE49-F238E27FC236}">
+                <a16:creationId xmlns:a16="http://schemas.microsoft.com/office/drawing/2014/main" id="{5CA03B8C-6C34-4583-A45D-C283644B6037}"/>
+              </a:ext>
+            </a:extLst>
+          </p:cNvPr>
+          <p:cNvSpPr txBox="1"/>
+          <p:nvPr/>
+        </p:nvSpPr>
+        <p:spPr>
+          <a:xfrm>
+            <a:off x="2714779" y="956541"/>
+            <a:ext cx="1836600" cy="400110"/>
+          </a:xfrm>
+          <a:prstGeom prst="rect">
+            <a:avLst/>
+          </a:prstGeom>
+          <a:noFill/>
+        </p:spPr>
+        <p:txBody>
+          <a:bodyPr wrap="square" rtlCol="0">
+            <a:spAutoFit/>
+          </a:bodyPr>
+          <a:lstStyle/>
+          <a:p>
+            <a:pPr algn="ctr"/>
+            <a:r>
+              <a:rPr lang="en-NZ" sz="2000" dirty="0"/>
+              <a:t>stop-left</a:t>
+            </a:r>
+          </a:p>
+        </p:txBody>
+      </p:sp>
+      <p:sp>
+        <p:nvSpPr>
+          <p:cNvPr id="22" name="TextBox 21">
+            <a:extLst>
+              <a:ext uri="{FF2B5EF4-FFF2-40B4-BE49-F238E27FC236}">
+                <a16:creationId xmlns:a16="http://schemas.microsoft.com/office/drawing/2014/main" id="{8386867C-660E-4338-8063-86EC5F29A85F}"/>
+              </a:ext>
+            </a:extLst>
+          </p:cNvPr>
+          <p:cNvSpPr txBox="1"/>
+          <p:nvPr/>
+        </p:nvSpPr>
+        <p:spPr>
+          <a:xfrm>
+            <a:off x="4802018" y="956541"/>
+            <a:ext cx="1836600" cy="400110"/>
+          </a:xfrm>
+          <a:prstGeom prst="rect">
+            <a:avLst/>
+          </a:prstGeom>
+          <a:noFill/>
+        </p:spPr>
+        <p:txBody>
+          <a:bodyPr wrap="square" rtlCol="0">
+            <a:spAutoFit/>
+          </a:bodyPr>
+          <a:lstStyle/>
+          <a:p>
+            <a:pPr algn="ctr"/>
+            <a:r>
+              <a:rPr lang="en-NZ" sz="2000" dirty="0"/>
+              <a:t>stop-right</a:t>
+            </a:r>
+          </a:p>
+        </p:txBody>
+      </p:sp>
+    </p:spTree>
+    <p:extLst>
+      <p:ext uri="{BB962C8B-B14F-4D97-AF65-F5344CB8AC3E}">
+        <p14:creationId xmlns:p14="http://schemas.microsoft.com/office/powerpoint/2010/main" val="1603467138"/>
+      </p:ext>
+    </p:extLst>
+  </p:cSld>
+  <p:clrMapOvr>
+    <a:masterClrMapping/>
+  </p:clrMapOvr>
+</p:sld>
+</file>
+
+<file path=ppt/slides/slide13.xml><?xml version="1.0" encoding="utf-8"?>
+<p:sld xmlns:a="http://schemas.openxmlformats.org/drawingml/2006/main" xmlns:r="http://schemas.openxmlformats.org/officeDocument/2006/relationships" xmlns:p="http://schemas.openxmlformats.org/presentationml/2006/main">
+  <p:cSld>
+    <p:spTree>
+      <p:nvGrpSpPr>
+        <p:cNvPr id="1" name=""/>
+        <p:cNvGrpSpPr/>
+        <p:nvPr/>
+      </p:nvGrpSpPr>
+      <p:grpSpPr>
+        <a:xfrm>
+          <a:off x="0" y="0"/>
+          <a:ext cx="0" cy="0"/>
+          <a:chOff x="0" y="0"/>
+          <a:chExt cx="0" cy="0"/>
+        </a:xfrm>
+      </p:grpSpPr>
+      <p:sp>
+        <p:nvSpPr>
+          <p:cNvPr id="2" name="Title 1">
+            <a:extLst>
+              <a:ext uri="{FF2B5EF4-FFF2-40B4-BE49-F238E27FC236}">
+                <a16:creationId xmlns:a16="http://schemas.microsoft.com/office/drawing/2014/main" id="{1E727CD3-0A38-4054-80DD-C537FDA35BF9}"/>
+              </a:ext>
+            </a:extLst>
+          </p:cNvPr>
+          <p:cNvSpPr>
+            <a:spLocks noGrp="1"/>
+          </p:cNvSpPr>
+          <p:nvPr>
+            <p:ph type="title"/>
+          </p:nvPr>
+        </p:nvSpPr>
+        <p:spPr>
+          <a:xfrm>
+            <a:off x="838200" y="2766219"/>
+            <a:ext cx="10515600" cy="1325563"/>
+          </a:xfrm>
+        </p:spPr>
+        <p:txBody>
+          <a:bodyPr>
+            <a:normAutofit/>
+          </a:bodyPr>
+          <a:lstStyle/>
+          <a:p>
+            <a:pPr algn="ctr"/>
+            <a:r>
+              <a:rPr lang="en-NZ" sz="8800" dirty="0"/>
+              <a:t>CHOICE VARIANT (SST)</a:t>
+            </a:r>
+          </a:p>
+        </p:txBody>
+      </p:sp>
+    </p:spTree>
+    <p:extLst>
+      <p:ext uri="{BB962C8B-B14F-4D97-AF65-F5344CB8AC3E}">
+        <p14:creationId xmlns:p14="http://schemas.microsoft.com/office/powerpoint/2010/main" val="1517799686"/>
+      </p:ext>
+    </p:extLst>
+  </p:cSld>
+  <p:clrMapOvr>
+    <a:masterClrMapping/>
+  </p:clrMapOvr>
+</p:sld>
+</file>
+
+<file path=ppt/slides/slide14.xml><?xml version="1.0" encoding="utf-8"?>
+<p:sld xmlns:a="http://schemas.openxmlformats.org/drawingml/2006/main" xmlns:r="http://schemas.openxmlformats.org/officeDocument/2006/relationships" xmlns:p="http://schemas.openxmlformats.org/presentationml/2006/main">
+  <p:cSld>
+    <p:spTree>
+      <p:nvGrpSpPr>
+        <p:cNvPr id="1" name=""/>
+        <p:cNvGrpSpPr/>
+        <p:nvPr/>
+      </p:nvGrpSpPr>
+      <p:grpSpPr>
+        <a:xfrm>
+          <a:off x="0" y="0"/>
+          <a:ext cx="0" cy="0"/>
+          <a:chOff x="0" y="0"/>
+          <a:chExt cx="0" cy="0"/>
+        </a:xfrm>
+      </p:grpSpPr>
+      <p:pic>
+        <p:nvPicPr>
+          <p:cNvPr id="14" name="Graphic 13">
+            <a:extLst>
+              <a:ext uri="{FF2B5EF4-FFF2-40B4-BE49-F238E27FC236}">
+                <a16:creationId xmlns:a16="http://schemas.microsoft.com/office/drawing/2014/main" id="{03B98288-BDB9-450A-8249-AEC3917824AF}"/>
+              </a:ext>
+            </a:extLst>
+          </p:cNvPr>
+          <p:cNvPicPr>
+            <a:picLocks noChangeAspect="1"/>
+          </p:cNvPicPr>
+          <p:nvPr/>
+        </p:nvPicPr>
+        <p:blipFill>
+          <a:blip r:embed="rId2">
+            <a:extLst>
+              <a:ext uri="{96DAC541-7B7A-43D3-8B79-37D633B846F1}">
+                <asvg:svgBlip xmlns:asvg="http://schemas.microsoft.com/office/drawing/2016/SVG/main" r:embed="rId3"/>
+              </a:ext>
+            </a:extLst>
+          </a:blip>
+          <a:stretch>
+            <a:fillRect/>
+          </a:stretch>
+        </p:blipFill>
+        <p:spPr>
+          <a:xfrm>
+            <a:off x="710902" y="1015394"/>
+            <a:ext cx="5337411" cy="5565600"/>
+          </a:xfrm>
+          <a:prstGeom prst="rect">
+            <a:avLst/>
+          </a:prstGeom>
+        </p:spPr>
+      </p:pic>
+      <p:sp>
+        <p:nvSpPr>
+          <p:cNvPr id="8" name="TextBox 7">
+            <a:extLst>
+              <a:ext uri="{FF2B5EF4-FFF2-40B4-BE49-F238E27FC236}">
+                <a16:creationId xmlns:a16="http://schemas.microsoft.com/office/drawing/2014/main" id="{3541E32D-326E-4733-A431-D71F793B8205}"/>
+              </a:ext>
+            </a:extLst>
+          </p:cNvPr>
+          <p:cNvSpPr txBox="1"/>
+          <p:nvPr/>
+        </p:nvSpPr>
+        <p:spPr>
+          <a:xfrm>
+            <a:off x="3561796" y="277006"/>
+            <a:ext cx="5068409" cy="523220"/>
+          </a:xfrm>
+          <a:prstGeom prst="rect">
+            <a:avLst/>
+          </a:prstGeom>
+          <a:noFill/>
+        </p:spPr>
+        <p:txBody>
+          <a:bodyPr wrap="square" rtlCol="0">
+            <a:spAutoFit/>
+          </a:bodyPr>
+          <a:lstStyle/>
+          <a:p>
+            <a:pPr algn="ctr"/>
+            <a:r>
+              <a:rPr lang="en-NZ" sz="2800" err="1"/>
+              <a:t>SeleSt</a:t>
+            </a:r>
+            <a:endParaRPr lang="en-NZ" sz="2800"/>
+          </a:p>
+        </p:txBody>
+      </p:sp>
+      <p:grpSp>
+        <p:nvGrpSpPr>
+          <p:cNvPr id="9" name="Group 8">
+            <a:extLst>
+              <a:ext uri="{FF2B5EF4-FFF2-40B4-BE49-F238E27FC236}">
+                <a16:creationId xmlns:a16="http://schemas.microsoft.com/office/drawing/2014/main" id="{246EEAE8-C645-4A7B-B029-1CD225173BCC}"/>
+              </a:ext>
+            </a:extLst>
+          </p:cNvPr>
+          <p:cNvGrpSpPr/>
+          <p:nvPr/>
+        </p:nvGrpSpPr>
+        <p:grpSpPr>
+          <a:xfrm>
+            <a:off x="6286806" y="1606287"/>
+            <a:ext cx="5147170" cy="4383224"/>
+            <a:chOff x="6275086" y="1917226"/>
+            <a:chExt cx="5147170" cy="4383224"/>
+          </a:xfrm>
+        </p:grpSpPr>
+        <p:sp>
+          <p:nvSpPr>
+            <p:cNvPr id="18" name="TextBox 17">
+              <a:extLst>
+                <a:ext uri="{FF2B5EF4-FFF2-40B4-BE49-F238E27FC236}">
+                  <a16:creationId xmlns:a16="http://schemas.microsoft.com/office/drawing/2014/main" id="{31CCBDC7-C873-439D-8CFE-58D09DA3AAF1}"/>
+                </a:ext>
+              </a:extLst>
+            </p:cNvPr>
+            <p:cNvSpPr txBox="1"/>
+            <p:nvPr/>
+          </p:nvSpPr>
+          <p:spPr>
+            <a:xfrm>
+              <a:off x="6453382" y="1917226"/>
+              <a:ext cx="4790576" cy="707886"/>
+            </a:xfrm>
+            <a:prstGeom prst="rect">
+              <a:avLst/>
+            </a:prstGeom>
+            <a:noFill/>
+          </p:spPr>
+          <p:txBody>
+            <a:bodyPr wrap="square" rtlCol="0">
+              <a:spAutoFit/>
+            </a:bodyPr>
+            <a:lstStyle/>
+            <a:p>
+              <a:pPr algn="ctr"/>
+              <a:r>
+                <a:rPr lang="en-NZ" sz="2000" dirty="0"/>
+                <a:t>Welcome! </a:t>
+              </a:r>
+              <a:r>
+                <a:rPr lang="en-NZ" sz="2000" dirty="0" err="1"/>
+                <a:t>SeleSt</a:t>
+              </a:r>
+              <a:r>
+                <a:rPr lang="en-NZ" sz="2000" dirty="0"/>
+                <a:t> is designed to test your ability to respond and stop selectively.</a:t>
+              </a:r>
+            </a:p>
+          </p:txBody>
+        </p:sp>
+        <p:sp>
+          <p:nvSpPr>
+            <p:cNvPr id="24" name="TextBox 23">
+              <a:extLst>
+                <a:ext uri="{FF2B5EF4-FFF2-40B4-BE49-F238E27FC236}">
+                  <a16:creationId xmlns:a16="http://schemas.microsoft.com/office/drawing/2014/main" id="{BAF2090E-6E3B-49D6-A9C5-85F17F2CBB10}"/>
+                </a:ext>
+              </a:extLst>
+            </p:cNvPr>
+            <p:cNvSpPr txBox="1"/>
+            <p:nvPr/>
+          </p:nvSpPr>
+          <p:spPr>
+            <a:xfrm>
+              <a:off x="6275086" y="3039746"/>
+              <a:ext cx="5147170" cy="1015663"/>
+            </a:xfrm>
+            <a:prstGeom prst="rect">
+              <a:avLst/>
+            </a:prstGeom>
+            <a:noFill/>
+          </p:spPr>
+          <p:txBody>
+            <a:bodyPr wrap="square" lIns="91440" tIns="45720" rIns="91440" bIns="45720" rtlCol="0" anchor="t">
+              <a:spAutoFit/>
+            </a:bodyPr>
+            <a:lstStyle/>
+            <a:p>
+              <a:pPr algn="ctr"/>
+              <a:r>
+                <a:rPr lang="en-NZ" sz="2000" dirty="0"/>
+                <a:t>Each trial starts with four empty bars that can change colour. Most trials are ‘go’ trials during which two bars turn black.</a:t>
+              </a:r>
+            </a:p>
+          </p:txBody>
+        </p:sp>
+        <p:sp>
+          <p:nvSpPr>
+            <p:cNvPr id="26" name="TextBox 25">
+              <a:extLst>
+                <a:ext uri="{FF2B5EF4-FFF2-40B4-BE49-F238E27FC236}">
+                  <a16:creationId xmlns:a16="http://schemas.microsoft.com/office/drawing/2014/main" id="{0AD10012-02A6-4D39-A305-509C0E27E044}"/>
+                </a:ext>
+              </a:extLst>
+            </p:cNvPr>
+            <p:cNvSpPr txBox="1"/>
+            <p:nvPr/>
+          </p:nvSpPr>
+          <p:spPr>
+            <a:xfrm>
+              <a:off x="6453382" y="4470043"/>
+              <a:ext cx="4790576" cy="1015663"/>
+            </a:xfrm>
+            <a:prstGeom prst="rect">
+              <a:avLst/>
+            </a:prstGeom>
+            <a:noFill/>
+          </p:spPr>
+          <p:txBody>
+            <a:bodyPr wrap="square" lIns="91440" tIns="45720" rIns="91440" bIns="45720" rtlCol="0" anchor="t">
+              <a:spAutoFit/>
+            </a:bodyPr>
+            <a:lstStyle/>
+            <a:p>
+              <a:pPr algn="ctr"/>
+              <a:r>
+                <a:rPr lang="en-NZ" sz="2000" dirty="0"/>
+                <a:t>Your objective is to respond as fast as you can when the bars turn black by pressing the correct response keys.</a:t>
+              </a:r>
+            </a:p>
+          </p:txBody>
+        </p:sp>
+        <p:sp>
+          <p:nvSpPr>
+            <p:cNvPr id="27" name="TextBox 26">
+              <a:extLst>
+                <a:ext uri="{FF2B5EF4-FFF2-40B4-BE49-F238E27FC236}">
+                  <a16:creationId xmlns:a16="http://schemas.microsoft.com/office/drawing/2014/main" id="{CF659DA9-3CE6-4025-92E9-8E8291D57620}"/>
+                </a:ext>
+              </a:extLst>
+            </p:cNvPr>
+            <p:cNvSpPr txBox="1"/>
+            <p:nvPr/>
+          </p:nvSpPr>
+          <p:spPr>
+            <a:xfrm>
+              <a:off x="6633369" y="5900340"/>
+              <a:ext cx="4430603" cy="400110"/>
+            </a:xfrm>
+            <a:prstGeom prst="rect">
+              <a:avLst/>
+            </a:prstGeom>
+            <a:noFill/>
+          </p:spPr>
+          <p:txBody>
+            <a:bodyPr wrap="square" rtlCol="0">
+              <a:spAutoFit/>
+            </a:bodyPr>
+            <a:lstStyle/>
+            <a:p>
+              <a:pPr algn="ctr"/>
+              <a:r>
+                <a:rPr lang="en-NZ" sz="2000" dirty="0"/>
+                <a:t>Press SPACE to continue</a:t>
+              </a:r>
+            </a:p>
+          </p:txBody>
+        </p:sp>
+      </p:grpSp>
+    </p:spTree>
+    <p:extLst>
+      <p:ext uri="{BB962C8B-B14F-4D97-AF65-F5344CB8AC3E}">
+        <p14:creationId xmlns:p14="http://schemas.microsoft.com/office/powerpoint/2010/main" val="802346570"/>
+      </p:ext>
+    </p:extLst>
+  </p:cSld>
+  <p:clrMapOvr>
+    <a:masterClrMapping/>
+  </p:clrMapOvr>
+</p:sld>
+</file>
+
+<file path=ppt/slides/slide15.xml><?xml version="1.0" encoding="utf-8"?>
+<p:sld xmlns:a="http://schemas.openxmlformats.org/drawingml/2006/main" xmlns:r="http://schemas.openxmlformats.org/officeDocument/2006/relationships" xmlns:p="http://schemas.openxmlformats.org/presentationml/2006/main">
+  <p:cSld>
+    <p:spTree>
+      <p:nvGrpSpPr>
+        <p:cNvPr id="1" name=""/>
+        <p:cNvGrpSpPr/>
+        <p:nvPr/>
+      </p:nvGrpSpPr>
+      <p:grpSpPr>
+        <a:xfrm>
+          <a:off x="0" y="0"/>
+          <a:ext cx="0" cy="0"/>
+          <a:chOff x="0" y="0"/>
+          <a:chExt cx="0" cy="0"/>
+        </a:xfrm>
+      </p:grpSpPr>
+      <p:sp>
+        <p:nvSpPr>
+          <p:cNvPr id="8" name="TextBox 7">
+            <a:extLst>
+              <a:ext uri="{FF2B5EF4-FFF2-40B4-BE49-F238E27FC236}">
+                <a16:creationId xmlns:a16="http://schemas.microsoft.com/office/drawing/2014/main" id="{3541E32D-326E-4733-A431-D71F793B8205}"/>
+              </a:ext>
+            </a:extLst>
+          </p:cNvPr>
+          <p:cNvSpPr txBox="1"/>
+          <p:nvPr/>
+        </p:nvSpPr>
+        <p:spPr>
+          <a:xfrm>
+            <a:off x="3561796" y="277006"/>
+            <a:ext cx="5068409" cy="523220"/>
+          </a:xfrm>
+          <a:prstGeom prst="rect">
+            <a:avLst/>
+          </a:prstGeom>
+          <a:noFill/>
+        </p:spPr>
+        <p:txBody>
+          <a:bodyPr wrap="square" rtlCol="0">
+            <a:spAutoFit/>
+          </a:bodyPr>
+          <a:lstStyle/>
+          <a:p>
+            <a:pPr algn="ctr"/>
+            <a:r>
+              <a:rPr lang="en-NZ" sz="2800" err="1"/>
+              <a:t>SeleSt</a:t>
+            </a:r>
+            <a:endParaRPr lang="en-NZ" sz="2800"/>
+          </a:p>
+        </p:txBody>
+      </p:sp>
+      <p:sp>
+        <p:nvSpPr>
+          <p:cNvPr id="22" name="TextBox 21">
+            <a:extLst>
+              <a:ext uri="{FF2B5EF4-FFF2-40B4-BE49-F238E27FC236}">
+                <a16:creationId xmlns:a16="http://schemas.microsoft.com/office/drawing/2014/main" id="{DC90ACA4-551D-42D7-B1D0-BF18EB479BE0}"/>
+              </a:ext>
+            </a:extLst>
+          </p:cNvPr>
+          <p:cNvSpPr txBox="1"/>
+          <p:nvPr/>
+        </p:nvSpPr>
+        <p:spPr>
+          <a:xfrm>
+            <a:off x="1285043" y="896035"/>
+            <a:ext cx="9621914" cy="400110"/>
+          </a:xfrm>
+          <a:prstGeom prst="rect">
+            <a:avLst/>
+          </a:prstGeom>
+          <a:noFill/>
+        </p:spPr>
+        <p:txBody>
+          <a:bodyPr wrap="square" lIns="91440" tIns="45720" rIns="91440" bIns="45720" rtlCol="0" anchor="t">
+            <a:spAutoFit/>
+          </a:bodyPr>
+          <a:lstStyle/>
+          <a:p>
+            <a:pPr algn="ctr"/>
+            <a:r>
+              <a:rPr lang="en-NZ" sz="2000" dirty="0"/>
+              <a:t>You earn points by responding fast.</a:t>
+            </a:r>
+          </a:p>
+        </p:txBody>
+      </p:sp>
+      <p:sp>
+        <p:nvSpPr>
+          <p:cNvPr id="24" name="TextBox 23">
+            <a:extLst>
+              <a:ext uri="{FF2B5EF4-FFF2-40B4-BE49-F238E27FC236}">
+                <a16:creationId xmlns:a16="http://schemas.microsoft.com/office/drawing/2014/main" id="{8E828B16-C426-4256-AB75-675F6EF45315}"/>
+              </a:ext>
+            </a:extLst>
+          </p:cNvPr>
+          <p:cNvSpPr txBox="1"/>
+          <p:nvPr/>
+        </p:nvSpPr>
+        <p:spPr>
+          <a:xfrm>
+            <a:off x="3430655" y="1407133"/>
+            <a:ext cx="1050012" cy="400110"/>
+          </a:xfrm>
+          <a:prstGeom prst="rect">
+            <a:avLst/>
+          </a:prstGeom>
+          <a:noFill/>
+        </p:spPr>
+        <p:txBody>
+          <a:bodyPr wrap="square" rtlCol="0">
+            <a:spAutoFit/>
+          </a:bodyPr>
+          <a:lstStyle/>
+          <a:p>
+            <a:pPr algn="ctr"/>
+            <a:r>
+              <a:rPr lang="en-NZ" sz="2000" dirty="0"/>
+              <a:t>0 points</a:t>
+            </a:r>
+          </a:p>
+        </p:txBody>
+      </p:sp>
+      <p:sp>
+        <p:nvSpPr>
+          <p:cNvPr id="25" name="TextBox 24">
+            <a:extLst>
+              <a:ext uri="{FF2B5EF4-FFF2-40B4-BE49-F238E27FC236}">
+                <a16:creationId xmlns:a16="http://schemas.microsoft.com/office/drawing/2014/main" id="{257C885A-2837-46ED-AEF5-4691005B7898}"/>
+              </a:ext>
+            </a:extLst>
+          </p:cNvPr>
+          <p:cNvSpPr txBox="1"/>
+          <p:nvPr/>
+        </p:nvSpPr>
+        <p:spPr>
+          <a:xfrm>
+            <a:off x="4754207" y="1407133"/>
+            <a:ext cx="1188362" cy="400110"/>
+          </a:xfrm>
+          <a:prstGeom prst="rect">
+            <a:avLst/>
+          </a:prstGeom>
+          <a:noFill/>
+        </p:spPr>
+        <p:txBody>
+          <a:bodyPr wrap="square" rtlCol="0">
+            <a:spAutoFit/>
+          </a:bodyPr>
+          <a:lstStyle/>
+          <a:p>
+            <a:pPr algn="ctr"/>
+            <a:r>
+              <a:rPr lang="en-NZ" sz="2000" dirty="0"/>
+              <a:t>25 points</a:t>
+            </a:r>
+          </a:p>
+        </p:txBody>
+      </p:sp>
+      <p:sp>
+        <p:nvSpPr>
+          <p:cNvPr id="26" name="TextBox 25">
+            <a:extLst>
+              <a:ext uri="{FF2B5EF4-FFF2-40B4-BE49-F238E27FC236}">
+                <a16:creationId xmlns:a16="http://schemas.microsoft.com/office/drawing/2014/main" id="{683F0BE3-ECFB-4203-BC21-14CE6ADA6E54}"/>
+              </a:ext>
+            </a:extLst>
+          </p:cNvPr>
+          <p:cNvSpPr txBox="1"/>
+          <p:nvPr/>
+        </p:nvSpPr>
+        <p:spPr>
+          <a:xfrm>
+            <a:off x="6216109" y="1407133"/>
+            <a:ext cx="1188362" cy="400110"/>
+          </a:xfrm>
+          <a:prstGeom prst="rect">
+            <a:avLst/>
+          </a:prstGeom>
+          <a:noFill/>
+        </p:spPr>
+        <p:txBody>
+          <a:bodyPr wrap="square" rtlCol="0">
+            <a:spAutoFit/>
+          </a:bodyPr>
+          <a:lstStyle/>
+          <a:p>
+            <a:pPr algn="ctr"/>
+            <a:r>
+              <a:rPr lang="en-NZ" sz="2000" dirty="0"/>
+              <a:t>50 points</a:t>
+            </a:r>
+          </a:p>
+        </p:txBody>
+      </p:sp>
+      <p:sp>
+        <p:nvSpPr>
+          <p:cNvPr id="27" name="TextBox 26">
+            <a:extLst>
+              <a:ext uri="{FF2B5EF4-FFF2-40B4-BE49-F238E27FC236}">
+                <a16:creationId xmlns:a16="http://schemas.microsoft.com/office/drawing/2014/main" id="{BE66D362-3FF7-4947-AABE-B8132CCF3EBA}"/>
+              </a:ext>
+            </a:extLst>
+          </p:cNvPr>
+          <p:cNvSpPr txBox="1"/>
+          <p:nvPr/>
+        </p:nvSpPr>
+        <p:spPr>
+          <a:xfrm>
+            <a:off x="7582122" y="1407133"/>
+            <a:ext cx="1318375" cy="400110"/>
+          </a:xfrm>
+          <a:prstGeom prst="rect">
+            <a:avLst/>
+          </a:prstGeom>
+          <a:noFill/>
+        </p:spPr>
+        <p:txBody>
+          <a:bodyPr wrap="square" rtlCol="0">
+            <a:spAutoFit/>
+          </a:bodyPr>
+          <a:lstStyle/>
+          <a:p>
+            <a:pPr algn="ctr"/>
+            <a:r>
+              <a:rPr lang="en-NZ" sz="2000" dirty="0"/>
+              <a:t>100 points</a:t>
+            </a:r>
+          </a:p>
+        </p:txBody>
+      </p:sp>
+      <p:sp>
+        <p:nvSpPr>
+          <p:cNvPr id="29" name="TextBox 28">
+            <a:extLst>
+              <a:ext uri="{FF2B5EF4-FFF2-40B4-BE49-F238E27FC236}">
+                <a16:creationId xmlns:a16="http://schemas.microsoft.com/office/drawing/2014/main" id="{CD41342E-12B7-4928-92EB-1C83C7E167A2}"/>
+              </a:ext>
+            </a:extLst>
+          </p:cNvPr>
+          <p:cNvSpPr txBox="1"/>
+          <p:nvPr/>
+        </p:nvSpPr>
+        <p:spPr>
+          <a:xfrm>
+            <a:off x="854649" y="4816594"/>
+            <a:ext cx="10482702" cy="400110"/>
+          </a:xfrm>
+          <a:prstGeom prst="rect">
+            <a:avLst/>
+          </a:prstGeom>
+          <a:noFill/>
+        </p:spPr>
+        <p:txBody>
+          <a:bodyPr wrap="square" rtlCol="0">
+            <a:spAutoFit/>
+          </a:bodyPr>
+          <a:lstStyle/>
+          <a:p>
+            <a:pPr algn="ctr"/>
+            <a:r>
+              <a:rPr lang="en-NZ" sz="2000" dirty="0"/>
+              <a:t>Let’s practice with a block of go trials.</a:t>
+            </a:r>
+          </a:p>
+        </p:txBody>
+      </p:sp>
+      <p:sp>
+        <p:nvSpPr>
+          <p:cNvPr id="30" name="TextBox 29">
+            <a:extLst>
+              <a:ext uri="{FF2B5EF4-FFF2-40B4-BE49-F238E27FC236}">
+                <a16:creationId xmlns:a16="http://schemas.microsoft.com/office/drawing/2014/main" id="{12BEF24B-F269-4DC4-8D56-84D5152AA627}"/>
+              </a:ext>
+            </a:extLst>
+          </p:cNvPr>
+          <p:cNvSpPr txBox="1"/>
+          <p:nvPr/>
+        </p:nvSpPr>
+        <p:spPr>
+          <a:xfrm>
+            <a:off x="1814696" y="6084909"/>
+            <a:ext cx="8562609" cy="400110"/>
+          </a:xfrm>
+          <a:prstGeom prst="rect">
+            <a:avLst/>
+          </a:prstGeom>
+          <a:noFill/>
+        </p:spPr>
+        <p:txBody>
+          <a:bodyPr wrap="square" rtlCol="0">
+            <a:spAutoFit/>
+          </a:bodyPr>
+          <a:lstStyle/>
+          <a:p>
+            <a:pPr algn="ctr"/>
+            <a:r>
+              <a:rPr lang="en-NZ" sz="2000" dirty="0"/>
+              <a:t>Press SPACE to start practice block</a:t>
+            </a:r>
+          </a:p>
+        </p:txBody>
+      </p:sp>
+      <p:pic>
+        <p:nvPicPr>
+          <p:cNvPr id="3" name="Graphic 2">
+            <a:extLst>
+              <a:ext uri="{FF2B5EF4-FFF2-40B4-BE49-F238E27FC236}">
+                <a16:creationId xmlns:a16="http://schemas.microsoft.com/office/drawing/2014/main" id="{30675240-A0A5-432E-9412-B52B3A822493}"/>
+              </a:ext>
+            </a:extLst>
+          </p:cNvPr>
+          <p:cNvPicPr>
+            <a:picLocks noChangeAspect="1"/>
+          </p:cNvPicPr>
+          <p:nvPr/>
+        </p:nvPicPr>
+        <p:blipFill>
+          <a:blip r:embed="rId2">
+            <a:extLst>
+              <a:ext uri="{96DAC541-7B7A-43D3-8B79-37D633B846F1}">
+                <asvg:svgBlip xmlns:asvg="http://schemas.microsoft.com/office/drawing/2016/SVG/main" r:embed="rId3"/>
+              </a:ext>
+            </a:extLst>
+          </a:blip>
+          <a:stretch>
+            <a:fillRect/>
+          </a:stretch>
+        </p:blipFill>
+        <p:spPr>
+          <a:xfrm>
+            <a:off x="3340730" y="1807243"/>
+            <a:ext cx="5510540" cy="2749704"/>
+          </a:xfrm>
+          <a:prstGeom prst="rect">
+            <a:avLst/>
+          </a:prstGeom>
+        </p:spPr>
+      </p:pic>
+    </p:spTree>
+    <p:extLst>
+      <p:ext uri="{BB962C8B-B14F-4D97-AF65-F5344CB8AC3E}">
+        <p14:creationId xmlns:p14="http://schemas.microsoft.com/office/powerpoint/2010/main" val="2875377894"/>
+      </p:ext>
+    </p:extLst>
+  </p:cSld>
+  <p:clrMapOvr>
+    <a:masterClrMapping/>
+  </p:clrMapOvr>
+</p:sld>
+</file>
+
+<file path=ppt/slides/slide16.xml><?xml version="1.0" encoding="utf-8"?>
+<p:sld xmlns:a="http://schemas.openxmlformats.org/drawingml/2006/main" xmlns:r="http://schemas.openxmlformats.org/officeDocument/2006/relationships" xmlns:p="http://schemas.openxmlformats.org/presentationml/2006/main">
+  <p:cSld>
+    <p:spTree>
+      <p:nvGrpSpPr>
+        <p:cNvPr id="1" name=""/>
+        <p:cNvGrpSpPr/>
+        <p:nvPr/>
+      </p:nvGrpSpPr>
+      <p:grpSpPr>
+        <a:xfrm>
+          <a:off x="0" y="0"/>
+          <a:ext cx="0" cy="0"/>
+          <a:chOff x="0" y="0"/>
+          <a:chExt cx="0" cy="0"/>
+        </a:xfrm>
+      </p:grpSpPr>
+      <p:pic>
+        <p:nvPicPr>
+          <p:cNvPr id="3" name="Graphic 2">
+            <a:extLst>
+              <a:ext uri="{FF2B5EF4-FFF2-40B4-BE49-F238E27FC236}">
+                <a16:creationId xmlns:a16="http://schemas.microsoft.com/office/drawing/2014/main" id="{EA36F7D0-538D-4DD3-BB68-5388454B3D62}"/>
+              </a:ext>
+            </a:extLst>
+          </p:cNvPr>
+          <p:cNvPicPr>
+            <a:picLocks noChangeAspect="1"/>
+          </p:cNvPicPr>
+          <p:nvPr/>
+        </p:nvPicPr>
+        <p:blipFill>
+          <a:blip r:embed="rId2">
+            <a:extLst>
+              <a:ext uri="{96DAC541-7B7A-43D3-8B79-37D633B846F1}">
+                <asvg:svgBlip xmlns:asvg="http://schemas.microsoft.com/office/drawing/2016/SVG/main" r:embed="rId3"/>
+              </a:ext>
+            </a:extLst>
+          </a:blip>
+          <a:stretch>
+            <a:fillRect/>
+          </a:stretch>
+        </p:blipFill>
+        <p:spPr>
+          <a:xfrm>
+            <a:off x="566795" y="1318654"/>
+            <a:ext cx="6130225" cy="5072400"/>
+          </a:xfrm>
+          <a:prstGeom prst="rect">
+            <a:avLst/>
+          </a:prstGeom>
+        </p:spPr>
+      </p:pic>
+      <p:sp>
+        <p:nvSpPr>
+          <p:cNvPr id="8" name="TextBox 7">
+            <a:extLst>
+              <a:ext uri="{FF2B5EF4-FFF2-40B4-BE49-F238E27FC236}">
+                <a16:creationId xmlns:a16="http://schemas.microsoft.com/office/drawing/2014/main" id="{3541E32D-326E-4733-A431-D71F793B8205}"/>
+              </a:ext>
+            </a:extLst>
+          </p:cNvPr>
+          <p:cNvSpPr txBox="1"/>
+          <p:nvPr/>
+        </p:nvSpPr>
+        <p:spPr>
+          <a:xfrm>
+            <a:off x="3561796" y="277006"/>
+            <a:ext cx="5068409" cy="523220"/>
+          </a:xfrm>
+          <a:prstGeom prst="rect">
+            <a:avLst/>
+          </a:prstGeom>
+          <a:noFill/>
+        </p:spPr>
+        <p:txBody>
+          <a:bodyPr wrap="square" rtlCol="0">
+            <a:spAutoFit/>
+          </a:bodyPr>
+          <a:lstStyle/>
+          <a:p>
+            <a:pPr algn="ctr"/>
+            <a:r>
+              <a:rPr lang="en-NZ" sz="2800" err="1"/>
+              <a:t>SeleSt</a:t>
+            </a:r>
+            <a:endParaRPr lang="en-NZ" sz="2800"/>
+          </a:p>
+        </p:txBody>
+      </p:sp>
+      <p:grpSp>
+        <p:nvGrpSpPr>
+          <p:cNvPr id="6" name="Group 5">
+            <a:extLst>
+              <a:ext uri="{FF2B5EF4-FFF2-40B4-BE49-F238E27FC236}">
+                <a16:creationId xmlns:a16="http://schemas.microsoft.com/office/drawing/2014/main" id="{85ACCAD7-02D9-4B1D-98B7-B7A31E9EA50C}"/>
+              </a:ext>
+            </a:extLst>
+          </p:cNvPr>
+          <p:cNvGrpSpPr/>
+          <p:nvPr/>
+        </p:nvGrpSpPr>
+        <p:grpSpPr>
+          <a:xfrm>
+            <a:off x="6867012" y="1714104"/>
+            <a:ext cx="4775144" cy="4282172"/>
+            <a:chOff x="6960851" y="1356651"/>
+            <a:chExt cx="4775144" cy="4282172"/>
+          </a:xfrm>
+        </p:grpSpPr>
+        <p:sp>
+          <p:nvSpPr>
+            <p:cNvPr id="19" name="TextBox 18">
+              <a:extLst>
+                <a:ext uri="{FF2B5EF4-FFF2-40B4-BE49-F238E27FC236}">
+                  <a16:creationId xmlns:a16="http://schemas.microsoft.com/office/drawing/2014/main" id="{55DAF869-C2E1-4609-948C-45805F50C3FB}"/>
+                </a:ext>
+              </a:extLst>
+            </p:cNvPr>
+            <p:cNvSpPr txBox="1"/>
+            <p:nvPr/>
+          </p:nvSpPr>
+          <p:spPr>
+            <a:xfrm>
+              <a:off x="6960851" y="1356651"/>
+              <a:ext cx="4758193" cy="1015663"/>
+            </a:xfrm>
+            <a:prstGeom prst="rect">
+              <a:avLst/>
+            </a:prstGeom>
+            <a:noFill/>
+          </p:spPr>
+          <p:txBody>
+            <a:bodyPr wrap="square" rtlCol="0">
+              <a:spAutoFit/>
+            </a:bodyPr>
+            <a:lstStyle/>
+            <a:p>
+              <a:pPr algn="ctr"/>
+              <a:r>
+                <a:rPr lang="en-NZ" sz="2000" dirty="0"/>
+                <a:t>One or more bars may change colour again after turning black on a small number of ‘stop’ trials.</a:t>
+              </a:r>
+            </a:p>
+          </p:txBody>
+        </p:sp>
+        <p:sp>
+          <p:nvSpPr>
+            <p:cNvPr id="20" name="TextBox 19">
+              <a:extLst>
+                <a:ext uri="{FF2B5EF4-FFF2-40B4-BE49-F238E27FC236}">
+                  <a16:creationId xmlns:a16="http://schemas.microsoft.com/office/drawing/2014/main" id="{FC231BE1-222C-4B63-9B68-81C57B42FF52}"/>
+                </a:ext>
+              </a:extLst>
+            </p:cNvPr>
+            <p:cNvSpPr txBox="1"/>
+            <p:nvPr/>
+          </p:nvSpPr>
+          <p:spPr>
+            <a:xfrm>
+              <a:off x="6960851" y="2701968"/>
+              <a:ext cx="4681305" cy="707886"/>
+            </a:xfrm>
+            <a:prstGeom prst="rect">
+              <a:avLst/>
+            </a:prstGeom>
+            <a:noFill/>
+          </p:spPr>
+          <p:txBody>
+            <a:bodyPr wrap="square" lIns="91440" tIns="45720" rIns="91440" bIns="45720" rtlCol="0" anchor="t">
+              <a:spAutoFit/>
+            </a:bodyPr>
+            <a:lstStyle/>
+            <a:p>
+              <a:pPr algn="ctr"/>
+              <a:r>
+                <a:rPr lang="en-NZ" sz="2000" dirty="0"/>
+                <a:t>You earn points by </a:t>
+              </a:r>
+              <a:r>
+                <a:rPr lang="en-NZ" sz="2000" b="1" dirty="0"/>
+                <a:t>not</a:t>
+              </a:r>
+              <a:r>
+                <a:rPr lang="en-NZ" sz="2000" dirty="0"/>
+                <a:t> making a response to any bar that has changed colour.</a:t>
+              </a:r>
+            </a:p>
+          </p:txBody>
+        </p:sp>
+        <p:sp>
+          <p:nvSpPr>
+            <p:cNvPr id="21" name="TextBox 20">
+              <a:extLst>
+                <a:ext uri="{FF2B5EF4-FFF2-40B4-BE49-F238E27FC236}">
+                  <a16:creationId xmlns:a16="http://schemas.microsoft.com/office/drawing/2014/main" id="{7A77CF2D-3D33-4B0E-B3BD-12B67492A8FB}"/>
+                </a:ext>
+              </a:extLst>
+            </p:cNvPr>
+            <p:cNvSpPr txBox="1"/>
+            <p:nvPr/>
+          </p:nvSpPr>
+          <p:spPr>
+            <a:xfrm>
+              <a:off x="7120475" y="3739509"/>
+              <a:ext cx="4615520" cy="707885"/>
+            </a:xfrm>
+            <a:prstGeom prst="rect">
+              <a:avLst/>
+            </a:prstGeom>
+            <a:noFill/>
+          </p:spPr>
+          <p:txBody>
+            <a:bodyPr wrap="square" rtlCol="0">
+              <a:spAutoFit/>
+            </a:bodyPr>
+            <a:lstStyle/>
+            <a:p>
+              <a:pPr algn="ctr"/>
+              <a:r>
+                <a:rPr lang="en-NZ" sz="2000" dirty="0"/>
+                <a:t>You should avoid slowing your responses to prepare for a stop trial.</a:t>
+              </a:r>
+            </a:p>
+          </p:txBody>
+        </p:sp>
+        <p:sp>
+          <p:nvSpPr>
+            <p:cNvPr id="23" name="TextBox 22">
+              <a:extLst>
+                <a:ext uri="{FF2B5EF4-FFF2-40B4-BE49-F238E27FC236}">
+                  <a16:creationId xmlns:a16="http://schemas.microsoft.com/office/drawing/2014/main" id="{6FEC5E06-E55E-4041-B87C-D88A2721DAE7}"/>
+                </a:ext>
+              </a:extLst>
+            </p:cNvPr>
+            <p:cNvSpPr txBox="1"/>
+            <p:nvPr/>
+          </p:nvSpPr>
+          <p:spPr>
+            <a:xfrm>
+              <a:off x="7538438" y="4930937"/>
+              <a:ext cx="3779594" cy="707886"/>
+            </a:xfrm>
+            <a:prstGeom prst="rect">
+              <a:avLst/>
+            </a:prstGeom>
+            <a:noFill/>
+          </p:spPr>
+          <p:txBody>
+            <a:bodyPr wrap="square" rtlCol="0">
+              <a:spAutoFit/>
+            </a:bodyPr>
+            <a:lstStyle/>
+            <a:p>
+              <a:pPr algn="ctr"/>
+              <a:r>
+                <a:rPr lang="en-NZ" sz="2000" dirty="0"/>
+                <a:t>Press SPACE to start practice block of go and stop trials</a:t>
+              </a:r>
+            </a:p>
+          </p:txBody>
+        </p:sp>
+      </p:grpSp>
+      <p:sp>
+        <p:nvSpPr>
+          <p:cNvPr id="17" name="TextBox 16">
+            <a:extLst>
+              <a:ext uri="{FF2B5EF4-FFF2-40B4-BE49-F238E27FC236}">
+                <a16:creationId xmlns:a16="http://schemas.microsoft.com/office/drawing/2014/main" id="{75C4FCAF-2970-4FE4-A731-7556187B52EF}"/>
+              </a:ext>
+            </a:extLst>
+          </p:cNvPr>
+          <p:cNvSpPr txBox="1"/>
+          <p:nvPr/>
+        </p:nvSpPr>
+        <p:spPr>
+          <a:xfrm>
+            <a:off x="627540" y="956541"/>
+            <a:ext cx="1836600" cy="400110"/>
+          </a:xfrm>
+          <a:prstGeom prst="rect">
+            <a:avLst/>
+          </a:prstGeom>
+          <a:noFill/>
+        </p:spPr>
+        <p:txBody>
+          <a:bodyPr wrap="square" rtlCol="0">
+            <a:spAutoFit/>
+          </a:bodyPr>
+          <a:lstStyle/>
+          <a:p>
+            <a:pPr algn="ctr"/>
+            <a:r>
+              <a:rPr lang="en-NZ" sz="2000" dirty="0"/>
+              <a:t>stop-both</a:t>
+            </a:r>
+          </a:p>
+        </p:txBody>
+      </p:sp>
+      <p:sp>
+        <p:nvSpPr>
+          <p:cNvPr id="18" name="TextBox 17">
+            <a:extLst>
+              <a:ext uri="{FF2B5EF4-FFF2-40B4-BE49-F238E27FC236}">
+                <a16:creationId xmlns:a16="http://schemas.microsoft.com/office/drawing/2014/main" id="{5CA03B8C-6C34-4583-A45D-C283644B6037}"/>
+              </a:ext>
+            </a:extLst>
+          </p:cNvPr>
+          <p:cNvSpPr txBox="1"/>
+          <p:nvPr/>
+        </p:nvSpPr>
+        <p:spPr>
+          <a:xfrm>
+            <a:off x="2714779" y="956541"/>
+            <a:ext cx="1836600" cy="400110"/>
+          </a:xfrm>
+          <a:prstGeom prst="rect">
+            <a:avLst/>
+          </a:prstGeom>
+          <a:noFill/>
+        </p:spPr>
+        <p:txBody>
+          <a:bodyPr wrap="square" rtlCol="0">
+            <a:spAutoFit/>
+          </a:bodyPr>
+          <a:lstStyle/>
+          <a:p>
+            <a:pPr algn="ctr"/>
+            <a:r>
+              <a:rPr lang="en-NZ" sz="2000" dirty="0"/>
+              <a:t>stop-left</a:t>
+            </a:r>
+          </a:p>
+        </p:txBody>
+      </p:sp>
+      <p:sp>
+        <p:nvSpPr>
+          <p:cNvPr id="22" name="TextBox 21">
+            <a:extLst>
+              <a:ext uri="{FF2B5EF4-FFF2-40B4-BE49-F238E27FC236}">
+                <a16:creationId xmlns:a16="http://schemas.microsoft.com/office/drawing/2014/main" id="{8386867C-660E-4338-8063-86EC5F29A85F}"/>
+              </a:ext>
+            </a:extLst>
+          </p:cNvPr>
+          <p:cNvSpPr txBox="1"/>
+          <p:nvPr/>
+        </p:nvSpPr>
+        <p:spPr>
+          <a:xfrm>
+            <a:off x="4802018" y="956541"/>
+            <a:ext cx="1836600" cy="400110"/>
+          </a:xfrm>
+          <a:prstGeom prst="rect">
+            <a:avLst/>
+          </a:prstGeom>
+          <a:noFill/>
+        </p:spPr>
+        <p:txBody>
+          <a:bodyPr wrap="square" rtlCol="0">
+            <a:spAutoFit/>
+          </a:bodyPr>
+          <a:lstStyle/>
+          <a:p>
+            <a:pPr algn="ctr"/>
+            <a:r>
+              <a:rPr lang="en-NZ" sz="2000" dirty="0"/>
+              <a:t>stop-right</a:t>
+            </a:r>
+          </a:p>
+        </p:txBody>
+      </p:sp>
+    </p:spTree>
+    <p:extLst>
+      <p:ext uri="{BB962C8B-B14F-4D97-AF65-F5344CB8AC3E}">
+        <p14:creationId xmlns:p14="http://schemas.microsoft.com/office/powerpoint/2010/main" val="4200521295"/>
+      </p:ext>
+    </p:extLst>
+  </p:cSld>
+  <p:clrMapOvr>
+    <a:masterClrMapping/>
+  </p:clrMapOvr>
+</p:sld>
+</file>
+
+<file path=ppt/slides/slide17.xml><?xml version="1.0" encoding="utf-8"?>
+<p:sld xmlns:a="http://schemas.openxmlformats.org/drawingml/2006/main" xmlns:r="http://schemas.openxmlformats.org/officeDocument/2006/relationships" xmlns:p="http://schemas.openxmlformats.org/presentationml/2006/main">
+  <p:cSld>
+    <p:spTree>
+      <p:nvGrpSpPr>
+        <p:cNvPr id="1" name=""/>
+        <p:cNvGrpSpPr/>
+        <p:nvPr/>
+      </p:nvGrpSpPr>
+      <p:grpSpPr>
+        <a:xfrm>
+          <a:off x="0" y="0"/>
+          <a:ext cx="0" cy="0"/>
+          <a:chOff x="0" y="0"/>
+          <a:chExt cx="0" cy="0"/>
+        </a:xfrm>
+      </p:grpSpPr>
+      <p:sp>
+        <p:nvSpPr>
+          <p:cNvPr id="2" name="Title 1">
+            <a:extLst>
+              <a:ext uri="{FF2B5EF4-FFF2-40B4-BE49-F238E27FC236}">
+                <a16:creationId xmlns:a16="http://schemas.microsoft.com/office/drawing/2014/main" id="{1E727CD3-0A38-4054-80DD-C537FDA35BF9}"/>
+              </a:ext>
+            </a:extLst>
+          </p:cNvPr>
+          <p:cNvSpPr>
+            <a:spLocks noGrp="1"/>
+          </p:cNvSpPr>
+          <p:nvPr>
+            <p:ph type="title"/>
+          </p:nvPr>
+        </p:nvSpPr>
+        <p:spPr>
+          <a:xfrm>
+            <a:off x="838200" y="2766219"/>
+            <a:ext cx="10515600" cy="1325563"/>
+          </a:xfrm>
+        </p:spPr>
+        <p:txBody>
+          <a:bodyPr>
+            <a:normAutofit/>
+          </a:bodyPr>
+          <a:lstStyle/>
+          <a:p>
+            <a:pPr algn="ctr"/>
+            <a:r>
+              <a:rPr lang="en-NZ" sz="8800" dirty="0"/>
+              <a:t>PRE-TASK</a:t>
+            </a:r>
+          </a:p>
+        </p:txBody>
+      </p:sp>
+    </p:spTree>
+    <p:extLst>
+      <p:ext uri="{BB962C8B-B14F-4D97-AF65-F5344CB8AC3E}">
+        <p14:creationId xmlns:p14="http://schemas.microsoft.com/office/powerpoint/2010/main" val="301191386"/>
+      </p:ext>
+    </p:extLst>
+  </p:cSld>
+  <p:clrMapOvr>
+    <a:masterClrMapping/>
+  </p:clrMapOvr>
+</p:sld>
+</file>
+
+<file path=ppt/slides/slide18.xml><?xml version="1.0" encoding="utf-8"?>
+<p:sld xmlns:a="http://schemas.openxmlformats.org/drawingml/2006/main" xmlns:r="http://schemas.openxmlformats.org/officeDocument/2006/relationships" xmlns:p="http://schemas.openxmlformats.org/presentationml/2006/main">
+  <p:cSld>
+    <p:spTree>
+      <p:nvGrpSpPr>
+        <p:cNvPr id="1" name=""/>
+        <p:cNvGrpSpPr/>
+        <p:nvPr/>
+      </p:nvGrpSpPr>
+      <p:grpSpPr>
+        <a:xfrm>
+          <a:off x="0" y="0"/>
+          <a:ext cx="0" cy="0"/>
+          <a:chOff x="0" y="0"/>
+          <a:chExt cx="0" cy="0"/>
+        </a:xfrm>
+      </p:grpSpPr>
+      <p:sp>
+        <p:nvSpPr>
+          <p:cNvPr id="8" name="TextBox 7">
+            <a:extLst>
+              <a:ext uri="{FF2B5EF4-FFF2-40B4-BE49-F238E27FC236}">
+                <a16:creationId xmlns:a16="http://schemas.microsoft.com/office/drawing/2014/main" id="{3541E32D-326E-4733-A431-D71F793B8205}"/>
+              </a:ext>
+            </a:extLst>
+          </p:cNvPr>
+          <p:cNvSpPr txBox="1"/>
+          <p:nvPr/>
+        </p:nvSpPr>
+        <p:spPr>
+          <a:xfrm>
+            <a:off x="3561796" y="277006"/>
+            <a:ext cx="5068409" cy="523220"/>
+          </a:xfrm>
+          <a:prstGeom prst="rect">
+            <a:avLst/>
+          </a:prstGeom>
+          <a:noFill/>
+        </p:spPr>
+        <p:txBody>
+          <a:bodyPr wrap="square" rtlCol="0">
+            <a:spAutoFit/>
+          </a:bodyPr>
+          <a:lstStyle/>
+          <a:p>
+            <a:pPr algn="ctr"/>
+            <a:r>
+              <a:rPr lang="en-NZ" sz="2800" err="1"/>
+              <a:t>SeleSt</a:t>
+            </a:r>
+            <a:endParaRPr lang="en-NZ" sz="2800"/>
+          </a:p>
+        </p:txBody>
+      </p:sp>
+      <p:sp>
+        <p:nvSpPr>
+          <p:cNvPr id="9" name="TextBox 8">
+            <a:extLst>
+              <a:ext uri="{FF2B5EF4-FFF2-40B4-BE49-F238E27FC236}">
+                <a16:creationId xmlns:a16="http://schemas.microsoft.com/office/drawing/2014/main" id="{6CEAF05C-99F3-4B5F-B61A-D1849E28D68F}"/>
+              </a:ext>
+            </a:extLst>
+          </p:cNvPr>
+          <p:cNvSpPr txBox="1"/>
+          <p:nvPr/>
+        </p:nvSpPr>
+        <p:spPr>
+          <a:xfrm>
+            <a:off x="1395620" y="889304"/>
+            <a:ext cx="9400761" cy="400110"/>
+          </a:xfrm>
+          <a:prstGeom prst="rect">
+            <a:avLst/>
+          </a:prstGeom>
+          <a:noFill/>
+        </p:spPr>
+        <p:txBody>
+          <a:bodyPr wrap="square" rtlCol="0">
+            <a:spAutoFit/>
+          </a:bodyPr>
+          <a:lstStyle/>
+          <a:p>
+            <a:pPr algn="ctr"/>
+            <a:r>
+              <a:rPr lang="en-NZ" sz="2000" dirty="0"/>
+              <a:t>We are ready to start the experimental blocks.</a:t>
+            </a:r>
+          </a:p>
+        </p:txBody>
+      </p:sp>
+      <p:sp>
+        <p:nvSpPr>
+          <p:cNvPr id="11" name="TextBox 10">
+            <a:extLst>
+              <a:ext uri="{FF2B5EF4-FFF2-40B4-BE49-F238E27FC236}">
+                <a16:creationId xmlns:a16="http://schemas.microsoft.com/office/drawing/2014/main" id="{35BE92BA-CCCB-4343-AF53-B1D55CAF2CFF}"/>
+              </a:ext>
+            </a:extLst>
+          </p:cNvPr>
+          <p:cNvSpPr txBox="1"/>
+          <p:nvPr/>
+        </p:nvSpPr>
+        <p:spPr>
+          <a:xfrm>
+            <a:off x="2299277" y="2194420"/>
+            <a:ext cx="7593447" cy="707886"/>
+          </a:xfrm>
+          <a:prstGeom prst="rect">
+            <a:avLst/>
+          </a:prstGeom>
+          <a:noFill/>
+        </p:spPr>
+        <p:txBody>
+          <a:bodyPr wrap="square" rtlCol="0">
+            <a:spAutoFit/>
+          </a:bodyPr>
+          <a:lstStyle/>
+          <a:p>
+            <a:pPr algn="ctr"/>
+            <a:r>
+              <a:rPr lang="en-NZ" sz="2000" dirty="0"/>
+              <a:t>Feel free to take breaks between blocks if you need them. You can press the ‘Esc’ or ‘Q’ key if you need to stop the task for any reason.</a:t>
+            </a:r>
+          </a:p>
+        </p:txBody>
+      </p:sp>
+      <p:sp>
+        <p:nvSpPr>
+          <p:cNvPr id="12" name="TextBox 11">
+            <a:extLst>
+              <a:ext uri="{FF2B5EF4-FFF2-40B4-BE49-F238E27FC236}">
+                <a16:creationId xmlns:a16="http://schemas.microsoft.com/office/drawing/2014/main" id="{6D832201-72E0-43A3-B0CF-5BDFD925C8F5}"/>
+              </a:ext>
+            </a:extLst>
+          </p:cNvPr>
+          <p:cNvSpPr txBox="1"/>
+          <p:nvPr/>
+        </p:nvSpPr>
+        <p:spPr>
+          <a:xfrm>
+            <a:off x="2333065" y="1541862"/>
+            <a:ext cx="7525871" cy="400110"/>
+          </a:xfrm>
+          <a:prstGeom prst="rect">
+            <a:avLst/>
+          </a:prstGeom>
+          <a:noFill/>
+        </p:spPr>
+        <p:txBody>
+          <a:bodyPr wrap="square" rtlCol="0">
+            <a:spAutoFit/>
+          </a:bodyPr>
+          <a:lstStyle/>
+          <a:p>
+            <a:pPr algn="ctr"/>
+            <a:r>
+              <a:rPr lang="en-NZ" sz="2000" dirty="0"/>
+              <a:t>Your goal is to earn as many points as possible.</a:t>
+            </a:r>
+          </a:p>
+        </p:txBody>
+      </p:sp>
+      <p:grpSp>
+        <p:nvGrpSpPr>
+          <p:cNvPr id="4" name="Group 3">
+            <a:extLst>
+              <a:ext uri="{FF2B5EF4-FFF2-40B4-BE49-F238E27FC236}">
+                <a16:creationId xmlns:a16="http://schemas.microsoft.com/office/drawing/2014/main" id="{F9E2CB9D-9F63-42C5-9699-0E60650D510B}"/>
+              </a:ext>
+            </a:extLst>
+          </p:cNvPr>
+          <p:cNvGrpSpPr/>
+          <p:nvPr/>
+        </p:nvGrpSpPr>
+        <p:grpSpPr>
+          <a:xfrm>
+            <a:off x="3297102" y="3154754"/>
+            <a:ext cx="5597796" cy="3245141"/>
+            <a:chOff x="3368650" y="3429000"/>
+            <a:chExt cx="5597796" cy="3245141"/>
+          </a:xfrm>
+        </p:grpSpPr>
+        <p:sp>
+          <p:nvSpPr>
+            <p:cNvPr id="10" name="TextBox 9">
+              <a:extLst>
+                <a:ext uri="{FF2B5EF4-FFF2-40B4-BE49-F238E27FC236}">
+                  <a16:creationId xmlns:a16="http://schemas.microsoft.com/office/drawing/2014/main" id="{6A205875-CBDA-4AA7-9452-D68F893C5232}"/>
+                </a:ext>
+              </a:extLst>
+            </p:cNvPr>
+            <p:cNvSpPr txBox="1"/>
+            <p:nvPr/>
+          </p:nvSpPr>
+          <p:spPr>
+            <a:xfrm>
+              <a:off x="4989249" y="4851515"/>
+              <a:ext cx="3977197" cy="400110"/>
+            </a:xfrm>
+            <a:prstGeom prst="rect">
+              <a:avLst/>
+            </a:prstGeom>
+            <a:noFill/>
+          </p:spPr>
+          <p:txBody>
+            <a:bodyPr wrap="square" rtlCol="0">
+              <a:spAutoFit/>
+            </a:bodyPr>
+            <a:lstStyle/>
+            <a:p>
+              <a:pPr algn="ctr"/>
+              <a:r>
+                <a:rPr lang="en-NZ" sz="2000"/>
+                <a:t>Press SPACE to start the experiment</a:t>
+              </a:r>
+            </a:p>
+          </p:txBody>
+        </p:sp>
+        <p:pic>
+          <p:nvPicPr>
+            <p:cNvPr id="3" name="Picture 2" descr="A picture containing diagram&#10;&#10;Description automatically generated">
+              <a:extLst>
+                <a:ext uri="{FF2B5EF4-FFF2-40B4-BE49-F238E27FC236}">
+                  <a16:creationId xmlns:a16="http://schemas.microsoft.com/office/drawing/2014/main" id="{F2F81DE1-1960-4424-8EEF-92D02F6ECCF6}"/>
+                </a:ext>
+              </a:extLst>
+            </p:cNvPr>
+            <p:cNvPicPr>
+              <a:picLocks noChangeAspect="1"/>
+            </p:cNvPicPr>
+            <p:nvPr/>
+          </p:nvPicPr>
+          <p:blipFill>
+            <a:blip r:embed="rId2">
+              <a:extLst>
+                <a:ext uri="{28A0092B-C50C-407E-A947-70E740481C1C}">
+                  <a14:useLocalDpi xmlns:a14="http://schemas.microsoft.com/office/drawing/2010/main" val="0"/>
+                </a:ext>
+              </a:extLst>
+            </a:blip>
+            <a:stretch>
+              <a:fillRect/>
+            </a:stretch>
+          </p:blipFill>
+          <p:spPr>
+            <a:xfrm>
+              <a:off x="3368650" y="3429000"/>
+              <a:ext cx="1620599" cy="3245141"/>
+            </a:xfrm>
+            <a:prstGeom prst="rect">
+              <a:avLst/>
+            </a:prstGeom>
+          </p:spPr>
+        </p:pic>
+      </p:grpSp>
+    </p:spTree>
+    <p:extLst>
+      <p:ext uri="{BB962C8B-B14F-4D97-AF65-F5344CB8AC3E}">
+        <p14:creationId xmlns:p14="http://schemas.microsoft.com/office/powerpoint/2010/main" val="2938656598"/>
+      </p:ext>
+    </p:extLst>
+  </p:cSld>
+  <p:clrMapOvr>
+    <a:masterClrMapping/>
+  </p:clrMapOvr>
+</p:sld>
+</file>
+
+<file path=ppt/slides/slide19.xml><?xml version="1.0" encoding="utf-8"?>
+<p:sld xmlns:a="http://schemas.openxmlformats.org/drawingml/2006/main" xmlns:r="http://schemas.openxmlformats.org/officeDocument/2006/relationships" xmlns:p="http://schemas.openxmlformats.org/presentationml/2006/main">
+  <p:cSld>
+    <p:spTree>
+      <p:nvGrpSpPr>
+        <p:cNvPr id="1" name=""/>
+        <p:cNvGrpSpPr/>
+        <p:nvPr/>
+      </p:nvGrpSpPr>
+      <p:grpSpPr>
+        <a:xfrm>
+          <a:off x="0" y="0"/>
+          <a:ext cx="0" cy="0"/>
+          <a:chOff x="0" y="0"/>
+          <a:chExt cx="0" cy="0"/>
+        </a:xfrm>
+      </p:grpSpPr>
+      <p:sp>
+        <p:nvSpPr>
+          <p:cNvPr id="2" name="Title 1">
+            <a:extLst>
+              <a:ext uri="{FF2B5EF4-FFF2-40B4-BE49-F238E27FC236}">
+                <a16:creationId xmlns:a16="http://schemas.microsoft.com/office/drawing/2014/main" id="{1E727CD3-0A38-4054-80DD-C537FDA35BF9}"/>
+              </a:ext>
+            </a:extLst>
+          </p:cNvPr>
+          <p:cNvSpPr>
+            <a:spLocks noGrp="1"/>
+          </p:cNvSpPr>
+          <p:nvPr>
+            <p:ph type="title"/>
+          </p:nvPr>
+        </p:nvSpPr>
+        <p:spPr>
+          <a:xfrm>
+            <a:off x="838200" y="2766219"/>
+            <a:ext cx="10515600" cy="1325563"/>
+          </a:xfrm>
+        </p:spPr>
+        <p:txBody>
+          <a:bodyPr>
+            <a:normAutofit/>
+          </a:bodyPr>
+          <a:lstStyle/>
+          <a:p>
+            <a:pPr algn="ctr"/>
+            <a:r>
+              <a:rPr lang="en-NZ" sz="8800" dirty="0"/>
+              <a:t>END OF TASK</a:t>
+            </a:r>
+          </a:p>
+        </p:txBody>
+      </p:sp>
+    </p:spTree>
+    <p:extLst>
+      <p:ext uri="{BB962C8B-B14F-4D97-AF65-F5344CB8AC3E}">
+        <p14:creationId xmlns:p14="http://schemas.microsoft.com/office/powerpoint/2010/main" val="3873880777"/>
+      </p:ext>
+    </p:extLst>
+  </p:cSld>
+  <p:clrMapOvr>
+    <a:masterClrMapping/>
+  </p:clrMapOvr>
+</p:sld>
+</file>
+
+<file path=ppt/slides/slide2.xml><?xml version="1.0" encoding="utf-8"?>
+<p:sld xmlns:a="http://schemas.openxmlformats.org/drawingml/2006/main" xmlns:r="http://schemas.openxmlformats.org/officeDocument/2006/relationships" xmlns:p="http://schemas.openxmlformats.org/presentationml/2006/main">
+  <p:cSld>
+    <p:spTree>
+      <p:nvGrpSpPr>
+        <p:cNvPr id="1" name=""/>
+        <p:cNvGrpSpPr/>
+        <p:nvPr/>
+      </p:nvGrpSpPr>
+      <p:grpSpPr>
+        <a:xfrm>
+          <a:off x="0" y="0"/>
+          <a:ext cx="0" cy="0"/>
+          <a:chOff x="0" y="0"/>
+          <a:chExt cx="0" cy="0"/>
+        </a:xfrm>
+      </p:grpSpPr>
+      <p:sp>
+        <p:nvSpPr>
+          <p:cNvPr id="8" name="TextBox 7">
+            <a:extLst>
+              <a:ext uri="{FF2B5EF4-FFF2-40B4-BE49-F238E27FC236}">
+                <a16:creationId xmlns:a16="http://schemas.microsoft.com/office/drawing/2014/main" id="{3541E32D-326E-4733-A431-D71F793B8205}"/>
+              </a:ext>
+            </a:extLst>
+          </p:cNvPr>
+          <p:cNvSpPr txBox="1"/>
+          <p:nvPr/>
+        </p:nvSpPr>
+        <p:spPr>
+          <a:xfrm>
+            <a:off x="3561796" y="277006"/>
+            <a:ext cx="5068409" cy="523220"/>
+          </a:xfrm>
+          <a:prstGeom prst="rect">
+            <a:avLst/>
+          </a:prstGeom>
+          <a:noFill/>
+        </p:spPr>
+        <p:txBody>
+          <a:bodyPr wrap="square" rtlCol="0">
+            <a:spAutoFit/>
+          </a:bodyPr>
+          <a:lstStyle/>
+          <a:p>
+            <a:pPr algn="ctr"/>
+            <a:r>
+              <a:rPr lang="en-NZ" sz="2800" dirty="0" err="1"/>
+              <a:t>SeleSt</a:t>
+            </a:r>
+            <a:endParaRPr lang="en-NZ" sz="2800" dirty="0"/>
+          </a:p>
+        </p:txBody>
+      </p:sp>
+      <p:sp>
+        <p:nvSpPr>
+          <p:cNvPr id="9" name="TextBox 8">
+            <a:extLst>
+              <a:ext uri="{FF2B5EF4-FFF2-40B4-BE49-F238E27FC236}">
+                <a16:creationId xmlns:a16="http://schemas.microsoft.com/office/drawing/2014/main" id="{6CEAF05C-99F3-4B5F-B61A-D1849E28D68F}"/>
+              </a:ext>
+            </a:extLst>
+          </p:cNvPr>
+          <p:cNvSpPr txBox="1"/>
+          <p:nvPr/>
+        </p:nvSpPr>
+        <p:spPr>
+          <a:xfrm>
+            <a:off x="1395617" y="842591"/>
+            <a:ext cx="9400761" cy="400110"/>
+          </a:xfrm>
+          <a:prstGeom prst="rect">
+            <a:avLst/>
+          </a:prstGeom>
+          <a:noFill/>
+        </p:spPr>
+        <p:txBody>
+          <a:bodyPr wrap="square" rtlCol="0">
+            <a:spAutoFit/>
+          </a:bodyPr>
+          <a:lstStyle/>
+          <a:p>
+            <a:pPr algn="ctr"/>
+            <a:r>
+              <a:rPr lang="en-NZ" sz="2000" dirty="0"/>
+              <a:t>Welcome! </a:t>
+            </a:r>
+            <a:r>
+              <a:rPr lang="en-NZ" sz="2000" dirty="0" err="1"/>
+              <a:t>SeleSt</a:t>
+            </a:r>
+            <a:r>
+              <a:rPr lang="en-NZ" sz="2000" dirty="0"/>
+              <a:t> is designed to test your ability to respond and stop selectively.</a:t>
+            </a:r>
+          </a:p>
+        </p:txBody>
+      </p:sp>
+      <p:sp>
+        <p:nvSpPr>
+          <p:cNvPr id="10" name="TextBox 9">
+            <a:extLst>
+              <a:ext uri="{FF2B5EF4-FFF2-40B4-BE49-F238E27FC236}">
+                <a16:creationId xmlns:a16="http://schemas.microsoft.com/office/drawing/2014/main" id="{6A205875-CBDA-4AA7-9452-D68F893C5232}"/>
+              </a:ext>
+            </a:extLst>
+          </p:cNvPr>
+          <p:cNvSpPr txBox="1"/>
+          <p:nvPr/>
+        </p:nvSpPr>
+        <p:spPr>
+          <a:xfrm>
+            <a:off x="1814695" y="6084909"/>
+            <a:ext cx="8562609" cy="400110"/>
+          </a:xfrm>
+          <a:prstGeom prst="rect">
+            <a:avLst/>
+          </a:prstGeom>
+          <a:noFill/>
+        </p:spPr>
+        <p:txBody>
+          <a:bodyPr wrap="square" rtlCol="0">
+            <a:spAutoFit/>
+          </a:bodyPr>
+          <a:lstStyle/>
+          <a:p>
+            <a:pPr algn="ctr"/>
+            <a:r>
+              <a:rPr lang="en-NZ" sz="2000" dirty="0"/>
+              <a:t>Press SPACE to continue</a:t>
+            </a:r>
+          </a:p>
+        </p:txBody>
+      </p:sp>
+      <p:sp>
+        <p:nvSpPr>
+          <p:cNvPr id="12" name="TextBox 11">
+            <a:extLst>
+              <a:ext uri="{FF2B5EF4-FFF2-40B4-BE49-F238E27FC236}">
+                <a16:creationId xmlns:a16="http://schemas.microsoft.com/office/drawing/2014/main" id="{6D832201-72E0-43A3-B0CF-5BDFD925C8F5}"/>
+              </a:ext>
+            </a:extLst>
+          </p:cNvPr>
+          <p:cNvSpPr txBox="1"/>
+          <p:nvPr/>
+        </p:nvSpPr>
+        <p:spPr>
+          <a:xfrm>
+            <a:off x="3084405" y="2052185"/>
+            <a:ext cx="6023184" cy="707886"/>
+          </a:xfrm>
+          <a:prstGeom prst="rect">
+            <a:avLst/>
+          </a:prstGeom>
+          <a:noFill/>
+        </p:spPr>
+        <p:txBody>
+          <a:bodyPr wrap="square" lIns="91440" tIns="45720" rIns="91440" bIns="45720" rtlCol="0" anchor="t">
+            <a:spAutoFit/>
+          </a:bodyPr>
+          <a:lstStyle/>
+          <a:p>
+            <a:pPr algn="ctr"/>
+            <a:r>
+              <a:rPr lang="en-NZ" sz="2000" dirty="0"/>
+              <a:t>Your objective is to stop the bars as close as you can to the target </a:t>
+            </a:r>
+            <a:r>
+              <a:rPr lang="en-NZ" sz="2000" dirty="0">
+                <a:ea typeface="+mn-lt"/>
+                <a:cs typeface="+mn-lt"/>
+              </a:rPr>
+              <a:t>by pressing the response keys.</a:t>
+            </a:r>
+            <a:endParaRPr lang="en-NZ" sz="2000" dirty="0"/>
+          </a:p>
+        </p:txBody>
+      </p:sp>
+      <p:sp>
+        <p:nvSpPr>
+          <p:cNvPr id="13" name="TextBox 12">
+            <a:extLst>
+              <a:ext uri="{FF2B5EF4-FFF2-40B4-BE49-F238E27FC236}">
+                <a16:creationId xmlns:a16="http://schemas.microsoft.com/office/drawing/2014/main" id="{77B78BC3-319A-4E4B-A08A-B6C09F79F881}"/>
+              </a:ext>
+            </a:extLst>
+          </p:cNvPr>
+          <p:cNvSpPr txBox="1"/>
+          <p:nvPr/>
+        </p:nvSpPr>
+        <p:spPr>
+          <a:xfrm>
+            <a:off x="2363969" y="1305675"/>
+            <a:ext cx="7464056" cy="707886"/>
+          </a:xfrm>
+          <a:prstGeom prst="rect">
+            <a:avLst/>
+          </a:prstGeom>
+          <a:noFill/>
+        </p:spPr>
+        <p:txBody>
+          <a:bodyPr wrap="square" lIns="91440" tIns="45720" rIns="91440" bIns="45720" rtlCol="0" anchor="t">
+            <a:spAutoFit/>
+          </a:bodyPr>
+          <a:lstStyle/>
+          <a:p>
+            <a:pPr algn="ctr"/>
+            <a:r>
+              <a:rPr lang="en-NZ" sz="2000" dirty="0"/>
+              <a:t>Each trial starts with two empty bars that can fill from bottom to top. Most trials are ‘go’ trials during which both bars completely fill.</a:t>
+            </a:r>
+          </a:p>
+        </p:txBody>
+      </p:sp>
+      <p:pic>
+        <p:nvPicPr>
+          <p:cNvPr id="3" name="Graphic 2">
+            <a:extLst>
+              <a:ext uri="{FF2B5EF4-FFF2-40B4-BE49-F238E27FC236}">
+                <a16:creationId xmlns:a16="http://schemas.microsoft.com/office/drawing/2014/main" id="{56919A40-D132-4900-B8A9-6EE52B1D151A}"/>
+              </a:ext>
+            </a:extLst>
+          </p:cNvPr>
+          <p:cNvPicPr>
+            <a:picLocks noChangeAspect="1"/>
+          </p:cNvPicPr>
+          <p:nvPr/>
+        </p:nvPicPr>
+        <p:blipFill>
+          <a:blip r:embed="rId3">
+            <a:extLst>
+              <a:ext uri="{96DAC541-7B7A-43D3-8B79-37D633B846F1}">
+                <asvg:svgBlip xmlns:asvg="http://schemas.microsoft.com/office/drawing/2016/SVG/main" r:embed="rId4"/>
+              </a:ext>
+            </a:extLst>
+          </a:blip>
+          <a:stretch>
+            <a:fillRect/>
+          </a:stretch>
+        </p:blipFill>
+        <p:spPr>
+          <a:xfrm>
+            <a:off x="3977755" y="2966010"/>
+            <a:ext cx="4236483" cy="2912960"/>
+          </a:xfrm>
+          <a:prstGeom prst="rect">
+            <a:avLst/>
+          </a:prstGeom>
+        </p:spPr>
+      </p:pic>
+    </p:spTree>
+    <p:extLst>
+      <p:ext uri="{BB962C8B-B14F-4D97-AF65-F5344CB8AC3E}">
+        <p14:creationId xmlns:p14="http://schemas.microsoft.com/office/powerpoint/2010/main" val="1773414443"/>
+      </p:ext>
+    </p:extLst>
+  </p:cSld>
+  <p:clrMapOvr>
+    <a:masterClrMapping/>
+  </p:clrMapOvr>
+</p:sld>
+</file>
+
+<file path=ppt/slides/slide20.xml><?xml version="1.0" encoding="utf-8"?>
+<p:sld xmlns:a="http://schemas.openxmlformats.org/drawingml/2006/main" xmlns:r="http://schemas.openxmlformats.org/officeDocument/2006/relationships" xmlns:p="http://schemas.openxmlformats.org/presentationml/2006/main">
+  <p:cSld>
+    <p:spTree>
+      <p:nvGrpSpPr>
+        <p:cNvPr id="1" name=""/>
+        <p:cNvGrpSpPr/>
+        <p:nvPr/>
+      </p:nvGrpSpPr>
+      <p:grpSpPr>
+        <a:xfrm>
+          <a:off x="0" y="0"/>
+          <a:ext cx="0" cy="0"/>
+          <a:chOff x="0" y="0"/>
+          <a:chExt cx="0" cy="0"/>
+        </a:xfrm>
+      </p:grpSpPr>
+      <p:sp>
+        <p:nvSpPr>
+          <p:cNvPr id="8" name="TextBox 7">
+            <a:extLst>
+              <a:ext uri="{FF2B5EF4-FFF2-40B4-BE49-F238E27FC236}">
+                <a16:creationId xmlns:a16="http://schemas.microsoft.com/office/drawing/2014/main" id="{3541E32D-326E-4733-A431-D71F793B8205}"/>
+              </a:ext>
+            </a:extLst>
+          </p:cNvPr>
+          <p:cNvSpPr txBox="1"/>
+          <p:nvPr/>
+        </p:nvSpPr>
+        <p:spPr>
+          <a:xfrm>
+            <a:off x="3561796" y="277006"/>
+            <a:ext cx="5068409" cy="523220"/>
+          </a:xfrm>
+          <a:prstGeom prst="rect">
+            <a:avLst/>
+          </a:prstGeom>
+          <a:noFill/>
+        </p:spPr>
+        <p:txBody>
+          <a:bodyPr wrap="square" rtlCol="0">
+            <a:spAutoFit/>
+          </a:bodyPr>
+          <a:lstStyle/>
+          <a:p>
+            <a:pPr algn="ctr"/>
+            <a:r>
+              <a:rPr lang="en-NZ" sz="2800" dirty="0" err="1"/>
+              <a:t>SeleSt</a:t>
+            </a:r>
+            <a:endParaRPr lang="en-NZ" sz="2800" dirty="0"/>
+          </a:p>
+        </p:txBody>
+      </p:sp>
+      <p:sp>
+        <p:nvSpPr>
+          <p:cNvPr id="9" name="TextBox 8">
+            <a:extLst>
+              <a:ext uri="{FF2B5EF4-FFF2-40B4-BE49-F238E27FC236}">
+                <a16:creationId xmlns:a16="http://schemas.microsoft.com/office/drawing/2014/main" id="{6CEAF05C-99F3-4B5F-B61A-D1849E28D68F}"/>
+              </a:ext>
+            </a:extLst>
+          </p:cNvPr>
+          <p:cNvSpPr txBox="1"/>
+          <p:nvPr/>
+        </p:nvSpPr>
+        <p:spPr>
+          <a:xfrm>
+            <a:off x="1395620" y="927712"/>
+            <a:ext cx="9400761" cy="400110"/>
+          </a:xfrm>
+          <a:prstGeom prst="rect">
+            <a:avLst/>
+          </a:prstGeom>
+          <a:noFill/>
+        </p:spPr>
+        <p:txBody>
+          <a:bodyPr wrap="square" rtlCol="0">
+            <a:spAutoFit/>
+          </a:bodyPr>
+          <a:lstStyle/>
+          <a:p>
+            <a:pPr algn="ctr"/>
+            <a:r>
+              <a:rPr lang="en-NZ" sz="2000" dirty="0" err="1"/>
+              <a:t>SeleSt</a:t>
+            </a:r>
+            <a:r>
+              <a:rPr lang="en-NZ" sz="2000" dirty="0"/>
+              <a:t> task complete. Thank you for your time.</a:t>
+            </a:r>
+          </a:p>
+        </p:txBody>
+      </p:sp>
+      <p:grpSp>
+        <p:nvGrpSpPr>
+          <p:cNvPr id="4" name="Group 3">
+            <a:extLst>
+              <a:ext uri="{FF2B5EF4-FFF2-40B4-BE49-F238E27FC236}">
+                <a16:creationId xmlns:a16="http://schemas.microsoft.com/office/drawing/2014/main" id="{F9E2CB9D-9F63-42C5-9699-0E60650D510B}"/>
+              </a:ext>
+            </a:extLst>
+          </p:cNvPr>
+          <p:cNvGrpSpPr/>
+          <p:nvPr/>
+        </p:nvGrpSpPr>
+        <p:grpSpPr>
+          <a:xfrm>
+            <a:off x="2466165" y="1721729"/>
+            <a:ext cx="7259671" cy="4208559"/>
+            <a:chOff x="3368650" y="3429000"/>
+            <a:chExt cx="5597796" cy="3245141"/>
+          </a:xfrm>
+        </p:grpSpPr>
+        <p:sp>
+          <p:nvSpPr>
+            <p:cNvPr id="10" name="TextBox 9">
+              <a:extLst>
+                <a:ext uri="{FF2B5EF4-FFF2-40B4-BE49-F238E27FC236}">
+                  <a16:creationId xmlns:a16="http://schemas.microsoft.com/office/drawing/2014/main" id="{6A205875-CBDA-4AA7-9452-D68F893C5232}"/>
+                </a:ext>
+              </a:extLst>
+            </p:cNvPr>
+            <p:cNvSpPr txBox="1"/>
+            <p:nvPr/>
+          </p:nvSpPr>
+          <p:spPr>
+            <a:xfrm>
+              <a:off x="4989249" y="4851515"/>
+              <a:ext cx="3977197" cy="400110"/>
+            </a:xfrm>
+            <a:prstGeom prst="rect">
+              <a:avLst/>
+            </a:prstGeom>
+            <a:noFill/>
+          </p:spPr>
+          <p:txBody>
+            <a:bodyPr wrap="square" rtlCol="0">
+              <a:spAutoFit/>
+            </a:bodyPr>
+            <a:lstStyle/>
+            <a:p>
+              <a:pPr algn="ctr"/>
+              <a:r>
+                <a:rPr lang="en-NZ" sz="2000"/>
+                <a:t>Press SPACE to end the experiment</a:t>
+              </a:r>
+            </a:p>
+          </p:txBody>
+        </p:sp>
+        <p:pic>
+          <p:nvPicPr>
+            <p:cNvPr id="3" name="Picture 2" descr="A picture containing diagram&#10;&#10;Description automatically generated">
+              <a:extLst>
+                <a:ext uri="{FF2B5EF4-FFF2-40B4-BE49-F238E27FC236}">
+                  <a16:creationId xmlns:a16="http://schemas.microsoft.com/office/drawing/2014/main" id="{F2F81DE1-1960-4424-8EEF-92D02F6ECCF6}"/>
+                </a:ext>
+              </a:extLst>
+            </p:cNvPr>
+            <p:cNvPicPr>
+              <a:picLocks noChangeAspect="1"/>
+            </p:cNvPicPr>
+            <p:nvPr/>
+          </p:nvPicPr>
+          <p:blipFill>
+            <a:blip r:embed="rId3">
+              <a:extLst>
+                <a:ext uri="{28A0092B-C50C-407E-A947-70E740481C1C}">
+                  <a14:useLocalDpi xmlns:a14="http://schemas.microsoft.com/office/drawing/2010/main" val="0"/>
+                </a:ext>
+              </a:extLst>
+            </a:blip>
+            <a:stretch>
+              <a:fillRect/>
+            </a:stretch>
+          </p:blipFill>
+          <p:spPr>
+            <a:xfrm>
+              <a:off x="3368650" y="3429000"/>
+              <a:ext cx="1620599" cy="3245141"/>
+            </a:xfrm>
+            <a:prstGeom prst="rect">
+              <a:avLst/>
+            </a:prstGeom>
+          </p:spPr>
+        </p:pic>
+      </p:grpSp>
+    </p:spTree>
+    <p:extLst>
+      <p:ext uri="{BB962C8B-B14F-4D97-AF65-F5344CB8AC3E}">
+        <p14:creationId xmlns:p14="http://schemas.microsoft.com/office/powerpoint/2010/main" val="4288734950"/>
+      </p:ext>
+    </p:extLst>
+  </p:cSld>
+  <p:clrMapOvr>
+    <a:masterClrMapping/>
+  </p:clrMapOvr>
+</p:sld>
+</file>
+
 <file path=ppt/slides/slide3.xml><?xml version="1.0" encoding="utf-8"?>
+<p:sld xmlns:a="http://schemas.openxmlformats.org/drawingml/2006/main" xmlns:r="http://schemas.openxmlformats.org/officeDocument/2006/relationships" xmlns:p="http://schemas.openxmlformats.org/presentationml/2006/main">
+  <p:cSld>
+    <p:spTree>
+      <p:nvGrpSpPr>
+        <p:cNvPr id="1" name=""/>
+        <p:cNvGrpSpPr/>
+        <p:nvPr/>
+      </p:nvGrpSpPr>
+      <p:grpSpPr>
+        <a:xfrm>
+          <a:off x="0" y="0"/>
+          <a:ext cx="0" cy="0"/>
+          <a:chOff x="0" y="0"/>
+          <a:chExt cx="0" cy="0"/>
+        </a:xfrm>
+      </p:grpSpPr>
+      <p:sp>
+        <p:nvSpPr>
+          <p:cNvPr id="20" name="TextBox 19">
+            <a:extLst>
+              <a:ext uri="{FF2B5EF4-FFF2-40B4-BE49-F238E27FC236}">
+                <a16:creationId xmlns:a16="http://schemas.microsoft.com/office/drawing/2014/main" id="{4EB43124-D391-42D9-A910-D5D63FB6D99C}"/>
+              </a:ext>
+            </a:extLst>
+          </p:cNvPr>
+          <p:cNvSpPr txBox="1"/>
+          <p:nvPr/>
+        </p:nvSpPr>
+        <p:spPr>
+          <a:xfrm>
+            <a:off x="1285042" y="896035"/>
+            <a:ext cx="9621914" cy="400110"/>
+          </a:xfrm>
+          <a:prstGeom prst="rect">
+            <a:avLst/>
+          </a:prstGeom>
+          <a:noFill/>
+        </p:spPr>
+        <p:txBody>
+          <a:bodyPr wrap="square" lIns="91440" tIns="45720" rIns="91440" bIns="45720" rtlCol="0" anchor="t">
+            <a:spAutoFit/>
+          </a:bodyPr>
+          <a:lstStyle/>
+          <a:p>
+            <a:pPr algn="ctr"/>
+            <a:r>
+              <a:rPr lang="en-NZ" sz="2000" dirty="0"/>
+              <a:t>You earn points by stopping the bars close to the target.</a:t>
+            </a:r>
+          </a:p>
+        </p:txBody>
+      </p:sp>
+      <p:sp>
+        <p:nvSpPr>
+          <p:cNvPr id="8" name="TextBox 7">
+            <a:extLst>
+              <a:ext uri="{FF2B5EF4-FFF2-40B4-BE49-F238E27FC236}">
+                <a16:creationId xmlns:a16="http://schemas.microsoft.com/office/drawing/2014/main" id="{3541E32D-326E-4733-A431-D71F793B8205}"/>
+              </a:ext>
+            </a:extLst>
+          </p:cNvPr>
+          <p:cNvSpPr txBox="1"/>
+          <p:nvPr/>
+        </p:nvSpPr>
+        <p:spPr>
+          <a:xfrm>
+            <a:off x="3561796" y="277006"/>
+            <a:ext cx="5068409" cy="523220"/>
+          </a:xfrm>
+          <a:prstGeom prst="rect">
+            <a:avLst/>
+          </a:prstGeom>
+          <a:noFill/>
+        </p:spPr>
+        <p:txBody>
+          <a:bodyPr wrap="square" rtlCol="0">
+            <a:spAutoFit/>
+          </a:bodyPr>
+          <a:lstStyle/>
+          <a:p>
+            <a:pPr algn="ctr"/>
+            <a:r>
+              <a:rPr lang="en-NZ" sz="2800" err="1"/>
+              <a:t>SeleSt</a:t>
+            </a:r>
+            <a:endParaRPr lang="en-NZ" sz="2800"/>
+          </a:p>
+        </p:txBody>
+      </p:sp>
+      <p:sp>
+        <p:nvSpPr>
+          <p:cNvPr id="11" name="TextBox 10">
+            <a:extLst>
+              <a:ext uri="{FF2B5EF4-FFF2-40B4-BE49-F238E27FC236}">
+                <a16:creationId xmlns:a16="http://schemas.microsoft.com/office/drawing/2014/main" id="{35BE92BA-CCCB-4343-AF53-B1D55CAF2CFF}"/>
+              </a:ext>
+            </a:extLst>
+          </p:cNvPr>
+          <p:cNvSpPr txBox="1"/>
+          <p:nvPr/>
+        </p:nvSpPr>
+        <p:spPr>
+          <a:xfrm>
+            <a:off x="854648" y="4791613"/>
+            <a:ext cx="10482702" cy="400110"/>
+          </a:xfrm>
+          <a:prstGeom prst="rect">
+            <a:avLst/>
+          </a:prstGeom>
+          <a:noFill/>
+        </p:spPr>
+        <p:txBody>
+          <a:bodyPr wrap="square" rtlCol="0">
+            <a:spAutoFit/>
+          </a:bodyPr>
+          <a:lstStyle/>
+          <a:p>
+            <a:pPr algn="ctr"/>
+            <a:r>
+              <a:rPr lang="en-NZ" sz="2000" dirty="0"/>
+              <a:t>Let’s practice with a block of go trials.</a:t>
+            </a:r>
+          </a:p>
+        </p:txBody>
+      </p:sp>
+      <p:grpSp>
+        <p:nvGrpSpPr>
+          <p:cNvPr id="12" name="Group 11">
+            <a:extLst>
+              <a:ext uri="{FF2B5EF4-FFF2-40B4-BE49-F238E27FC236}">
+                <a16:creationId xmlns:a16="http://schemas.microsoft.com/office/drawing/2014/main" id="{B0F2BC14-2481-4D64-A948-399A8651F613}"/>
+              </a:ext>
+            </a:extLst>
+          </p:cNvPr>
+          <p:cNvGrpSpPr/>
+          <p:nvPr/>
+        </p:nvGrpSpPr>
+        <p:grpSpPr>
+          <a:xfrm>
+            <a:off x="3635985" y="1477014"/>
+            <a:ext cx="4920027" cy="3133729"/>
+            <a:chOff x="3812762" y="2365787"/>
+            <a:chExt cx="4920027" cy="3133729"/>
+          </a:xfrm>
+        </p:grpSpPr>
+        <p:pic>
+          <p:nvPicPr>
+            <p:cNvPr id="13" name="Graphic 12">
+              <a:extLst>
+                <a:ext uri="{FF2B5EF4-FFF2-40B4-BE49-F238E27FC236}">
+                  <a16:creationId xmlns:a16="http://schemas.microsoft.com/office/drawing/2014/main" id="{D4A0F36A-3334-43E5-9A3A-6CBDFE0D811B}"/>
+                </a:ext>
+              </a:extLst>
+            </p:cNvPr>
+            <p:cNvPicPr>
+              <a:picLocks noChangeAspect="1"/>
+            </p:cNvPicPr>
+            <p:nvPr/>
+          </p:nvPicPr>
+          <p:blipFill>
+            <a:blip r:embed="rId2">
+              <a:extLst>
+                <a:ext uri="{96DAC541-7B7A-43D3-8B79-37D633B846F1}">
+                  <asvg:svgBlip xmlns:asvg="http://schemas.microsoft.com/office/drawing/2016/SVG/main" r:embed="rId3"/>
+                </a:ext>
+              </a:extLst>
+            </a:blip>
+            <a:stretch>
+              <a:fillRect/>
+            </a:stretch>
+          </p:blipFill>
+          <p:spPr>
+            <a:xfrm>
+              <a:off x="3817842" y="2714099"/>
+              <a:ext cx="4812363" cy="2785417"/>
+            </a:xfrm>
+            <a:prstGeom prst="rect">
+              <a:avLst/>
+            </a:prstGeom>
+          </p:spPr>
+        </p:pic>
+        <p:sp>
+          <p:nvSpPr>
+            <p:cNvPr id="19" name="TextBox 18">
+              <a:extLst>
+                <a:ext uri="{FF2B5EF4-FFF2-40B4-BE49-F238E27FC236}">
+                  <a16:creationId xmlns:a16="http://schemas.microsoft.com/office/drawing/2014/main" id="{DEC594A3-77DE-45F5-BF18-7516AB7C3290}"/>
+                </a:ext>
+              </a:extLst>
+            </p:cNvPr>
+            <p:cNvSpPr txBox="1"/>
+            <p:nvPr/>
+          </p:nvSpPr>
+          <p:spPr>
+            <a:xfrm>
+              <a:off x="3812762" y="2371594"/>
+              <a:ext cx="1085825" cy="400110"/>
+            </a:xfrm>
+            <a:prstGeom prst="rect">
+              <a:avLst/>
+            </a:prstGeom>
+            <a:noFill/>
+          </p:spPr>
+          <p:txBody>
+            <a:bodyPr wrap="square" rtlCol="0">
+              <a:spAutoFit/>
+            </a:bodyPr>
+            <a:lstStyle/>
+            <a:p>
+              <a:pPr algn="ctr"/>
+              <a:r>
+                <a:rPr lang="en-NZ" sz="2000" dirty="0"/>
+                <a:t>0 points</a:t>
+              </a:r>
+            </a:p>
+          </p:txBody>
+        </p:sp>
+        <p:sp>
+          <p:nvSpPr>
+            <p:cNvPr id="21" name="TextBox 20">
+              <a:extLst>
+                <a:ext uri="{FF2B5EF4-FFF2-40B4-BE49-F238E27FC236}">
+                  <a16:creationId xmlns:a16="http://schemas.microsoft.com/office/drawing/2014/main" id="{9652B4F6-F667-41DD-86EC-CEAF203A9FD1}"/>
+                </a:ext>
+              </a:extLst>
+            </p:cNvPr>
+            <p:cNvSpPr txBox="1"/>
+            <p:nvPr/>
+          </p:nvSpPr>
+          <p:spPr>
+            <a:xfrm>
+              <a:off x="4989473" y="2381109"/>
+              <a:ext cx="1188362" cy="400110"/>
+            </a:xfrm>
+            <a:prstGeom prst="rect">
+              <a:avLst/>
+            </a:prstGeom>
+            <a:noFill/>
+          </p:spPr>
+          <p:txBody>
+            <a:bodyPr wrap="square" rtlCol="0">
+              <a:spAutoFit/>
+            </a:bodyPr>
+            <a:lstStyle/>
+            <a:p>
+              <a:pPr algn="ctr"/>
+              <a:r>
+                <a:rPr lang="en-NZ" sz="2000" dirty="0"/>
+                <a:t>25 points</a:t>
+              </a:r>
+            </a:p>
+          </p:txBody>
+        </p:sp>
+        <p:sp>
+          <p:nvSpPr>
+            <p:cNvPr id="22" name="TextBox 21">
+              <a:extLst>
+                <a:ext uri="{FF2B5EF4-FFF2-40B4-BE49-F238E27FC236}">
+                  <a16:creationId xmlns:a16="http://schemas.microsoft.com/office/drawing/2014/main" id="{E11019A9-CC7E-45C5-93A9-7229532EF9FF}"/>
+                </a:ext>
+              </a:extLst>
+            </p:cNvPr>
+            <p:cNvSpPr txBox="1"/>
+            <p:nvPr/>
+          </p:nvSpPr>
+          <p:spPr>
+            <a:xfrm>
+              <a:off x="6258561" y="2381109"/>
+              <a:ext cx="1188362" cy="400110"/>
+            </a:xfrm>
+            <a:prstGeom prst="rect">
+              <a:avLst/>
+            </a:prstGeom>
+            <a:noFill/>
+          </p:spPr>
+          <p:txBody>
+            <a:bodyPr wrap="square" rtlCol="0">
+              <a:spAutoFit/>
+            </a:bodyPr>
+            <a:lstStyle/>
+            <a:p>
+              <a:pPr algn="ctr"/>
+              <a:r>
+                <a:rPr lang="en-NZ" sz="2000" dirty="0"/>
+                <a:t>50 points</a:t>
+              </a:r>
+            </a:p>
+          </p:txBody>
+        </p:sp>
+        <p:sp>
+          <p:nvSpPr>
+            <p:cNvPr id="23" name="TextBox 22">
+              <a:extLst>
+                <a:ext uri="{FF2B5EF4-FFF2-40B4-BE49-F238E27FC236}">
+                  <a16:creationId xmlns:a16="http://schemas.microsoft.com/office/drawing/2014/main" id="{89BD011B-3C5C-4C28-B610-70DF430BDFB0}"/>
+                </a:ext>
+              </a:extLst>
+            </p:cNvPr>
+            <p:cNvSpPr txBox="1"/>
+            <p:nvPr/>
+          </p:nvSpPr>
+          <p:spPr>
+            <a:xfrm>
+              <a:off x="7463701" y="2365787"/>
+              <a:ext cx="1269088" cy="400110"/>
+            </a:xfrm>
+            <a:prstGeom prst="rect">
+              <a:avLst/>
+            </a:prstGeom>
+            <a:noFill/>
+          </p:spPr>
+          <p:txBody>
+            <a:bodyPr wrap="square" rtlCol="0">
+              <a:spAutoFit/>
+            </a:bodyPr>
+            <a:lstStyle/>
+            <a:p>
+              <a:pPr algn="ctr"/>
+              <a:r>
+                <a:rPr lang="en-NZ" sz="2000" dirty="0"/>
+                <a:t>100 points</a:t>
+              </a:r>
+            </a:p>
+          </p:txBody>
+        </p:sp>
+      </p:grpSp>
+      <p:sp>
+        <p:nvSpPr>
+          <p:cNvPr id="25" name="TextBox 24">
+            <a:extLst>
+              <a:ext uri="{FF2B5EF4-FFF2-40B4-BE49-F238E27FC236}">
+                <a16:creationId xmlns:a16="http://schemas.microsoft.com/office/drawing/2014/main" id="{7D7870B9-2E49-4192-92D9-E9E55B3C568D}"/>
+              </a:ext>
+            </a:extLst>
+          </p:cNvPr>
+          <p:cNvSpPr txBox="1"/>
+          <p:nvPr/>
+        </p:nvSpPr>
+        <p:spPr>
+          <a:xfrm>
+            <a:off x="1814695" y="6084909"/>
+            <a:ext cx="8562609" cy="400110"/>
+          </a:xfrm>
+          <a:prstGeom prst="rect">
+            <a:avLst/>
+          </a:prstGeom>
+          <a:noFill/>
+        </p:spPr>
+        <p:txBody>
+          <a:bodyPr wrap="square" rtlCol="0">
+            <a:spAutoFit/>
+          </a:bodyPr>
+          <a:lstStyle/>
+          <a:p>
+            <a:pPr algn="ctr"/>
+            <a:r>
+              <a:rPr lang="en-NZ" sz="2000" dirty="0"/>
+              <a:t>Press SPACE to start practice block</a:t>
+            </a:r>
+          </a:p>
+        </p:txBody>
+      </p:sp>
+    </p:spTree>
+    <p:extLst>
+      <p:ext uri="{BB962C8B-B14F-4D97-AF65-F5344CB8AC3E}">
+        <p14:creationId xmlns:p14="http://schemas.microsoft.com/office/powerpoint/2010/main" val="892448041"/>
+      </p:ext>
+    </p:extLst>
+  </p:cSld>
+  <p:clrMapOvr>
+    <a:masterClrMapping/>
+  </p:clrMapOvr>
+</p:sld>
+</file>
+
+<file path=ppt/slides/slide4.xml><?xml version="1.0" encoding="utf-8"?>
 <p:sld xmlns:a="http://schemas.openxmlformats.org/drawingml/2006/main" xmlns:r="http://schemas.openxmlformats.org/officeDocument/2006/relationships" xmlns:p="http://schemas.openxmlformats.org/presentationml/2006/main">
   <p:cSld>
     <p:spTree>
@@ -4887,361 +8501,7 @@
     </p:spTree>
     <p:extLst>
       <p:ext uri="{BB962C8B-B14F-4D97-AF65-F5344CB8AC3E}">
-        <p14:creationId xmlns:p14="http://schemas.microsoft.com/office/powerpoint/2010/main" val="1603467138"/>
-      </p:ext>
-    </p:extLst>
-  </p:cSld>
-  <p:clrMapOvr>
-    <a:masterClrMapping/>
-  </p:clrMapOvr>
-</p:sld>
-</file>
-
-<file path=ppt/slides/slide4.xml><?xml version="1.0" encoding="utf-8"?>
-<p:sld xmlns:a="http://schemas.openxmlformats.org/drawingml/2006/main" xmlns:r="http://schemas.openxmlformats.org/officeDocument/2006/relationships" xmlns:p="http://schemas.openxmlformats.org/presentationml/2006/main">
-  <p:cSld>
-    <p:spTree>
-      <p:nvGrpSpPr>
-        <p:cNvPr id="1" name=""/>
-        <p:cNvGrpSpPr/>
-        <p:nvPr/>
-      </p:nvGrpSpPr>
-      <p:grpSpPr>
-        <a:xfrm>
-          <a:off x="0" y="0"/>
-          <a:ext cx="0" cy="0"/>
-          <a:chOff x="0" y="0"/>
-          <a:chExt cx="0" cy="0"/>
-        </a:xfrm>
-      </p:grpSpPr>
-      <p:sp>
-        <p:nvSpPr>
-          <p:cNvPr id="8" name="TextBox 7">
-            <a:extLst>
-              <a:ext uri="{FF2B5EF4-FFF2-40B4-BE49-F238E27FC236}">
-                <a16:creationId xmlns:a16="http://schemas.microsoft.com/office/drawing/2014/main" id="{3541E32D-326E-4733-A431-D71F793B8205}"/>
-              </a:ext>
-            </a:extLst>
-          </p:cNvPr>
-          <p:cNvSpPr txBox="1"/>
-          <p:nvPr/>
-        </p:nvSpPr>
-        <p:spPr>
-          <a:xfrm>
-            <a:off x="3561796" y="277006"/>
-            <a:ext cx="5068409" cy="523220"/>
-          </a:xfrm>
-          <a:prstGeom prst="rect">
-            <a:avLst/>
-          </a:prstGeom>
-          <a:noFill/>
-        </p:spPr>
-        <p:txBody>
-          <a:bodyPr wrap="square" rtlCol="0">
-            <a:spAutoFit/>
-          </a:bodyPr>
-          <a:lstStyle/>
-          <a:p>
-            <a:pPr algn="ctr"/>
-            <a:r>
-              <a:rPr lang="en-NZ" sz="2800" err="1"/>
-              <a:t>SeleSt</a:t>
-            </a:r>
-            <a:endParaRPr lang="en-NZ" sz="2800"/>
-          </a:p>
-        </p:txBody>
-      </p:sp>
-      <p:grpSp>
-        <p:nvGrpSpPr>
-          <p:cNvPr id="16" name="Group 15">
-            <a:extLst>
-              <a:ext uri="{FF2B5EF4-FFF2-40B4-BE49-F238E27FC236}">
-                <a16:creationId xmlns:a16="http://schemas.microsoft.com/office/drawing/2014/main" id="{9CB5BBB7-9698-4E67-B7E8-8A728FFB1D54}"/>
-              </a:ext>
-            </a:extLst>
-          </p:cNvPr>
-          <p:cNvGrpSpPr/>
-          <p:nvPr/>
-        </p:nvGrpSpPr>
-        <p:grpSpPr>
-          <a:xfrm>
-            <a:off x="3677021" y="3289246"/>
-            <a:ext cx="4837959" cy="2591227"/>
-            <a:chOff x="2757505" y="3045953"/>
-            <a:chExt cx="5564470" cy="2980349"/>
-          </a:xfrm>
-        </p:grpSpPr>
-        <p:pic>
-          <p:nvPicPr>
-            <p:cNvPr id="3" name="Graphic 2">
-              <a:extLst>
-                <a:ext uri="{FF2B5EF4-FFF2-40B4-BE49-F238E27FC236}">
-                  <a16:creationId xmlns:a16="http://schemas.microsoft.com/office/drawing/2014/main" id="{AAB8041D-A97A-4A8E-939E-5E7C2EB033AD}"/>
-                </a:ext>
-              </a:extLst>
-            </p:cNvPr>
-            <p:cNvPicPr>
-              <a:picLocks noChangeAspect="1"/>
-            </p:cNvPicPr>
-            <p:nvPr/>
-          </p:nvPicPr>
-          <p:blipFill>
-            <a:blip r:embed="rId2">
-              <a:extLst>
-                <a:ext uri="{96DAC541-7B7A-43D3-8B79-37D633B846F1}">
-                  <asvg:svgBlip xmlns:asvg="http://schemas.microsoft.com/office/drawing/2016/SVG/main" r:embed="rId3"/>
-                </a:ext>
-              </a:extLst>
-            </a:blip>
-            <a:stretch>
-              <a:fillRect/>
-            </a:stretch>
-          </p:blipFill>
-          <p:spPr>
-            <a:xfrm>
-              <a:off x="2757505" y="3045953"/>
-              <a:ext cx="2084776" cy="2980349"/>
-            </a:xfrm>
-            <a:prstGeom prst="rect">
-              <a:avLst/>
-            </a:prstGeom>
-          </p:spPr>
-        </p:pic>
-        <p:pic>
-          <p:nvPicPr>
-            <p:cNvPr id="6" name="Graphic 5">
-              <a:extLst>
-                <a:ext uri="{FF2B5EF4-FFF2-40B4-BE49-F238E27FC236}">
-                  <a16:creationId xmlns:a16="http://schemas.microsoft.com/office/drawing/2014/main" id="{CA51A3D2-F2E3-4423-B8D0-27582C72BF75}"/>
-                </a:ext>
-              </a:extLst>
-            </p:cNvPr>
-            <p:cNvPicPr>
-              <a:picLocks noChangeAspect="1"/>
-            </p:cNvPicPr>
-            <p:nvPr/>
-          </p:nvPicPr>
-          <p:blipFill>
-            <a:blip r:embed="rId4">
-              <a:extLst>
-                <a:ext uri="{96DAC541-7B7A-43D3-8B79-37D633B846F1}">
-                  <asvg:svgBlip xmlns:asvg="http://schemas.microsoft.com/office/drawing/2016/SVG/main" r:embed="rId5"/>
-                </a:ext>
-              </a:extLst>
-            </a:blip>
-            <a:stretch>
-              <a:fillRect/>
-            </a:stretch>
-          </p:blipFill>
-          <p:spPr>
-            <a:xfrm>
-              <a:off x="6237199" y="3045953"/>
-              <a:ext cx="2084776" cy="2980349"/>
-            </a:xfrm>
-            <a:prstGeom prst="rect">
-              <a:avLst/>
-            </a:prstGeom>
-          </p:spPr>
-        </p:pic>
-        <p:cxnSp>
-          <p:nvCxnSpPr>
-            <p:cNvPr id="15" name="Straight Arrow Connector 14">
-              <a:extLst>
-                <a:ext uri="{FF2B5EF4-FFF2-40B4-BE49-F238E27FC236}">
-                  <a16:creationId xmlns:a16="http://schemas.microsoft.com/office/drawing/2014/main" id="{05038AC6-1A85-4553-B8E3-EDDDA7DB866D}"/>
-                </a:ext>
-              </a:extLst>
-            </p:cNvPr>
-            <p:cNvCxnSpPr/>
-            <p:nvPr/>
-          </p:nvCxnSpPr>
-          <p:spPr>
-            <a:xfrm>
-              <a:off x="4983480" y="4536127"/>
-              <a:ext cx="1112520" cy="0"/>
-            </a:xfrm>
-            <a:prstGeom prst="straightConnector1">
-              <a:avLst/>
-            </a:prstGeom>
-            <a:ln w="76200">
-              <a:solidFill>
-                <a:schemeClr val="tx1"/>
-              </a:solidFill>
-              <a:tailEnd type="triangle"/>
-            </a:ln>
-          </p:spPr>
-          <p:style>
-            <a:lnRef idx="1">
-              <a:schemeClr val="accent1"/>
-            </a:lnRef>
-            <a:fillRef idx="0">
-              <a:schemeClr val="accent1"/>
-            </a:fillRef>
-            <a:effectRef idx="0">
-              <a:schemeClr val="accent1"/>
-            </a:effectRef>
-            <a:fontRef idx="minor">
-              <a:schemeClr val="tx1"/>
-            </a:fontRef>
-          </p:style>
-        </p:cxnSp>
-      </p:grpSp>
-      <p:sp>
-        <p:nvSpPr>
-          <p:cNvPr id="20" name="TextBox 19">
-            <a:extLst>
-              <a:ext uri="{FF2B5EF4-FFF2-40B4-BE49-F238E27FC236}">
-                <a16:creationId xmlns:a16="http://schemas.microsoft.com/office/drawing/2014/main" id="{FE449046-5C53-4297-912F-D461D98E2FE8}"/>
-              </a:ext>
-            </a:extLst>
-          </p:cNvPr>
-          <p:cNvSpPr txBox="1"/>
-          <p:nvPr/>
-        </p:nvSpPr>
-        <p:spPr>
-          <a:xfrm>
-            <a:off x="2363972" y="1484386"/>
-            <a:ext cx="7464056" cy="707886"/>
-          </a:xfrm>
-          <a:prstGeom prst="rect">
-            <a:avLst/>
-          </a:prstGeom>
-          <a:noFill/>
-        </p:spPr>
-        <p:txBody>
-          <a:bodyPr wrap="square" lIns="91440" tIns="45720" rIns="91440" bIns="45720" rtlCol="0" anchor="t">
-            <a:spAutoFit/>
-          </a:bodyPr>
-          <a:lstStyle/>
-          <a:p>
-            <a:pPr algn="ctr"/>
-            <a:r>
-              <a:rPr lang="en-NZ" sz="2000" dirty="0"/>
-              <a:t>Each trial starts with two empty triangles that fill after a brief delay. Most trials are ‘go’ trials during which the triangles will turn black.</a:t>
-            </a:r>
-          </a:p>
-        </p:txBody>
-      </p:sp>
-      <p:sp>
-        <p:nvSpPr>
-          <p:cNvPr id="21" name="TextBox 20">
-            <a:extLst>
-              <a:ext uri="{FF2B5EF4-FFF2-40B4-BE49-F238E27FC236}">
-                <a16:creationId xmlns:a16="http://schemas.microsoft.com/office/drawing/2014/main" id="{5B9114B7-D4EF-442B-BE43-6C29B64F5531}"/>
-              </a:ext>
-            </a:extLst>
-          </p:cNvPr>
-          <p:cNvSpPr txBox="1"/>
-          <p:nvPr/>
-        </p:nvSpPr>
-        <p:spPr>
-          <a:xfrm>
-            <a:off x="3084408" y="2386816"/>
-            <a:ext cx="6023184" cy="707886"/>
-          </a:xfrm>
-          <a:prstGeom prst="rect">
-            <a:avLst/>
-          </a:prstGeom>
-          <a:noFill/>
-        </p:spPr>
-        <p:txBody>
-          <a:bodyPr wrap="square" lIns="91440" tIns="45720" rIns="91440" bIns="45720" rtlCol="0" anchor="t">
-            <a:spAutoFit/>
-          </a:bodyPr>
-          <a:lstStyle/>
-          <a:p>
-            <a:pPr algn="ctr"/>
-            <a:r>
-              <a:rPr lang="en-NZ" sz="2000" dirty="0"/>
-              <a:t>Your objective is to respond as fast as you can when the triangles turn black by pressing the response keys.</a:t>
-            </a:r>
-          </a:p>
-        </p:txBody>
-      </p:sp>
-      <p:sp>
-        <p:nvSpPr>
-          <p:cNvPr id="23" name="TextBox 22">
-            <a:extLst>
-              <a:ext uri="{FF2B5EF4-FFF2-40B4-BE49-F238E27FC236}">
-                <a16:creationId xmlns:a16="http://schemas.microsoft.com/office/drawing/2014/main" id="{B65584AA-895C-4C14-A538-6240C6905740}"/>
-              </a:ext>
-            </a:extLst>
-          </p:cNvPr>
-          <p:cNvSpPr txBox="1"/>
-          <p:nvPr/>
-        </p:nvSpPr>
-        <p:spPr>
-          <a:xfrm>
-            <a:off x="1395620" y="889732"/>
-            <a:ext cx="9400761" cy="400110"/>
-          </a:xfrm>
-          <a:prstGeom prst="rect">
-            <a:avLst/>
-          </a:prstGeom>
-          <a:noFill/>
-        </p:spPr>
-        <p:txBody>
-          <a:bodyPr wrap="square" rtlCol="0">
-            <a:spAutoFit/>
-          </a:bodyPr>
-          <a:lstStyle/>
-          <a:p>
-            <a:pPr algn="ctr"/>
-            <a:r>
-              <a:rPr lang="en-NZ" sz="2000" dirty="0"/>
-              <a:t>Welcome! </a:t>
-            </a:r>
-            <a:r>
-              <a:rPr lang="en-NZ" sz="2000" dirty="0" err="1"/>
-              <a:t>SeleSt</a:t>
-            </a:r>
-            <a:r>
-              <a:rPr lang="en-NZ" sz="2000" dirty="0"/>
-              <a:t> is designed to test your ability to respond and stop selectively.</a:t>
-            </a:r>
-          </a:p>
-        </p:txBody>
-      </p:sp>
-      <p:sp>
-        <p:nvSpPr>
-          <p:cNvPr id="26" name="TextBox 25">
-            <a:extLst>
-              <a:ext uri="{FF2B5EF4-FFF2-40B4-BE49-F238E27FC236}">
-                <a16:creationId xmlns:a16="http://schemas.microsoft.com/office/drawing/2014/main" id="{339D49EC-E68D-4D8C-B6F0-FD34D6A20F78}"/>
-              </a:ext>
-            </a:extLst>
-          </p:cNvPr>
-          <p:cNvSpPr txBox="1"/>
-          <p:nvPr/>
-        </p:nvSpPr>
-        <p:spPr>
-          <a:xfrm>
-            <a:off x="1814696" y="6084909"/>
-            <a:ext cx="8562609" cy="400110"/>
-          </a:xfrm>
-          <a:prstGeom prst="rect">
-            <a:avLst/>
-          </a:prstGeom>
-          <a:noFill/>
-        </p:spPr>
-        <p:txBody>
-          <a:bodyPr wrap="square" rtlCol="0">
-            <a:spAutoFit/>
-          </a:bodyPr>
-          <a:lstStyle/>
-          <a:p>
-            <a:pPr algn="ctr"/>
-            <a:r>
-              <a:rPr lang="en-NZ" sz="2000" dirty="0"/>
-              <a:t>Press SPACE to continue</a:t>
-            </a:r>
-          </a:p>
-        </p:txBody>
-      </p:sp>
-    </p:spTree>
-    <p:extLst>
-      <p:ext uri="{BB962C8B-B14F-4D97-AF65-F5344CB8AC3E}">
-        <p14:creationId xmlns:p14="http://schemas.microsoft.com/office/powerpoint/2010/main" val="3783900015"/>
+        <p14:creationId xmlns:p14="http://schemas.microsoft.com/office/powerpoint/2010/main" val="3917273510"/>
       </p:ext>
     </p:extLst>
   </p:cSld>
@@ -5270,346 +8530,36 @@
       </p:grpSpPr>
       <p:sp>
         <p:nvSpPr>
-          <p:cNvPr id="8" name="TextBox 7">
-            <a:extLst>
-              <a:ext uri="{FF2B5EF4-FFF2-40B4-BE49-F238E27FC236}">
-                <a16:creationId xmlns:a16="http://schemas.microsoft.com/office/drawing/2014/main" id="{3541E32D-326E-4733-A431-D71F793B8205}"/>
-              </a:ext>
-            </a:extLst>
-          </p:cNvPr>
-          <p:cNvSpPr txBox="1"/>
-          <p:nvPr/>
+          <p:cNvPr id="2" name="Title 1">
+            <a:extLst>
+              <a:ext uri="{FF2B5EF4-FFF2-40B4-BE49-F238E27FC236}">
+                <a16:creationId xmlns:a16="http://schemas.microsoft.com/office/drawing/2014/main" id="{1E727CD3-0A38-4054-80DD-C537FDA35BF9}"/>
+              </a:ext>
+            </a:extLst>
+          </p:cNvPr>
+          <p:cNvSpPr>
+            <a:spLocks noGrp="1"/>
+          </p:cNvSpPr>
+          <p:nvPr>
+            <p:ph type="title"/>
+          </p:nvPr>
         </p:nvSpPr>
         <p:spPr>
           <a:xfrm>
-            <a:off x="3561796" y="277006"/>
-            <a:ext cx="5068409" cy="523220"/>
-          </a:xfrm>
-          <a:prstGeom prst="rect">
-            <a:avLst/>
-          </a:prstGeom>
-          <a:noFill/>
+            <a:off x="838200" y="2766219"/>
+            <a:ext cx="10515600" cy="1325563"/>
+          </a:xfrm>
         </p:spPr>
         <p:txBody>
-          <a:bodyPr wrap="square" rtlCol="0">
-            <a:spAutoFit/>
+          <a:bodyPr>
+            <a:normAutofit/>
           </a:bodyPr>
           <a:lstStyle/>
           <a:p>
             <a:pPr algn="ctr"/>
             <a:r>
-              <a:rPr lang="en-NZ" sz="2800" err="1"/>
-              <a:t>SeleSt</a:t>
-            </a:r>
-            <a:endParaRPr lang="en-NZ" sz="2800"/>
-          </a:p>
-        </p:txBody>
-      </p:sp>
-      <p:sp>
-        <p:nvSpPr>
-          <p:cNvPr id="22" name="TextBox 21">
-            <a:extLst>
-              <a:ext uri="{FF2B5EF4-FFF2-40B4-BE49-F238E27FC236}">
-                <a16:creationId xmlns:a16="http://schemas.microsoft.com/office/drawing/2014/main" id="{DC90ACA4-551D-42D7-B1D0-BF18EB479BE0}"/>
-              </a:ext>
-            </a:extLst>
-          </p:cNvPr>
-          <p:cNvSpPr txBox="1"/>
-          <p:nvPr/>
-        </p:nvSpPr>
-        <p:spPr>
-          <a:xfrm>
-            <a:off x="1285043" y="896035"/>
-            <a:ext cx="9621914" cy="400110"/>
-          </a:xfrm>
-          <a:prstGeom prst="rect">
-            <a:avLst/>
-          </a:prstGeom>
-          <a:noFill/>
-        </p:spPr>
-        <p:txBody>
-          <a:bodyPr wrap="square" lIns="91440" tIns="45720" rIns="91440" bIns="45720" rtlCol="0" anchor="t">
-            <a:spAutoFit/>
-          </a:bodyPr>
-          <a:lstStyle/>
-          <a:p>
-            <a:pPr algn="ctr"/>
-            <a:r>
-              <a:rPr lang="en-NZ" sz="2000" dirty="0"/>
-              <a:t>You earn points by responding fast.</a:t>
-            </a:r>
-          </a:p>
-        </p:txBody>
-      </p:sp>
-      <p:grpSp>
-        <p:nvGrpSpPr>
-          <p:cNvPr id="23" name="Group 22">
-            <a:extLst>
-              <a:ext uri="{FF2B5EF4-FFF2-40B4-BE49-F238E27FC236}">
-                <a16:creationId xmlns:a16="http://schemas.microsoft.com/office/drawing/2014/main" id="{F980D12D-4A8A-49D1-B048-E7316DE0F55B}"/>
-              </a:ext>
-            </a:extLst>
-          </p:cNvPr>
-          <p:cNvGrpSpPr/>
-          <p:nvPr/>
-        </p:nvGrpSpPr>
-        <p:grpSpPr>
-          <a:xfrm>
-            <a:off x="3542623" y="1351639"/>
-            <a:ext cx="5106754" cy="3409461"/>
-            <a:chOff x="3593342" y="2269339"/>
-            <a:chExt cx="5106754" cy="3409461"/>
-          </a:xfrm>
-        </p:grpSpPr>
-        <p:sp>
-          <p:nvSpPr>
-            <p:cNvPr id="24" name="TextBox 23">
-              <a:extLst>
-                <a:ext uri="{FF2B5EF4-FFF2-40B4-BE49-F238E27FC236}">
-                  <a16:creationId xmlns:a16="http://schemas.microsoft.com/office/drawing/2014/main" id="{8E828B16-C426-4256-AB75-675F6EF45315}"/>
-                </a:ext>
-              </a:extLst>
-            </p:cNvPr>
-            <p:cNvSpPr txBox="1"/>
-            <p:nvPr/>
-          </p:nvSpPr>
-          <p:spPr>
-            <a:xfrm>
-              <a:off x="3593342" y="2273031"/>
-              <a:ext cx="1050012" cy="400110"/>
-            </a:xfrm>
-            <a:prstGeom prst="rect">
-              <a:avLst/>
-            </a:prstGeom>
-            <a:noFill/>
-          </p:spPr>
-          <p:txBody>
-            <a:bodyPr wrap="square" rtlCol="0">
-              <a:spAutoFit/>
-            </a:bodyPr>
-            <a:lstStyle/>
-            <a:p>
-              <a:pPr algn="ctr"/>
-              <a:r>
-                <a:rPr lang="en-NZ" sz="2000" dirty="0"/>
-                <a:t>0 points</a:t>
-              </a:r>
-            </a:p>
-          </p:txBody>
-        </p:sp>
-        <p:sp>
-          <p:nvSpPr>
-            <p:cNvPr id="25" name="TextBox 24">
-              <a:extLst>
-                <a:ext uri="{FF2B5EF4-FFF2-40B4-BE49-F238E27FC236}">
-                  <a16:creationId xmlns:a16="http://schemas.microsoft.com/office/drawing/2014/main" id="{257C885A-2837-46ED-AEF5-4691005B7898}"/>
-                </a:ext>
-              </a:extLst>
-            </p:cNvPr>
-            <p:cNvSpPr txBox="1"/>
-            <p:nvPr/>
-          </p:nvSpPr>
-          <p:spPr>
-            <a:xfrm>
-              <a:off x="4826167" y="2273031"/>
-              <a:ext cx="1188362" cy="400110"/>
-            </a:xfrm>
-            <a:prstGeom prst="rect">
-              <a:avLst/>
-            </a:prstGeom>
-            <a:noFill/>
-          </p:spPr>
-          <p:txBody>
-            <a:bodyPr wrap="square" rtlCol="0">
-              <a:spAutoFit/>
-            </a:bodyPr>
-            <a:lstStyle/>
-            <a:p>
-              <a:pPr algn="ctr"/>
-              <a:r>
-                <a:rPr lang="en-NZ" sz="2000" dirty="0"/>
-                <a:t>25 points</a:t>
-              </a:r>
-            </a:p>
-          </p:txBody>
-        </p:sp>
-        <p:sp>
-          <p:nvSpPr>
-            <p:cNvPr id="26" name="TextBox 25">
-              <a:extLst>
-                <a:ext uri="{FF2B5EF4-FFF2-40B4-BE49-F238E27FC236}">
-                  <a16:creationId xmlns:a16="http://schemas.microsoft.com/office/drawing/2014/main" id="{683F0BE3-ECFB-4203-BC21-14CE6ADA6E54}"/>
-                </a:ext>
-              </a:extLst>
-            </p:cNvPr>
-            <p:cNvSpPr txBox="1"/>
-            <p:nvPr/>
-          </p:nvSpPr>
-          <p:spPr>
-            <a:xfrm>
-              <a:off x="6101080" y="2269339"/>
-              <a:ext cx="1188362" cy="400110"/>
-            </a:xfrm>
-            <a:prstGeom prst="rect">
-              <a:avLst/>
-            </a:prstGeom>
-            <a:noFill/>
-          </p:spPr>
-          <p:txBody>
-            <a:bodyPr wrap="square" rtlCol="0">
-              <a:spAutoFit/>
-            </a:bodyPr>
-            <a:lstStyle/>
-            <a:p>
-              <a:pPr algn="ctr"/>
-              <a:r>
-                <a:rPr lang="en-NZ" sz="2000" dirty="0"/>
-                <a:t>50 points</a:t>
-              </a:r>
-            </a:p>
-          </p:txBody>
-        </p:sp>
-        <p:sp>
-          <p:nvSpPr>
-            <p:cNvPr id="27" name="TextBox 26">
-              <a:extLst>
-                <a:ext uri="{FF2B5EF4-FFF2-40B4-BE49-F238E27FC236}">
-                  <a16:creationId xmlns:a16="http://schemas.microsoft.com/office/drawing/2014/main" id="{BE66D362-3FF7-4947-AABE-B8132CCF3EBA}"/>
-                </a:ext>
-              </a:extLst>
-            </p:cNvPr>
-            <p:cNvSpPr txBox="1"/>
-            <p:nvPr/>
-          </p:nvSpPr>
-          <p:spPr>
-            <a:xfrm>
-              <a:off x="7381721" y="2269339"/>
-              <a:ext cx="1318375" cy="400110"/>
-            </a:xfrm>
-            <a:prstGeom prst="rect">
-              <a:avLst/>
-            </a:prstGeom>
-            <a:noFill/>
-          </p:spPr>
-          <p:txBody>
-            <a:bodyPr wrap="square" rtlCol="0">
-              <a:spAutoFit/>
-            </a:bodyPr>
-            <a:lstStyle/>
-            <a:p>
-              <a:pPr algn="ctr"/>
-              <a:r>
-                <a:rPr lang="en-NZ" sz="2000" dirty="0"/>
-                <a:t>100 points</a:t>
-              </a:r>
-            </a:p>
-          </p:txBody>
-        </p:sp>
-        <p:pic>
-          <p:nvPicPr>
-            <p:cNvPr id="28" name="Graphic 27">
-              <a:extLst>
-                <a:ext uri="{FF2B5EF4-FFF2-40B4-BE49-F238E27FC236}">
-                  <a16:creationId xmlns:a16="http://schemas.microsoft.com/office/drawing/2014/main" id="{0001488F-96FA-4A10-B52C-90B37D4D1DB8}"/>
-                </a:ext>
-              </a:extLst>
-            </p:cNvPr>
-            <p:cNvPicPr>
-              <a:picLocks noChangeAspect="1"/>
-            </p:cNvPicPr>
-            <p:nvPr/>
-          </p:nvPicPr>
-          <p:blipFill>
-            <a:blip r:embed="rId2">
-              <a:extLst>
-                <a:ext uri="{96DAC541-7B7A-43D3-8B79-37D633B846F1}">
-                  <asvg:svgBlip xmlns:asvg="http://schemas.microsoft.com/office/drawing/2016/SVG/main" r:embed="rId3"/>
-                </a:ext>
-              </a:extLst>
-            </a:blip>
-            <a:stretch>
-              <a:fillRect/>
-            </a:stretch>
-          </p:blipFill>
-          <p:spPr>
-            <a:xfrm>
-              <a:off x="3644376" y="2673752"/>
-              <a:ext cx="4870251" cy="3005048"/>
-            </a:xfrm>
-            <a:prstGeom prst="rect">
-              <a:avLst/>
-            </a:prstGeom>
-          </p:spPr>
-        </p:pic>
-      </p:grpSp>
-      <p:sp>
-        <p:nvSpPr>
-          <p:cNvPr id="29" name="TextBox 28">
-            <a:extLst>
-              <a:ext uri="{FF2B5EF4-FFF2-40B4-BE49-F238E27FC236}">
-                <a16:creationId xmlns:a16="http://schemas.microsoft.com/office/drawing/2014/main" id="{CD41342E-12B7-4928-92EB-1C83C7E167A2}"/>
-              </a:ext>
-            </a:extLst>
-          </p:cNvPr>
-          <p:cNvSpPr txBox="1"/>
-          <p:nvPr/>
-        </p:nvSpPr>
-        <p:spPr>
-          <a:xfrm>
-            <a:off x="854649" y="4816594"/>
-            <a:ext cx="10482702" cy="400110"/>
-          </a:xfrm>
-          <a:prstGeom prst="rect">
-            <a:avLst/>
-          </a:prstGeom>
-          <a:noFill/>
-        </p:spPr>
-        <p:txBody>
-          <a:bodyPr wrap="square" rtlCol="0">
-            <a:spAutoFit/>
-          </a:bodyPr>
-          <a:lstStyle/>
-          <a:p>
-            <a:pPr algn="ctr"/>
-            <a:r>
-              <a:rPr lang="en-NZ" sz="2000" dirty="0"/>
-              <a:t>Let’s practice with a block of go trials.</a:t>
-            </a:r>
-          </a:p>
-        </p:txBody>
-      </p:sp>
-      <p:sp>
-        <p:nvSpPr>
-          <p:cNvPr id="30" name="TextBox 29">
-            <a:extLst>
-              <a:ext uri="{FF2B5EF4-FFF2-40B4-BE49-F238E27FC236}">
-                <a16:creationId xmlns:a16="http://schemas.microsoft.com/office/drawing/2014/main" id="{12BEF24B-F269-4DC4-8D56-84D5152AA627}"/>
-              </a:ext>
-            </a:extLst>
-          </p:cNvPr>
-          <p:cNvSpPr txBox="1"/>
-          <p:nvPr/>
-        </p:nvSpPr>
-        <p:spPr>
-          <a:xfrm>
-            <a:off x="1814696" y="6084909"/>
-            <a:ext cx="8562609" cy="400110"/>
-          </a:xfrm>
-          <a:prstGeom prst="rect">
-            <a:avLst/>
-          </a:prstGeom>
-          <a:noFill/>
-        </p:spPr>
-        <p:txBody>
-          <a:bodyPr wrap="square" rtlCol="0">
-            <a:spAutoFit/>
-          </a:bodyPr>
-          <a:lstStyle/>
-          <a:p>
-            <a:pPr algn="ctr"/>
-            <a:r>
-              <a:rPr lang="en-NZ" sz="2000" dirty="0"/>
-              <a:t>Press SPACE to start practice block</a:t>
+              <a:rPr lang="en-NZ" sz="8800" dirty="0"/>
+              <a:t>SIMPLE VARIANT (SST)</a:t>
             </a:r>
           </a:p>
         </p:txBody>
@@ -5617,7 +8567,7 @@
     </p:spTree>
     <p:extLst>
       <p:ext uri="{BB962C8B-B14F-4D97-AF65-F5344CB8AC3E}">
-        <p14:creationId xmlns:p14="http://schemas.microsoft.com/office/powerpoint/2010/main" val="2875377894"/>
+        <p14:creationId xmlns:p14="http://schemas.microsoft.com/office/powerpoint/2010/main" val="2885016121"/>
       </p:ext>
     </p:extLst>
   </p:cSld>
@@ -5644,12 +8594,48 @@
           <a:chExt cx="0" cy="0"/>
         </a:xfrm>
       </p:grpSpPr>
-      <p:sp>
-        <p:nvSpPr>
-          <p:cNvPr id="18" name="TextBox 17">
-            <a:extLst>
-              <a:ext uri="{FF2B5EF4-FFF2-40B4-BE49-F238E27FC236}">
-                <a16:creationId xmlns:a16="http://schemas.microsoft.com/office/drawing/2014/main" id="{54DC1D0D-D16A-436C-8B4F-E4CAB9F422B8}"/>
+      <p:pic>
+        <p:nvPicPr>
+          <p:cNvPr id="4" name="Graphic 3">
+            <a:extLst>
+              <a:ext uri="{FF2B5EF4-FFF2-40B4-BE49-F238E27FC236}">
+                <a16:creationId xmlns:a16="http://schemas.microsoft.com/office/drawing/2014/main" id="{64CBEDB8-A547-42F8-A6D7-38AE27500031}"/>
+              </a:ext>
+            </a:extLst>
+          </p:cNvPr>
+          <p:cNvPicPr>
+            <a:picLocks noChangeAspect="1"/>
+          </p:cNvPicPr>
+          <p:nvPr/>
+        </p:nvPicPr>
+        <p:blipFill>
+          <a:blip r:embed="rId3">
+            <a:extLst>
+              <a:ext uri="{96DAC541-7B7A-43D3-8B79-37D633B846F1}">
+                <asvg:svgBlip xmlns:asvg="http://schemas.microsoft.com/office/drawing/2016/SVG/main" r:embed="rId4"/>
+              </a:ext>
+            </a:extLst>
+          </a:blip>
+          <a:stretch>
+            <a:fillRect/>
+          </a:stretch>
+        </p:blipFill>
+        <p:spPr>
+          <a:xfrm>
+            <a:off x="3977755" y="2966010"/>
+            <a:ext cx="4235669" cy="2912400"/>
+          </a:xfrm>
+          <a:prstGeom prst="rect">
+            <a:avLst/>
+          </a:prstGeom>
+        </p:spPr>
+      </p:pic>
+      <p:sp>
+        <p:nvSpPr>
+          <p:cNvPr id="8" name="TextBox 7">
+            <a:extLst>
+              <a:ext uri="{FF2B5EF4-FFF2-40B4-BE49-F238E27FC236}">
+                <a16:creationId xmlns:a16="http://schemas.microsoft.com/office/drawing/2014/main" id="{3541E32D-326E-4733-A431-D71F793B8205}"/>
               </a:ext>
             </a:extLst>
           </p:cNvPr>
@@ -5658,8 +8644,8 @@
         </p:nvSpPr>
         <p:spPr>
           <a:xfrm>
-            <a:off x="3124788" y="888285"/>
-            <a:ext cx="5942424" cy="707886"/>
+            <a:off x="3561796" y="277006"/>
+            <a:ext cx="5068409" cy="523220"/>
           </a:xfrm>
           <a:prstGeom prst="rect">
             <a:avLst/>
@@ -5674,18 +8660,19 @@
           <a:p>
             <a:pPr algn="ctr"/>
             <a:r>
-              <a:rPr lang="en-NZ" sz="2000" dirty="0"/>
-              <a:t>One or more triangles may change colour after turning black on a small number of ‘stop’ trials.</a:t>
-            </a:r>
-          </a:p>
-        </p:txBody>
-      </p:sp>
-      <p:sp>
-        <p:nvSpPr>
-          <p:cNvPr id="8" name="TextBox 7">
-            <a:extLst>
-              <a:ext uri="{FF2B5EF4-FFF2-40B4-BE49-F238E27FC236}">
-                <a16:creationId xmlns:a16="http://schemas.microsoft.com/office/drawing/2014/main" id="{3541E32D-326E-4733-A431-D71F793B8205}"/>
+              <a:rPr lang="en-NZ" sz="2800" dirty="0" err="1"/>
+              <a:t>SeleSt</a:t>
+            </a:r>
+            <a:endParaRPr lang="en-NZ" sz="2800" dirty="0"/>
+          </a:p>
+        </p:txBody>
+      </p:sp>
+      <p:sp>
+        <p:nvSpPr>
+          <p:cNvPr id="9" name="TextBox 8">
+            <a:extLst>
+              <a:ext uri="{FF2B5EF4-FFF2-40B4-BE49-F238E27FC236}">
+                <a16:creationId xmlns:a16="http://schemas.microsoft.com/office/drawing/2014/main" id="{6CEAF05C-99F3-4B5F-B61A-D1849E28D68F}"/>
               </a:ext>
             </a:extLst>
           </p:cNvPr>
@@ -5694,8 +8681,8 @@
         </p:nvSpPr>
         <p:spPr>
           <a:xfrm>
-            <a:off x="3561796" y="277006"/>
-            <a:ext cx="5068409" cy="523220"/>
+            <a:off x="1395617" y="842591"/>
+            <a:ext cx="9400761" cy="400110"/>
           </a:xfrm>
           <a:prstGeom prst="rect">
             <a:avLst/>
@@ -5710,319 +8697,26 @@
           <a:p>
             <a:pPr algn="ctr"/>
             <a:r>
-              <a:rPr lang="en-NZ" sz="2800" err="1"/>
+              <a:rPr lang="en-NZ" sz="2000" dirty="0"/>
+              <a:t>Welcome! </a:t>
+            </a:r>
+            <a:r>
+              <a:rPr lang="en-NZ" sz="2000" dirty="0" err="1"/>
               <a:t>SeleSt</a:t>
             </a:r>
-            <a:endParaRPr lang="en-NZ" sz="2800"/>
-          </a:p>
-        </p:txBody>
-      </p:sp>
-      <p:grpSp>
-        <p:nvGrpSpPr>
-          <p:cNvPr id="25" name="Group 24">
-            <a:extLst>
-              <a:ext uri="{FF2B5EF4-FFF2-40B4-BE49-F238E27FC236}">
-                <a16:creationId xmlns:a16="http://schemas.microsoft.com/office/drawing/2014/main" id="{D6AEE912-14A1-4526-B271-4CF6B3281D07}"/>
-              </a:ext>
-            </a:extLst>
-          </p:cNvPr>
-          <p:cNvGrpSpPr/>
-          <p:nvPr/>
-        </p:nvGrpSpPr>
-        <p:grpSpPr>
-          <a:xfrm>
-            <a:off x="3196139" y="1596171"/>
-            <a:ext cx="5799723" cy="2823313"/>
-            <a:chOff x="3196138" y="2283156"/>
-            <a:chExt cx="5799723" cy="2823313"/>
-          </a:xfrm>
-        </p:grpSpPr>
-        <p:grpSp>
-          <p:nvGrpSpPr>
-            <p:cNvPr id="22" name="Group 21">
-              <a:extLst>
-                <a:ext uri="{FF2B5EF4-FFF2-40B4-BE49-F238E27FC236}">
-                  <a16:creationId xmlns:a16="http://schemas.microsoft.com/office/drawing/2014/main" id="{160124BA-0F95-420C-9CC5-B5C8B734AC66}"/>
-                </a:ext>
-              </a:extLst>
-            </p:cNvPr>
-            <p:cNvGrpSpPr/>
-            <p:nvPr/>
-          </p:nvGrpSpPr>
-          <p:grpSpPr>
-            <a:xfrm>
-              <a:off x="3196138" y="2283156"/>
-              <a:ext cx="1695050" cy="2823312"/>
-              <a:chOff x="3153466" y="2283156"/>
-              <a:chExt cx="1695050" cy="2823312"/>
-            </a:xfrm>
-          </p:grpSpPr>
-          <p:sp>
-            <p:nvSpPr>
-              <p:cNvPr id="14" name="TextBox 13">
-                <a:extLst>
-                  <a:ext uri="{FF2B5EF4-FFF2-40B4-BE49-F238E27FC236}">
-                    <a16:creationId xmlns:a16="http://schemas.microsoft.com/office/drawing/2014/main" id="{23025805-ED0A-4A81-8DFD-B97517094028}"/>
-                  </a:ext>
-                </a:extLst>
-              </p:cNvPr>
-              <p:cNvSpPr txBox="1"/>
-              <p:nvPr/>
-            </p:nvSpPr>
-            <p:spPr>
-              <a:xfrm>
-                <a:off x="3153466" y="2283156"/>
-                <a:ext cx="1695049" cy="400110"/>
-              </a:xfrm>
-              <a:prstGeom prst="rect">
-                <a:avLst/>
-              </a:prstGeom>
-              <a:noFill/>
-            </p:spPr>
-            <p:txBody>
-              <a:bodyPr wrap="square" rtlCol="0">
-                <a:spAutoFit/>
-              </a:bodyPr>
-              <a:lstStyle/>
-              <a:p>
-                <a:pPr algn="ctr"/>
-                <a:r>
-                  <a:rPr lang="en-NZ" sz="2000"/>
-                  <a:t>stop-both</a:t>
-                </a:r>
-              </a:p>
-            </p:txBody>
-          </p:sp>
-          <p:pic>
-            <p:nvPicPr>
-              <p:cNvPr id="11" name="Graphic 10">
-                <a:extLst>
-                  <a:ext uri="{FF2B5EF4-FFF2-40B4-BE49-F238E27FC236}">
-                    <a16:creationId xmlns:a16="http://schemas.microsoft.com/office/drawing/2014/main" id="{17A5BFC8-4ACA-4F77-8B40-C7A73D5D66DD}"/>
-                  </a:ext>
-                </a:extLst>
-              </p:cNvPr>
-              <p:cNvPicPr>
-                <a:picLocks noChangeAspect="1"/>
-              </p:cNvPicPr>
-              <p:nvPr/>
-            </p:nvPicPr>
-            <p:blipFill>
-              <a:blip r:embed="rId2">
-                <a:extLst>
-                  <a:ext uri="{96DAC541-7B7A-43D3-8B79-37D633B846F1}">
-                    <asvg:svgBlip xmlns:asvg="http://schemas.microsoft.com/office/drawing/2016/SVG/main" r:embed="rId3"/>
-                  </a:ext>
-                </a:extLst>
-              </a:blip>
-              <a:stretch>
-                <a:fillRect/>
-              </a:stretch>
-            </p:blipFill>
-            <p:spPr>
-              <a:xfrm>
-                <a:off x="3153467" y="2683265"/>
-                <a:ext cx="1695049" cy="2423203"/>
-              </a:xfrm>
-              <a:prstGeom prst="rect">
-                <a:avLst/>
-              </a:prstGeom>
-            </p:spPr>
-          </p:pic>
-        </p:grpSp>
-        <p:grpSp>
-          <p:nvGrpSpPr>
-            <p:cNvPr id="23" name="Group 22">
-              <a:extLst>
-                <a:ext uri="{FF2B5EF4-FFF2-40B4-BE49-F238E27FC236}">
-                  <a16:creationId xmlns:a16="http://schemas.microsoft.com/office/drawing/2014/main" id="{297C3C7F-AD7D-4A10-8B1C-2181B1185FFA}"/>
-                </a:ext>
-              </a:extLst>
-            </p:cNvPr>
-            <p:cNvGrpSpPr/>
-            <p:nvPr/>
-          </p:nvGrpSpPr>
-          <p:grpSpPr>
-            <a:xfrm>
-              <a:off x="5248475" y="2283156"/>
-              <a:ext cx="1695050" cy="2823313"/>
-              <a:chOff x="5248475" y="2283156"/>
-              <a:chExt cx="1695050" cy="2823313"/>
-            </a:xfrm>
-          </p:grpSpPr>
-          <p:sp>
-            <p:nvSpPr>
-              <p:cNvPr id="15" name="TextBox 14">
-                <a:extLst>
-                  <a:ext uri="{FF2B5EF4-FFF2-40B4-BE49-F238E27FC236}">
-                    <a16:creationId xmlns:a16="http://schemas.microsoft.com/office/drawing/2014/main" id="{CED4FD31-F341-4BF6-BA23-E865C9431CA0}"/>
-                  </a:ext>
-                </a:extLst>
-              </p:cNvPr>
-              <p:cNvSpPr txBox="1"/>
-              <p:nvPr/>
-            </p:nvSpPr>
-            <p:spPr>
-              <a:xfrm>
-                <a:off x="5248475" y="2283156"/>
-                <a:ext cx="1695050" cy="400110"/>
-              </a:xfrm>
-              <a:prstGeom prst="rect">
-                <a:avLst/>
-              </a:prstGeom>
-              <a:noFill/>
-            </p:spPr>
-            <p:txBody>
-              <a:bodyPr wrap="square" rtlCol="0">
-                <a:spAutoFit/>
-              </a:bodyPr>
-              <a:lstStyle/>
-              <a:p>
-                <a:pPr algn="ctr"/>
-                <a:r>
-                  <a:rPr lang="en-NZ" sz="2000"/>
-                  <a:t>stop-left</a:t>
-                </a:r>
-              </a:p>
-            </p:txBody>
-          </p:sp>
-          <p:pic>
-            <p:nvPicPr>
-              <p:cNvPr id="19" name="Graphic 18">
-                <a:extLst>
-                  <a:ext uri="{FF2B5EF4-FFF2-40B4-BE49-F238E27FC236}">
-                    <a16:creationId xmlns:a16="http://schemas.microsoft.com/office/drawing/2014/main" id="{654A8ECF-E423-4F82-9CC7-19140EDF66A8}"/>
-                  </a:ext>
-                </a:extLst>
-              </p:cNvPr>
-              <p:cNvPicPr>
-                <a:picLocks noChangeAspect="1"/>
-              </p:cNvPicPr>
-              <p:nvPr/>
-            </p:nvPicPr>
-            <p:blipFill>
-              <a:blip r:embed="rId4">
-                <a:extLst>
-                  <a:ext uri="{96DAC541-7B7A-43D3-8B79-37D633B846F1}">
-                    <asvg:svgBlip xmlns:asvg="http://schemas.microsoft.com/office/drawing/2016/SVG/main" r:embed="rId5"/>
-                  </a:ext>
-                </a:extLst>
-              </a:blip>
-              <a:stretch>
-                <a:fillRect/>
-              </a:stretch>
-            </p:blipFill>
-            <p:spPr>
-              <a:xfrm>
-                <a:off x="5248476" y="2683266"/>
-                <a:ext cx="1695049" cy="2423203"/>
-              </a:xfrm>
-              <a:prstGeom prst="rect">
-                <a:avLst/>
-              </a:prstGeom>
-            </p:spPr>
-          </p:pic>
-        </p:grpSp>
-        <p:grpSp>
-          <p:nvGrpSpPr>
-            <p:cNvPr id="24" name="Group 23">
-              <a:extLst>
-                <a:ext uri="{FF2B5EF4-FFF2-40B4-BE49-F238E27FC236}">
-                  <a16:creationId xmlns:a16="http://schemas.microsoft.com/office/drawing/2014/main" id="{5E499B0F-CF78-4016-AE68-3A4BCE1C2307}"/>
-                </a:ext>
-              </a:extLst>
-            </p:cNvPr>
-            <p:cNvGrpSpPr/>
-            <p:nvPr/>
-          </p:nvGrpSpPr>
-          <p:grpSpPr>
-            <a:xfrm>
-              <a:off x="7300812" y="2288463"/>
-              <a:ext cx="1695049" cy="2818005"/>
-              <a:chOff x="7343484" y="2288462"/>
-              <a:chExt cx="1695049" cy="2818005"/>
-            </a:xfrm>
-          </p:grpSpPr>
-          <p:sp>
-            <p:nvSpPr>
-              <p:cNvPr id="16" name="TextBox 15">
-                <a:extLst>
-                  <a:ext uri="{FF2B5EF4-FFF2-40B4-BE49-F238E27FC236}">
-                    <a16:creationId xmlns:a16="http://schemas.microsoft.com/office/drawing/2014/main" id="{59CF44F7-BC3C-4440-A267-C0D9EB52B0E2}"/>
-                  </a:ext>
-                </a:extLst>
-              </p:cNvPr>
-              <p:cNvSpPr txBox="1"/>
-              <p:nvPr/>
-            </p:nvSpPr>
-            <p:spPr>
-              <a:xfrm>
-                <a:off x="7343484" y="2288462"/>
-                <a:ext cx="1695049" cy="400110"/>
-              </a:xfrm>
-              <a:prstGeom prst="rect">
-                <a:avLst/>
-              </a:prstGeom>
-              <a:noFill/>
-            </p:spPr>
-            <p:txBody>
-              <a:bodyPr wrap="square" rtlCol="0">
-                <a:spAutoFit/>
-              </a:bodyPr>
-              <a:lstStyle/>
-              <a:p>
-                <a:pPr algn="ctr"/>
-                <a:r>
-                  <a:rPr lang="en-NZ" sz="2000"/>
-                  <a:t>stop-right</a:t>
-                </a:r>
-              </a:p>
-            </p:txBody>
-          </p:sp>
-          <p:pic>
-            <p:nvPicPr>
-              <p:cNvPr id="21" name="Graphic 20">
-                <a:extLst>
-                  <a:ext uri="{FF2B5EF4-FFF2-40B4-BE49-F238E27FC236}">
-                    <a16:creationId xmlns:a16="http://schemas.microsoft.com/office/drawing/2014/main" id="{FBFBF66C-FDB9-4AFF-88C0-BE2A155896F5}"/>
-                  </a:ext>
-                </a:extLst>
-              </p:cNvPr>
-              <p:cNvPicPr>
-                <a:picLocks noChangeAspect="1"/>
-              </p:cNvPicPr>
-              <p:nvPr/>
-            </p:nvPicPr>
-            <p:blipFill>
-              <a:blip r:embed="rId6">
-                <a:extLst>
-                  <a:ext uri="{96DAC541-7B7A-43D3-8B79-37D633B846F1}">
-                    <asvg:svgBlip xmlns:asvg="http://schemas.microsoft.com/office/drawing/2016/SVG/main" r:embed="rId7"/>
-                  </a:ext>
-                </a:extLst>
-              </a:blip>
-              <a:stretch>
-                <a:fillRect/>
-              </a:stretch>
-            </p:blipFill>
-            <p:spPr>
-              <a:xfrm>
-                <a:off x="7343484" y="2683264"/>
-                <a:ext cx="1695049" cy="2423203"/>
-              </a:xfrm>
-              <a:prstGeom prst="rect">
-                <a:avLst/>
-              </a:prstGeom>
-            </p:spPr>
-          </p:pic>
-        </p:grpSp>
-      </p:grpSp>
-      <p:sp>
-        <p:nvSpPr>
-          <p:cNvPr id="20" name="TextBox 19">
-            <a:extLst>
-              <a:ext uri="{FF2B5EF4-FFF2-40B4-BE49-F238E27FC236}">
-                <a16:creationId xmlns:a16="http://schemas.microsoft.com/office/drawing/2014/main" id="{21C3EE6F-F6F5-49E5-964F-7116D0D59677}"/>
+            <a:r>
+              <a:rPr lang="en-NZ" sz="2000" dirty="0"/>
+              <a:t> is designed to test your ability to respond and stop selectively.</a:t>
+            </a:r>
+          </a:p>
+        </p:txBody>
+      </p:sp>
+      <p:sp>
+        <p:nvSpPr>
+          <p:cNvPr id="10" name="TextBox 9">
+            <a:extLst>
+              <a:ext uri="{FF2B5EF4-FFF2-40B4-BE49-F238E27FC236}">
+                <a16:creationId xmlns:a16="http://schemas.microsoft.com/office/drawing/2014/main" id="{6A205875-CBDA-4AA7-9452-D68F893C5232}"/>
               </a:ext>
             </a:extLst>
           </p:cNvPr>
@@ -6031,8 +8725,8 @@
         </p:nvSpPr>
         <p:spPr>
           <a:xfrm>
-            <a:off x="2975033" y="4548636"/>
-            <a:ext cx="6241931" cy="707886"/>
+            <a:off x="1814695" y="6084909"/>
+            <a:ext cx="8562609" cy="400110"/>
           </a:xfrm>
           <a:prstGeom prst="rect">
             <a:avLst/>
@@ -6040,7 +8734,7 @@
           <a:noFill/>
         </p:spPr>
         <p:txBody>
-          <a:bodyPr wrap="square" lIns="91440" tIns="45720" rIns="91440" bIns="45720" rtlCol="0" anchor="t">
+          <a:bodyPr wrap="square" rtlCol="0">
             <a:spAutoFit/>
           </a:bodyPr>
           <a:lstStyle/>
@@ -6048,25 +8742,17 @@
             <a:pPr algn="ctr"/>
             <a:r>
               <a:rPr lang="en-NZ" sz="2000" dirty="0"/>
-              <a:t>You earn points by </a:t>
-            </a:r>
-            <a:r>
-              <a:rPr lang="en-NZ" sz="2000" b="1" dirty="0"/>
-              <a:t>not</a:t>
-            </a:r>
-            <a:r>
-              <a:rPr lang="en-NZ" sz="2000" dirty="0"/>
-              <a:t> making a response to any triangle that has changed to the stop colour.</a:t>
-            </a:r>
-          </a:p>
-        </p:txBody>
-      </p:sp>
-      <p:sp>
-        <p:nvSpPr>
-          <p:cNvPr id="26" name="TextBox 25">
-            <a:extLst>
-              <a:ext uri="{FF2B5EF4-FFF2-40B4-BE49-F238E27FC236}">
-                <a16:creationId xmlns:a16="http://schemas.microsoft.com/office/drawing/2014/main" id="{95E4F9F2-9631-4D43-A493-459E2C28CE8F}"/>
+              <a:t>Press SPACE to continue</a:t>
+            </a:r>
+          </a:p>
+        </p:txBody>
+      </p:sp>
+      <p:sp>
+        <p:nvSpPr>
+          <p:cNvPr id="12" name="TextBox 11">
+            <a:extLst>
+              <a:ext uri="{FF2B5EF4-FFF2-40B4-BE49-F238E27FC236}">
+                <a16:creationId xmlns:a16="http://schemas.microsoft.com/office/drawing/2014/main" id="{6D832201-72E0-43A3-B0CF-5BDFD925C8F5}"/>
               </a:ext>
             </a:extLst>
           </p:cNvPr>
@@ -6075,8 +8761,8 @@
         </p:nvSpPr>
         <p:spPr>
           <a:xfrm>
-            <a:off x="2255119" y="5385674"/>
-            <a:ext cx="7681757" cy="400110"/>
+            <a:off x="3084405" y="2052185"/>
+            <a:ext cx="6023184" cy="707886"/>
           </a:xfrm>
           <a:prstGeom prst="rect">
             <a:avLst/>
@@ -6084,7 +8770,7 @@
           <a:noFill/>
         </p:spPr>
         <p:txBody>
-          <a:bodyPr wrap="square" rtlCol="0">
+          <a:bodyPr wrap="square" lIns="91440" tIns="45720" rIns="91440" bIns="45720" rtlCol="0" anchor="t">
             <a:spAutoFit/>
           </a:bodyPr>
           <a:lstStyle/>
@@ -6092,17 +8778,17 @@
             <a:pPr algn="ctr"/>
             <a:r>
               <a:rPr lang="en-NZ" sz="2000" dirty="0"/>
-              <a:t>You should avoid slowing your responses to prepare for a stop trial.</a:t>
-            </a:r>
-          </a:p>
-        </p:txBody>
-      </p:sp>
-      <p:sp>
-        <p:nvSpPr>
-          <p:cNvPr id="27" name="TextBox 26">
-            <a:extLst>
-              <a:ext uri="{FF2B5EF4-FFF2-40B4-BE49-F238E27FC236}">
-                <a16:creationId xmlns:a16="http://schemas.microsoft.com/office/drawing/2014/main" id="{E36A450E-570B-45C2-85E5-707AEC6F1E5D}"/>
+              <a:t>Your objective is to respond as fast as you can when the bars turn black by pressing the response keys</a:t>
+            </a:r>
+          </a:p>
+        </p:txBody>
+      </p:sp>
+      <p:sp>
+        <p:nvSpPr>
+          <p:cNvPr id="13" name="TextBox 12">
+            <a:extLst>
+              <a:ext uri="{FF2B5EF4-FFF2-40B4-BE49-F238E27FC236}">
+                <a16:creationId xmlns:a16="http://schemas.microsoft.com/office/drawing/2014/main" id="{77B78BC3-319A-4E4B-A08A-B6C09F79F881}"/>
               </a:ext>
             </a:extLst>
           </p:cNvPr>
@@ -6111,8 +8797,8 @@
         </p:nvSpPr>
         <p:spPr>
           <a:xfrm>
-            <a:off x="1814696" y="6084909"/>
-            <a:ext cx="8562609" cy="400110"/>
+            <a:off x="1872400" y="1305675"/>
+            <a:ext cx="8504903" cy="707886"/>
           </a:xfrm>
           <a:prstGeom prst="rect">
             <a:avLst/>
@@ -6120,7 +8806,7 @@
           <a:noFill/>
         </p:spPr>
         <p:txBody>
-          <a:bodyPr wrap="square" rtlCol="0">
+          <a:bodyPr wrap="square" lIns="91440" tIns="45720" rIns="91440" bIns="45720" rtlCol="0" anchor="t">
             <a:spAutoFit/>
           </a:bodyPr>
           <a:lstStyle/>
@@ -6128,7 +8814,7 @@
             <a:pPr algn="ctr"/>
             <a:r>
               <a:rPr lang="en-NZ" sz="2000" dirty="0"/>
-              <a:t>Press SPACE to start practice block of go and stop trials</a:t>
+              <a:t>Each trial starts with two empty bars that can change colour. Most trials are ‘go’ trials during which both bars turn black</a:t>
             </a:r>
           </a:p>
         </p:txBody>
@@ -6136,7 +8822,7 @@
     </p:spTree>
     <p:extLst>
       <p:ext uri="{BB962C8B-B14F-4D97-AF65-F5344CB8AC3E}">
-        <p14:creationId xmlns:p14="http://schemas.microsoft.com/office/powerpoint/2010/main" val="885961732"/>
+        <p14:creationId xmlns:p14="http://schemas.microsoft.com/office/powerpoint/2010/main" val="3449439919"/>
       </p:ext>
     </p:extLst>
   </p:cSld>
@@ -6202,10 +8888,10 @@
       </p:sp>
       <p:sp>
         <p:nvSpPr>
-          <p:cNvPr id="9" name="TextBox 8">
-            <a:extLst>
-              <a:ext uri="{FF2B5EF4-FFF2-40B4-BE49-F238E27FC236}">
-                <a16:creationId xmlns:a16="http://schemas.microsoft.com/office/drawing/2014/main" id="{6CEAF05C-99F3-4B5F-B61A-D1849E28D68F}"/>
+          <p:cNvPr id="22" name="TextBox 21">
+            <a:extLst>
+              <a:ext uri="{FF2B5EF4-FFF2-40B4-BE49-F238E27FC236}">
+                <a16:creationId xmlns:a16="http://schemas.microsoft.com/office/drawing/2014/main" id="{DC90ACA4-551D-42D7-B1D0-BF18EB479BE0}"/>
               </a:ext>
             </a:extLst>
           </p:cNvPr>
@@ -6214,8 +8900,8 @@
         </p:nvSpPr>
         <p:spPr>
           <a:xfrm>
-            <a:off x="1395620" y="889304"/>
-            <a:ext cx="9400761" cy="400110"/>
+            <a:off x="1285043" y="896035"/>
+            <a:ext cx="9621914" cy="400110"/>
           </a:xfrm>
           <a:prstGeom prst="rect">
             <a:avLst/>
@@ -6223,7 +8909,7 @@
           <a:noFill/>
         </p:spPr>
         <p:txBody>
-          <a:bodyPr wrap="square" rtlCol="0">
+          <a:bodyPr wrap="square" lIns="91440" tIns="45720" rIns="91440" bIns="45720" rtlCol="0" anchor="t">
             <a:spAutoFit/>
           </a:bodyPr>
           <a:lstStyle/>
@@ -6231,17 +8917,17 @@
             <a:pPr algn="ctr"/>
             <a:r>
               <a:rPr lang="en-NZ" sz="2000" dirty="0"/>
-              <a:t>Nice work! We are now ready to start the experimental blocks.</a:t>
-            </a:r>
-          </a:p>
-        </p:txBody>
-      </p:sp>
-      <p:sp>
-        <p:nvSpPr>
-          <p:cNvPr id="11" name="TextBox 10">
-            <a:extLst>
-              <a:ext uri="{FF2B5EF4-FFF2-40B4-BE49-F238E27FC236}">
-                <a16:creationId xmlns:a16="http://schemas.microsoft.com/office/drawing/2014/main" id="{35BE92BA-CCCB-4343-AF53-B1D55CAF2CFF}"/>
+              <a:t>You earn points by responding fast.</a:t>
+            </a:r>
+          </a:p>
+        </p:txBody>
+      </p:sp>
+      <p:sp>
+        <p:nvSpPr>
+          <p:cNvPr id="24" name="TextBox 23">
+            <a:extLst>
+              <a:ext uri="{FF2B5EF4-FFF2-40B4-BE49-F238E27FC236}">
+                <a16:creationId xmlns:a16="http://schemas.microsoft.com/office/drawing/2014/main" id="{8E828B16-C426-4256-AB75-675F6EF45315}"/>
               </a:ext>
             </a:extLst>
           </p:cNvPr>
@@ -6250,8 +8936,8 @@
         </p:nvSpPr>
         <p:spPr>
           <a:xfrm>
-            <a:off x="2299277" y="2194420"/>
-            <a:ext cx="7593447" cy="707886"/>
+            <a:off x="3430655" y="1407133"/>
+            <a:ext cx="1050012" cy="400110"/>
           </a:xfrm>
           <a:prstGeom prst="rect">
             <a:avLst/>
@@ -6267,17 +8953,17 @@
             <a:pPr algn="ctr"/>
             <a:r>
               <a:rPr lang="en-NZ" sz="2000" dirty="0"/>
-              <a:t>Feel free to take breaks between blocks if you need them. You can press the ‘Esc’ or ‘Q’ key if you need to stop the task for any reason.</a:t>
-            </a:r>
-          </a:p>
-        </p:txBody>
-      </p:sp>
-      <p:sp>
-        <p:nvSpPr>
-          <p:cNvPr id="12" name="TextBox 11">
-            <a:extLst>
-              <a:ext uri="{FF2B5EF4-FFF2-40B4-BE49-F238E27FC236}">
-                <a16:creationId xmlns:a16="http://schemas.microsoft.com/office/drawing/2014/main" id="{6D832201-72E0-43A3-B0CF-5BDFD925C8F5}"/>
+              <a:t>0 points</a:t>
+            </a:r>
+          </a:p>
+        </p:txBody>
+      </p:sp>
+      <p:sp>
+        <p:nvSpPr>
+          <p:cNvPr id="25" name="TextBox 24">
+            <a:extLst>
+              <a:ext uri="{FF2B5EF4-FFF2-40B4-BE49-F238E27FC236}">
+                <a16:creationId xmlns:a16="http://schemas.microsoft.com/office/drawing/2014/main" id="{257C885A-2837-46ED-AEF5-4691005B7898}"/>
               </a:ext>
             </a:extLst>
           </p:cNvPr>
@@ -6286,8 +8972,8 @@
         </p:nvSpPr>
         <p:spPr>
           <a:xfrm>
-            <a:off x="2333065" y="1541862"/>
-            <a:ext cx="7525871" cy="400110"/>
+            <a:off x="4754207" y="1407133"/>
+            <a:ext cx="1188362" cy="400110"/>
           </a:xfrm>
           <a:prstGeom prst="rect">
             <a:avLst/>
@@ -6303,108 +8989,195 @@
             <a:pPr algn="ctr"/>
             <a:r>
               <a:rPr lang="en-NZ" sz="2000" dirty="0"/>
-              <a:t>Your goal is to earn as many points as possible.</a:t>
-            </a:r>
-          </a:p>
-        </p:txBody>
-      </p:sp>
-      <p:grpSp>
-        <p:nvGrpSpPr>
-          <p:cNvPr id="4" name="Group 3">
-            <a:extLst>
-              <a:ext uri="{FF2B5EF4-FFF2-40B4-BE49-F238E27FC236}">
-                <a16:creationId xmlns:a16="http://schemas.microsoft.com/office/drawing/2014/main" id="{F9E2CB9D-9F63-42C5-9699-0E60650D510B}"/>
-              </a:ext>
-            </a:extLst>
-          </p:cNvPr>
-          <p:cNvGrpSpPr/>
+              <a:t>25 points</a:t>
+            </a:r>
+          </a:p>
+        </p:txBody>
+      </p:sp>
+      <p:sp>
+        <p:nvSpPr>
+          <p:cNvPr id="26" name="TextBox 25">
+            <a:extLst>
+              <a:ext uri="{FF2B5EF4-FFF2-40B4-BE49-F238E27FC236}">
+                <a16:creationId xmlns:a16="http://schemas.microsoft.com/office/drawing/2014/main" id="{683F0BE3-ECFB-4203-BC21-14CE6ADA6E54}"/>
+              </a:ext>
+            </a:extLst>
+          </p:cNvPr>
+          <p:cNvSpPr txBox="1"/>
           <p:nvPr/>
-        </p:nvGrpSpPr>
-        <p:grpSpPr>
-          <a:xfrm>
-            <a:off x="3297102" y="3154754"/>
-            <a:ext cx="5597796" cy="3245141"/>
-            <a:chOff x="3368650" y="3429000"/>
-            <a:chExt cx="5597796" cy="3245141"/>
-          </a:xfrm>
-        </p:grpSpPr>
-        <p:sp>
-          <p:nvSpPr>
-            <p:cNvPr id="10" name="TextBox 9">
-              <a:extLst>
-                <a:ext uri="{FF2B5EF4-FFF2-40B4-BE49-F238E27FC236}">
-                  <a16:creationId xmlns:a16="http://schemas.microsoft.com/office/drawing/2014/main" id="{6A205875-CBDA-4AA7-9452-D68F893C5232}"/>
-                </a:ext>
-              </a:extLst>
-            </p:cNvPr>
-            <p:cNvSpPr txBox="1"/>
-            <p:nvPr/>
-          </p:nvSpPr>
-          <p:spPr>
-            <a:xfrm>
-              <a:off x="4989249" y="4851515"/>
-              <a:ext cx="3977197" cy="400110"/>
-            </a:xfrm>
-            <a:prstGeom prst="rect">
-              <a:avLst/>
-            </a:prstGeom>
-            <a:noFill/>
-          </p:spPr>
-          <p:txBody>
-            <a:bodyPr wrap="square" rtlCol="0">
-              <a:spAutoFit/>
-            </a:bodyPr>
-            <a:lstStyle/>
-            <a:p>
-              <a:pPr algn="ctr"/>
-              <a:r>
-                <a:rPr lang="en-NZ" sz="2000"/>
-                <a:t>Press SPACE to start the experiment</a:t>
-              </a:r>
-            </a:p>
-          </p:txBody>
-        </p:sp>
-        <p:pic>
-          <p:nvPicPr>
-            <p:cNvPr id="3" name="Picture 2" descr="A picture containing diagram&#10;&#10;Description automatically generated">
-              <a:extLst>
-                <a:ext uri="{FF2B5EF4-FFF2-40B4-BE49-F238E27FC236}">
-                  <a16:creationId xmlns:a16="http://schemas.microsoft.com/office/drawing/2014/main" id="{F2F81DE1-1960-4424-8EEF-92D02F6ECCF6}"/>
-                </a:ext>
-              </a:extLst>
-            </p:cNvPr>
-            <p:cNvPicPr>
-              <a:picLocks noChangeAspect="1"/>
-            </p:cNvPicPr>
-            <p:nvPr/>
-          </p:nvPicPr>
-          <p:blipFill>
-            <a:blip r:embed="rId2">
-              <a:extLst>
-                <a:ext uri="{28A0092B-C50C-407E-A947-70E740481C1C}">
-                  <a14:useLocalDpi xmlns:a14="http://schemas.microsoft.com/office/drawing/2010/main" val="0"/>
-                </a:ext>
-              </a:extLst>
-            </a:blip>
-            <a:stretch>
-              <a:fillRect/>
-            </a:stretch>
-          </p:blipFill>
-          <p:spPr>
-            <a:xfrm>
-              <a:off x="3368650" y="3429000"/>
-              <a:ext cx="1620599" cy="3245141"/>
-            </a:xfrm>
-            <a:prstGeom prst="rect">
-              <a:avLst/>
-            </a:prstGeom>
-          </p:spPr>
-        </p:pic>
-      </p:grpSp>
+        </p:nvSpPr>
+        <p:spPr>
+          <a:xfrm>
+            <a:off x="6216109" y="1407133"/>
+            <a:ext cx="1188362" cy="400110"/>
+          </a:xfrm>
+          <a:prstGeom prst="rect">
+            <a:avLst/>
+          </a:prstGeom>
+          <a:noFill/>
+        </p:spPr>
+        <p:txBody>
+          <a:bodyPr wrap="square" rtlCol="0">
+            <a:spAutoFit/>
+          </a:bodyPr>
+          <a:lstStyle/>
+          <a:p>
+            <a:pPr algn="ctr"/>
+            <a:r>
+              <a:rPr lang="en-NZ" sz="2000" dirty="0"/>
+              <a:t>50 points</a:t>
+            </a:r>
+          </a:p>
+        </p:txBody>
+      </p:sp>
+      <p:sp>
+        <p:nvSpPr>
+          <p:cNvPr id="27" name="TextBox 26">
+            <a:extLst>
+              <a:ext uri="{FF2B5EF4-FFF2-40B4-BE49-F238E27FC236}">
+                <a16:creationId xmlns:a16="http://schemas.microsoft.com/office/drawing/2014/main" id="{BE66D362-3FF7-4947-AABE-B8132CCF3EBA}"/>
+              </a:ext>
+            </a:extLst>
+          </p:cNvPr>
+          <p:cNvSpPr txBox="1"/>
+          <p:nvPr/>
+        </p:nvSpPr>
+        <p:spPr>
+          <a:xfrm>
+            <a:off x="7582122" y="1407133"/>
+            <a:ext cx="1318375" cy="400110"/>
+          </a:xfrm>
+          <a:prstGeom prst="rect">
+            <a:avLst/>
+          </a:prstGeom>
+          <a:noFill/>
+        </p:spPr>
+        <p:txBody>
+          <a:bodyPr wrap="square" rtlCol="0">
+            <a:spAutoFit/>
+          </a:bodyPr>
+          <a:lstStyle/>
+          <a:p>
+            <a:pPr algn="ctr"/>
+            <a:r>
+              <a:rPr lang="en-NZ" sz="2000" dirty="0"/>
+              <a:t>100 points</a:t>
+            </a:r>
+          </a:p>
+        </p:txBody>
+      </p:sp>
+      <p:sp>
+        <p:nvSpPr>
+          <p:cNvPr id="29" name="TextBox 28">
+            <a:extLst>
+              <a:ext uri="{FF2B5EF4-FFF2-40B4-BE49-F238E27FC236}">
+                <a16:creationId xmlns:a16="http://schemas.microsoft.com/office/drawing/2014/main" id="{CD41342E-12B7-4928-92EB-1C83C7E167A2}"/>
+              </a:ext>
+            </a:extLst>
+          </p:cNvPr>
+          <p:cNvSpPr txBox="1"/>
+          <p:nvPr/>
+        </p:nvSpPr>
+        <p:spPr>
+          <a:xfrm>
+            <a:off x="854649" y="4816594"/>
+            <a:ext cx="10482702" cy="400110"/>
+          </a:xfrm>
+          <a:prstGeom prst="rect">
+            <a:avLst/>
+          </a:prstGeom>
+          <a:noFill/>
+        </p:spPr>
+        <p:txBody>
+          <a:bodyPr wrap="square" rtlCol="0">
+            <a:spAutoFit/>
+          </a:bodyPr>
+          <a:lstStyle/>
+          <a:p>
+            <a:pPr algn="ctr"/>
+            <a:r>
+              <a:rPr lang="en-NZ" sz="2000" dirty="0"/>
+              <a:t>Let’s practice with a block of go trials.</a:t>
+            </a:r>
+          </a:p>
+        </p:txBody>
+      </p:sp>
+      <p:sp>
+        <p:nvSpPr>
+          <p:cNvPr id="30" name="TextBox 29">
+            <a:extLst>
+              <a:ext uri="{FF2B5EF4-FFF2-40B4-BE49-F238E27FC236}">
+                <a16:creationId xmlns:a16="http://schemas.microsoft.com/office/drawing/2014/main" id="{12BEF24B-F269-4DC4-8D56-84D5152AA627}"/>
+              </a:ext>
+            </a:extLst>
+          </p:cNvPr>
+          <p:cNvSpPr txBox="1"/>
+          <p:nvPr/>
+        </p:nvSpPr>
+        <p:spPr>
+          <a:xfrm>
+            <a:off x="1814696" y="6084909"/>
+            <a:ext cx="8562609" cy="400110"/>
+          </a:xfrm>
+          <a:prstGeom prst="rect">
+            <a:avLst/>
+          </a:prstGeom>
+          <a:noFill/>
+        </p:spPr>
+        <p:txBody>
+          <a:bodyPr wrap="square" rtlCol="0">
+            <a:spAutoFit/>
+          </a:bodyPr>
+          <a:lstStyle/>
+          <a:p>
+            <a:pPr algn="ctr"/>
+            <a:r>
+              <a:rPr lang="en-NZ" sz="2000" dirty="0"/>
+              <a:t>Press SPACE to start practice block</a:t>
+            </a:r>
+          </a:p>
+        </p:txBody>
+      </p:sp>
+      <p:pic>
+        <p:nvPicPr>
+          <p:cNvPr id="3" name="Graphic 2">
+            <a:extLst>
+              <a:ext uri="{FF2B5EF4-FFF2-40B4-BE49-F238E27FC236}">
+                <a16:creationId xmlns:a16="http://schemas.microsoft.com/office/drawing/2014/main" id="{30675240-A0A5-432E-9412-B52B3A822493}"/>
+              </a:ext>
+            </a:extLst>
+          </p:cNvPr>
+          <p:cNvPicPr>
+            <a:picLocks noChangeAspect="1"/>
+          </p:cNvPicPr>
+          <p:nvPr/>
+        </p:nvPicPr>
+        <p:blipFill>
+          <a:blip r:embed="rId2">
+            <a:extLst>
+              <a:ext uri="{96DAC541-7B7A-43D3-8B79-37D633B846F1}">
+                <asvg:svgBlip xmlns:asvg="http://schemas.microsoft.com/office/drawing/2016/SVG/main" r:embed="rId3"/>
+              </a:ext>
+            </a:extLst>
+          </a:blip>
+          <a:stretch>
+            <a:fillRect/>
+          </a:stretch>
+        </p:blipFill>
+        <p:spPr>
+          <a:xfrm>
+            <a:off x="3340730" y="1807243"/>
+            <a:ext cx="5510540" cy="2749704"/>
+          </a:xfrm>
+          <a:prstGeom prst="rect">
+            <a:avLst/>
+          </a:prstGeom>
+        </p:spPr>
+      </p:pic>
     </p:spTree>
     <p:extLst>
       <p:ext uri="{BB962C8B-B14F-4D97-AF65-F5344CB8AC3E}">
-        <p14:creationId xmlns:p14="http://schemas.microsoft.com/office/powerpoint/2010/main" val="2938656598"/>
+        <p14:creationId xmlns:p14="http://schemas.microsoft.com/office/powerpoint/2010/main" val="3749477223"/>
       </p:ext>
     </p:extLst>
   </p:cSld>
@@ -6461,59 +9234,19 @@
           <a:p>
             <a:pPr algn="ctr"/>
             <a:r>
-              <a:rPr lang="en-NZ" sz="2800" dirty="0" err="1"/>
+              <a:rPr lang="en-NZ" sz="2800" err="1"/>
               <a:t>SeleSt</a:t>
             </a:r>
-            <a:endParaRPr lang="en-NZ" sz="2800" dirty="0"/>
-          </a:p>
-        </p:txBody>
-      </p:sp>
-      <p:sp>
-        <p:nvSpPr>
-          <p:cNvPr id="9" name="TextBox 8">
-            <a:extLst>
-              <a:ext uri="{FF2B5EF4-FFF2-40B4-BE49-F238E27FC236}">
-                <a16:creationId xmlns:a16="http://schemas.microsoft.com/office/drawing/2014/main" id="{6CEAF05C-99F3-4B5F-B61A-D1849E28D68F}"/>
-              </a:ext>
-            </a:extLst>
-          </p:cNvPr>
-          <p:cNvSpPr txBox="1"/>
-          <p:nvPr/>
-        </p:nvSpPr>
-        <p:spPr>
-          <a:xfrm>
-            <a:off x="1395620" y="927712"/>
-            <a:ext cx="9400761" cy="400110"/>
-          </a:xfrm>
-          <a:prstGeom prst="rect">
-            <a:avLst/>
-          </a:prstGeom>
-          <a:noFill/>
-        </p:spPr>
-        <p:txBody>
-          <a:bodyPr wrap="square" rtlCol="0">
-            <a:spAutoFit/>
-          </a:bodyPr>
-          <a:lstStyle/>
-          <a:p>
-            <a:pPr algn="ctr"/>
-            <a:r>
-              <a:rPr lang="en-NZ" sz="2000" dirty="0" err="1"/>
-              <a:t>SeleSt</a:t>
-            </a:r>
-            <a:r>
-              <a:rPr lang="en-NZ" sz="2000" dirty="0"/>
-              <a:t> task complete. Thank you for your time.</a:t>
-            </a:r>
+            <a:endParaRPr lang="en-NZ" sz="2800"/>
           </a:p>
         </p:txBody>
       </p:sp>
       <p:grpSp>
         <p:nvGrpSpPr>
-          <p:cNvPr id="4" name="Group 3">
-            <a:extLst>
-              <a:ext uri="{FF2B5EF4-FFF2-40B4-BE49-F238E27FC236}">
-                <a16:creationId xmlns:a16="http://schemas.microsoft.com/office/drawing/2014/main" id="{F9E2CB9D-9F63-42C5-9699-0E60650D510B}"/>
+          <p:cNvPr id="6" name="Group 5">
+            <a:extLst>
+              <a:ext uri="{FF2B5EF4-FFF2-40B4-BE49-F238E27FC236}">
+                <a16:creationId xmlns:a16="http://schemas.microsoft.com/office/drawing/2014/main" id="{85ACCAD7-02D9-4B1D-98B7-B7A31E9EA50C}"/>
               </a:ext>
             </a:extLst>
           </p:cNvPr>
@@ -6522,18 +9255,18 @@
         </p:nvGrpSpPr>
         <p:grpSpPr>
           <a:xfrm>
-            <a:off x="2466165" y="1721729"/>
-            <a:ext cx="7259671" cy="4208559"/>
-            <a:chOff x="3368650" y="3429000"/>
-            <a:chExt cx="5597796" cy="3245141"/>
+            <a:off x="6988569" y="1475268"/>
+            <a:ext cx="4775144" cy="4282172"/>
+            <a:chOff x="6960851" y="1356651"/>
+            <a:chExt cx="4775144" cy="4282172"/>
           </a:xfrm>
         </p:grpSpPr>
         <p:sp>
           <p:nvSpPr>
-            <p:cNvPr id="10" name="TextBox 9">
+            <p:cNvPr id="19" name="TextBox 18">
               <a:extLst>
                 <a:ext uri="{FF2B5EF4-FFF2-40B4-BE49-F238E27FC236}">
-                  <a16:creationId xmlns:a16="http://schemas.microsoft.com/office/drawing/2014/main" id="{6A205875-CBDA-4AA7-9452-D68F893C5232}"/>
+                  <a16:creationId xmlns:a16="http://schemas.microsoft.com/office/drawing/2014/main" id="{55DAF869-C2E1-4609-948C-45805F50C3FB}"/>
                 </a:ext>
               </a:extLst>
             </p:cNvPr>
@@ -6542,8 +9275,8 @@
           </p:nvSpPr>
           <p:spPr>
             <a:xfrm>
-              <a:off x="4989249" y="4851515"/>
-              <a:ext cx="3977197" cy="400110"/>
+              <a:off x="6960851" y="1356651"/>
+              <a:ext cx="4758193" cy="1015663"/>
             </a:xfrm>
             <a:prstGeom prst="rect">
               <a:avLst/>
@@ -6558,18 +9291,263 @@
             <a:p>
               <a:pPr algn="ctr"/>
               <a:r>
-                <a:rPr lang="en-NZ" sz="2000"/>
-                <a:t>Press SPACE to end the experiment</a:t>
+                <a:rPr lang="en-NZ" sz="2000" dirty="0"/>
+                <a:t>One or more bars may change colour again after turning black on a small number of ‘stop’ trials.</a:t>
+              </a:r>
+            </a:p>
+          </p:txBody>
+        </p:sp>
+        <p:sp>
+          <p:nvSpPr>
+            <p:cNvPr id="20" name="TextBox 19">
+              <a:extLst>
+                <a:ext uri="{FF2B5EF4-FFF2-40B4-BE49-F238E27FC236}">
+                  <a16:creationId xmlns:a16="http://schemas.microsoft.com/office/drawing/2014/main" id="{FC231BE1-222C-4B63-9B68-81C57B42FF52}"/>
+                </a:ext>
+              </a:extLst>
+            </p:cNvPr>
+            <p:cNvSpPr txBox="1"/>
+            <p:nvPr/>
+          </p:nvSpPr>
+          <p:spPr>
+            <a:xfrm>
+              <a:off x="6960851" y="2701968"/>
+              <a:ext cx="4681305" cy="707886"/>
+            </a:xfrm>
+            <a:prstGeom prst="rect">
+              <a:avLst/>
+            </a:prstGeom>
+            <a:noFill/>
+          </p:spPr>
+          <p:txBody>
+            <a:bodyPr wrap="square" lIns="91440" tIns="45720" rIns="91440" bIns="45720" rtlCol="0" anchor="t">
+              <a:spAutoFit/>
+            </a:bodyPr>
+            <a:lstStyle/>
+            <a:p>
+              <a:pPr algn="ctr"/>
+              <a:r>
+                <a:rPr lang="en-NZ" sz="2000" dirty="0"/>
+                <a:t>You earn points by </a:t>
+              </a:r>
+              <a:r>
+                <a:rPr lang="en-NZ" sz="2000" b="1" dirty="0"/>
+                <a:t>not</a:t>
+              </a:r>
+              <a:r>
+                <a:rPr lang="en-NZ" sz="2000" dirty="0"/>
+                <a:t> making a response to any bar that has changed colour.</a:t>
+              </a:r>
+            </a:p>
+          </p:txBody>
+        </p:sp>
+        <p:sp>
+          <p:nvSpPr>
+            <p:cNvPr id="21" name="TextBox 20">
+              <a:extLst>
+                <a:ext uri="{FF2B5EF4-FFF2-40B4-BE49-F238E27FC236}">
+                  <a16:creationId xmlns:a16="http://schemas.microsoft.com/office/drawing/2014/main" id="{7A77CF2D-3D33-4B0E-B3BD-12B67492A8FB}"/>
+                </a:ext>
+              </a:extLst>
+            </p:cNvPr>
+            <p:cNvSpPr txBox="1"/>
+            <p:nvPr/>
+          </p:nvSpPr>
+          <p:spPr>
+            <a:xfrm>
+              <a:off x="7120475" y="3739509"/>
+              <a:ext cx="4615520" cy="707885"/>
+            </a:xfrm>
+            <a:prstGeom prst="rect">
+              <a:avLst/>
+            </a:prstGeom>
+            <a:noFill/>
+          </p:spPr>
+          <p:txBody>
+            <a:bodyPr wrap="square" rtlCol="0">
+              <a:spAutoFit/>
+            </a:bodyPr>
+            <a:lstStyle/>
+            <a:p>
+              <a:pPr algn="ctr"/>
+              <a:r>
+                <a:rPr lang="en-NZ" sz="2000" dirty="0"/>
+                <a:t>You should avoid slowing your responses to prepare for a stop trial.</a:t>
+              </a:r>
+            </a:p>
+          </p:txBody>
+        </p:sp>
+        <p:sp>
+          <p:nvSpPr>
+            <p:cNvPr id="23" name="TextBox 22">
+              <a:extLst>
+                <a:ext uri="{FF2B5EF4-FFF2-40B4-BE49-F238E27FC236}">
+                  <a16:creationId xmlns:a16="http://schemas.microsoft.com/office/drawing/2014/main" id="{6FEC5E06-E55E-4041-B87C-D88A2721DAE7}"/>
+                </a:ext>
+              </a:extLst>
+            </p:cNvPr>
+            <p:cNvSpPr txBox="1"/>
+            <p:nvPr/>
+          </p:nvSpPr>
+          <p:spPr>
+            <a:xfrm>
+              <a:off x="7538438" y="4930937"/>
+              <a:ext cx="3779594" cy="707886"/>
+            </a:xfrm>
+            <a:prstGeom prst="rect">
+              <a:avLst/>
+            </a:prstGeom>
+            <a:noFill/>
+          </p:spPr>
+          <p:txBody>
+            <a:bodyPr wrap="square" rtlCol="0">
+              <a:spAutoFit/>
+            </a:bodyPr>
+            <a:lstStyle/>
+            <a:p>
+              <a:pPr algn="ctr"/>
+              <a:r>
+                <a:rPr lang="en-NZ" sz="2000" dirty="0"/>
+                <a:t>Press SPACE to start practice block of go and stop trials</a:t>
+              </a:r>
+            </a:p>
+          </p:txBody>
+        </p:sp>
+      </p:grpSp>
+      <p:grpSp>
+        <p:nvGrpSpPr>
+          <p:cNvPr id="5" name="Group 4">
+            <a:extLst>
+              <a:ext uri="{FF2B5EF4-FFF2-40B4-BE49-F238E27FC236}">
+                <a16:creationId xmlns:a16="http://schemas.microsoft.com/office/drawing/2014/main" id="{14F6E1DA-BE7F-4433-BE1F-E87869B4C442}"/>
+              </a:ext>
+            </a:extLst>
+          </p:cNvPr>
+          <p:cNvGrpSpPr/>
+          <p:nvPr/>
+        </p:nvGrpSpPr>
+        <p:grpSpPr>
+          <a:xfrm>
+            <a:off x="566795" y="1342693"/>
+            <a:ext cx="6130225" cy="4172613"/>
+            <a:chOff x="627540" y="981941"/>
+            <a:chExt cx="6130225" cy="4172613"/>
+          </a:xfrm>
+        </p:grpSpPr>
+        <p:sp>
+          <p:nvSpPr>
+            <p:cNvPr id="17" name="TextBox 16">
+              <a:extLst>
+                <a:ext uri="{FF2B5EF4-FFF2-40B4-BE49-F238E27FC236}">
+                  <a16:creationId xmlns:a16="http://schemas.microsoft.com/office/drawing/2014/main" id="{75C4FCAF-2970-4FE4-A731-7556187B52EF}"/>
+                </a:ext>
+              </a:extLst>
+            </p:cNvPr>
+            <p:cNvSpPr txBox="1"/>
+            <p:nvPr/>
+          </p:nvSpPr>
+          <p:spPr>
+            <a:xfrm>
+              <a:off x="664864" y="981941"/>
+              <a:ext cx="1836600" cy="400110"/>
+            </a:xfrm>
+            <a:prstGeom prst="rect">
+              <a:avLst/>
+            </a:prstGeom>
+            <a:noFill/>
+          </p:spPr>
+          <p:txBody>
+            <a:bodyPr wrap="square" rtlCol="0">
+              <a:spAutoFit/>
+            </a:bodyPr>
+            <a:lstStyle/>
+            <a:p>
+              <a:pPr algn="ctr"/>
+              <a:r>
+                <a:rPr lang="en-NZ" sz="2000" dirty="0"/>
+                <a:t>stop-both</a:t>
+              </a:r>
+            </a:p>
+          </p:txBody>
+        </p:sp>
+        <p:sp>
+          <p:nvSpPr>
+            <p:cNvPr id="18" name="TextBox 17">
+              <a:extLst>
+                <a:ext uri="{FF2B5EF4-FFF2-40B4-BE49-F238E27FC236}">
+                  <a16:creationId xmlns:a16="http://schemas.microsoft.com/office/drawing/2014/main" id="{5CA03B8C-6C34-4583-A45D-C283644B6037}"/>
+                </a:ext>
+              </a:extLst>
+            </p:cNvPr>
+            <p:cNvSpPr txBox="1"/>
+            <p:nvPr/>
+          </p:nvSpPr>
+          <p:spPr>
+            <a:xfrm>
+              <a:off x="2793014" y="981941"/>
+              <a:ext cx="1836600" cy="400110"/>
+            </a:xfrm>
+            <a:prstGeom prst="rect">
+              <a:avLst/>
+            </a:prstGeom>
+            <a:noFill/>
+          </p:spPr>
+          <p:txBody>
+            <a:bodyPr wrap="square" rtlCol="0">
+              <a:spAutoFit/>
+            </a:bodyPr>
+            <a:lstStyle/>
+            <a:p>
+              <a:pPr algn="ctr"/>
+              <a:r>
+                <a:rPr lang="en-NZ" sz="2000" dirty="0"/>
+                <a:t>stop-left</a:t>
+              </a:r>
+            </a:p>
+          </p:txBody>
+        </p:sp>
+        <p:sp>
+          <p:nvSpPr>
+            <p:cNvPr id="22" name="TextBox 21">
+              <a:extLst>
+                <a:ext uri="{FF2B5EF4-FFF2-40B4-BE49-F238E27FC236}">
+                  <a16:creationId xmlns:a16="http://schemas.microsoft.com/office/drawing/2014/main" id="{8386867C-660E-4338-8063-86EC5F29A85F}"/>
+                </a:ext>
+              </a:extLst>
+            </p:cNvPr>
+            <p:cNvSpPr txBox="1"/>
+            <p:nvPr/>
+          </p:nvSpPr>
+          <p:spPr>
+            <a:xfrm>
+              <a:off x="4921164" y="981941"/>
+              <a:ext cx="1836600" cy="400110"/>
+            </a:xfrm>
+            <a:prstGeom prst="rect">
+              <a:avLst/>
+            </a:prstGeom>
+            <a:noFill/>
+          </p:spPr>
+          <p:txBody>
+            <a:bodyPr wrap="square" rtlCol="0">
+              <a:spAutoFit/>
+            </a:bodyPr>
+            <a:lstStyle/>
+            <a:p>
+              <a:pPr algn="ctr"/>
+              <a:r>
+                <a:rPr lang="en-NZ" sz="2000" dirty="0"/>
+                <a:t>stop-right</a:t>
               </a:r>
             </a:p>
           </p:txBody>
         </p:sp>
         <p:pic>
           <p:nvPicPr>
-            <p:cNvPr id="3" name="Picture 2" descr="A picture containing diagram&#10;&#10;Description automatically generated">
+            <p:cNvPr id="4" name="Graphic 3">
               <a:extLst>
                 <a:ext uri="{FF2B5EF4-FFF2-40B4-BE49-F238E27FC236}">
-                  <a16:creationId xmlns:a16="http://schemas.microsoft.com/office/drawing/2014/main" id="{F2F81DE1-1960-4424-8EEF-92D02F6ECCF6}"/>
+                  <a16:creationId xmlns:a16="http://schemas.microsoft.com/office/drawing/2014/main" id="{C762C8F2-B6B9-4C9A-8820-7CAD0DD46FF4}"/>
                 </a:ext>
               </a:extLst>
             </p:cNvPr>
@@ -6579,10 +9557,10 @@
             <p:nvPr/>
           </p:nvPicPr>
           <p:blipFill>
-            <a:blip r:embed="rId3">
+            <a:blip r:embed="rId2">
               <a:extLst>
-                <a:ext uri="{28A0092B-C50C-407E-A947-70E740481C1C}">
-                  <a14:useLocalDpi xmlns:a14="http://schemas.microsoft.com/office/drawing/2010/main" val="0"/>
+                <a:ext uri="{96DAC541-7B7A-43D3-8B79-37D633B846F1}">
+                  <asvg:svgBlip xmlns:asvg="http://schemas.microsoft.com/office/drawing/2016/SVG/main" r:embed="rId3"/>
                 </a:ext>
               </a:extLst>
             </a:blip>
@@ -6592,8 +9570,8 @@
           </p:blipFill>
           <p:spPr>
             <a:xfrm>
-              <a:off x="3368650" y="3429000"/>
-              <a:ext cx="1620599" cy="3245141"/>
+              <a:off x="627540" y="1356651"/>
+              <a:ext cx="6130225" cy="3797903"/>
             </a:xfrm>
             <a:prstGeom prst="rect">
               <a:avLst/>
@@ -6604,7 +9582,73 @@
     </p:spTree>
     <p:extLst>
       <p:ext uri="{BB962C8B-B14F-4D97-AF65-F5344CB8AC3E}">
-        <p14:creationId xmlns:p14="http://schemas.microsoft.com/office/powerpoint/2010/main" val="4288734950"/>
+        <p14:creationId xmlns:p14="http://schemas.microsoft.com/office/powerpoint/2010/main" val="2380964875"/>
+      </p:ext>
+    </p:extLst>
+  </p:cSld>
+  <p:clrMapOvr>
+    <a:masterClrMapping/>
+  </p:clrMapOvr>
+</p:sld>
+</file>
+
+<file path=ppt/slides/slide9.xml><?xml version="1.0" encoding="utf-8"?>
+<p:sld xmlns:a="http://schemas.openxmlformats.org/drawingml/2006/main" xmlns:r="http://schemas.openxmlformats.org/officeDocument/2006/relationships" xmlns:p="http://schemas.openxmlformats.org/presentationml/2006/main">
+  <p:cSld>
+    <p:spTree>
+      <p:nvGrpSpPr>
+        <p:cNvPr id="1" name=""/>
+        <p:cNvGrpSpPr/>
+        <p:nvPr/>
+      </p:nvGrpSpPr>
+      <p:grpSpPr>
+        <a:xfrm>
+          <a:off x="0" y="0"/>
+          <a:ext cx="0" cy="0"/>
+          <a:chOff x="0" y="0"/>
+          <a:chExt cx="0" cy="0"/>
+        </a:xfrm>
+      </p:grpSpPr>
+      <p:sp>
+        <p:nvSpPr>
+          <p:cNvPr id="2" name="Title 1">
+            <a:extLst>
+              <a:ext uri="{FF2B5EF4-FFF2-40B4-BE49-F238E27FC236}">
+                <a16:creationId xmlns:a16="http://schemas.microsoft.com/office/drawing/2014/main" id="{1E727CD3-0A38-4054-80DD-C537FDA35BF9}"/>
+              </a:ext>
+            </a:extLst>
+          </p:cNvPr>
+          <p:cNvSpPr>
+            <a:spLocks noGrp="1"/>
+          </p:cNvSpPr>
+          <p:nvPr>
+            <p:ph type="title"/>
+          </p:nvPr>
+        </p:nvSpPr>
+        <p:spPr>
+          <a:xfrm>
+            <a:off x="838200" y="2766219"/>
+            <a:ext cx="10515600" cy="1325563"/>
+          </a:xfrm>
+        </p:spPr>
+        <p:txBody>
+          <a:bodyPr>
+            <a:normAutofit/>
+          </a:bodyPr>
+          <a:lstStyle/>
+          <a:p>
+            <a:pPr algn="ctr"/>
+            <a:r>
+              <a:rPr lang="en-NZ" sz="8800" dirty="0"/>
+              <a:t>CHOICE VARIANT (ARI)</a:t>
+            </a:r>
+          </a:p>
+        </p:txBody>
+      </p:sp>
+    </p:spTree>
+    <p:extLst>
+      <p:ext uri="{BB962C8B-B14F-4D97-AF65-F5344CB8AC3E}">
+        <p14:creationId xmlns:p14="http://schemas.microsoft.com/office/powerpoint/2010/main" val="4029311329"/>
       </p:ext>
     </p:extLst>
   </p:cSld>
@@ -7420,8 +10464,15 @@
 <file path=customXml/itemProps3.xml><?xml version="1.0" encoding="utf-8"?>
 <ds:datastoreItem xmlns:ds="http://schemas.openxmlformats.org/officeDocument/2006/customXml" ds:itemID="{6DB91C29-CAB0-48D7-B4E7-3267FF6F6AA5}">
   <ds:schemaRefs>
+    <ds:schemaRef ds:uri="http://purl.org/dc/elements/1.1/"/>
+    <ds:schemaRef ds:uri="http://schemas.microsoft.com/office/2006/documentManagement/types"/>
+    <ds:schemaRef ds:uri="http://purl.org/dc/dcmitype/"/>
     <ds:schemaRef ds:uri="http://schemas.microsoft.com/office/2006/metadata/properties"/>
+    <ds:schemaRef ds:uri="e260d761-cfdf-4ae6-a78f-4e15927c6c50"/>
+    <ds:schemaRef ds:uri="http://purl.org/dc/terms/"/>
+    <ds:schemaRef ds:uri="http://www.w3.org/XML/1998/namespace"/>
     <ds:schemaRef ds:uri="http://schemas.microsoft.com/office/infopath/2007/PartnerControls"/>
+    <ds:schemaRef ds:uri="http://schemas.openxmlformats.org/package/2006/metadata/core-properties"/>
   </ds:schemaRefs>
 </ds:datastoreItem>
 </file>